--- a/LectureSlides/12Play.pptx
+++ b/LectureSlides/12Play.pptx
@@ -4,6 +4,9 @@
   <p:sldMasterIdLst>
     <p:sldMasterId id="2147483696" r:id="rId1"/>
   </p:sldMasterIdLst>
+  <p:notesMasterIdLst>
+    <p:notesMasterId r:id="rId38"/>
+  </p:notesMasterIdLst>
   <p:sldIdLst>
     <p:sldId id="256" r:id="rId2"/>
     <p:sldId id="257" r:id="rId3"/>
@@ -26,8 +29,21 @@
     <p:sldId id="276" r:id="rId20"/>
     <p:sldId id="277" r:id="rId21"/>
     <p:sldId id="278" r:id="rId22"/>
-    <p:sldId id="279" r:id="rId23"/>
-    <p:sldId id="260" r:id="rId24"/>
+    <p:sldId id="280" r:id="rId23"/>
+    <p:sldId id="279" r:id="rId24"/>
+    <p:sldId id="260" r:id="rId25"/>
+    <p:sldId id="281" r:id="rId26"/>
+    <p:sldId id="286" r:id="rId27"/>
+    <p:sldId id="287" r:id="rId28"/>
+    <p:sldId id="288" r:id="rId29"/>
+    <p:sldId id="284" r:id="rId30"/>
+    <p:sldId id="282" r:id="rId31"/>
+    <p:sldId id="283" r:id="rId32"/>
+    <p:sldId id="289" r:id="rId33"/>
+    <p:sldId id="285" r:id="rId34"/>
+    <p:sldId id="290" r:id="rId35"/>
+    <p:sldId id="292" r:id="rId36"/>
+    <p:sldId id="291" r:id="rId37"/>
   </p:sldIdLst>
   <p:sldSz cx="12192000" cy="6858000"/>
   <p:notesSz cx="6858000" cy="9144000"/>
@@ -134,6 +150,490 @@
 </p:presentation>
 </file>
 
+<file path=ppt/notesMasters/notesMaster1.xml><?xml version="1.0" encoding="utf-8"?>
+<p:notesMaster xmlns:a="http://schemas.openxmlformats.org/drawingml/2006/main" xmlns:r="http://schemas.openxmlformats.org/officeDocument/2006/relationships" xmlns:p="http://schemas.openxmlformats.org/presentationml/2006/main">
+  <p:cSld>
+    <p:bg>
+      <p:bgRef idx="1001">
+        <a:schemeClr val="bg1"/>
+      </p:bgRef>
+    </p:bg>
+    <p:spTree>
+      <p:nvGrpSpPr>
+        <p:cNvPr id="1" name=""/>
+        <p:cNvGrpSpPr/>
+        <p:nvPr/>
+      </p:nvGrpSpPr>
+      <p:grpSpPr>
+        <a:xfrm>
+          <a:off x="0" y="0"/>
+          <a:ext cx="0" cy="0"/>
+          <a:chOff x="0" y="0"/>
+          <a:chExt cx="0" cy="0"/>
+        </a:xfrm>
+      </p:grpSpPr>
+      <p:sp>
+        <p:nvSpPr>
+          <p:cNvPr id="2" name="Header Placeholder 1"/>
+          <p:cNvSpPr>
+            <a:spLocks noGrp="1"/>
+          </p:cNvSpPr>
+          <p:nvPr>
+            <p:ph type="hdr" sz="quarter"/>
+          </p:nvPr>
+        </p:nvSpPr>
+        <p:spPr>
+          <a:xfrm>
+            <a:off x="0" y="0"/>
+            <a:ext cx="2971800" cy="458788"/>
+          </a:xfrm>
+          <a:prstGeom prst="rect">
+            <a:avLst/>
+          </a:prstGeom>
+        </p:spPr>
+        <p:txBody>
+          <a:bodyPr vert="horz" lIns="91440" tIns="45720" rIns="91440" bIns="45720" rtlCol="0"/>
+          <a:lstStyle>
+            <a:lvl1pPr algn="l">
+              <a:defRPr sz="1200"/>
+            </a:lvl1pPr>
+          </a:lstStyle>
+          <a:p>
+            <a:endParaRPr lang="en-US"/>
+          </a:p>
+        </p:txBody>
+      </p:sp>
+      <p:sp>
+        <p:nvSpPr>
+          <p:cNvPr id="3" name="Date Placeholder 2"/>
+          <p:cNvSpPr>
+            <a:spLocks noGrp="1"/>
+          </p:cNvSpPr>
+          <p:nvPr>
+            <p:ph type="dt" idx="1"/>
+          </p:nvPr>
+        </p:nvSpPr>
+        <p:spPr>
+          <a:xfrm>
+            <a:off x="3884613" y="0"/>
+            <a:ext cx="2971800" cy="458788"/>
+          </a:xfrm>
+          <a:prstGeom prst="rect">
+            <a:avLst/>
+          </a:prstGeom>
+        </p:spPr>
+        <p:txBody>
+          <a:bodyPr vert="horz" lIns="91440" tIns="45720" rIns="91440" bIns="45720" rtlCol="0"/>
+          <a:lstStyle>
+            <a:lvl1pPr algn="r">
+              <a:defRPr sz="1200"/>
+            </a:lvl1pPr>
+          </a:lstStyle>
+          <a:p>
+            <a:fld id="{E1E7BBD2-A5D0-4B1D-B889-8F7B657ECBD9}" type="datetimeFigureOut">
+              <a:rPr lang="en-US" smtClean="0"/>
+              <a:t>9/13/2023</a:t>
+            </a:fld>
+            <a:endParaRPr lang="en-US"/>
+          </a:p>
+        </p:txBody>
+      </p:sp>
+      <p:sp>
+        <p:nvSpPr>
+          <p:cNvPr id="4" name="Slide Image Placeholder 3"/>
+          <p:cNvSpPr>
+            <a:spLocks noGrp="1" noRot="1" noChangeAspect="1"/>
+          </p:cNvSpPr>
+          <p:nvPr>
+            <p:ph type="sldImg" idx="2"/>
+          </p:nvPr>
+        </p:nvSpPr>
+        <p:spPr>
+          <a:xfrm>
+            <a:off x="685800" y="1143000"/>
+            <a:ext cx="5486400" cy="3086100"/>
+          </a:xfrm>
+          <a:prstGeom prst="rect">
+            <a:avLst/>
+          </a:prstGeom>
+          <a:noFill/>
+          <a:ln w="12700">
+            <a:solidFill>
+              <a:prstClr val="black"/>
+            </a:solidFill>
+          </a:ln>
+        </p:spPr>
+        <p:txBody>
+          <a:bodyPr vert="horz" lIns="91440" tIns="45720" rIns="91440" bIns="45720" rtlCol="0" anchor="ctr"/>
+          <a:lstStyle/>
+          <a:p>
+            <a:endParaRPr lang="en-US"/>
+          </a:p>
+        </p:txBody>
+      </p:sp>
+      <p:sp>
+        <p:nvSpPr>
+          <p:cNvPr id="5" name="Notes Placeholder 4"/>
+          <p:cNvSpPr>
+            <a:spLocks noGrp="1"/>
+          </p:cNvSpPr>
+          <p:nvPr>
+            <p:ph type="body" sz="quarter" idx="3"/>
+          </p:nvPr>
+        </p:nvSpPr>
+        <p:spPr>
+          <a:xfrm>
+            <a:off x="685800" y="4400550"/>
+            <a:ext cx="5486400" cy="3600450"/>
+          </a:xfrm>
+          <a:prstGeom prst="rect">
+            <a:avLst/>
+          </a:prstGeom>
+        </p:spPr>
+        <p:txBody>
+          <a:bodyPr vert="horz" lIns="91440" tIns="45720" rIns="91440" bIns="45720" rtlCol="0"/>
+          <a:lstStyle/>
+          <a:p>
+            <a:pPr lvl="0"/>
+            <a:r>
+              <a:rPr lang="en-US"/>
+              <a:t>Click to edit Master text styles</a:t>
+            </a:r>
+          </a:p>
+          <a:p>
+            <a:pPr lvl="1"/>
+            <a:r>
+              <a:rPr lang="en-US"/>
+              <a:t>Second level</a:t>
+            </a:r>
+          </a:p>
+          <a:p>
+            <a:pPr lvl="2"/>
+            <a:r>
+              <a:rPr lang="en-US"/>
+              <a:t>Third level</a:t>
+            </a:r>
+          </a:p>
+          <a:p>
+            <a:pPr lvl="3"/>
+            <a:r>
+              <a:rPr lang="en-US"/>
+              <a:t>Fourth level</a:t>
+            </a:r>
+          </a:p>
+          <a:p>
+            <a:pPr lvl="4"/>
+            <a:r>
+              <a:rPr lang="en-US"/>
+              <a:t>Fifth level</a:t>
+            </a:r>
+          </a:p>
+        </p:txBody>
+      </p:sp>
+      <p:sp>
+        <p:nvSpPr>
+          <p:cNvPr id="6" name="Footer Placeholder 5"/>
+          <p:cNvSpPr>
+            <a:spLocks noGrp="1"/>
+          </p:cNvSpPr>
+          <p:nvPr>
+            <p:ph type="ftr" sz="quarter" idx="4"/>
+          </p:nvPr>
+        </p:nvSpPr>
+        <p:spPr>
+          <a:xfrm>
+            <a:off x="0" y="8685213"/>
+            <a:ext cx="2971800" cy="458787"/>
+          </a:xfrm>
+          <a:prstGeom prst="rect">
+            <a:avLst/>
+          </a:prstGeom>
+        </p:spPr>
+        <p:txBody>
+          <a:bodyPr vert="horz" lIns="91440" tIns="45720" rIns="91440" bIns="45720" rtlCol="0" anchor="b"/>
+          <a:lstStyle>
+            <a:lvl1pPr algn="l">
+              <a:defRPr sz="1200"/>
+            </a:lvl1pPr>
+          </a:lstStyle>
+          <a:p>
+            <a:endParaRPr lang="en-US"/>
+          </a:p>
+        </p:txBody>
+      </p:sp>
+      <p:sp>
+        <p:nvSpPr>
+          <p:cNvPr id="7" name="Slide Number Placeholder 6"/>
+          <p:cNvSpPr>
+            <a:spLocks noGrp="1"/>
+          </p:cNvSpPr>
+          <p:nvPr>
+            <p:ph type="sldNum" sz="quarter" idx="5"/>
+          </p:nvPr>
+        </p:nvSpPr>
+        <p:spPr>
+          <a:xfrm>
+            <a:off x="3884613" y="8685213"/>
+            <a:ext cx="2971800" cy="458787"/>
+          </a:xfrm>
+          <a:prstGeom prst="rect">
+            <a:avLst/>
+          </a:prstGeom>
+        </p:spPr>
+        <p:txBody>
+          <a:bodyPr vert="horz" lIns="91440" tIns="45720" rIns="91440" bIns="45720" rtlCol="0" anchor="b"/>
+          <a:lstStyle>
+            <a:lvl1pPr algn="r">
+              <a:defRPr sz="1200"/>
+            </a:lvl1pPr>
+          </a:lstStyle>
+          <a:p>
+            <a:fld id="{581640A1-DED0-4FF3-BECB-DAAADBEA5988}" type="slidenum">
+              <a:rPr lang="en-US" smtClean="0"/>
+              <a:t>‹#›</a:t>
+            </a:fld>
+            <a:endParaRPr lang="en-US"/>
+          </a:p>
+        </p:txBody>
+      </p:sp>
+    </p:spTree>
+    <p:extLst>
+      <p:ext uri="{BB962C8B-B14F-4D97-AF65-F5344CB8AC3E}">
+        <p14:creationId xmlns:p14="http://schemas.microsoft.com/office/powerpoint/2010/main" val="632395844"/>
+      </p:ext>
+    </p:extLst>
+  </p:cSld>
+  <p:clrMap bg1="lt1" tx1="dk1" bg2="lt2" tx2="dk2" accent1="accent1" accent2="accent2" accent3="accent3" accent4="accent4" accent5="accent5" accent6="accent6" hlink="hlink" folHlink="folHlink"/>
+  <p:notesStyle>
+    <a:lvl1pPr marL="0" algn="l" defTabSz="914400" rtl="0" eaLnBrk="1" latinLnBrk="0" hangingPunct="1">
+      <a:defRPr sz="1200" kern="1200">
+        <a:solidFill>
+          <a:schemeClr val="tx1"/>
+        </a:solidFill>
+        <a:latin typeface="+mn-lt"/>
+        <a:ea typeface="+mn-ea"/>
+        <a:cs typeface="+mn-cs"/>
+      </a:defRPr>
+    </a:lvl1pPr>
+    <a:lvl2pPr marL="457200" algn="l" defTabSz="914400" rtl="0" eaLnBrk="1" latinLnBrk="0" hangingPunct="1">
+      <a:defRPr sz="1200" kern="1200">
+        <a:solidFill>
+          <a:schemeClr val="tx1"/>
+        </a:solidFill>
+        <a:latin typeface="+mn-lt"/>
+        <a:ea typeface="+mn-ea"/>
+        <a:cs typeface="+mn-cs"/>
+      </a:defRPr>
+    </a:lvl2pPr>
+    <a:lvl3pPr marL="914400" algn="l" defTabSz="914400" rtl="0" eaLnBrk="1" latinLnBrk="0" hangingPunct="1">
+      <a:defRPr sz="1200" kern="1200">
+        <a:solidFill>
+          <a:schemeClr val="tx1"/>
+        </a:solidFill>
+        <a:latin typeface="+mn-lt"/>
+        <a:ea typeface="+mn-ea"/>
+        <a:cs typeface="+mn-cs"/>
+      </a:defRPr>
+    </a:lvl3pPr>
+    <a:lvl4pPr marL="1371600" algn="l" defTabSz="914400" rtl="0" eaLnBrk="1" latinLnBrk="0" hangingPunct="1">
+      <a:defRPr sz="1200" kern="1200">
+        <a:solidFill>
+          <a:schemeClr val="tx1"/>
+        </a:solidFill>
+        <a:latin typeface="+mn-lt"/>
+        <a:ea typeface="+mn-ea"/>
+        <a:cs typeface="+mn-cs"/>
+      </a:defRPr>
+    </a:lvl4pPr>
+    <a:lvl5pPr marL="1828800" algn="l" defTabSz="914400" rtl="0" eaLnBrk="1" latinLnBrk="0" hangingPunct="1">
+      <a:defRPr sz="1200" kern="1200">
+        <a:solidFill>
+          <a:schemeClr val="tx1"/>
+        </a:solidFill>
+        <a:latin typeface="+mn-lt"/>
+        <a:ea typeface="+mn-ea"/>
+        <a:cs typeface="+mn-cs"/>
+      </a:defRPr>
+    </a:lvl5pPr>
+    <a:lvl6pPr marL="2286000" algn="l" defTabSz="914400" rtl="0" eaLnBrk="1" latinLnBrk="0" hangingPunct="1">
+      <a:defRPr sz="1200" kern="1200">
+        <a:solidFill>
+          <a:schemeClr val="tx1"/>
+        </a:solidFill>
+        <a:latin typeface="+mn-lt"/>
+        <a:ea typeface="+mn-ea"/>
+        <a:cs typeface="+mn-cs"/>
+      </a:defRPr>
+    </a:lvl6pPr>
+    <a:lvl7pPr marL="2743200" algn="l" defTabSz="914400" rtl="0" eaLnBrk="1" latinLnBrk="0" hangingPunct="1">
+      <a:defRPr sz="1200" kern="1200">
+        <a:solidFill>
+          <a:schemeClr val="tx1"/>
+        </a:solidFill>
+        <a:latin typeface="+mn-lt"/>
+        <a:ea typeface="+mn-ea"/>
+        <a:cs typeface="+mn-cs"/>
+      </a:defRPr>
+    </a:lvl7pPr>
+    <a:lvl8pPr marL="3200400" algn="l" defTabSz="914400" rtl="0" eaLnBrk="1" latinLnBrk="0" hangingPunct="1">
+      <a:defRPr sz="1200" kern="1200">
+        <a:solidFill>
+          <a:schemeClr val="tx1"/>
+        </a:solidFill>
+        <a:latin typeface="+mn-lt"/>
+        <a:ea typeface="+mn-ea"/>
+        <a:cs typeface="+mn-cs"/>
+      </a:defRPr>
+    </a:lvl8pPr>
+    <a:lvl9pPr marL="3657600" algn="l" defTabSz="914400" rtl="0" eaLnBrk="1" latinLnBrk="0" hangingPunct="1">
+      <a:defRPr sz="1200" kern="1200">
+        <a:solidFill>
+          <a:schemeClr val="tx1"/>
+        </a:solidFill>
+        <a:latin typeface="+mn-lt"/>
+        <a:ea typeface="+mn-ea"/>
+        <a:cs typeface="+mn-cs"/>
+      </a:defRPr>
+    </a:lvl9pPr>
+  </p:notesStyle>
+</p:notesMaster>
+</file>
+
+<file path=ppt/notesSlides/notesSlide1.xml><?xml version="1.0" encoding="utf-8"?>
+<p:notes xmlns:a="http://schemas.openxmlformats.org/drawingml/2006/main" xmlns:r="http://schemas.openxmlformats.org/officeDocument/2006/relationships" xmlns:p="http://schemas.openxmlformats.org/presentationml/2006/main">
+  <p:cSld>
+    <p:spTree>
+      <p:nvGrpSpPr>
+        <p:cNvPr id="1" name=""/>
+        <p:cNvGrpSpPr/>
+        <p:nvPr/>
+      </p:nvGrpSpPr>
+      <p:grpSpPr>
+        <a:xfrm>
+          <a:off x="0" y="0"/>
+          <a:ext cx="0" cy="0"/>
+          <a:chOff x="0" y="0"/>
+          <a:chExt cx="0" cy="0"/>
+        </a:xfrm>
+      </p:grpSpPr>
+      <p:sp>
+        <p:nvSpPr>
+          <p:cNvPr id="2" name="Slide Image Placeholder 1"/>
+          <p:cNvSpPr>
+            <a:spLocks noGrp="1" noRot="1" noChangeAspect="1"/>
+          </p:cNvSpPr>
+          <p:nvPr>
+            <p:ph type="sldImg"/>
+          </p:nvPr>
+        </p:nvSpPr>
+        <p:spPr/>
+      </p:sp>
+      <p:sp>
+        <p:nvSpPr>
+          <p:cNvPr id="3" name="Notes Placeholder 2"/>
+          <p:cNvSpPr>
+            <a:spLocks noGrp="1"/>
+          </p:cNvSpPr>
+          <p:nvPr>
+            <p:ph type="body" idx="1"/>
+          </p:nvPr>
+        </p:nvSpPr>
+        <p:spPr/>
+        <p:txBody>
+          <a:bodyPr/>
+          <a:lstStyle/>
+          <a:p>
+            <a:r>
+              <a:rPr lang="en-US" dirty="0"/>
+              <a:t>This program is an exploration of color. In an HSB (aka HSV) color space, each color is represented by its hue, saturation, and brightness (aka value). Saturation is a number that is 0 when the color is completely gray and is at its maximum value when the color is as not-gray as possible. The program displays a rainbow pattern and interactively updates the saturation of each column whenever you move the mouse.</a:t>
+            </a:r>
+          </a:p>
+          <a:p>
+            <a:r>
+              <a:rPr lang="en-US" dirty="0"/>
+              <a:t>Processing uses a C-like syntax. Variables can be defined outside of functions, and must be given types. This program defines integer variables </a:t>
+            </a:r>
+            <a:r>
+              <a:rPr lang="en-US" dirty="0" err="1"/>
+              <a:t>barWidth</a:t>
+            </a:r>
+            <a:r>
+              <a:rPr lang="en-US" dirty="0"/>
+              <a:t> and </a:t>
+            </a:r>
+            <a:r>
+              <a:rPr lang="en-US" dirty="0" err="1"/>
+              <a:t>lastBar</a:t>
+            </a:r>
+            <a:r>
+              <a:rPr lang="en-US" dirty="0"/>
+              <a:t>, respectively for the width of bars to draw and the x-position of the most recent bar drawn.</a:t>
+            </a:r>
+          </a:p>
+          <a:p>
+            <a:r>
+              <a:rPr lang="en-US" dirty="0"/>
+              <a:t>The most important functions in a Processing program are named setup() and draw(); the have no arguments or return values. The setup() function is called once at the beginning of the program to set up the drawing area, etc. The draw() function is run repeatedly to draw the screen, and is the main part of the program.</a:t>
+            </a:r>
+          </a:p>
+          <a:p>
+            <a:r>
+              <a:rPr lang="en-US" dirty="0"/>
+              <a:t>Here, the setup() function sets the canvas size, sets an HSB color space scaled to a maximum value of 100 and </a:t>
+            </a:r>
+            <a:r>
+              <a:rPr lang="en-US" dirty="0" err="1"/>
+              <a:t>noStroke</a:t>
+            </a:r>
+            <a:r>
+              <a:rPr lang="en-US" dirty="0"/>
+              <a:t>() indicates not to draw the outlines of shapes.</a:t>
+            </a:r>
+          </a:p>
+          <a:p>
+            <a:r>
+              <a:rPr lang="en-US" dirty="0"/>
+              <a:t>The main draw() function checks whether the mouse has moved. If so, it sets the fill color based on the Y coordinate of the mouse, draws a rectangle in that color, and remembers the mouse position.</a:t>
+            </a:r>
+          </a:p>
+        </p:txBody>
+      </p:sp>
+      <p:sp>
+        <p:nvSpPr>
+          <p:cNvPr id="4" name="Slide Number Placeholder 3"/>
+          <p:cNvSpPr>
+            <a:spLocks noGrp="1"/>
+          </p:cNvSpPr>
+          <p:nvPr>
+            <p:ph type="sldNum" sz="quarter" idx="5"/>
+          </p:nvPr>
+        </p:nvSpPr>
+        <p:spPr/>
+        <p:txBody>
+          <a:bodyPr/>
+          <a:lstStyle/>
+          <a:p>
+            <a:fld id="{581640A1-DED0-4FF3-BECB-DAAADBEA5988}" type="slidenum">
+              <a:rPr lang="en-US" smtClean="0"/>
+              <a:t>26</a:t>
+            </a:fld>
+            <a:endParaRPr lang="en-US"/>
+          </a:p>
+        </p:txBody>
+      </p:sp>
+    </p:spTree>
+    <p:extLst>
+      <p:ext uri="{BB962C8B-B14F-4D97-AF65-F5344CB8AC3E}">
+        <p14:creationId xmlns:p14="http://schemas.microsoft.com/office/powerpoint/2010/main" val="765624753"/>
+      </p:ext>
+    </p:extLst>
+  </p:cSld>
+  <p:clrMapOvr>
+    <a:masterClrMapping/>
+  </p:clrMapOvr>
+</p:notes>
+</file>
+
 <file path=ppt/slideLayouts/slideLayout1.xml><?xml version="1.0" encoding="utf-8"?>
 <p:sldLayout xmlns:a="http://schemas.openxmlformats.org/drawingml/2006/main" xmlns:r="http://schemas.openxmlformats.org/officeDocument/2006/relationships" xmlns:p="http://schemas.openxmlformats.org/presentationml/2006/main" showMasterSp="0" type="title" preserve="1">
   <p:cSld name="Title Slide">
@@ -358,7 +858,7 @@
           <a:p>
             <a:fld id="{DF0DA02A-3D36-4521-B995-F6A931B35345}" type="datetimeFigureOut">
               <a:rPr lang="en-US" smtClean="0"/>
-              <a:t>9/12/2023</a:t>
+              <a:t>9/13/2023</a:t>
             </a:fld>
             <a:endParaRPr lang="en-US"/>
           </a:p>
@@ -566,7 +1066,7 @@
           <a:p>
             <a:fld id="{DF0DA02A-3D36-4521-B995-F6A931B35345}" type="datetimeFigureOut">
               <a:rPr lang="en-US" smtClean="0"/>
-              <a:t>9/12/2023</a:t>
+              <a:t>9/13/2023</a:t>
             </a:fld>
             <a:endParaRPr lang="en-US"/>
           </a:p>
@@ -822,7 +1322,7 @@
           <a:p>
             <a:fld id="{DF0DA02A-3D36-4521-B995-F6A931B35345}" type="datetimeFigureOut">
               <a:rPr lang="en-US" smtClean="0"/>
-              <a:t>9/12/2023</a:t>
+              <a:t>9/13/2023</a:t>
             </a:fld>
             <a:endParaRPr lang="en-US"/>
           </a:p>
@@ -1007,7 +1507,7 @@
           <a:p>
             <a:fld id="{DF0DA02A-3D36-4521-B995-F6A931B35345}" type="datetimeFigureOut">
               <a:rPr lang="en-US" smtClean="0"/>
-              <a:t>9/12/2023</a:t>
+              <a:t>9/13/2023</a:t>
             </a:fld>
             <a:endParaRPr lang="en-US"/>
           </a:p>
@@ -1350,7 +1850,7 @@
           <a:p>
             <a:fld id="{DF0DA02A-3D36-4521-B995-F6A931B35345}" type="datetimeFigureOut">
               <a:rPr lang="en-US" smtClean="0"/>
-              <a:t>9/12/2023</a:t>
+              <a:t>9/13/2023</a:t>
             </a:fld>
             <a:endParaRPr lang="en-US"/>
           </a:p>
@@ -1655,7 +2155,7 @@
           <a:p>
             <a:fld id="{DF0DA02A-3D36-4521-B995-F6A931B35345}" type="datetimeFigureOut">
               <a:rPr lang="en-US" smtClean="0"/>
-              <a:t>9/12/2023</a:t>
+              <a:t>9/13/2023</a:t>
             </a:fld>
             <a:endParaRPr lang="en-US"/>
           </a:p>
@@ -2064,7 +2564,7 @@
           <a:p>
             <a:fld id="{DF0DA02A-3D36-4521-B995-F6A931B35345}" type="datetimeFigureOut">
               <a:rPr lang="en-US" smtClean="0"/>
-              <a:t>9/12/2023</a:t>
+              <a:t>9/13/2023</a:t>
             </a:fld>
             <a:endParaRPr lang="en-US"/>
           </a:p>
@@ -2182,7 +2682,7 @@
           <a:p>
             <a:fld id="{DF0DA02A-3D36-4521-B995-F6A931B35345}" type="datetimeFigureOut">
               <a:rPr lang="en-US" smtClean="0"/>
-              <a:t>9/12/2023</a:t>
+              <a:t>9/13/2023</a:t>
             </a:fld>
             <a:endParaRPr lang="en-US"/>
           </a:p>
@@ -2353,7 +2853,7 @@
           <a:p>
             <a:fld id="{DF0DA02A-3D36-4521-B995-F6A931B35345}" type="datetimeFigureOut">
               <a:rPr lang="en-US" smtClean="0"/>
-              <a:t>9/12/2023</a:t>
+              <a:t>9/13/2023</a:t>
             </a:fld>
             <a:endParaRPr lang="en-US"/>
           </a:p>
@@ -2722,7 +3222,7 @@
           <a:p>
             <a:fld id="{DF0DA02A-3D36-4521-B995-F6A931B35345}" type="datetimeFigureOut">
               <a:rPr lang="en-US" smtClean="0"/>
-              <a:t>9/12/2023</a:t>
+              <a:t>9/13/2023</a:t>
             </a:fld>
             <a:endParaRPr lang="en-US"/>
           </a:p>
@@ -3099,7 +3599,7 @@
           <a:p>
             <a:fld id="{DF0DA02A-3D36-4521-B995-F6A931B35345}" type="datetimeFigureOut">
               <a:rPr lang="en-US" smtClean="0"/>
-              <a:t>9/12/2023</a:t>
+              <a:t>9/13/2023</a:t>
             </a:fld>
             <a:endParaRPr lang="en-US"/>
           </a:p>
@@ -3386,7 +3886,7 @@
           <a:p>
             <a:fld id="{DF0DA02A-3D36-4521-B995-F6A931B35345}" type="datetimeFigureOut">
               <a:rPr lang="en-US" smtClean="0"/>
-              <a:t>9/12/2023</a:t>
+              <a:t>9/13/2023</a:t>
             </a:fld>
             <a:endParaRPr lang="en-US"/>
           </a:p>
@@ -4837,8 +5337,8 @@
           </a:p>
         </p:txBody>
       </p:sp>
-      <mc:AlternateContent xmlns:mc="http://schemas.openxmlformats.org/markup-compatibility/2006">
-        <mc:Choice xmlns:a14="http://schemas.microsoft.com/office/drawing/2010/main" Requires="a14">
+      <mc:AlternateContent xmlns:mc="http://schemas.openxmlformats.org/markup-compatibility/2006" xmlns:a14="http://schemas.microsoft.com/office/drawing/2010/main">
+        <mc:Choice Requires="a14">
           <p:sp>
             <p:nvSpPr>
               <p:cNvPr id="3" name="Content Placeholder 2">
@@ -5257,7 +5757,7 @@
             </p:txBody>
           </p:sp>
         </mc:Choice>
-        <mc:Fallback>
+        <mc:Fallback xmlns="">
           <p:sp>
             <p:nvSpPr>
               <p:cNvPr id="3" name="Content Placeholder 2">
@@ -5355,8 +5855,8 @@
           </a:p>
         </p:txBody>
       </p:sp>
-      <mc:AlternateContent xmlns:mc="http://schemas.openxmlformats.org/markup-compatibility/2006">
-        <mc:Choice xmlns:a14="http://schemas.microsoft.com/office/drawing/2010/main" Requires="a14">
+      <mc:AlternateContent xmlns:mc="http://schemas.openxmlformats.org/markup-compatibility/2006" xmlns:a14="http://schemas.microsoft.com/office/drawing/2010/main">
+        <mc:Choice Requires="a14">
           <p:sp>
             <p:nvSpPr>
               <p:cNvPr id="3" name="Content Placeholder 2">
@@ -5471,7 +5971,7 @@
             </p:txBody>
           </p:sp>
         </mc:Choice>
-        <mc:Fallback>
+        <mc:Fallback xmlns="">
           <p:sp>
             <p:nvSpPr>
               <p:cNvPr id="3" name="Content Placeholder 2">
@@ -5612,8 +6112,8 @@
           </a:p>
         </p:txBody>
       </p:sp>
-      <mc:AlternateContent xmlns:mc="http://schemas.openxmlformats.org/markup-compatibility/2006">
-        <mc:Choice xmlns:a14="http://schemas.microsoft.com/office/drawing/2010/main" Requires="a14">
+      <mc:AlternateContent xmlns:mc="http://schemas.openxmlformats.org/markup-compatibility/2006" xmlns:a14="http://schemas.microsoft.com/office/drawing/2010/main">
+        <mc:Choice Requires="a14">
           <p:sp>
             <p:nvSpPr>
               <p:cNvPr id="3" name="Content Placeholder 2">
@@ -5733,7 +6233,7 @@
             </p:txBody>
           </p:sp>
         </mc:Choice>
-        <mc:Fallback>
+        <mc:Fallback xmlns="">
           <p:sp>
             <p:nvSpPr>
               <p:cNvPr id="3" name="Content Placeholder 2">
@@ -5820,8 +6320,8 @@
           </a:fontRef>
         </p:style>
       </p:cxnSp>
-      <mc:AlternateContent xmlns:mc="http://schemas.openxmlformats.org/markup-compatibility/2006">
-        <mc:Choice xmlns:a14="http://schemas.microsoft.com/office/drawing/2010/main" Requires="a14">
+      <mc:AlternateContent xmlns:mc="http://schemas.openxmlformats.org/markup-compatibility/2006" xmlns:a14="http://schemas.microsoft.com/office/drawing/2010/main">
+        <mc:Choice Requires="a14">
           <p:sp>
             <p:nvSpPr>
               <p:cNvPr id="4" name="Content Placeholder 2">
@@ -6345,7 +6845,7 @@
             </p:txBody>
           </p:sp>
         </mc:Choice>
-        <mc:Fallback>
+        <mc:Fallback xmlns="">
           <p:sp>
             <p:nvSpPr>
               <p:cNvPr id="4" name="Content Placeholder 2">
@@ -6390,8 +6890,8 @@
           </p:sp>
         </mc:Fallback>
       </mc:AlternateContent>
-      <mc:AlternateContent xmlns:mc="http://schemas.openxmlformats.org/markup-compatibility/2006">
-        <mc:Choice xmlns:a14="http://schemas.microsoft.com/office/drawing/2010/main" Requires="a14">
+      <mc:AlternateContent xmlns:mc="http://schemas.openxmlformats.org/markup-compatibility/2006" xmlns:a14="http://schemas.microsoft.com/office/drawing/2010/main">
+        <mc:Choice Requires="a14">
           <p:sp>
             <p:nvSpPr>
               <p:cNvPr id="5" name="Content Placeholder 2">
@@ -6815,7 +7315,7 @@
             </p:txBody>
           </p:sp>
         </mc:Choice>
-        <mc:Fallback>
+        <mc:Fallback xmlns="">
           <p:sp>
             <p:nvSpPr>
               <p:cNvPr id="5" name="Content Placeholder 2">
@@ -6860,8 +7360,8 @@
           </p:sp>
         </mc:Fallback>
       </mc:AlternateContent>
-      <mc:AlternateContent xmlns:mc="http://schemas.openxmlformats.org/markup-compatibility/2006">
-        <mc:Choice xmlns:a14="http://schemas.microsoft.com/office/drawing/2010/main" Requires="a14">
+      <mc:AlternateContent xmlns:mc="http://schemas.openxmlformats.org/markup-compatibility/2006" xmlns:a14="http://schemas.microsoft.com/office/drawing/2010/main">
+        <mc:Choice Requires="a14">
           <p:sp>
             <p:nvSpPr>
               <p:cNvPr id="6" name="Content Placeholder 2">
@@ -7253,7 +7753,7 @@
             </p:txBody>
           </p:sp>
         </mc:Choice>
-        <mc:Fallback>
+        <mc:Fallback xmlns="">
           <p:sp>
             <p:nvSpPr>
               <p:cNvPr id="6" name="Content Placeholder 2">
@@ -8641,8 +9141,8 @@
           </a:p>
         </p:txBody>
       </p:sp>
-      <mc:AlternateContent xmlns:mc="http://schemas.openxmlformats.org/markup-compatibility/2006">
-        <mc:Choice xmlns:a14="http://schemas.microsoft.com/office/drawing/2010/main" Requires="a14">
+      <mc:AlternateContent xmlns:mc="http://schemas.openxmlformats.org/markup-compatibility/2006" xmlns:a14="http://schemas.microsoft.com/office/drawing/2010/main">
+        <mc:Choice Requires="a14">
           <p:sp>
             <p:nvSpPr>
               <p:cNvPr id="3" name="Content Placeholder 2">
@@ -9094,7 +9594,7 @@
             </p:txBody>
           </p:sp>
         </mc:Choice>
-        <mc:Fallback>
+        <mc:Fallback xmlns="">
           <p:sp>
             <p:nvSpPr>
               <p:cNvPr id="3" name="Content Placeholder 2">
@@ -9191,7 +9691,7 @@
           <a:p>
             <a:r>
               <a:rPr lang="en-US" dirty="0"/>
-              <a:t>Recall: Pumping Lemma</a:t>
+              <a:t>Recall: Pumping Lemma for RE</a:t>
             </a:r>
           </a:p>
         </p:txBody>
@@ -9222,25 +9722,82 @@
           <a:bodyPr/>
           <a:lstStyle/>
           <a:p>
+            <a:r>
+              <a:rPr lang="en-US" b="1" dirty="0"/>
+              <a:t>Formally: </a:t>
+            </a:r>
+            <a:r>
+              <a:rPr lang="en-US" dirty="0"/>
+              <a:t>The pumping lemma shows that every RE behaves like a loop when the string is long enough*:</a:t>
+            </a:r>
+          </a:p>
+          <a:p>
+            <a:r>
+              <a:rPr lang="en-US" dirty="0"/>
+              <a:t>Let r be an RE. Then r has a pumping length n such that for all strings s of length at least n:</a:t>
+            </a:r>
+          </a:p>
+          <a:p>
             <a:pPr lvl="1"/>
             <a:r>
               <a:rPr lang="en-US" dirty="0"/>
-              <a:t>Let’s see what we can do with some old theory</a:t>
+              <a:t>n can be split into some s1s2s3 where</a:t>
             </a:r>
           </a:p>
           <a:p>
             <a:pPr lvl="1"/>
             <a:r>
               <a:rPr lang="en-US" dirty="0"/>
-              <a:t>(For RE)</a:t>
+              <a:t>s1(s2^k)s3 in L(r) </a:t>
+            </a:r>
+            <a:r>
+              <a:rPr lang="en-US" dirty="0" err="1"/>
+              <a:t>iff</a:t>
+            </a:r>
+            <a:r>
+              <a:rPr lang="en-US" dirty="0"/>
+              <a:t> s1s2s3 in L(r) for all natural numbers k</a:t>
             </a:r>
           </a:p>
           <a:p>
             <a:pPr lvl="1"/>
             <a:r>
               <a:rPr lang="en-US" dirty="0"/>
-              <a:t>(For DFA)</a:t>
-            </a:r>
+              <a:t>E.g. s1s3 in L(r) and s1s2s3 in L(r)</a:t>
+            </a:r>
+          </a:p>
+          <a:p>
+            <a:r>
+              <a:rPr lang="en-US" b="1" dirty="0"/>
+              <a:t>Understanding check:</a:t>
+            </a:r>
+            <a:r>
+              <a:rPr lang="en-US" dirty="0"/>
+              <a:t> If r = a(</a:t>
+            </a:r>
+            <a:r>
+              <a:rPr lang="en-US" dirty="0" err="1"/>
+              <a:t>bc</a:t>
+            </a:r>
+            <a:r>
+              <a:rPr lang="en-US" dirty="0"/>
+              <a:t>)*d and s = </a:t>
+            </a:r>
+            <a:r>
+              <a:rPr lang="en-US" dirty="0" err="1"/>
+              <a:t>abcbcd</a:t>
+            </a:r>
+            <a:r>
+              <a:rPr lang="en-US" dirty="0"/>
+              <a:t> then s1s2s3 = ??? </a:t>
+            </a:r>
+            <a:endParaRPr lang="en-US" b="1" dirty="0"/>
+          </a:p>
+          <a:p>
+            <a:pPr marL="201168" lvl="1" indent="0">
+              <a:buNone/>
+            </a:pPr>
+            <a:endParaRPr lang="en-US" dirty="0"/>
           </a:p>
         </p:txBody>
       </p:sp>
@@ -9279,7 +9836,7 @@
           <p:cNvPr id="2" name="Title 1">
             <a:extLst>
               <a:ext uri="{FF2B5EF4-FFF2-40B4-BE49-F238E27FC236}">
-                <a16:creationId xmlns:a16="http://schemas.microsoft.com/office/drawing/2014/main" id="{8A221EDF-DFA4-DD9B-F324-A1252B1F34BA}"/>
+                <a16:creationId xmlns:a16="http://schemas.microsoft.com/office/drawing/2014/main" id="{B943E4A9-193F-7A41-A2E0-49BCDF50B26F}"/>
               </a:ext>
             </a:extLst>
           </p:cNvPr>
@@ -9297,7 +9854,7 @@
           <a:p>
             <a:r>
               <a:rPr lang="en-US" dirty="0"/>
-              <a:t>Twine Theorems</a:t>
+              <a:t>Next: Pumping Lemma for DFA</a:t>
             </a:r>
           </a:p>
         </p:txBody>
@@ -9307,7 +9864,7 @@
           <p:cNvPr id="3" name="Content Placeholder 2">
             <a:extLst>
               <a:ext uri="{FF2B5EF4-FFF2-40B4-BE49-F238E27FC236}">
-                <a16:creationId xmlns:a16="http://schemas.microsoft.com/office/drawing/2014/main" id="{DB52A34A-A38C-E575-5199-4A075B5FB7D0}"/>
+                <a16:creationId xmlns:a16="http://schemas.microsoft.com/office/drawing/2014/main" id="{58EF6818-3939-366E-BFBD-2D5B21B71D6D}"/>
               </a:ext>
             </a:extLst>
           </p:cNvPr>
@@ -9318,19 +9875,134 @@
             <p:ph idx="1"/>
           </p:nvPr>
         </p:nvSpPr>
-        <p:spPr/>
+        <p:spPr>
+          <a:xfrm>
+            <a:off x="1097280" y="1885491"/>
+            <a:ext cx="10058400" cy="4023360"/>
+          </a:xfrm>
+        </p:spPr>
         <p:txBody>
           <a:bodyPr/>
           <a:lstStyle/>
           <a:p>
-            <a:endParaRPr lang="en-US"/>
+            <a:r>
+              <a:rPr lang="en-US" b="1" dirty="0"/>
+              <a:t>Formally: </a:t>
+            </a:r>
+            <a:r>
+              <a:rPr lang="en-US" dirty="0"/>
+              <a:t>The pumping lemma shows that every DFA behaves like a loop when the string is long enough*:</a:t>
+            </a:r>
+          </a:p>
+          <a:p>
+            <a:r>
+              <a:rPr lang="en-US" dirty="0"/>
+              <a:t>Let </a:t>
+            </a:r>
+            <a:r>
+              <a:rPr lang="en-US" dirty="0" err="1"/>
+              <a:t>dfa</a:t>
+            </a:r>
+            <a:r>
+              <a:rPr lang="en-US" dirty="0"/>
+              <a:t> = (Q, </a:t>
+            </a:r>
+            <a:r>
+              <a:rPr lang="el-GR" dirty="0"/>
+              <a:t>Σ</a:t>
+            </a:r>
+            <a:r>
+              <a:rPr lang="en-US" dirty="0"/>
+              <a:t>, </a:t>
+            </a:r>
+            <a:r>
+              <a:rPr lang="el-GR" dirty="0"/>
+              <a:t>δ</a:t>
+            </a:r>
+            <a:r>
+              <a:rPr lang="en-US" dirty="0"/>
+              <a:t>, q0, F) be a DFA. Then the pumping length is n=|Q|, the number of states. For all strings s of length at least n:</a:t>
+            </a:r>
+          </a:p>
+          <a:p>
+            <a:pPr lvl="1"/>
+            <a:r>
+              <a:rPr lang="en-US" dirty="0"/>
+              <a:t>n can be split into some s1s2s3 where</a:t>
+            </a:r>
+          </a:p>
+          <a:p>
+            <a:pPr lvl="1"/>
+            <a:r>
+              <a:rPr lang="en-US" dirty="0"/>
+              <a:t>s1(s2^k)s3 in L(</a:t>
+            </a:r>
+            <a:r>
+              <a:rPr lang="en-US" dirty="0" err="1"/>
+              <a:t>dfa</a:t>
+            </a:r>
+            <a:r>
+              <a:rPr lang="en-US" dirty="0"/>
+              <a:t>) </a:t>
+            </a:r>
+            <a:r>
+              <a:rPr lang="en-US" dirty="0" err="1"/>
+              <a:t>iff</a:t>
+            </a:r>
+            <a:r>
+              <a:rPr lang="en-US" dirty="0"/>
+              <a:t> s1s2s3 in L(</a:t>
+            </a:r>
+            <a:r>
+              <a:rPr lang="en-US" dirty="0" err="1"/>
+              <a:t>dfa</a:t>
+            </a:r>
+            <a:r>
+              <a:rPr lang="en-US" dirty="0"/>
+              <a:t>) for all natural numbers k</a:t>
+            </a:r>
+          </a:p>
+          <a:p>
+            <a:pPr lvl="1"/>
+            <a:r>
+              <a:rPr lang="en-US" dirty="0"/>
+              <a:t>E.g. s1s3 in L(</a:t>
+            </a:r>
+            <a:r>
+              <a:rPr lang="en-US" dirty="0" err="1"/>
+              <a:t>dfa</a:t>
+            </a:r>
+            <a:r>
+              <a:rPr lang="en-US" dirty="0"/>
+              <a:t>) and s1s2s3 in L(</a:t>
+            </a:r>
+            <a:r>
+              <a:rPr lang="en-US" dirty="0" err="1"/>
+              <a:t>dfa</a:t>
+            </a:r>
+            <a:r>
+              <a:rPr lang="en-US" dirty="0"/>
+              <a:t>)</a:t>
+            </a:r>
+          </a:p>
+          <a:p>
+            <a:r>
+              <a:rPr lang="en-US" b="1" dirty="0"/>
+              <a:t>What does this mean for Twine???</a:t>
+            </a:r>
+          </a:p>
+          <a:p>
+            <a:pPr marL="201168" lvl="1" indent="0">
+              <a:buNone/>
+            </a:pPr>
+            <a:endParaRPr lang="en-US" dirty="0"/>
           </a:p>
         </p:txBody>
       </p:sp>
     </p:spTree>
     <p:extLst>
       <p:ext uri="{BB962C8B-B14F-4D97-AF65-F5344CB8AC3E}">
-        <p14:creationId xmlns:p14="http://schemas.microsoft.com/office/powerpoint/2010/main" val="145195028"/>
+        <p14:creationId xmlns:p14="http://schemas.microsoft.com/office/powerpoint/2010/main" val="2790999673"/>
       </p:ext>
     </p:extLst>
   </p:cSld>
@@ -9362,6 +10034,177 @@
           <p:cNvPr id="2" name="Title 1">
             <a:extLst>
               <a:ext uri="{FF2B5EF4-FFF2-40B4-BE49-F238E27FC236}">
+                <a16:creationId xmlns:a16="http://schemas.microsoft.com/office/drawing/2014/main" id="{8A221EDF-DFA4-DD9B-F324-A1252B1F34BA}"/>
+              </a:ext>
+            </a:extLst>
+          </p:cNvPr>
+          <p:cNvSpPr>
+            <a:spLocks noGrp="1"/>
+          </p:cNvSpPr>
+          <p:nvPr>
+            <p:ph type="title"/>
+          </p:nvPr>
+        </p:nvSpPr>
+        <p:spPr/>
+        <p:txBody>
+          <a:bodyPr/>
+          <a:lstStyle/>
+          <a:p>
+            <a:r>
+              <a:rPr lang="en-US" dirty="0"/>
+              <a:t>Twine Theorems</a:t>
+            </a:r>
+          </a:p>
+        </p:txBody>
+      </p:sp>
+      <p:sp>
+        <p:nvSpPr>
+          <p:cNvPr id="3" name="Content Placeholder 2">
+            <a:extLst>
+              <a:ext uri="{FF2B5EF4-FFF2-40B4-BE49-F238E27FC236}">
+                <a16:creationId xmlns:a16="http://schemas.microsoft.com/office/drawing/2014/main" id="{DB52A34A-A38C-E575-5199-4A075B5FB7D0}"/>
+              </a:ext>
+            </a:extLst>
+          </p:cNvPr>
+          <p:cNvSpPr>
+            <a:spLocks noGrp="1"/>
+          </p:cNvSpPr>
+          <p:nvPr>
+            <p:ph idx="1"/>
+          </p:nvPr>
+        </p:nvSpPr>
+        <p:spPr/>
+        <p:txBody>
+          <a:bodyPr>
+            <a:normAutofit fontScale="92500"/>
+          </a:bodyPr>
+          <a:lstStyle/>
+          <a:p>
+            <a:r>
+              <a:rPr lang="en-US" b="1" dirty="0"/>
+              <a:t>Theorem </a:t>
+            </a:r>
+            <a:r>
+              <a:rPr lang="en-US" dirty="0"/>
+              <a:t>[Bounding Shortest Winning Play] Let </a:t>
+            </a:r>
+            <a:r>
+              <a:rPr lang="en-US" i="1" dirty="0"/>
+              <a:t>m </a:t>
+            </a:r>
+            <a:r>
+              <a:rPr lang="en-US" dirty="0"/>
+              <a:t>be a (winnable) Twine game containing </a:t>
+            </a:r>
+            <a:r>
+              <a:rPr lang="en-US" i="1" dirty="0"/>
+              <a:t>k</a:t>
+            </a:r>
+            <a:r>
+              <a:rPr lang="en-US" dirty="0"/>
+              <a:t> prompts. Then the game can be won in at most k steps of play.</a:t>
+            </a:r>
+          </a:p>
+          <a:p>
+            <a:r>
+              <a:rPr lang="en-US" i="1" dirty="0"/>
+              <a:t>Proof: </a:t>
+            </a:r>
+            <a:r>
+              <a:rPr lang="en-US" dirty="0"/>
+              <a:t>Given a play longer than </a:t>
+            </a:r>
+            <a:r>
+              <a:rPr lang="en-US" i="1" dirty="0"/>
+              <a:t>k</a:t>
+            </a:r>
+            <a:r>
+              <a:rPr lang="en-US" dirty="0"/>
+              <a:t>, a cycle exists by the pumping lemma. That cycle can be removed without affecting result.</a:t>
+            </a:r>
+          </a:p>
+          <a:p>
+            <a:r>
+              <a:rPr lang="en-US" b="1" dirty="0"/>
+              <a:t>Theorem </a:t>
+            </a:r>
+            <a:r>
+              <a:rPr lang="en-US" dirty="0"/>
+              <a:t>[Unbounding Longest Winning Play] Let </a:t>
+            </a:r>
+            <a:r>
+              <a:rPr lang="en-US" i="1" dirty="0"/>
+              <a:t>m</a:t>
+            </a:r>
+            <a:r>
+              <a:rPr lang="en-US" dirty="0"/>
+              <a:t> be a (winnable) Twine game containing </a:t>
+            </a:r>
+            <a:r>
+              <a:rPr lang="en-US" i="1" dirty="0"/>
+              <a:t>k</a:t>
+            </a:r>
+            <a:r>
+              <a:rPr lang="en-US" dirty="0"/>
+              <a:t> prompts. If any winning play contains a cycle (e.g. if it is length </a:t>
+            </a:r>
+            <a:r>
+              <a:rPr lang="en-US" i="1" dirty="0"/>
+              <a:t>k</a:t>
+            </a:r>
+            <a:r>
+              <a:rPr lang="en-US" dirty="0"/>
+              <a:t>), then there exist arbitrarily long winning plays.</a:t>
+            </a:r>
+          </a:p>
+          <a:p>
+            <a:r>
+              <a:rPr lang="en-US" i="1" dirty="0"/>
+              <a:t>Proof: </a:t>
+            </a:r>
+            <a:r>
+              <a:rPr lang="en-US" dirty="0"/>
+              <a:t>By the pumping lemma, the cycle can be repeated</a:t>
+            </a:r>
+            <a:endParaRPr lang="en-US" i="1" dirty="0"/>
+          </a:p>
+        </p:txBody>
+      </p:sp>
+    </p:spTree>
+    <p:extLst>
+      <p:ext uri="{BB962C8B-B14F-4D97-AF65-F5344CB8AC3E}">
+        <p14:creationId xmlns:p14="http://schemas.microsoft.com/office/powerpoint/2010/main" val="145195028"/>
+      </p:ext>
+    </p:extLst>
+  </p:cSld>
+  <p:clrMapOvr>
+    <a:masterClrMapping/>
+  </p:clrMapOvr>
+</p:sld>
+</file>
+
+<file path=ppt/slides/slide24.xml><?xml version="1.0" encoding="utf-8"?>
+<p:sld xmlns:a="http://schemas.openxmlformats.org/drawingml/2006/main" xmlns:r="http://schemas.openxmlformats.org/officeDocument/2006/relationships" xmlns:p="http://schemas.openxmlformats.org/presentationml/2006/main">
+  <p:cSld>
+    <p:spTree>
+      <p:nvGrpSpPr>
+        <p:cNvPr id="1" name=""/>
+        <p:cNvGrpSpPr/>
+        <p:nvPr/>
+      </p:nvGrpSpPr>
+      <p:grpSpPr>
+        <a:xfrm>
+          <a:off x="0" y="0"/>
+          <a:ext cx="0" cy="0"/>
+          <a:chOff x="0" y="0"/>
+          <a:chExt cx="0" cy="0"/>
+        </a:xfrm>
+      </p:grpSpPr>
+      <p:sp>
+        <p:nvSpPr>
+          <p:cNvPr id="2" name="Title 1">
+            <a:extLst>
+              <a:ext uri="{FF2B5EF4-FFF2-40B4-BE49-F238E27FC236}">
                 <a16:creationId xmlns:a16="http://schemas.microsoft.com/office/drawing/2014/main" id="{DE49F979-69E4-A014-E3BE-CB5129A45249}"/>
               </a:ext>
             </a:extLst>
@@ -9414,6 +10257,881 @@
     <p:extLst>
       <p:ext uri="{BB962C8B-B14F-4D97-AF65-F5344CB8AC3E}">
         <p14:creationId xmlns:p14="http://schemas.microsoft.com/office/powerpoint/2010/main" val="19274484"/>
+      </p:ext>
+    </p:extLst>
+  </p:cSld>
+  <p:clrMapOvr>
+    <a:masterClrMapping/>
+  </p:clrMapOvr>
+</p:sld>
+</file>
+
+<file path=ppt/slides/slide25.xml><?xml version="1.0" encoding="utf-8"?>
+<p:sld xmlns:a="http://schemas.openxmlformats.org/drawingml/2006/main" xmlns:r="http://schemas.openxmlformats.org/officeDocument/2006/relationships" xmlns:p="http://schemas.openxmlformats.org/presentationml/2006/main">
+  <p:cSld>
+    <p:spTree>
+      <p:nvGrpSpPr>
+        <p:cNvPr id="1" name=""/>
+        <p:cNvGrpSpPr/>
+        <p:nvPr/>
+      </p:nvGrpSpPr>
+      <p:grpSpPr>
+        <a:xfrm>
+          <a:off x="0" y="0"/>
+          <a:ext cx="0" cy="0"/>
+          <a:chOff x="0" y="0"/>
+          <a:chExt cx="0" cy="0"/>
+        </a:xfrm>
+      </p:grpSpPr>
+      <p:sp>
+        <p:nvSpPr>
+          <p:cNvPr id="2" name="Title 1">
+            <a:extLst>
+              <a:ext uri="{FF2B5EF4-FFF2-40B4-BE49-F238E27FC236}">
+                <a16:creationId xmlns:a16="http://schemas.microsoft.com/office/drawing/2014/main" id="{17B5B11E-7271-D151-84C7-84C4AC083666}"/>
+              </a:ext>
+            </a:extLst>
+          </p:cNvPr>
+          <p:cNvSpPr>
+            <a:spLocks noGrp="1"/>
+          </p:cNvSpPr>
+          <p:nvPr>
+            <p:ph type="title"/>
+          </p:nvPr>
+        </p:nvSpPr>
+        <p:spPr/>
+        <p:txBody>
+          <a:bodyPr/>
+          <a:lstStyle/>
+          <a:p>
+            <a:r>
+              <a:rPr lang="en-US" dirty="0"/>
+              <a:t>Processing = Programming for Media Arts</a:t>
+            </a:r>
+          </a:p>
+        </p:txBody>
+      </p:sp>
+      <p:sp>
+        <p:nvSpPr>
+          <p:cNvPr id="3" name="Content Placeholder 2">
+            <a:extLst>
+              <a:ext uri="{FF2B5EF4-FFF2-40B4-BE49-F238E27FC236}">
+                <a16:creationId xmlns:a16="http://schemas.microsoft.com/office/drawing/2014/main" id="{4D66112B-90E6-0C4F-DB57-1088FD135C00}"/>
+              </a:ext>
+            </a:extLst>
+          </p:cNvPr>
+          <p:cNvSpPr>
+            <a:spLocks noGrp="1"/>
+          </p:cNvSpPr>
+          <p:nvPr>
+            <p:ph idx="1"/>
+          </p:nvPr>
+        </p:nvSpPr>
+        <p:spPr>
+          <a:xfrm>
+            <a:off x="1097280" y="1845734"/>
+            <a:ext cx="3126850" cy="4023360"/>
+          </a:xfrm>
+        </p:spPr>
+        <p:txBody>
+          <a:bodyPr/>
+          <a:lstStyle/>
+          <a:p>
+            <a:r>
+              <a:rPr lang="en-US" b="1" dirty="0"/>
+              <a:t>PL Design Goal: </a:t>
+            </a:r>
+            <a:r>
+              <a:rPr lang="en-US" dirty="0"/>
+              <a:t>Help media artists (visual, audio, animation) use programming in their artistic work</a:t>
+            </a:r>
+          </a:p>
+          <a:p>
+            <a:r>
+              <a:rPr lang="en-US" b="1" dirty="0"/>
+              <a:t>Learning goal: </a:t>
+            </a:r>
+            <a:r>
+              <a:rPr lang="en-US" dirty="0"/>
+              <a:t>Reflect on design values that support this design goal</a:t>
+            </a:r>
+            <a:endParaRPr lang="en-US" b="1" dirty="0"/>
+          </a:p>
+        </p:txBody>
+      </p:sp>
+      <p:pic>
+        <p:nvPicPr>
+          <p:cNvPr id="1026" name="Picture 2">
+            <a:extLst>
+              <a:ext uri="{FF2B5EF4-FFF2-40B4-BE49-F238E27FC236}">
+                <a16:creationId xmlns:a16="http://schemas.microsoft.com/office/drawing/2014/main" id="{7019E490-22B5-277A-A218-203BD15301AF}"/>
+              </a:ext>
+            </a:extLst>
+          </p:cNvPr>
+          <p:cNvPicPr>
+            <a:picLocks noChangeAspect="1" noChangeArrowheads="1"/>
+          </p:cNvPicPr>
+          <p:nvPr/>
+        </p:nvPicPr>
+        <p:blipFill>
+          <a:blip r:embed="rId2">
+            <a:extLst>
+              <a:ext uri="{28A0092B-C50C-407E-A947-70E740481C1C}">
+                <a14:useLocalDpi xmlns:a14="http://schemas.microsoft.com/office/drawing/2010/main" val="0"/>
+              </a:ext>
+            </a:extLst>
+          </a:blip>
+          <a:srcRect/>
+          <a:stretch>
+            <a:fillRect/>
+          </a:stretch>
+        </p:blipFill>
+        <p:spPr bwMode="auto">
+          <a:xfrm>
+            <a:off x="8376509" y="1845734"/>
+            <a:ext cx="3273166" cy="1841156"/>
+          </a:xfrm>
+          <a:prstGeom prst="rect">
+            <a:avLst/>
+          </a:prstGeom>
+          <a:noFill/>
+          <a:extLst>
+            <a:ext uri="{909E8E84-426E-40DD-AFC4-6F175D3DCCD1}">
+              <a14:hiddenFill xmlns:a14="http://schemas.microsoft.com/office/drawing/2010/main">
+                <a:solidFill>
+                  <a:srgbClr val="FFFFFF"/>
+                </a:solidFill>
+              </a14:hiddenFill>
+            </a:ext>
+          </a:extLst>
+        </p:spPr>
+      </p:pic>
+      <p:pic>
+        <p:nvPicPr>
+          <p:cNvPr id="1028" name="Picture 4" descr="Code output of the Penrose Snowflake code example">
+            <a:extLst>
+              <a:ext uri="{FF2B5EF4-FFF2-40B4-BE49-F238E27FC236}">
+                <a16:creationId xmlns:a16="http://schemas.microsoft.com/office/drawing/2014/main" id="{061BE08E-DE5D-7749-7005-42233BE07BBB}"/>
+              </a:ext>
+            </a:extLst>
+          </p:cNvPr>
+          <p:cNvPicPr>
+            <a:picLocks noChangeAspect="1" noChangeArrowheads="1"/>
+          </p:cNvPicPr>
+          <p:nvPr/>
+        </p:nvPicPr>
+        <p:blipFill>
+          <a:blip r:embed="rId3">
+            <a:extLst>
+              <a:ext uri="{28A0092B-C50C-407E-A947-70E740481C1C}">
+                <a14:useLocalDpi xmlns:a14="http://schemas.microsoft.com/office/drawing/2010/main" val="0"/>
+              </a:ext>
+            </a:extLst>
+          </a:blip>
+          <a:srcRect/>
+          <a:stretch>
+            <a:fillRect/>
+          </a:stretch>
+        </p:blipFill>
+        <p:spPr bwMode="auto">
+          <a:xfrm>
+            <a:off x="8376508" y="4167430"/>
+            <a:ext cx="3273167" cy="1841156"/>
+          </a:xfrm>
+          <a:prstGeom prst="rect">
+            <a:avLst/>
+          </a:prstGeom>
+          <a:noFill/>
+          <a:extLst>
+            <a:ext uri="{909E8E84-426E-40DD-AFC4-6F175D3DCCD1}">
+              <a14:hiddenFill xmlns:a14="http://schemas.microsoft.com/office/drawing/2010/main">
+                <a:solidFill>
+                  <a:srgbClr val="FFFFFF"/>
+                </a:solidFill>
+              </a14:hiddenFill>
+            </a:ext>
+          </a:extLst>
+        </p:spPr>
+      </p:pic>
+      <p:pic>
+        <p:nvPicPr>
+          <p:cNvPr id="1030" name="Picture 6" descr="Loading Images">
+            <a:extLst>
+              <a:ext uri="{FF2B5EF4-FFF2-40B4-BE49-F238E27FC236}">
+                <a16:creationId xmlns:a16="http://schemas.microsoft.com/office/drawing/2014/main" id="{3854A324-51DE-4661-30D2-C49278E79130}"/>
+              </a:ext>
+            </a:extLst>
+          </p:cNvPr>
+          <p:cNvPicPr>
+            <a:picLocks noChangeAspect="1" noChangeArrowheads="1"/>
+          </p:cNvPicPr>
+          <p:nvPr/>
+        </p:nvPicPr>
+        <p:blipFill>
+          <a:blip r:embed="rId4">
+            <a:extLst>
+              <a:ext uri="{28A0092B-C50C-407E-A947-70E740481C1C}">
+                <a14:useLocalDpi xmlns:a14="http://schemas.microsoft.com/office/drawing/2010/main" val="0"/>
+              </a:ext>
+            </a:extLst>
+          </a:blip>
+          <a:srcRect/>
+          <a:stretch>
+            <a:fillRect/>
+          </a:stretch>
+        </p:blipFill>
+        <p:spPr bwMode="auto">
+          <a:xfrm>
+            <a:off x="4374291" y="1855462"/>
+            <a:ext cx="3255872" cy="1831428"/>
+          </a:xfrm>
+          <a:prstGeom prst="rect">
+            <a:avLst/>
+          </a:prstGeom>
+          <a:noFill/>
+          <a:extLst>
+            <a:ext uri="{909E8E84-426E-40DD-AFC4-6F175D3DCCD1}">
+              <a14:hiddenFill xmlns:a14="http://schemas.microsoft.com/office/drawing/2010/main">
+                <a:solidFill>
+                  <a:srgbClr val="FFFFFF"/>
+                </a:solidFill>
+              </a14:hiddenFill>
+            </a:ext>
+          </a:extLst>
+        </p:spPr>
+      </p:pic>
+      <p:pic>
+        <p:nvPicPr>
+          <p:cNvPr id="1032" name="Picture 8" descr="Scrollbar">
+            <a:extLst>
+              <a:ext uri="{FF2B5EF4-FFF2-40B4-BE49-F238E27FC236}">
+                <a16:creationId xmlns:a16="http://schemas.microsoft.com/office/drawing/2014/main" id="{3C39C1CF-B134-25A2-EFD7-93F388AF9225}"/>
+              </a:ext>
+            </a:extLst>
+          </p:cNvPr>
+          <p:cNvPicPr>
+            <a:picLocks noChangeAspect="1" noChangeArrowheads="1"/>
+          </p:cNvPicPr>
+          <p:nvPr/>
+        </p:nvPicPr>
+        <p:blipFill>
+          <a:blip r:embed="rId5">
+            <a:extLst>
+              <a:ext uri="{28A0092B-C50C-407E-A947-70E740481C1C}">
+                <a14:useLocalDpi xmlns:a14="http://schemas.microsoft.com/office/drawing/2010/main" val="0"/>
+              </a:ext>
+            </a:extLst>
+          </a:blip>
+          <a:srcRect/>
+          <a:stretch>
+            <a:fillRect/>
+          </a:stretch>
+        </p:blipFill>
+        <p:spPr bwMode="auto">
+          <a:xfrm>
+            <a:off x="4374291" y="4172294"/>
+            <a:ext cx="3255872" cy="1831428"/>
+          </a:xfrm>
+          <a:prstGeom prst="rect">
+            <a:avLst/>
+          </a:prstGeom>
+          <a:noFill/>
+          <a:extLst>
+            <a:ext uri="{909E8E84-426E-40DD-AFC4-6F175D3DCCD1}">
+              <a14:hiddenFill xmlns:a14="http://schemas.microsoft.com/office/drawing/2010/main">
+                <a:solidFill>
+                  <a:srgbClr val="FFFFFF"/>
+                </a:solidFill>
+              </a14:hiddenFill>
+            </a:ext>
+          </a:extLst>
+        </p:spPr>
+      </p:pic>
+      <p:sp>
+        <p:nvSpPr>
+          <p:cNvPr id="5" name="TextBox 4">
+            <a:extLst>
+              <a:ext uri="{FF2B5EF4-FFF2-40B4-BE49-F238E27FC236}">
+                <a16:creationId xmlns:a16="http://schemas.microsoft.com/office/drawing/2014/main" id="{576DF094-074F-A670-289A-59A019F3252D}"/>
+              </a:ext>
+            </a:extLst>
+          </p:cNvPr>
+          <p:cNvSpPr txBox="1"/>
+          <p:nvPr/>
+        </p:nvSpPr>
+        <p:spPr>
+          <a:xfrm>
+            <a:off x="1097280" y="6386731"/>
+            <a:ext cx="6097656" cy="369332"/>
+          </a:xfrm>
+          <a:prstGeom prst="rect">
+            <a:avLst/>
+          </a:prstGeom>
+          <a:noFill/>
+        </p:spPr>
+        <p:txBody>
+          <a:bodyPr wrap="square">
+            <a:spAutoFit/>
+          </a:bodyPr>
+          <a:lstStyle/>
+          <a:p>
+            <a:r>
+              <a:rPr lang="en-US" dirty="0"/>
+              <a:t>Examples are taken from https://processing.org/examples/</a:t>
+            </a:r>
+          </a:p>
+        </p:txBody>
+      </p:sp>
+    </p:spTree>
+    <p:extLst>
+      <p:ext uri="{BB962C8B-B14F-4D97-AF65-F5344CB8AC3E}">
+        <p14:creationId xmlns:p14="http://schemas.microsoft.com/office/powerpoint/2010/main" val="620149363"/>
+      </p:ext>
+    </p:extLst>
+  </p:cSld>
+  <p:clrMapOvr>
+    <a:masterClrMapping/>
+  </p:clrMapOvr>
+</p:sld>
+</file>
+
+<file path=ppt/slides/slide26.xml><?xml version="1.0" encoding="utf-8"?>
+<p:sld xmlns:a="http://schemas.openxmlformats.org/drawingml/2006/main" xmlns:r="http://schemas.openxmlformats.org/officeDocument/2006/relationships" xmlns:p="http://schemas.openxmlformats.org/presentationml/2006/main">
+  <p:cSld>
+    <p:spTree>
+      <p:nvGrpSpPr>
+        <p:cNvPr id="1" name=""/>
+        <p:cNvGrpSpPr/>
+        <p:nvPr/>
+      </p:nvGrpSpPr>
+      <p:grpSpPr>
+        <a:xfrm>
+          <a:off x="0" y="0"/>
+          <a:ext cx="0" cy="0"/>
+          <a:chOff x="0" y="0"/>
+          <a:chExt cx="0" cy="0"/>
+        </a:xfrm>
+      </p:grpSpPr>
+      <p:sp>
+        <p:nvSpPr>
+          <p:cNvPr id="2" name="Title 1">
+            <a:extLst>
+              <a:ext uri="{FF2B5EF4-FFF2-40B4-BE49-F238E27FC236}">
+                <a16:creationId xmlns:a16="http://schemas.microsoft.com/office/drawing/2014/main" id="{8AFF0C81-F59B-AC03-D43F-71705F248ADA}"/>
+              </a:ext>
+            </a:extLst>
+          </p:cNvPr>
+          <p:cNvSpPr>
+            <a:spLocks noGrp="1"/>
+          </p:cNvSpPr>
+          <p:nvPr>
+            <p:ph type="title"/>
+          </p:nvPr>
+        </p:nvSpPr>
+        <p:spPr/>
+        <p:txBody>
+          <a:bodyPr/>
+          <a:lstStyle/>
+          <a:p>
+            <a:r>
+              <a:rPr lang="en-US" dirty="0"/>
+              <a:t>Guided Exploration: Saturation Example</a:t>
+            </a:r>
+          </a:p>
+        </p:txBody>
+      </p:sp>
+      <p:sp>
+        <p:nvSpPr>
+          <p:cNvPr id="3" name="Content Placeholder 2">
+            <a:extLst>
+              <a:ext uri="{FF2B5EF4-FFF2-40B4-BE49-F238E27FC236}">
+                <a16:creationId xmlns:a16="http://schemas.microsoft.com/office/drawing/2014/main" id="{A9D2CBCF-A4BA-A402-64DF-AD9780DE8241}"/>
+              </a:ext>
+            </a:extLst>
+          </p:cNvPr>
+          <p:cNvSpPr>
+            <a:spLocks noGrp="1"/>
+          </p:cNvSpPr>
+          <p:nvPr>
+            <p:ph idx="1"/>
+          </p:nvPr>
+        </p:nvSpPr>
+        <p:spPr/>
+        <p:txBody>
+          <a:bodyPr/>
+          <a:lstStyle/>
+          <a:p>
+            <a:r>
+              <a:rPr lang="en-US" dirty="0"/>
+              <a:t>Let’s walk through the example “Saturation” which can be viewed and run at </a:t>
+            </a:r>
+            <a:r>
+              <a:rPr lang="en-US" dirty="0">
+                <a:hlinkClick r:id="rId3"/>
+              </a:rPr>
+              <a:t>https://processing.org/examples/saturation.html</a:t>
+            </a:r>
+            <a:endParaRPr lang="en-US" dirty="0"/>
+          </a:p>
+          <a:p>
+            <a:r>
+              <a:rPr lang="en-US" dirty="0"/>
+              <a:t>I use this editor: </a:t>
+            </a:r>
+            <a:r>
+              <a:rPr lang="en-US" dirty="0">
+                <a:hlinkClick r:id="rId4"/>
+              </a:rPr>
+              <a:t>https://hello.processing.org/editor/#editor</a:t>
+            </a:r>
+            <a:endParaRPr lang="en-US" dirty="0"/>
+          </a:p>
+          <a:p>
+            <a:r>
+              <a:rPr lang="en-US" dirty="0"/>
+              <a:t>Then </a:t>
+            </a:r>
+            <a:r>
+              <a:rPr lang="en-US" b="1" dirty="0"/>
+              <a:t>discuss: </a:t>
+            </a:r>
+            <a:r>
+              <a:rPr lang="en-US" dirty="0"/>
+              <a:t>what (design or implementation) decisions did the Processing developers make to support media artists?</a:t>
+            </a:r>
+          </a:p>
+          <a:p>
+            <a:endParaRPr lang="en-US" dirty="0"/>
+          </a:p>
+        </p:txBody>
+      </p:sp>
+    </p:spTree>
+    <p:extLst>
+      <p:ext uri="{BB962C8B-B14F-4D97-AF65-F5344CB8AC3E}">
+        <p14:creationId xmlns:p14="http://schemas.microsoft.com/office/powerpoint/2010/main" val="2035196345"/>
+      </p:ext>
+    </p:extLst>
+  </p:cSld>
+  <p:clrMapOvr>
+    <a:masterClrMapping/>
+  </p:clrMapOvr>
+</p:sld>
+</file>
+
+<file path=ppt/slides/slide27.xml><?xml version="1.0" encoding="utf-8"?>
+<p:sld xmlns:a="http://schemas.openxmlformats.org/drawingml/2006/main" xmlns:r="http://schemas.openxmlformats.org/officeDocument/2006/relationships" xmlns:p="http://schemas.openxmlformats.org/presentationml/2006/main">
+  <p:cSld>
+    <p:spTree>
+      <p:nvGrpSpPr>
+        <p:cNvPr id="1" name=""/>
+        <p:cNvGrpSpPr/>
+        <p:nvPr/>
+      </p:nvGrpSpPr>
+      <p:grpSpPr>
+        <a:xfrm>
+          <a:off x="0" y="0"/>
+          <a:ext cx="0" cy="0"/>
+          <a:chOff x="0" y="0"/>
+          <a:chExt cx="0" cy="0"/>
+        </a:xfrm>
+      </p:grpSpPr>
+      <p:sp>
+        <p:nvSpPr>
+          <p:cNvPr id="2" name="Title 1">
+            <a:extLst>
+              <a:ext uri="{FF2B5EF4-FFF2-40B4-BE49-F238E27FC236}">
+                <a16:creationId xmlns:a16="http://schemas.microsoft.com/office/drawing/2014/main" id="{2589FC0E-E0E6-E735-5A82-CB12A65780FE}"/>
+              </a:ext>
+            </a:extLst>
+          </p:cNvPr>
+          <p:cNvSpPr>
+            <a:spLocks noGrp="1"/>
+          </p:cNvSpPr>
+          <p:nvPr>
+            <p:ph type="title"/>
+          </p:nvPr>
+        </p:nvSpPr>
+        <p:spPr/>
+        <p:txBody>
+          <a:bodyPr/>
+          <a:lstStyle/>
+          <a:p>
+            <a:r>
+              <a:rPr lang="en-US" dirty="0"/>
+              <a:t>Free Exploration: 5-10 minutes</a:t>
+            </a:r>
+          </a:p>
+        </p:txBody>
+      </p:sp>
+      <p:sp>
+        <p:nvSpPr>
+          <p:cNvPr id="3" name="Content Placeholder 2">
+            <a:extLst>
+              <a:ext uri="{FF2B5EF4-FFF2-40B4-BE49-F238E27FC236}">
+                <a16:creationId xmlns:a16="http://schemas.microsoft.com/office/drawing/2014/main" id="{9F58B2FD-1E14-D806-C38D-653C63ECA01A}"/>
+              </a:ext>
+            </a:extLst>
+          </p:cNvPr>
+          <p:cNvSpPr>
+            <a:spLocks noGrp="1"/>
+          </p:cNvSpPr>
+          <p:nvPr>
+            <p:ph idx="1"/>
+          </p:nvPr>
+        </p:nvSpPr>
+        <p:spPr/>
+        <p:txBody>
+          <a:bodyPr/>
+          <a:lstStyle/>
+          <a:p>
+            <a:r>
+              <a:rPr lang="en-US" dirty="0"/>
+              <a:t>Pick an example from </a:t>
+            </a:r>
+            <a:r>
+              <a:rPr lang="en-US" dirty="0">
+                <a:hlinkClick r:id="rId2"/>
+              </a:rPr>
+              <a:t>https://processing.org/examples</a:t>
+            </a:r>
+            <a:r>
+              <a:rPr lang="en-US" dirty="0"/>
+              <a:t> and </a:t>
+            </a:r>
+            <a:r>
+              <a:rPr lang="en-US" i="1" dirty="0"/>
+              <a:t>play</a:t>
+            </a:r>
+          </a:p>
+          <a:p>
+            <a:pPr lvl="1"/>
+            <a:r>
+              <a:rPr lang="en-US" dirty="0"/>
+              <a:t>Interact with it</a:t>
+            </a:r>
+          </a:p>
+          <a:p>
+            <a:pPr lvl="1"/>
+            <a:r>
+              <a:rPr lang="en-US" dirty="0"/>
+              <a:t>Play with changes to the code in </a:t>
+            </a:r>
+            <a:r>
+              <a:rPr lang="en-US" dirty="0">
+                <a:hlinkClick r:id="rId3"/>
+              </a:rPr>
+              <a:t>https://hello.processing.org/editor/#editor</a:t>
+            </a:r>
+            <a:endParaRPr lang="en-US" dirty="0"/>
+          </a:p>
+          <a:p>
+            <a:r>
+              <a:rPr lang="en-US" dirty="0"/>
+              <a:t>Do your answers to the last discussion change?</a:t>
+            </a:r>
+          </a:p>
+          <a:p>
+            <a:r>
+              <a:rPr lang="en-US" dirty="0"/>
+              <a:t>“What (design or implementation) decisions did the Processing developers make to support media artists?”</a:t>
+            </a:r>
+          </a:p>
+        </p:txBody>
+      </p:sp>
+    </p:spTree>
+    <p:extLst>
+      <p:ext uri="{BB962C8B-B14F-4D97-AF65-F5344CB8AC3E}">
+        <p14:creationId xmlns:p14="http://schemas.microsoft.com/office/powerpoint/2010/main" val="2143911753"/>
+      </p:ext>
+    </p:extLst>
+  </p:cSld>
+  <p:clrMapOvr>
+    <a:masterClrMapping/>
+  </p:clrMapOvr>
+</p:sld>
+</file>
+
+<file path=ppt/slides/slide28.xml><?xml version="1.0" encoding="utf-8"?>
+<p:sld xmlns:a="http://schemas.openxmlformats.org/drawingml/2006/main" xmlns:r="http://schemas.openxmlformats.org/officeDocument/2006/relationships" xmlns:p="http://schemas.openxmlformats.org/presentationml/2006/main">
+  <p:cSld>
+    <p:spTree>
+      <p:nvGrpSpPr>
+        <p:cNvPr id="1" name=""/>
+        <p:cNvGrpSpPr/>
+        <p:nvPr/>
+      </p:nvGrpSpPr>
+      <p:grpSpPr>
+        <a:xfrm>
+          <a:off x="0" y="0"/>
+          <a:ext cx="0" cy="0"/>
+          <a:chOff x="0" y="0"/>
+          <a:chExt cx="0" cy="0"/>
+        </a:xfrm>
+      </p:grpSpPr>
+      <p:sp>
+        <p:nvSpPr>
+          <p:cNvPr id="2" name="Title 1">
+            <a:extLst>
+              <a:ext uri="{FF2B5EF4-FFF2-40B4-BE49-F238E27FC236}">
+                <a16:creationId xmlns:a16="http://schemas.microsoft.com/office/drawing/2014/main" id="{5FB9D9DE-7599-C15B-A5EC-ACB57FB5E127}"/>
+              </a:ext>
+            </a:extLst>
+          </p:cNvPr>
+          <p:cNvSpPr>
+            <a:spLocks noGrp="1"/>
+          </p:cNvSpPr>
+          <p:nvPr>
+            <p:ph type="title"/>
+          </p:nvPr>
+        </p:nvSpPr>
+        <p:spPr/>
+        <p:txBody>
+          <a:bodyPr/>
+          <a:lstStyle/>
+          <a:p>
+            <a:r>
+              <a:rPr lang="en-US" dirty="0"/>
+              <a:t>List of Design Values</a:t>
+            </a:r>
+          </a:p>
+        </p:txBody>
+      </p:sp>
+      <p:sp>
+        <p:nvSpPr>
+          <p:cNvPr id="3" name="Content Placeholder 2">
+            <a:extLst>
+              <a:ext uri="{FF2B5EF4-FFF2-40B4-BE49-F238E27FC236}">
+                <a16:creationId xmlns:a16="http://schemas.microsoft.com/office/drawing/2014/main" id="{46587011-0BF7-877A-3E20-C13AB3A156CD}"/>
+              </a:ext>
+            </a:extLst>
+          </p:cNvPr>
+          <p:cNvSpPr>
+            <a:spLocks noGrp="1"/>
+          </p:cNvSpPr>
+          <p:nvPr>
+            <p:ph idx="1"/>
+          </p:nvPr>
+        </p:nvSpPr>
+        <p:spPr/>
+        <p:txBody>
+          <a:bodyPr/>
+          <a:lstStyle/>
+          <a:p>
+            <a:r>
+              <a:rPr lang="en-US" b="1" dirty="0"/>
+              <a:t>Humanist Reflection:</a:t>
+            </a:r>
+            <a:r>
+              <a:rPr lang="en-US" dirty="0"/>
+              <a:t> How do we go about forming an opinion when science can’t help us do that?</a:t>
+            </a:r>
+            <a:endParaRPr lang="en-US" b="1" dirty="0"/>
+          </a:p>
+          <a:p>
+            <a:r>
+              <a:rPr lang="en-US" dirty="0"/>
+              <a:t>I’ve prepared material about four specific design values, based on:</a:t>
+            </a:r>
+          </a:p>
+          <a:p>
+            <a:pPr lvl="1"/>
+            <a:r>
+              <a:rPr lang="en-US" dirty="0"/>
+              <a:t>Statements from the designers in their published articles</a:t>
+            </a:r>
+          </a:p>
+          <a:p>
+            <a:pPr lvl="1"/>
+            <a:r>
+              <a:rPr lang="en-US" dirty="0"/>
+              <a:t>Conversations with instructors who use Processing in their courses</a:t>
+            </a:r>
+          </a:p>
+          <a:p>
+            <a:pPr lvl="1"/>
+            <a:r>
+              <a:rPr lang="en-US" dirty="0"/>
+              <a:t>Reflection on my experience programming in Processing</a:t>
+            </a:r>
+          </a:p>
+          <a:p>
+            <a:pPr lvl="1"/>
+            <a:r>
+              <a:rPr lang="en-US" dirty="0"/>
+              <a:t>Reflection on core design themes in the course</a:t>
+            </a:r>
+          </a:p>
+          <a:p>
+            <a:r>
+              <a:rPr lang="en-US" dirty="0"/>
+              <a:t>The values: Visuality, Immediacy, Continuity</a:t>
+            </a:r>
+            <a:br>
+              <a:rPr lang="en-US" dirty="0"/>
+            </a:br>
+            <a:r>
+              <a:rPr lang="en-US" dirty="0"/>
+              <a:t>And one more concept: Contingency</a:t>
+            </a:r>
+          </a:p>
+        </p:txBody>
+      </p:sp>
+    </p:spTree>
+    <p:extLst>
+      <p:ext uri="{BB962C8B-B14F-4D97-AF65-F5344CB8AC3E}">
+        <p14:creationId xmlns:p14="http://schemas.microsoft.com/office/powerpoint/2010/main" val="565609870"/>
+      </p:ext>
+    </p:extLst>
+  </p:cSld>
+  <p:clrMapOvr>
+    <a:masterClrMapping/>
+  </p:clrMapOvr>
+</p:sld>
+</file>
+
+<file path=ppt/slides/slide29.xml><?xml version="1.0" encoding="utf-8"?>
+<p:sld xmlns:a="http://schemas.openxmlformats.org/drawingml/2006/main" xmlns:r="http://schemas.openxmlformats.org/officeDocument/2006/relationships" xmlns:p="http://schemas.openxmlformats.org/presentationml/2006/main">
+  <p:cSld>
+    <p:spTree>
+      <p:nvGrpSpPr>
+        <p:cNvPr id="1" name=""/>
+        <p:cNvGrpSpPr/>
+        <p:nvPr/>
+      </p:nvGrpSpPr>
+      <p:grpSpPr>
+        <a:xfrm>
+          <a:off x="0" y="0"/>
+          <a:ext cx="0" cy="0"/>
+          <a:chOff x="0" y="0"/>
+          <a:chExt cx="0" cy="0"/>
+        </a:xfrm>
+      </p:grpSpPr>
+      <p:sp>
+        <p:nvSpPr>
+          <p:cNvPr id="2" name="Title 1">
+            <a:extLst>
+              <a:ext uri="{FF2B5EF4-FFF2-40B4-BE49-F238E27FC236}">
+                <a16:creationId xmlns:a16="http://schemas.microsoft.com/office/drawing/2014/main" id="{89BB6939-7772-CD89-47CC-6A205C830806}"/>
+              </a:ext>
+            </a:extLst>
+          </p:cNvPr>
+          <p:cNvSpPr>
+            <a:spLocks noGrp="1"/>
+          </p:cNvSpPr>
+          <p:nvPr>
+            <p:ph type="title"/>
+          </p:nvPr>
+        </p:nvSpPr>
+        <p:spPr/>
+        <p:txBody>
+          <a:bodyPr/>
+          <a:lstStyle/>
+          <a:p>
+            <a:r>
+              <a:rPr lang="en-US" dirty="0"/>
+              <a:t>Visuality</a:t>
+            </a:r>
+          </a:p>
+        </p:txBody>
+      </p:sp>
+      <p:sp>
+        <p:nvSpPr>
+          <p:cNvPr id="3" name="Content Placeholder 2">
+            <a:extLst>
+              <a:ext uri="{FF2B5EF4-FFF2-40B4-BE49-F238E27FC236}">
+                <a16:creationId xmlns:a16="http://schemas.microsoft.com/office/drawing/2014/main" id="{02BE3D04-A333-323D-9367-01CADE196C12}"/>
+              </a:ext>
+            </a:extLst>
+          </p:cNvPr>
+          <p:cNvSpPr>
+            <a:spLocks noGrp="1"/>
+          </p:cNvSpPr>
+          <p:nvPr>
+            <p:ph idx="1"/>
+          </p:nvPr>
+        </p:nvSpPr>
+        <p:spPr/>
+        <p:txBody>
+          <a:bodyPr>
+            <a:normAutofit lnSpcReduction="10000"/>
+          </a:bodyPr>
+          <a:lstStyle/>
+          <a:p>
+            <a:r>
+              <a:rPr lang="en-US" b="1" dirty="0"/>
+              <a:t>What is Visuality?</a:t>
+            </a:r>
+            <a:r>
+              <a:rPr lang="en-US" dirty="0"/>
+              <a:t> Visuality is the idea that the act of programming should engage the programmer’s visual senses as much as possible</a:t>
+            </a:r>
+          </a:p>
+          <a:p>
+            <a:r>
+              <a:rPr lang="en-US" dirty="0"/>
+              <a:t>In Processing, visuality is achieved through visual </a:t>
+            </a:r>
+            <a:r>
+              <a:rPr lang="en-US" b="1" i="1" dirty="0"/>
+              <a:t>outputs</a:t>
+            </a:r>
+            <a:r>
+              <a:rPr lang="en-US" dirty="0"/>
+              <a:t>, while the </a:t>
+            </a:r>
+            <a:r>
+              <a:rPr lang="en-US" b="1" i="1" dirty="0"/>
+              <a:t>source code</a:t>
+            </a:r>
+            <a:r>
+              <a:rPr lang="en-US" dirty="0"/>
+              <a:t> of a program remains purely textual. There are other PLs which explore visual syntax as well.</a:t>
+            </a:r>
+          </a:p>
+          <a:p>
+            <a:r>
+              <a:rPr lang="en-US" b="1" dirty="0"/>
+              <a:t>How does Visuality affect the design? </a:t>
+            </a:r>
+            <a:r>
+              <a:rPr lang="en-US" dirty="0"/>
+              <a:t>This value directly impacts the formal structure of a program. A program’s main function is named </a:t>
+            </a:r>
+            <a:r>
+              <a:rPr lang="en-US" b="1" dirty="0"/>
+              <a:t>draw</a:t>
+            </a:r>
+            <a:r>
+              <a:rPr lang="en-US" dirty="0"/>
+              <a:t> because creating visuals is their main task</a:t>
+            </a:r>
+            <a:endParaRPr lang="en-US" b="1" dirty="0"/>
+          </a:p>
+          <a:p>
+            <a:r>
+              <a:rPr lang="en-US" b="1" dirty="0"/>
+              <a:t>Pros: </a:t>
+            </a:r>
+            <a:r>
+              <a:rPr lang="en-US" dirty="0"/>
+              <a:t>Accessibility.    </a:t>
+            </a:r>
+            <a:r>
+              <a:rPr lang="en-US" b="1" dirty="0"/>
+              <a:t>Cons:</a:t>
+            </a:r>
+            <a:r>
+              <a:rPr lang="en-US" dirty="0"/>
+              <a:t>  Accessibility.</a:t>
+            </a:r>
+            <a:endParaRPr lang="en-US" b="1" dirty="0"/>
+          </a:p>
+        </p:txBody>
+      </p:sp>
+    </p:spTree>
+    <p:extLst>
+      <p:ext uri="{BB962C8B-B14F-4D97-AF65-F5344CB8AC3E}">
+        <p14:creationId xmlns:p14="http://schemas.microsoft.com/office/powerpoint/2010/main" val="2210109361"/>
       </p:ext>
     </p:extLst>
   </p:cSld>
@@ -9560,6 +11278,1652 @@
     <p:extLst>
       <p:ext uri="{BB962C8B-B14F-4D97-AF65-F5344CB8AC3E}">
         <p14:creationId xmlns:p14="http://schemas.microsoft.com/office/powerpoint/2010/main" val="1407665959"/>
+      </p:ext>
+    </p:extLst>
+  </p:cSld>
+  <p:clrMapOvr>
+    <a:masterClrMapping/>
+  </p:clrMapOvr>
+</p:sld>
+</file>
+
+<file path=ppt/slides/slide30.xml><?xml version="1.0" encoding="utf-8"?>
+<p:sld xmlns:a="http://schemas.openxmlformats.org/drawingml/2006/main" xmlns:r="http://schemas.openxmlformats.org/officeDocument/2006/relationships" xmlns:p="http://schemas.openxmlformats.org/presentationml/2006/main">
+  <p:cSld>
+    <p:spTree>
+      <p:nvGrpSpPr>
+        <p:cNvPr id="1" name=""/>
+        <p:cNvGrpSpPr/>
+        <p:nvPr/>
+      </p:nvGrpSpPr>
+      <p:grpSpPr>
+        <a:xfrm>
+          <a:off x="0" y="0"/>
+          <a:ext cx="0" cy="0"/>
+          <a:chOff x="0" y="0"/>
+          <a:chExt cx="0" cy="0"/>
+        </a:xfrm>
+      </p:grpSpPr>
+      <p:sp>
+        <p:nvSpPr>
+          <p:cNvPr id="2" name="Title 1">
+            <a:extLst>
+              <a:ext uri="{FF2B5EF4-FFF2-40B4-BE49-F238E27FC236}">
+                <a16:creationId xmlns:a16="http://schemas.microsoft.com/office/drawing/2014/main" id="{6F916ECF-B7FB-1C62-FC29-1E2A36929FCC}"/>
+              </a:ext>
+            </a:extLst>
+          </p:cNvPr>
+          <p:cNvSpPr>
+            <a:spLocks noGrp="1"/>
+          </p:cNvSpPr>
+          <p:nvPr>
+            <p:ph type="title"/>
+          </p:nvPr>
+        </p:nvSpPr>
+        <p:spPr/>
+        <p:txBody>
+          <a:bodyPr/>
+          <a:lstStyle/>
+          <a:p>
+            <a:r>
+              <a:rPr lang="en-US" dirty="0"/>
+              <a:t>Immediacy</a:t>
+            </a:r>
+          </a:p>
+        </p:txBody>
+      </p:sp>
+      <p:sp>
+        <p:nvSpPr>
+          <p:cNvPr id="3" name="Content Placeholder 2">
+            <a:extLst>
+              <a:ext uri="{FF2B5EF4-FFF2-40B4-BE49-F238E27FC236}">
+                <a16:creationId xmlns:a16="http://schemas.microsoft.com/office/drawing/2014/main" id="{EC1279F5-5A0C-5486-3653-5EA4649D8DE1}"/>
+              </a:ext>
+            </a:extLst>
+          </p:cNvPr>
+          <p:cNvSpPr>
+            <a:spLocks noGrp="1"/>
+          </p:cNvSpPr>
+          <p:nvPr>
+            <p:ph idx="1"/>
+          </p:nvPr>
+        </p:nvSpPr>
+        <p:spPr/>
+        <p:txBody>
+          <a:bodyPr>
+            <a:normAutofit lnSpcReduction="10000"/>
+          </a:bodyPr>
+          <a:lstStyle/>
+          <a:p>
+            <a:r>
+              <a:rPr lang="en-US" b="1" dirty="0"/>
+              <a:t>What is Immediacy? </a:t>
+            </a:r>
+            <a:r>
+              <a:rPr lang="en-US" dirty="0"/>
+              <a:t>Immediacy is not part of the PL design itself but rather a part of </a:t>
+            </a:r>
+            <a:r>
+              <a:rPr lang="en-US" b="1" dirty="0"/>
+              <a:t>Programmer Experience (PX). </a:t>
+            </a:r>
+            <a:r>
+              <a:rPr lang="en-US" dirty="0"/>
+              <a:t>Immediacy is the idea that when a programmer makes changes to a program, they should be able to observe the impact of those changes right away</a:t>
+            </a:r>
+            <a:endParaRPr lang="en-US" b="1" dirty="0"/>
+          </a:p>
+          <a:p>
+            <a:r>
+              <a:rPr lang="en-US" b="1" dirty="0"/>
+              <a:t>How does Immediacy affect the design? </a:t>
+            </a:r>
+            <a:r>
+              <a:rPr lang="en-US" dirty="0"/>
+              <a:t>The choice to provide an interactive web-based interface is based on immediacy. This value goes deeper, however: Processing has no static type system, so that programmers can run buggy code. Also, web editing demands a language that can be compiled or interpreted quickly.</a:t>
+            </a:r>
+          </a:p>
+          <a:p>
+            <a:r>
+              <a:rPr lang="en-US" b="1" dirty="0"/>
+              <a:t>Pros: </a:t>
+            </a:r>
+            <a:r>
+              <a:rPr lang="en-US" dirty="0"/>
+              <a:t>Motivating, productive   </a:t>
+            </a:r>
+            <a:r>
+              <a:rPr lang="en-US" b="1" dirty="0"/>
+              <a:t>Cons: </a:t>
+            </a:r>
+            <a:r>
+              <a:rPr lang="en-US" i="1" dirty="0"/>
+              <a:t>Can</a:t>
+            </a:r>
+            <a:r>
+              <a:rPr lang="en-US" dirty="0"/>
+              <a:t> promote incorrectness</a:t>
+            </a:r>
+            <a:endParaRPr lang="en-US" b="1" i="1" dirty="0"/>
+          </a:p>
+        </p:txBody>
+      </p:sp>
+    </p:spTree>
+    <p:extLst>
+      <p:ext uri="{BB962C8B-B14F-4D97-AF65-F5344CB8AC3E}">
+        <p14:creationId xmlns:p14="http://schemas.microsoft.com/office/powerpoint/2010/main" val="3609407682"/>
+      </p:ext>
+    </p:extLst>
+  </p:cSld>
+  <p:clrMapOvr>
+    <a:masterClrMapping/>
+  </p:clrMapOvr>
+</p:sld>
+</file>
+
+<file path=ppt/slides/slide31.xml><?xml version="1.0" encoding="utf-8"?>
+<p:sld xmlns:a="http://schemas.openxmlformats.org/drawingml/2006/main" xmlns:r="http://schemas.openxmlformats.org/officeDocument/2006/relationships" xmlns:p="http://schemas.openxmlformats.org/presentationml/2006/main">
+  <p:cSld>
+    <p:spTree>
+      <p:nvGrpSpPr>
+        <p:cNvPr id="1" name=""/>
+        <p:cNvGrpSpPr/>
+        <p:nvPr/>
+      </p:nvGrpSpPr>
+      <p:grpSpPr>
+        <a:xfrm>
+          <a:off x="0" y="0"/>
+          <a:ext cx="0" cy="0"/>
+          <a:chOff x="0" y="0"/>
+          <a:chExt cx="0" cy="0"/>
+        </a:xfrm>
+      </p:grpSpPr>
+      <p:sp>
+        <p:nvSpPr>
+          <p:cNvPr id="2" name="Title 1">
+            <a:extLst>
+              <a:ext uri="{FF2B5EF4-FFF2-40B4-BE49-F238E27FC236}">
+                <a16:creationId xmlns:a16="http://schemas.microsoft.com/office/drawing/2014/main" id="{2B88B90D-E425-2F17-AC74-2C55DB445236}"/>
+              </a:ext>
+            </a:extLst>
+          </p:cNvPr>
+          <p:cNvSpPr>
+            <a:spLocks noGrp="1"/>
+          </p:cNvSpPr>
+          <p:nvPr>
+            <p:ph type="title"/>
+          </p:nvPr>
+        </p:nvSpPr>
+        <p:spPr/>
+        <p:txBody>
+          <a:bodyPr/>
+          <a:lstStyle/>
+          <a:p>
+            <a:r>
+              <a:rPr lang="en-US" dirty="0"/>
+              <a:t>(Familiarity +) Continuity</a:t>
+            </a:r>
+          </a:p>
+        </p:txBody>
+      </p:sp>
+      <p:sp>
+        <p:nvSpPr>
+          <p:cNvPr id="3" name="Content Placeholder 2">
+            <a:extLst>
+              <a:ext uri="{FF2B5EF4-FFF2-40B4-BE49-F238E27FC236}">
+                <a16:creationId xmlns:a16="http://schemas.microsoft.com/office/drawing/2014/main" id="{DEE17C8E-DF8E-DA0D-2841-EA6AAF85CA42}"/>
+              </a:ext>
+            </a:extLst>
+          </p:cNvPr>
+          <p:cNvSpPr>
+            <a:spLocks noGrp="1"/>
+          </p:cNvSpPr>
+          <p:nvPr>
+            <p:ph idx="1"/>
+          </p:nvPr>
+        </p:nvSpPr>
+        <p:spPr/>
+        <p:txBody>
+          <a:bodyPr>
+            <a:normAutofit lnSpcReduction="10000"/>
+          </a:bodyPr>
+          <a:lstStyle/>
+          <a:p>
+            <a:r>
+              <a:rPr lang="en-US" b="1" dirty="0"/>
+              <a:t>Familiarity</a:t>
+            </a:r>
+            <a:r>
+              <a:rPr lang="en-US" dirty="0"/>
+              <a:t> is the idea that because each PL has its own audience of programmers, each audience will be familiar with different features</a:t>
+            </a:r>
+            <a:endParaRPr lang="en-US" b="1" dirty="0"/>
+          </a:p>
+          <a:p>
+            <a:r>
+              <a:rPr lang="en-US" b="1" dirty="0"/>
+              <a:t>What is Continuity?</a:t>
+            </a:r>
+            <a:r>
+              <a:rPr lang="en-US" dirty="0"/>
+              <a:t> Continuity is that idea that when a PL breaks away from the familiar, it must be done with intention and motivation. For features where a new approach can not be motivated, rely on the familiar.</a:t>
+            </a:r>
+            <a:endParaRPr lang="en-US" b="1" dirty="0"/>
+          </a:p>
+          <a:p>
+            <a:r>
+              <a:rPr lang="en-US" b="1" dirty="0"/>
+              <a:t>Pros: </a:t>
+            </a:r>
+            <a:r>
+              <a:rPr lang="en-US" dirty="0"/>
+              <a:t>Reduce learning curve  </a:t>
+            </a:r>
+            <a:r>
+              <a:rPr lang="en-US" b="1" dirty="0"/>
+              <a:t>Cons: </a:t>
+            </a:r>
+            <a:r>
+              <a:rPr lang="en-US" dirty="0"/>
+              <a:t>Continue past mistakes?</a:t>
+            </a:r>
+            <a:endParaRPr lang="en-US" b="1" dirty="0"/>
+          </a:p>
+          <a:p>
+            <a:r>
+              <a:rPr lang="en-US" b="1" dirty="0"/>
+              <a:t>Question: </a:t>
+            </a:r>
+            <a:r>
+              <a:rPr lang="en-US" dirty="0"/>
+              <a:t>How does Continuity affect the design?</a:t>
+            </a:r>
+            <a:r>
+              <a:rPr lang="en-US" b="1" dirty="0"/>
+              <a:t> </a:t>
+            </a:r>
+            <a:r>
+              <a:rPr lang="en-US" dirty="0"/>
+              <a:t>What are some examples?</a:t>
+            </a:r>
+            <a:endParaRPr lang="en-US" b="1" dirty="0"/>
+          </a:p>
+          <a:p>
+            <a:endParaRPr lang="en-US" b="1" dirty="0"/>
+          </a:p>
+        </p:txBody>
+      </p:sp>
+    </p:spTree>
+    <p:extLst>
+      <p:ext uri="{BB962C8B-B14F-4D97-AF65-F5344CB8AC3E}">
+        <p14:creationId xmlns:p14="http://schemas.microsoft.com/office/powerpoint/2010/main" val="1689708579"/>
+      </p:ext>
+    </p:extLst>
+  </p:cSld>
+  <p:clrMapOvr>
+    <a:masterClrMapping/>
+  </p:clrMapOvr>
+</p:sld>
+</file>
+
+<file path=ppt/slides/slide32.xml><?xml version="1.0" encoding="utf-8"?>
+<p:sld xmlns:a="http://schemas.openxmlformats.org/drawingml/2006/main" xmlns:r="http://schemas.openxmlformats.org/officeDocument/2006/relationships" xmlns:p="http://schemas.openxmlformats.org/presentationml/2006/main">
+  <p:cSld>
+    <p:spTree>
+      <p:nvGrpSpPr>
+        <p:cNvPr id="1" name=""/>
+        <p:cNvGrpSpPr/>
+        <p:nvPr/>
+      </p:nvGrpSpPr>
+      <p:grpSpPr>
+        <a:xfrm>
+          <a:off x="0" y="0"/>
+          <a:ext cx="0" cy="0"/>
+          <a:chOff x="0" y="0"/>
+          <a:chExt cx="0" cy="0"/>
+        </a:xfrm>
+      </p:grpSpPr>
+      <p:sp>
+        <p:nvSpPr>
+          <p:cNvPr id="2" name="Title 1">
+            <a:extLst>
+              <a:ext uri="{FF2B5EF4-FFF2-40B4-BE49-F238E27FC236}">
+                <a16:creationId xmlns:a16="http://schemas.microsoft.com/office/drawing/2014/main" id="{2B88B90D-E425-2F17-AC74-2C55DB445236}"/>
+              </a:ext>
+            </a:extLst>
+          </p:cNvPr>
+          <p:cNvSpPr>
+            <a:spLocks noGrp="1"/>
+          </p:cNvSpPr>
+          <p:nvPr>
+            <p:ph type="title"/>
+          </p:nvPr>
+        </p:nvSpPr>
+        <p:spPr/>
+        <p:txBody>
+          <a:bodyPr/>
+          <a:lstStyle/>
+          <a:p>
+            <a:r>
+              <a:rPr lang="en-US" dirty="0"/>
+              <a:t>Examples of Continuity</a:t>
+            </a:r>
+          </a:p>
+        </p:txBody>
+      </p:sp>
+      <p:sp>
+        <p:nvSpPr>
+          <p:cNvPr id="3" name="Content Placeholder 2">
+            <a:extLst>
+              <a:ext uri="{FF2B5EF4-FFF2-40B4-BE49-F238E27FC236}">
+                <a16:creationId xmlns:a16="http://schemas.microsoft.com/office/drawing/2014/main" id="{DEE17C8E-DF8E-DA0D-2841-EA6AAF85CA42}"/>
+              </a:ext>
+            </a:extLst>
+          </p:cNvPr>
+          <p:cNvSpPr>
+            <a:spLocks noGrp="1"/>
+          </p:cNvSpPr>
+          <p:nvPr>
+            <p:ph idx="1"/>
+          </p:nvPr>
+        </p:nvSpPr>
+        <p:spPr>
+          <a:xfrm>
+            <a:off x="1097280" y="1845734"/>
+            <a:ext cx="10058400" cy="519514"/>
+          </a:xfrm>
+        </p:spPr>
+        <p:txBody>
+          <a:bodyPr>
+            <a:normAutofit/>
+          </a:bodyPr>
+          <a:lstStyle/>
+          <a:p>
+            <a:r>
+              <a:rPr lang="en-US" b="1" dirty="0"/>
+              <a:t>Many </a:t>
+            </a:r>
+            <a:r>
+              <a:rPr lang="en-US" dirty="0"/>
+              <a:t>features in Processing look like features from C.</a:t>
+            </a:r>
+            <a:endParaRPr lang="en-US" b="1" dirty="0"/>
+          </a:p>
+          <a:p>
+            <a:endParaRPr lang="en-US" b="1" dirty="0"/>
+          </a:p>
+        </p:txBody>
+      </p:sp>
+      <p:sp>
+        <p:nvSpPr>
+          <p:cNvPr id="4" name="Content Placeholder 2">
+            <a:extLst>
+              <a:ext uri="{FF2B5EF4-FFF2-40B4-BE49-F238E27FC236}">
+                <a16:creationId xmlns:a16="http://schemas.microsoft.com/office/drawing/2014/main" id="{AE2E4BA8-82AA-42BE-E09B-BFE7642658F7}"/>
+              </a:ext>
+            </a:extLst>
+          </p:cNvPr>
+          <p:cNvSpPr txBox="1">
+            <a:spLocks/>
+          </p:cNvSpPr>
+          <p:nvPr/>
+        </p:nvSpPr>
+        <p:spPr>
+          <a:xfrm>
+            <a:off x="1097280" y="2460076"/>
+            <a:ext cx="3035808" cy="3721268"/>
+          </a:xfrm>
+          <a:prstGeom prst="rect">
+            <a:avLst/>
+          </a:prstGeom>
+        </p:spPr>
+        <p:txBody>
+          <a:bodyPr vert="horz" lIns="0" tIns="45720" rIns="0" bIns="45720" rtlCol="0">
+            <a:normAutofit/>
+          </a:bodyPr>
+          <a:lstStyle>
+            <a:lvl1pPr marL="91440" indent="-91440" algn="l" defTabSz="914400" rtl="0" eaLnBrk="1" latinLnBrk="0" hangingPunct="1">
+              <a:lnSpc>
+                <a:spcPct val="90000"/>
+              </a:lnSpc>
+              <a:spcBef>
+                <a:spcPts val="1200"/>
+              </a:spcBef>
+              <a:spcAft>
+                <a:spcPts val="200"/>
+              </a:spcAft>
+              <a:buClr>
+                <a:schemeClr val="accent1"/>
+              </a:buClr>
+              <a:buSzPct val="100000"/>
+              <a:buFont typeface="Calibri" panose="020F0502020204030204" pitchFamily="34" charset="0"/>
+              <a:buChar char=" "/>
+              <a:defRPr sz="2800" kern="1200">
+                <a:solidFill>
+                  <a:schemeClr val="tx1">
+                    <a:lumMod val="75000"/>
+                    <a:lumOff val="25000"/>
+                  </a:schemeClr>
+                </a:solidFill>
+                <a:latin typeface="+mn-lt"/>
+                <a:ea typeface="+mn-ea"/>
+                <a:cs typeface="+mn-cs"/>
+              </a:defRPr>
+            </a:lvl1pPr>
+            <a:lvl2pPr marL="384048" indent="-182880" algn="l" defTabSz="914400" rtl="0" eaLnBrk="1" latinLnBrk="0" hangingPunct="1">
+              <a:lnSpc>
+                <a:spcPct val="90000"/>
+              </a:lnSpc>
+              <a:spcBef>
+                <a:spcPts val="200"/>
+              </a:spcBef>
+              <a:spcAft>
+                <a:spcPts val="400"/>
+              </a:spcAft>
+              <a:buClr>
+                <a:schemeClr val="accent1"/>
+              </a:buClr>
+              <a:buFont typeface="Calibri" pitchFamily="34" charset="0"/>
+              <a:buChar char="◦"/>
+              <a:defRPr sz="2400" kern="1200">
+                <a:solidFill>
+                  <a:schemeClr val="tx1">
+                    <a:lumMod val="75000"/>
+                    <a:lumOff val="25000"/>
+                  </a:schemeClr>
+                </a:solidFill>
+                <a:latin typeface="+mn-lt"/>
+                <a:ea typeface="+mn-ea"/>
+                <a:cs typeface="+mn-cs"/>
+              </a:defRPr>
+            </a:lvl2pPr>
+            <a:lvl3pPr marL="566928" indent="-182880" algn="l" defTabSz="914400" rtl="0" eaLnBrk="1" latinLnBrk="0" hangingPunct="1">
+              <a:lnSpc>
+                <a:spcPct val="90000"/>
+              </a:lnSpc>
+              <a:spcBef>
+                <a:spcPts val="200"/>
+              </a:spcBef>
+              <a:spcAft>
+                <a:spcPts val="400"/>
+              </a:spcAft>
+              <a:buClr>
+                <a:schemeClr val="accent1"/>
+              </a:buClr>
+              <a:buFont typeface="Calibri" pitchFamily="34" charset="0"/>
+              <a:buChar char="◦"/>
+              <a:defRPr sz="2200" kern="1200">
+                <a:solidFill>
+                  <a:schemeClr val="tx1">
+                    <a:lumMod val="75000"/>
+                    <a:lumOff val="25000"/>
+                  </a:schemeClr>
+                </a:solidFill>
+                <a:latin typeface="+mn-lt"/>
+                <a:ea typeface="+mn-ea"/>
+                <a:cs typeface="+mn-cs"/>
+              </a:defRPr>
+            </a:lvl3pPr>
+            <a:lvl4pPr marL="749808" indent="-182880" algn="l" defTabSz="914400" rtl="0" eaLnBrk="1" latinLnBrk="0" hangingPunct="1">
+              <a:lnSpc>
+                <a:spcPct val="90000"/>
+              </a:lnSpc>
+              <a:spcBef>
+                <a:spcPts val="200"/>
+              </a:spcBef>
+              <a:spcAft>
+                <a:spcPts val="400"/>
+              </a:spcAft>
+              <a:buClr>
+                <a:schemeClr val="accent1"/>
+              </a:buClr>
+              <a:buFont typeface="Calibri" pitchFamily="34" charset="0"/>
+              <a:buChar char="◦"/>
+              <a:defRPr sz="2000" kern="1200">
+                <a:solidFill>
+                  <a:schemeClr val="tx1">
+                    <a:lumMod val="75000"/>
+                    <a:lumOff val="25000"/>
+                  </a:schemeClr>
+                </a:solidFill>
+                <a:latin typeface="+mn-lt"/>
+                <a:ea typeface="+mn-ea"/>
+                <a:cs typeface="+mn-cs"/>
+              </a:defRPr>
+            </a:lvl4pPr>
+            <a:lvl5pPr marL="932688" indent="-182880" algn="l" defTabSz="914400" rtl="0" eaLnBrk="1" latinLnBrk="0" hangingPunct="1">
+              <a:lnSpc>
+                <a:spcPct val="90000"/>
+              </a:lnSpc>
+              <a:spcBef>
+                <a:spcPts val="200"/>
+              </a:spcBef>
+              <a:spcAft>
+                <a:spcPts val="400"/>
+              </a:spcAft>
+              <a:buClr>
+                <a:schemeClr val="accent1"/>
+              </a:buClr>
+              <a:buFont typeface="Calibri" pitchFamily="34" charset="0"/>
+              <a:buChar char="◦"/>
+              <a:defRPr sz="1800" kern="1200">
+                <a:solidFill>
+                  <a:schemeClr val="tx1">
+                    <a:lumMod val="75000"/>
+                    <a:lumOff val="25000"/>
+                  </a:schemeClr>
+                </a:solidFill>
+                <a:latin typeface="+mn-lt"/>
+                <a:ea typeface="+mn-ea"/>
+                <a:cs typeface="+mn-cs"/>
+              </a:defRPr>
+            </a:lvl5pPr>
+            <a:lvl6pPr marL="1100000" indent="-228600" algn="l" defTabSz="914400" rtl="0" eaLnBrk="1" latinLnBrk="0" hangingPunct="1">
+              <a:lnSpc>
+                <a:spcPct val="90000"/>
+              </a:lnSpc>
+              <a:spcBef>
+                <a:spcPts val="200"/>
+              </a:spcBef>
+              <a:spcAft>
+                <a:spcPts val="400"/>
+              </a:spcAft>
+              <a:buClr>
+                <a:schemeClr val="accent1"/>
+              </a:buClr>
+              <a:buFont typeface="Calibri" pitchFamily="34" charset="0"/>
+              <a:buChar char="◦"/>
+              <a:defRPr sz="1400" kern="1200">
+                <a:solidFill>
+                  <a:schemeClr val="tx1">
+                    <a:lumMod val="75000"/>
+                    <a:lumOff val="25000"/>
+                  </a:schemeClr>
+                </a:solidFill>
+                <a:latin typeface="+mn-lt"/>
+                <a:ea typeface="+mn-ea"/>
+                <a:cs typeface="+mn-cs"/>
+              </a:defRPr>
+            </a:lvl6pPr>
+            <a:lvl7pPr marL="1300000" indent="-228600" algn="l" defTabSz="914400" rtl="0" eaLnBrk="1" latinLnBrk="0" hangingPunct="1">
+              <a:lnSpc>
+                <a:spcPct val="90000"/>
+              </a:lnSpc>
+              <a:spcBef>
+                <a:spcPts val="200"/>
+              </a:spcBef>
+              <a:spcAft>
+                <a:spcPts val="400"/>
+              </a:spcAft>
+              <a:buClr>
+                <a:schemeClr val="accent1"/>
+              </a:buClr>
+              <a:buFont typeface="Calibri" pitchFamily="34" charset="0"/>
+              <a:buChar char="◦"/>
+              <a:defRPr sz="1400" kern="1200">
+                <a:solidFill>
+                  <a:schemeClr val="tx1">
+                    <a:lumMod val="75000"/>
+                    <a:lumOff val="25000"/>
+                  </a:schemeClr>
+                </a:solidFill>
+                <a:latin typeface="+mn-lt"/>
+                <a:ea typeface="+mn-ea"/>
+                <a:cs typeface="+mn-cs"/>
+              </a:defRPr>
+            </a:lvl7pPr>
+            <a:lvl8pPr marL="1500000" indent="-228600" algn="l" defTabSz="914400" rtl="0" eaLnBrk="1" latinLnBrk="0" hangingPunct="1">
+              <a:lnSpc>
+                <a:spcPct val="90000"/>
+              </a:lnSpc>
+              <a:spcBef>
+                <a:spcPts val="200"/>
+              </a:spcBef>
+              <a:spcAft>
+                <a:spcPts val="400"/>
+              </a:spcAft>
+              <a:buClr>
+                <a:schemeClr val="accent1"/>
+              </a:buClr>
+              <a:buFont typeface="Calibri" pitchFamily="34" charset="0"/>
+              <a:buChar char="◦"/>
+              <a:defRPr sz="1400" kern="1200">
+                <a:solidFill>
+                  <a:schemeClr val="tx1">
+                    <a:lumMod val="75000"/>
+                    <a:lumOff val="25000"/>
+                  </a:schemeClr>
+                </a:solidFill>
+                <a:latin typeface="+mn-lt"/>
+                <a:ea typeface="+mn-ea"/>
+                <a:cs typeface="+mn-cs"/>
+              </a:defRPr>
+            </a:lvl8pPr>
+            <a:lvl9pPr marL="1700000" indent="-228600" algn="l" defTabSz="914400" rtl="0" eaLnBrk="1" latinLnBrk="0" hangingPunct="1">
+              <a:lnSpc>
+                <a:spcPct val="90000"/>
+              </a:lnSpc>
+              <a:spcBef>
+                <a:spcPts val="200"/>
+              </a:spcBef>
+              <a:spcAft>
+                <a:spcPts val="400"/>
+              </a:spcAft>
+              <a:buClr>
+                <a:schemeClr val="accent1"/>
+              </a:buClr>
+              <a:buFont typeface="Calibri" pitchFamily="34" charset="0"/>
+              <a:buChar char="◦"/>
+              <a:defRPr sz="1400" kern="1200">
+                <a:solidFill>
+                  <a:schemeClr val="tx1">
+                    <a:lumMod val="75000"/>
+                    <a:lumOff val="25000"/>
+                  </a:schemeClr>
+                </a:solidFill>
+                <a:latin typeface="+mn-lt"/>
+                <a:ea typeface="+mn-ea"/>
+                <a:cs typeface="+mn-cs"/>
+              </a:defRPr>
+            </a:lvl9pPr>
+          </a:lstStyle>
+          <a:p>
+            <a:pPr lvl="1"/>
+            <a:r>
+              <a:rPr lang="en-US" b="1" dirty="0"/>
+              <a:t>Comments</a:t>
+            </a:r>
+            <a:br>
+              <a:rPr lang="en-US" b="1" dirty="0"/>
+            </a:br>
+            <a:endParaRPr lang="en-US" b="1" dirty="0"/>
+          </a:p>
+          <a:p>
+            <a:pPr lvl="1"/>
+            <a:r>
+              <a:rPr lang="en-US" b="1" dirty="0"/>
+              <a:t>Function def.</a:t>
+            </a:r>
+            <a:br>
+              <a:rPr lang="en-US" b="1" dirty="0"/>
+            </a:br>
+            <a:endParaRPr lang="en-US" b="1" dirty="0"/>
+          </a:p>
+          <a:p>
+            <a:pPr lvl="1"/>
+            <a:r>
+              <a:rPr lang="en-US" b="1" dirty="0"/>
+              <a:t>Variable def.</a:t>
+            </a:r>
+            <a:br>
+              <a:rPr lang="en-US" b="1" dirty="0"/>
+            </a:br>
+            <a:endParaRPr lang="en-US" b="1" dirty="0"/>
+          </a:p>
+          <a:p>
+            <a:pPr lvl="1"/>
+            <a:r>
+              <a:rPr lang="en-US" b="1" dirty="0"/>
+              <a:t>If-then-else</a:t>
+            </a:r>
+            <a:br>
+              <a:rPr lang="en-US" b="1" dirty="0"/>
+            </a:br>
+            <a:endParaRPr lang="en-US" b="1" dirty="0"/>
+          </a:p>
+          <a:p>
+            <a:pPr lvl="1"/>
+            <a:r>
+              <a:rPr lang="en-US" b="1" dirty="0"/>
+              <a:t>Assignment</a:t>
+            </a:r>
+          </a:p>
+        </p:txBody>
+      </p:sp>
+      <p:sp>
+        <p:nvSpPr>
+          <p:cNvPr id="5" name="Content Placeholder 2">
+            <a:extLst>
+              <a:ext uri="{FF2B5EF4-FFF2-40B4-BE49-F238E27FC236}">
+                <a16:creationId xmlns:a16="http://schemas.microsoft.com/office/drawing/2014/main" id="{DB68903E-ACD5-4D64-215B-2E8745E36900}"/>
+              </a:ext>
+            </a:extLst>
+          </p:cNvPr>
+          <p:cNvSpPr txBox="1">
+            <a:spLocks/>
+          </p:cNvSpPr>
+          <p:nvPr/>
+        </p:nvSpPr>
+        <p:spPr>
+          <a:xfrm>
+            <a:off x="4547616" y="2374732"/>
+            <a:ext cx="6547104" cy="3721268"/>
+          </a:xfrm>
+          <a:prstGeom prst="rect">
+            <a:avLst/>
+          </a:prstGeom>
+        </p:spPr>
+        <p:txBody>
+          <a:bodyPr vert="horz" lIns="0" tIns="45720" rIns="0" bIns="45720" rtlCol="0">
+            <a:normAutofit/>
+          </a:bodyPr>
+          <a:lstStyle>
+            <a:lvl1pPr marL="91440" indent="-91440" algn="l" defTabSz="914400" rtl="0" eaLnBrk="1" latinLnBrk="0" hangingPunct="1">
+              <a:lnSpc>
+                <a:spcPct val="90000"/>
+              </a:lnSpc>
+              <a:spcBef>
+                <a:spcPts val="1200"/>
+              </a:spcBef>
+              <a:spcAft>
+                <a:spcPts val="200"/>
+              </a:spcAft>
+              <a:buClr>
+                <a:schemeClr val="accent1"/>
+              </a:buClr>
+              <a:buSzPct val="100000"/>
+              <a:buFont typeface="Calibri" panose="020F0502020204030204" pitchFamily="34" charset="0"/>
+              <a:buChar char=" "/>
+              <a:defRPr sz="2800" kern="1200">
+                <a:solidFill>
+                  <a:schemeClr val="tx1">
+                    <a:lumMod val="75000"/>
+                    <a:lumOff val="25000"/>
+                  </a:schemeClr>
+                </a:solidFill>
+                <a:latin typeface="+mn-lt"/>
+                <a:ea typeface="+mn-ea"/>
+                <a:cs typeface="+mn-cs"/>
+              </a:defRPr>
+            </a:lvl1pPr>
+            <a:lvl2pPr marL="384048" indent="-182880" algn="l" defTabSz="914400" rtl="0" eaLnBrk="1" latinLnBrk="0" hangingPunct="1">
+              <a:lnSpc>
+                <a:spcPct val="90000"/>
+              </a:lnSpc>
+              <a:spcBef>
+                <a:spcPts val="200"/>
+              </a:spcBef>
+              <a:spcAft>
+                <a:spcPts val="400"/>
+              </a:spcAft>
+              <a:buClr>
+                <a:schemeClr val="accent1"/>
+              </a:buClr>
+              <a:buFont typeface="Calibri" pitchFamily="34" charset="0"/>
+              <a:buChar char="◦"/>
+              <a:defRPr sz="2400" kern="1200">
+                <a:solidFill>
+                  <a:schemeClr val="tx1">
+                    <a:lumMod val="75000"/>
+                    <a:lumOff val="25000"/>
+                  </a:schemeClr>
+                </a:solidFill>
+                <a:latin typeface="+mn-lt"/>
+                <a:ea typeface="+mn-ea"/>
+                <a:cs typeface="+mn-cs"/>
+              </a:defRPr>
+            </a:lvl2pPr>
+            <a:lvl3pPr marL="566928" indent="-182880" algn="l" defTabSz="914400" rtl="0" eaLnBrk="1" latinLnBrk="0" hangingPunct="1">
+              <a:lnSpc>
+                <a:spcPct val="90000"/>
+              </a:lnSpc>
+              <a:spcBef>
+                <a:spcPts val="200"/>
+              </a:spcBef>
+              <a:spcAft>
+                <a:spcPts val="400"/>
+              </a:spcAft>
+              <a:buClr>
+                <a:schemeClr val="accent1"/>
+              </a:buClr>
+              <a:buFont typeface="Calibri" pitchFamily="34" charset="0"/>
+              <a:buChar char="◦"/>
+              <a:defRPr sz="2200" kern="1200">
+                <a:solidFill>
+                  <a:schemeClr val="tx1">
+                    <a:lumMod val="75000"/>
+                    <a:lumOff val="25000"/>
+                  </a:schemeClr>
+                </a:solidFill>
+                <a:latin typeface="+mn-lt"/>
+                <a:ea typeface="+mn-ea"/>
+                <a:cs typeface="+mn-cs"/>
+              </a:defRPr>
+            </a:lvl3pPr>
+            <a:lvl4pPr marL="749808" indent="-182880" algn="l" defTabSz="914400" rtl="0" eaLnBrk="1" latinLnBrk="0" hangingPunct="1">
+              <a:lnSpc>
+                <a:spcPct val="90000"/>
+              </a:lnSpc>
+              <a:spcBef>
+                <a:spcPts val="200"/>
+              </a:spcBef>
+              <a:spcAft>
+                <a:spcPts val="400"/>
+              </a:spcAft>
+              <a:buClr>
+                <a:schemeClr val="accent1"/>
+              </a:buClr>
+              <a:buFont typeface="Calibri" pitchFamily="34" charset="0"/>
+              <a:buChar char="◦"/>
+              <a:defRPr sz="2000" kern="1200">
+                <a:solidFill>
+                  <a:schemeClr val="tx1">
+                    <a:lumMod val="75000"/>
+                    <a:lumOff val="25000"/>
+                  </a:schemeClr>
+                </a:solidFill>
+                <a:latin typeface="+mn-lt"/>
+                <a:ea typeface="+mn-ea"/>
+                <a:cs typeface="+mn-cs"/>
+              </a:defRPr>
+            </a:lvl4pPr>
+            <a:lvl5pPr marL="932688" indent="-182880" algn="l" defTabSz="914400" rtl="0" eaLnBrk="1" latinLnBrk="0" hangingPunct="1">
+              <a:lnSpc>
+                <a:spcPct val="90000"/>
+              </a:lnSpc>
+              <a:spcBef>
+                <a:spcPts val="200"/>
+              </a:spcBef>
+              <a:spcAft>
+                <a:spcPts val="400"/>
+              </a:spcAft>
+              <a:buClr>
+                <a:schemeClr val="accent1"/>
+              </a:buClr>
+              <a:buFont typeface="Calibri" pitchFamily="34" charset="0"/>
+              <a:buChar char="◦"/>
+              <a:defRPr sz="1800" kern="1200">
+                <a:solidFill>
+                  <a:schemeClr val="tx1">
+                    <a:lumMod val="75000"/>
+                    <a:lumOff val="25000"/>
+                  </a:schemeClr>
+                </a:solidFill>
+                <a:latin typeface="+mn-lt"/>
+                <a:ea typeface="+mn-ea"/>
+                <a:cs typeface="+mn-cs"/>
+              </a:defRPr>
+            </a:lvl5pPr>
+            <a:lvl6pPr marL="1100000" indent="-228600" algn="l" defTabSz="914400" rtl="0" eaLnBrk="1" latinLnBrk="0" hangingPunct="1">
+              <a:lnSpc>
+                <a:spcPct val="90000"/>
+              </a:lnSpc>
+              <a:spcBef>
+                <a:spcPts val="200"/>
+              </a:spcBef>
+              <a:spcAft>
+                <a:spcPts val="400"/>
+              </a:spcAft>
+              <a:buClr>
+                <a:schemeClr val="accent1"/>
+              </a:buClr>
+              <a:buFont typeface="Calibri" pitchFamily="34" charset="0"/>
+              <a:buChar char="◦"/>
+              <a:defRPr sz="1400" kern="1200">
+                <a:solidFill>
+                  <a:schemeClr val="tx1">
+                    <a:lumMod val="75000"/>
+                    <a:lumOff val="25000"/>
+                  </a:schemeClr>
+                </a:solidFill>
+                <a:latin typeface="+mn-lt"/>
+                <a:ea typeface="+mn-ea"/>
+                <a:cs typeface="+mn-cs"/>
+              </a:defRPr>
+            </a:lvl6pPr>
+            <a:lvl7pPr marL="1300000" indent="-228600" algn="l" defTabSz="914400" rtl="0" eaLnBrk="1" latinLnBrk="0" hangingPunct="1">
+              <a:lnSpc>
+                <a:spcPct val="90000"/>
+              </a:lnSpc>
+              <a:spcBef>
+                <a:spcPts val="200"/>
+              </a:spcBef>
+              <a:spcAft>
+                <a:spcPts val="400"/>
+              </a:spcAft>
+              <a:buClr>
+                <a:schemeClr val="accent1"/>
+              </a:buClr>
+              <a:buFont typeface="Calibri" pitchFamily="34" charset="0"/>
+              <a:buChar char="◦"/>
+              <a:defRPr sz="1400" kern="1200">
+                <a:solidFill>
+                  <a:schemeClr val="tx1">
+                    <a:lumMod val="75000"/>
+                    <a:lumOff val="25000"/>
+                  </a:schemeClr>
+                </a:solidFill>
+                <a:latin typeface="+mn-lt"/>
+                <a:ea typeface="+mn-ea"/>
+                <a:cs typeface="+mn-cs"/>
+              </a:defRPr>
+            </a:lvl7pPr>
+            <a:lvl8pPr marL="1500000" indent="-228600" algn="l" defTabSz="914400" rtl="0" eaLnBrk="1" latinLnBrk="0" hangingPunct="1">
+              <a:lnSpc>
+                <a:spcPct val="90000"/>
+              </a:lnSpc>
+              <a:spcBef>
+                <a:spcPts val="200"/>
+              </a:spcBef>
+              <a:spcAft>
+                <a:spcPts val="400"/>
+              </a:spcAft>
+              <a:buClr>
+                <a:schemeClr val="accent1"/>
+              </a:buClr>
+              <a:buFont typeface="Calibri" pitchFamily="34" charset="0"/>
+              <a:buChar char="◦"/>
+              <a:defRPr sz="1400" kern="1200">
+                <a:solidFill>
+                  <a:schemeClr val="tx1">
+                    <a:lumMod val="75000"/>
+                    <a:lumOff val="25000"/>
+                  </a:schemeClr>
+                </a:solidFill>
+                <a:latin typeface="+mn-lt"/>
+                <a:ea typeface="+mn-ea"/>
+                <a:cs typeface="+mn-cs"/>
+              </a:defRPr>
+            </a:lvl8pPr>
+            <a:lvl9pPr marL="1700000" indent="-228600" algn="l" defTabSz="914400" rtl="0" eaLnBrk="1" latinLnBrk="0" hangingPunct="1">
+              <a:lnSpc>
+                <a:spcPct val="90000"/>
+              </a:lnSpc>
+              <a:spcBef>
+                <a:spcPts val="200"/>
+              </a:spcBef>
+              <a:spcAft>
+                <a:spcPts val="400"/>
+              </a:spcAft>
+              <a:buClr>
+                <a:schemeClr val="accent1"/>
+              </a:buClr>
+              <a:buFont typeface="Calibri" pitchFamily="34" charset="0"/>
+              <a:buChar char="◦"/>
+              <a:defRPr sz="1400" kern="1200">
+                <a:solidFill>
+                  <a:schemeClr val="tx1">
+                    <a:lumMod val="75000"/>
+                    <a:lumOff val="25000"/>
+                  </a:schemeClr>
+                </a:solidFill>
+                <a:latin typeface="+mn-lt"/>
+                <a:ea typeface="+mn-ea"/>
+                <a:cs typeface="+mn-cs"/>
+              </a:defRPr>
+            </a:lvl9pPr>
+          </a:lstStyle>
+          <a:p>
+            <a:r>
+              <a:rPr lang="en-US" b="1" dirty="0">
+                <a:latin typeface="Consolas" panose="020B0609020204030204" pitchFamily="49" charset="0"/>
+              </a:rPr>
+              <a:t>/** Saturation … */</a:t>
+            </a:r>
+            <a:br>
+              <a:rPr lang="en-US" b="1" dirty="0">
+                <a:latin typeface="Consolas" panose="020B0609020204030204" pitchFamily="49" charset="0"/>
+              </a:rPr>
+            </a:br>
+            <a:br>
+              <a:rPr lang="en-US" b="1" dirty="0">
+                <a:latin typeface="Consolas" panose="020B0609020204030204" pitchFamily="49" charset="0"/>
+              </a:rPr>
+            </a:br>
+            <a:r>
+              <a:rPr lang="en-US" b="1" dirty="0">
+                <a:latin typeface="Consolas" panose="020B0609020204030204" pitchFamily="49" charset="0"/>
+              </a:rPr>
+              <a:t>void draw () { … }</a:t>
+            </a:r>
+            <a:br>
+              <a:rPr lang="en-US" b="1" dirty="0">
+                <a:latin typeface="Consolas" panose="020B0609020204030204" pitchFamily="49" charset="0"/>
+              </a:rPr>
+            </a:br>
+            <a:br>
+              <a:rPr lang="en-US" b="1" dirty="0">
+                <a:latin typeface="Consolas" panose="020B0609020204030204" pitchFamily="49" charset="0"/>
+              </a:rPr>
+            </a:br>
+            <a:r>
+              <a:rPr lang="en-US" b="1" dirty="0">
+                <a:latin typeface="Consolas" panose="020B0609020204030204" pitchFamily="49" charset="0"/>
+              </a:rPr>
+              <a:t>int </a:t>
+            </a:r>
+            <a:r>
+              <a:rPr lang="en-US" b="1" dirty="0" err="1">
+                <a:latin typeface="Consolas" panose="020B0609020204030204" pitchFamily="49" charset="0"/>
+              </a:rPr>
+              <a:t>barWidth</a:t>
+            </a:r>
+            <a:r>
+              <a:rPr lang="en-US" b="1" dirty="0">
+                <a:latin typeface="Consolas" panose="020B0609020204030204" pitchFamily="49" charset="0"/>
+              </a:rPr>
+              <a:t> = 20;</a:t>
+            </a:r>
+            <a:br>
+              <a:rPr lang="en-US" b="1" dirty="0">
+                <a:latin typeface="Consolas" panose="020B0609020204030204" pitchFamily="49" charset="0"/>
+              </a:rPr>
+            </a:br>
+            <a:br>
+              <a:rPr lang="en-US" b="1" dirty="0">
+                <a:latin typeface="Consolas" panose="020B0609020204030204" pitchFamily="49" charset="0"/>
+              </a:rPr>
+            </a:br>
+            <a:r>
+              <a:rPr lang="en-US" b="1" dirty="0">
+                <a:latin typeface="Consolas" panose="020B0609020204030204" pitchFamily="49" charset="0"/>
+              </a:rPr>
+              <a:t>if (</a:t>
+            </a:r>
+            <a:r>
+              <a:rPr lang="en-US" b="1" dirty="0" err="1">
+                <a:latin typeface="Consolas" panose="020B0609020204030204" pitchFamily="49" charset="0"/>
+              </a:rPr>
+              <a:t>whichBar</a:t>
+            </a:r>
+            <a:r>
+              <a:rPr lang="en-US" b="1" dirty="0">
+                <a:latin typeface="Consolas" panose="020B0609020204030204" pitchFamily="49" charset="0"/>
+              </a:rPr>
+              <a:t> != </a:t>
+            </a:r>
+            <a:r>
+              <a:rPr lang="en-US" b="1" dirty="0" err="1">
+                <a:latin typeface="Consolas" panose="020B0609020204030204" pitchFamily="49" charset="0"/>
+              </a:rPr>
+              <a:t>lastBar</a:t>
+            </a:r>
+            <a:r>
+              <a:rPr lang="en-US" b="1" dirty="0">
+                <a:latin typeface="Consolas" panose="020B0609020204030204" pitchFamily="49" charset="0"/>
+              </a:rPr>
+              <a:t> { … }</a:t>
+            </a:r>
+            <a:br>
+              <a:rPr lang="en-US" b="1" dirty="0">
+                <a:latin typeface="Consolas" panose="020B0609020204030204" pitchFamily="49" charset="0"/>
+              </a:rPr>
+            </a:br>
+            <a:br>
+              <a:rPr lang="en-US" b="1" dirty="0">
+                <a:latin typeface="Consolas" panose="020B0609020204030204" pitchFamily="49" charset="0"/>
+              </a:rPr>
+            </a:br>
+            <a:r>
+              <a:rPr lang="en-US" b="1" dirty="0" err="1">
+                <a:latin typeface="Consolas" panose="020B0609020204030204" pitchFamily="49" charset="0"/>
+              </a:rPr>
+              <a:t>lastBar</a:t>
+            </a:r>
+            <a:r>
+              <a:rPr lang="en-US" b="1" dirty="0">
+                <a:latin typeface="Consolas" panose="020B0609020204030204" pitchFamily="49" charset="0"/>
+              </a:rPr>
+              <a:t> = </a:t>
+            </a:r>
+            <a:r>
+              <a:rPr lang="en-US" b="1" dirty="0" err="1">
+                <a:latin typeface="Consolas" panose="020B0609020204030204" pitchFamily="49" charset="0"/>
+              </a:rPr>
+              <a:t>whichBar</a:t>
+            </a:r>
+            <a:r>
+              <a:rPr lang="en-US" b="1" dirty="0">
+                <a:latin typeface="Consolas" panose="020B0609020204030204" pitchFamily="49" charset="0"/>
+              </a:rPr>
+              <a:t>;</a:t>
+            </a:r>
+          </a:p>
+        </p:txBody>
+      </p:sp>
+    </p:spTree>
+    <p:extLst>
+      <p:ext uri="{BB962C8B-B14F-4D97-AF65-F5344CB8AC3E}">
+        <p14:creationId xmlns:p14="http://schemas.microsoft.com/office/powerpoint/2010/main" val="1695967164"/>
+      </p:ext>
+    </p:extLst>
+  </p:cSld>
+  <p:clrMapOvr>
+    <a:masterClrMapping/>
+  </p:clrMapOvr>
+</p:sld>
+</file>
+
+<file path=ppt/slides/slide33.xml><?xml version="1.0" encoding="utf-8"?>
+<p:sld xmlns:a="http://schemas.openxmlformats.org/drawingml/2006/main" xmlns:r="http://schemas.openxmlformats.org/officeDocument/2006/relationships" xmlns:p="http://schemas.openxmlformats.org/presentationml/2006/main">
+  <p:cSld>
+    <p:spTree>
+      <p:nvGrpSpPr>
+        <p:cNvPr id="1" name=""/>
+        <p:cNvGrpSpPr/>
+        <p:nvPr/>
+      </p:nvGrpSpPr>
+      <p:grpSpPr>
+        <a:xfrm>
+          <a:off x="0" y="0"/>
+          <a:ext cx="0" cy="0"/>
+          <a:chOff x="0" y="0"/>
+          <a:chExt cx="0" cy="0"/>
+        </a:xfrm>
+      </p:grpSpPr>
+      <p:sp>
+        <p:nvSpPr>
+          <p:cNvPr id="2" name="Title 1">
+            <a:extLst>
+              <a:ext uri="{FF2B5EF4-FFF2-40B4-BE49-F238E27FC236}">
+                <a16:creationId xmlns:a16="http://schemas.microsoft.com/office/drawing/2014/main" id="{EFD7F9B0-0144-AA91-CA6E-D7F0A4A099E7}"/>
+              </a:ext>
+            </a:extLst>
+          </p:cNvPr>
+          <p:cNvSpPr>
+            <a:spLocks noGrp="1"/>
+          </p:cNvSpPr>
+          <p:nvPr>
+            <p:ph type="title"/>
+          </p:nvPr>
+        </p:nvSpPr>
+        <p:spPr/>
+        <p:txBody>
+          <a:bodyPr/>
+          <a:lstStyle/>
+          <a:p>
+            <a:r>
+              <a:rPr lang="en-US" dirty="0"/>
+              <a:t>Contingency</a:t>
+            </a:r>
+          </a:p>
+        </p:txBody>
+      </p:sp>
+      <p:sp>
+        <p:nvSpPr>
+          <p:cNvPr id="3" name="Content Placeholder 2">
+            <a:extLst>
+              <a:ext uri="{FF2B5EF4-FFF2-40B4-BE49-F238E27FC236}">
+                <a16:creationId xmlns:a16="http://schemas.microsoft.com/office/drawing/2014/main" id="{F393F5B2-B51E-F7CA-9CA5-6FE26B965028}"/>
+              </a:ext>
+            </a:extLst>
+          </p:cNvPr>
+          <p:cNvSpPr>
+            <a:spLocks noGrp="1"/>
+          </p:cNvSpPr>
+          <p:nvPr>
+            <p:ph idx="1"/>
+          </p:nvPr>
+        </p:nvSpPr>
+        <p:spPr/>
+        <p:txBody>
+          <a:bodyPr/>
+          <a:lstStyle/>
+          <a:p>
+            <a:r>
+              <a:rPr lang="en-US" b="1" dirty="0"/>
+              <a:t>Contingency</a:t>
+            </a:r>
+            <a:r>
+              <a:rPr lang="en-US" dirty="0"/>
+              <a:t> is not a design value, but a concept: The current state of world is rooted in history, and history could have been different. Different PL designers will respond to this observation with different design values</a:t>
+            </a:r>
+          </a:p>
+          <a:p>
+            <a:r>
+              <a:rPr lang="en-US" b="1" dirty="0"/>
+              <a:t>Continuity</a:t>
+            </a:r>
+            <a:r>
+              <a:rPr lang="en-US" dirty="0"/>
+              <a:t> is a design value, it expresses a preference: new PLs keep contingent design features from old PLs until change is needed</a:t>
+            </a:r>
+          </a:p>
+          <a:p>
+            <a:r>
+              <a:rPr lang="en-US" b="1" dirty="0"/>
+              <a:t>Radicalism </a:t>
+            </a:r>
+            <a:r>
+              <a:rPr lang="en-US" dirty="0"/>
+              <a:t>would be the opposite design value: some designers may prefer to reverse many contingent choices, not for usability, but for the sake of challenging current ideas in design</a:t>
+            </a:r>
+            <a:endParaRPr lang="en-US" b="1" dirty="0"/>
+          </a:p>
+        </p:txBody>
+      </p:sp>
+    </p:spTree>
+    <p:extLst>
+      <p:ext uri="{BB962C8B-B14F-4D97-AF65-F5344CB8AC3E}">
+        <p14:creationId xmlns:p14="http://schemas.microsoft.com/office/powerpoint/2010/main" val="1480235666"/>
+      </p:ext>
+    </p:extLst>
+  </p:cSld>
+  <p:clrMapOvr>
+    <a:masterClrMapping/>
+  </p:clrMapOvr>
+</p:sld>
+</file>
+
+<file path=ppt/slides/slide34.xml><?xml version="1.0" encoding="utf-8"?>
+<p:sld xmlns:a="http://schemas.openxmlformats.org/drawingml/2006/main" xmlns:r="http://schemas.openxmlformats.org/officeDocument/2006/relationships" xmlns:p="http://schemas.openxmlformats.org/presentationml/2006/main">
+  <p:cSld>
+    <p:spTree>
+      <p:nvGrpSpPr>
+        <p:cNvPr id="1" name=""/>
+        <p:cNvGrpSpPr/>
+        <p:nvPr/>
+      </p:nvGrpSpPr>
+      <p:grpSpPr>
+        <a:xfrm>
+          <a:off x="0" y="0"/>
+          <a:ext cx="0" cy="0"/>
+          <a:chOff x="0" y="0"/>
+          <a:chExt cx="0" cy="0"/>
+        </a:xfrm>
+      </p:grpSpPr>
+      <p:sp>
+        <p:nvSpPr>
+          <p:cNvPr id="2" name="Title 1">
+            <a:extLst>
+              <a:ext uri="{FF2B5EF4-FFF2-40B4-BE49-F238E27FC236}">
+                <a16:creationId xmlns:a16="http://schemas.microsoft.com/office/drawing/2014/main" id="{9CBCFF9F-1107-4749-3FAC-8B14B4648D25}"/>
+              </a:ext>
+            </a:extLst>
+          </p:cNvPr>
+          <p:cNvSpPr>
+            <a:spLocks noGrp="1"/>
+          </p:cNvSpPr>
+          <p:nvPr>
+            <p:ph type="title"/>
+          </p:nvPr>
+        </p:nvSpPr>
+        <p:spPr/>
+        <p:txBody>
+          <a:bodyPr/>
+          <a:lstStyle/>
+          <a:p>
+            <a:r>
+              <a:rPr lang="en-US" dirty="0"/>
+              <a:t>Summary</a:t>
+            </a:r>
+          </a:p>
+        </p:txBody>
+      </p:sp>
+      <p:sp>
+        <p:nvSpPr>
+          <p:cNvPr id="3" name="Content Placeholder 2">
+            <a:extLst>
+              <a:ext uri="{FF2B5EF4-FFF2-40B4-BE49-F238E27FC236}">
+                <a16:creationId xmlns:a16="http://schemas.microsoft.com/office/drawing/2014/main" id="{1C7EA2D6-506B-E505-E710-87D33B7F638D}"/>
+              </a:ext>
+            </a:extLst>
+          </p:cNvPr>
+          <p:cNvSpPr>
+            <a:spLocks noGrp="1"/>
+          </p:cNvSpPr>
+          <p:nvPr>
+            <p:ph idx="1"/>
+          </p:nvPr>
+        </p:nvSpPr>
+        <p:spPr/>
+        <p:txBody>
+          <a:bodyPr>
+            <a:normAutofit lnSpcReduction="10000"/>
+          </a:bodyPr>
+          <a:lstStyle/>
+          <a:p>
+            <a:r>
+              <a:rPr lang="en-US" dirty="0"/>
+              <a:t>Through </a:t>
+            </a:r>
+            <a:r>
+              <a:rPr lang="en-US" b="1" dirty="0"/>
+              <a:t>Twine,</a:t>
+            </a:r>
+            <a:r>
+              <a:rPr lang="en-US" dirty="0"/>
+              <a:t> we reviewed:</a:t>
+            </a:r>
+          </a:p>
+          <a:p>
+            <a:pPr lvl="1"/>
+            <a:r>
+              <a:rPr lang="en-US" dirty="0"/>
+              <a:t>The concepts of abstract syntax and semantics</a:t>
+            </a:r>
+          </a:p>
+          <a:p>
+            <a:pPr lvl="1"/>
+            <a:r>
+              <a:rPr lang="en-US" dirty="0"/>
+              <a:t>Core notation for operational semantics</a:t>
+            </a:r>
+          </a:p>
+          <a:p>
+            <a:pPr lvl="1"/>
+            <a:r>
+              <a:rPr lang="en-US" dirty="0"/>
+              <a:t>The use of theory to predict program behavior</a:t>
+            </a:r>
+          </a:p>
+          <a:p>
+            <a:r>
+              <a:rPr lang="en-US" dirty="0"/>
+              <a:t>Through </a:t>
+            </a:r>
+            <a:r>
+              <a:rPr lang="en-US" b="1" dirty="0"/>
+              <a:t>Processing,</a:t>
+            </a:r>
+            <a:r>
+              <a:rPr lang="en-US" dirty="0"/>
+              <a:t> we reviewed:</a:t>
+            </a:r>
+          </a:p>
+          <a:p>
+            <a:pPr lvl="1"/>
+            <a:r>
+              <a:rPr lang="en-US" dirty="0"/>
+              <a:t>How a Humanist analyzes a programming language</a:t>
+            </a:r>
+          </a:p>
+          <a:p>
+            <a:pPr lvl="1"/>
+            <a:r>
+              <a:rPr lang="en-US" dirty="0"/>
+              <a:t>How values like continuity inform a design</a:t>
+            </a:r>
+          </a:p>
+          <a:p>
+            <a:pPr lvl="1"/>
+            <a:r>
+              <a:rPr lang="en-US" dirty="0"/>
+              <a:t>The relationship between PL design and Programmer Experience</a:t>
+            </a:r>
+          </a:p>
+          <a:p>
+            <a:r>
+              <a:rPr lang="en-US" b="1" dirty="0"/>
+              <a:t>Not on exam: </a:t>
+            </a:r>
+            <a:r>
+              <a:rPr lang="en-US" dirty="0"/>
+              <a:t>deterministic finite automata</a:t>
+            </a:r>
+          </a:p>
+          <a:p>
+            <a:pPr lvl="1"/>
+            <a:endParaRPr lang="en-US" dirty="0"/>
+          </a:p>
+        </p:txBody>
+      </p:sp>
+    </p:spTree>
+    <p:extLst>
+      <p:ext uri="{BB962C8B-B14F-4D97-AF65-F5344CB8AC3E}">
+        <p14:creationId xmlns:p14="http://schemas.microsoft.com/office/powerpoint/2010/main" val="1784583122"/>
+      </p:ext>
+    </p:extLst>
+  </p:cSld>
+  <p:clrMapOvr>
+    <a:masterClrMapping/>
+  </p:clrMapOvr>
+</p:sld>
+</file>
+
+<file path=ppt/slides/slide35.xml><?xml version="1.0" encoding="utf-8"?>
+<p:sld xmlns:a="http://schemas.openxmlformats.org/drawingml/2006/main" xmlns:r="http://schemas.openxmlformats.org/officeDocument/2006/relationships" xmlns:p="http://schemas.openxmlformats.org/presentationml/2006/main">
+  <p:cSld>
+    <p:spTree>
+      <p:nvGrpSpPr>
+        <p:cNvPr id="1" name=""/>
+        <p:cNvGrpSpPr/>
+        <p:nvPr/>
+      </p:nvGrpSpPr>
+      <p:grpSpPr>
+        <a:xfrm>
+          <a:off x="0" y="0"/>
+          <a:ext cx="0" cy="0"/>
+          <a:chOff x="0" y="0"/>
+          <a:chExt cx="0" cy="0"/>
+        </a:xfrm>
+      </p:grpSpPr>
+      <p:sp>
+        <p:nvSpPr>
+          <p:cNvPr id="2" name="Title 1">
+            <a:extLst>
+              <a:ext uri="{FF2B5EF4-FFF2-40B4-BE49-F238E27FC236}">
+                <a16:creationId xmlns:a16="http://schemas.microsoft.com/office/drawing/2014/main" id="{6A8E5630-4559-DA0E-F5EE-3C2F890DF7AA}"/>
+              </a:ext>
+            </a:extLst>
+          </p:cNvPr>
+          <p:cNvSpPr>
+            <a:spLocks noGrp="1"/>
+          </p:cNvSpPr>
+          <p:nvPr>
+            <p:ph type="title"/>
+          </p:nvPr>
+        </p:nvSpPr>
+        <p:spPr/>
+        <p:txBody>
+          <a:bodyPr/>
+          <a:lstStyle/>
+          <a:p>
+            <a:r>
+              <a:rPr lang="en-US" dirty="0"/>
+              <a:t>Preparing for the Exam</a:t>
+            </a:r>
+          </a:p>
+        </p:txBody>
+      </p:sp>
+      <p:sp>
+        <p:nvSpPr>
+          <p:cNvPr id="3" name="Content Placeholder 2">
+            <a:extLst>
+              <a:ext uri="{FF2B5EF4-FFF2-40B4-BE49-F238E27FC236}">
+                <a16:creationId xmlns:a16="http://schemas.microsoft.com/office/drawing/2014/main" id="{C7E91307-1E4D-4CAF-67F1-036AF111D0F5}"/>
+              </a:ext>
+            </a:extLst>
+          </p:cNvPr>
+          <p:cNvSpPr>
+            <a:spLocks noGrp="1"/>
+          </p:cNvSpPr>
+          <p:nvPr>
+            <p:ph idx="1"/>
+          </p:nvPr>
+        </p:nvSpPr>
+        <p:spPr/>
+        <p:txBody>
+          <a:bodyPr>
+            <a:normAutofit fontScale="92500" lnSpcReduction="20000"/>
+          </a:bodyPr>
+          <a:lstStyle/>
+          <a:p>
+            <a:r>
+              <a:rPr lang="en-US" dirty="0"/>
+              <a:t>Exam philosophy: Balance rigor with stress reduction</a:t>
+            </a:r>
+          </a:p>
+          <a:p>
+            <a:r>
+              <a:rPr lang="en-US" dirty="0"/>
+              <a:t>Approach: I release a set of practice problems on Canvas. The exam problems are a subset of the practice problems</a:t>
+            </a:r>
+          </a:p>
+          <a:p>
+            <a:r>
+              <a:rPr lang="en-US" b="1" dirty="0"/>
+              <a:t>How to Prepare:</a:t>
+            </a:r>
+            <a:r>
+              <a:rPr lang="en-US" dirty="0"/>
+              <a:t> You are allowed to directly ask course staff for help with specific problems and to look over your answers. You are also allowed to work on them with other students</a:t>
+            </a:r>
+          </a:p>
+          <a:p>
+            <a:r>
+              <a:rPr lang="en-US" b="1" dirty="0"/>
+              <a:t>What Material?:</a:t>
+            </a:r>
+            <a:r>
+              <a:rPr lang="en-US" dirty="0"/>
+              <a:t> Material covered in programming HW, written HW, and lectures. (The book contains a bit of other material, not covered)</a:t>
+            </a:r>
+          </a:p>
+          <a:p>
+            <a:r>
+              <a:rPr lang="en-US" b="1" dirty="0"/>
+              <a:t>What Kind of Questions?: </a:t>
+            </a:r>
+            <a:r>
+              <a:rPr lang="en-US" dirty="0"/>
+              <a:t>See posted questions. Questions range from vocabulary to multiple-choice to code. I try to assign the most points to things you have spent the most time on. </a:t>
+            </a:r>
+            <a:endParaRPr lang="en-US" b="1" dirty="0"/>
+          </a:p>
+        </p:txBody>
+      </p:sp>
+    </p:spTree>
+    <p:extLst>
+      <p:ext uri="{BB962C8B-B14F-4D97-AF65-F5344CB8AC3E}">
+        <p14:creationId xmlns:p14="http://schemas.microsoft.com/office/powerpoint/2010/main" val="3040776443"/>
+      </p:ext>
+    </p:extLst>
+  </p:cSld>
+  <p:clrMapOvr>
+    <a:masterClrMapping/>
+  </p:clrMapOvr>
+</p:sld>
+</file>
+
+<file path=ppt/slides/slide36.xml><?xml version="1.0" encoding="utf-8"?>
+<p:sld xmlns:a="http://schemas.openxmlformats.org/drawingml/2006/main" xmlns:r="http://schemas.openxmlformats.org/officeDocument/2006/relationships" xmlns:p="http://schemas.openxmlformats.org/presentationml/2006/main">
+  <p:cSld>
+    <p:spTree>
+      <p:nvGrpSpPr>
+        <p:cNvPr id="1" name=""/>
+        <p:cNvGrpSpPr/>
+        <p:nvPr/>
+      </p:nvGrpSpPr>
+      <p:grpSpPr>
+        <a:xfrm>
+          <a:off x="0" y="0"/>
+          <a:ext cx="0" cy="0"/>
+          <a:chOff x="0" y="0"/>
+          <a:chExt cx="0" cy="0"/>
+        </a:xfrm>
+      </p:grpSpPr>
+      <p:sp>
+        <p:nvSpPr>
+          <p:cNvPr id="2" name="Title 1">
+            <a:extLst>
+              <a:ext uri="{FF2B5EF4-FFF2-40B4-BE49-F238E27FC236}">
+                <a16:creationId xmlns:a16="http://schemas.microsoft.com/office/drawing/2014/main" id="{2AE25F3A-2ED0-91A1-0CC0-C3D84542A456}"/>
+              </a:ext>
+            </a:extLst>
+          </p:cNvPr>
+          <p:cNvSpPr>
+            <a:spLocks noGrp="1"/>
+          </p:cNvSpPr>
+          <p:nvPr>
+            <p:ph type="title"/>
+          </p:nvPr>
+        </p:nvSpPr>
+        <p:spPr/>
+        <p:txBody>
+          <a:bodyPr/>
+          <a:lstStyle/>
+          <a:p>
+            <a:r>
+              <a:rPr lang="en-US" dirty="0"/>
+              <a:t>Exam Logistics</a:t>
+            </a:r>
+          </a:p>
+        </p:txBody>
+      </p:sp>
+      <p:sp>
+        <p:nvSpPr>
+          <p:cNvPr id="3" name="Content Placeholder 2">
+            <a:extLst>
+              <a:ext uri="{FF2B5EF4-FFF2-40B4-BE49-F238E27FC236}">
+                <a16:creationId xmlns:a16="http://schemas.microsoft.com/office/drawing/2014/main" id="{897E00AF-35DD-75C7-806F-E694E904EDD8}"/>
+              </a:ext>
+            </a:extLst>
+          </p:cNvPr>
+          <p:cNvSpPr>
+            <a:spLocks noGrp="1"/>
+          </p:cNvSpPr>
+          <p:nvPr>
+            <p:ph idx="1"/>
+          </p:nvPr>
+        </p:nvSpPr>
+        <p:spPr/>
+        <p:txBody>
+          <a:bodyPr>
+            <a:normAutofit fontScale="92500" lnSpcReduction="20000"/>
+          </a:bodyPr>
+          <a:lstStyle/>
+          <a:p>
+            <a:r>
+              <a:rPr lang="en-US" b="1" dirty="0"/>
+              <a:t>Last week of course:</a:t>
+            </a:r>
+            <a:r>
+              <a:rPr lang="en-US" dirty="0"/>
+              <a:t> </a:t>
+            </a:r>
+          </a:p>
+          <a:p>
+            <a:pPr lvl="1"/>
+            <a:r>
+              <a:rPr lang="en-US" b="1" dirty="0"/>
+              <a:t>1. </a:t>
+            </a:r>
+            <a:r>
+              <a:rPr lang="en-US" dirty="0"/>
+              <a:t>Review session during class time in classroom, second-to-last day</a:t>
+            </a:r>
+          </a:p>
+          <a:p>
+            <a:pPr lvl="1"/>
+            <a:r>
+              <a:rPr lang="en-US" b="1" dirty="0"/>
+              <a:t>2. </a:t>
+            </a:r>
+            <a:r>
+              <a:rPr lang="en-US" dirty="0"/>
+              <a:t>Final exam during class time in classroom, last day</a:t>
+            </a:r>
+          </a:p>
+          <a:p>
+            <a:r>
+              <a:rPr lang="en-US" dirty="0"/>
+              <a:t>For CS4536: Prof. Bohrer is absent the last week of A term due to a research conference. The review session and exam will be run by our teaching assistant</a:t>
+            </a:r>
+          </a:p>
+          <a:p>
+            <a:r>
+              <a:rPr lang="en-US" dirty="0"/>
+              <a:t>If you have extra time accommodations, you can use the Exam Proctoring Center to take the exam. If you prefer to take the exam in-person, we can accommodate that too (contact course staff)</a:t>
+            </a:r>
+          </a:p>
+          <a:p>
+            <a:r>
+              <a:rPr lang="en-US" b="1" dirty="0"/>
+              <a:t>Bring a computer:</a:t>
+            </a:r>
+            <a:r>
+              <a:rPr lang="en-US" dirty="0"/>
+              <a:t> The exam is online. We are in-person for proctoring reasons. If this is not an option, contact us soon and we will make a plan</a:t>
+            </a:r>
+            <a:endParaRPr lang="en-US" b="1" dirty="0"/>
+          </a:p>
+        </p:txBody>
+      </p:sp>
+    </p:spTree>
+    <p:extLst>
+      <p:ext uri="{BB962C8B-B14F-4D97-AF65-F5344CB8AC3E}">
+        <p14:creationId xmlns:p14="http://schemas.microsoft.com/office/powerpoint/2010/main" val="926058408"/>
       </p:ext>
     </p:extLst>
   </p:cSld>
@@ -10923,4 +14287,299 @@
     </a:ext>
   </a:extLst>
 </a:theme>
+</file>
+
+<file path=ppt/theme/theme2.xml><?xml version="1.0" encoding="utf-8"?>
+<a:theme xmlns:a="http://schemas.openxmlformats.org/drawingml/2006/main" name="Office Theme">
+  <a:themeElements>
+    <a:clrScheme name="Office">
+      <a:dk1>
+        <a:sysClr val="windowText" lastClr="000000"/>
+      </a:dk1>
+      <a:lt1>
+        <a:sysClr val="window" lastClr="FFFFFF"/>
+      </a:lt1>
+      <a:dk2>
+        <a:srgbClr val="44546A"/>
+      </a:dk2>
+      <a:lt2>
+        <a:srgbClr val="E7E6E6"/>
+      </a:lt2>
+      <a:accent1>
+        <a:srgbClr val="4472C4"/>
+      </a:accent1>
+      <a:accent2>
+        <a:srgbClr val="ED7D31"/>
+      </a:accent2>
+      <a:accent3>
+        <a:srgbClr val="A5A5A5"/>
+      </a:accent3>
+      <a:accent4>
+        <a:srgbClr val="FFC000"/>
+      </a:accent4>
+      <a:accent5>
+        <a:srgbClr val="5B9BD5"/>
+      </a:accent5>
+      <a:accent6>
+        <a:srgbClr val="70AD47"/>
+      </a:accent6>
+      <a:hlink>
+        <a:srgbClr val="0563C1"/>
+      </a:hlink>
+      <a:folHlink>
+        <a:srgbClr val="954F72"/>
+      </a:folHlink>
+    </a:clrScheme>
+    <a:fontScheme name="Office">
+      <a:majorFont>
+        <a:latin typeface="Calibri Light" panose="020F0302020204030204"/>
+        <a:ea typeface=""/>
+        <a:cs typeface=""/>
+        <a:font script="Jpan" typeface="游ゴシック Light"/>
+        <a:font script="Hang" typeface="맑은 고딕"/>
+        <a:font script="Hans" typeface="等线 Light"/>
+        <a:font script="Hant" typeface="新細明體"/>
+        <a:font script="Arab" typeface="Times New Roman"/>
+        <a:font script="Hebr" typeface="Times New Roman"/>
+        <a:font script="Thai" typeface="Angsana New"/>
+        <a:font script="Ethi" typeface="Nyala"/>
+        <a:font script="Beng" typeface="Vrinda"/>
+        <a:font script="Gujr" typeface="Shruti"/>
+        <a:font script="Khmr" typeface="MoolBoran"/>
+        <a:font script="Knda" typeface="Tunga"/>
+        <a:font script="Guru" typeface="Raavi"/>
+        <a:font script="Cans" typeface="Euphemia"/>
+        <a:font script="Cher" typeface="Plantagenet Cherokee"/>
+        <a:font script="Yiii" typeface="Microsoft Yi Baiti"/>
+        <a:font script="Tibt" typeface="Microsoft Himalaya"/>
+        <a:font script="Thaa" typeface="MV Boli"/>
+        <a:font script="Deva" typeface="Mangal"/>
+        <a:font script="Telu" typeface="Gautami"/>
+        <a:font script="Taml" typeface="Latha"/>
+        <a:font script="Syrc" typeface="Estrangelo Edessa"/>
+        <a:font script="Orya" typeface="Kalinga"/>
+        <a:font script="Mlym" typeface="Kartika"/>
+        <a:font script="Laoo" typeface="DokChampa"/>
+        <a:font script="Sinh" typeface="Iskoola Pota"/>
+        <a:font script="Mong" typeface="Mongolian Baiti"/>
+        <a:font script="Viet" typeface="Times New Roman"/>
+        <a:font script="Uigh" typeface="Microsoft Uighur"/>
+        <a:font script="Geor" typeface="Sylfaen"/>
+        <a:font script="Armn" typeface="Arial"/>
+        <a:font script="Bugi" typeface="Leelawadee UI"/>
+        <a:font script="Bopo" typeface="Microsoft JhengHei"/>
+        <a:font script="Java" typeface="Javanese Text"/>
+        <a:font script="Lisu" typeface="Segoe UI"/>
+        <a:font script="Mymr" typeface="Myanmar Text"/>
+        <a:font script="Nkoo" typeface="Ebrima"/>
+        <a:font script="Olck" typeface="Nirmala UI"/>
+        <a:font script="Osma" typeface="Ebrima"/>
+        <a:font script="Phag" typeface="Phagspa"/>
+        <a:font script="Syrn" typeface="Estrangelo Edessa"/>
+        <a:font script="Syrj" typeface="Estrangelo Edessa"/>
+        <a:font script="Syre" typeface="Estrangelo Edessa"/>
+        <a:font script="Sora" typeface="Nirmala UI"/>
+        <a:font script="Tale" typeface="Microsoft Tai Le"/>
+        <a:font script="Talu" typeface="Microsoft New Tai Lue"/>
+        <a:font script="Tfng" typeface="Ebrima"/>
+      </a:majorFont>
+      <a:minorFont>
+        <a:latin typeface="Calibri" panose="020F0502020204030204"/>
+        <a:ea typeface=""/>
+        <a:cs typeface=""/>
+        <a:font script="Jpan" typeface="游ゴシック"/>
+        <a:font script="Hang" typeface="맑은 고딕"/>
+        <a:font script="Hans" typeface="等线"/>
+        <a:font script="Hant" typeface="新細明體"/>
+        <a:font script="Arab" typeface="Arial"/>
+        <a:font script="Hebr" typeface="Arial"/>
+        <a:font script="Thai" typeface="Cordia New"/>
+        <a:font script="Ethi" typeface="Nyala"/>
+        <a:font script="Beng" typeface="Vrinda"/>
+        <a:font script="Gujr" typeface="Shruti"/>
+        <a:font script="Khmr" typeface="DaunPenh"/>
+        <a:font script="Knda" typeface="Tunga"/>
+        <a:font script="Guru" typeface="Raavi"/>
+        <a:font script="Cans" typeface="Euphemia"/>
+        <a:font script="Cher" typeface="Plantagenet Cherokee"/>
+        <a:font script="Yiii" typeface="Microsoft Yi Baiti"/>
+        <a:font script="Tibt" typeface="Microsoft Himalaya"/>
+        <a:font script="Thaa" typeface="MV Boli"/>
+        <a:font script="Deva" typeface="Mangal"/>
+        <a:font script="Telu" typeface="Gautami"/>
+        <a:font script="Taml" typeface="Latha"/>
+        <a:font script="Syrc" typeface="Estrangelo Edessa"/>
+        <a:font script="Orya" typeface="Kalinga"/>
+        <a:font script="Mlym" typeface="Kartika"/>
+        <a:font script="Laoo" typeface="DokChampa"/>
+        <a:font script="Sinh" typeface="Iskoola Pota"/>
+        <a:font script="Mong" typeface="Mongolian Baiti"/>
+        <a:font script="Viet" typeface="Arial"/>
+        <a:font script="Uigh" typeface="Microsoft Uighur"/>
+        <a:font script="Geor" typeface="Sylfaen"/>
+        <a:font script="Armn" typeface="Arial"/>
+        <a:font script="Bugi" typeface="Leelawadee UI"/>
+        <a:font script="Bopo" typeface="Microsoft JhengHei"/>
+        <a:font script="Java" typeface="Javanese Text"/>
+        <a:font script="Lisu" typeface="Segoe UI"/>
+        <a:font script="Mymr" typeface="Myanmar Text"/>
+        <a:font script="Nkoo" typeface="Ebrima"/>
+        <a:font script="Olck" typeface="Nirmala UI"/>
+        <a:font script="Osma" typeface="Ebrima"/>
+        <a:font script="Phag" typeface="Phagspa"/>
+        <a:font script="Syrn" typeface="Estrangelo Edessa"/>
+        <a:font script="Syrj" typeface="Estrangelo Edessa"/>
+        <a:font script="Syre" typeface="Estrangelo Edessa"/>
+        <a:font script="Sora" typeface="Nirmala UI"/>
+        <a:font script="Tale" typeface="Microsoft Tai Le"/>
+        <a:font script="Talu" typeface="Microsoft New Tai Lue"/>
+        <a:font script="Tfng" typeface="Ebrima"/>
+      </a:minorFont>
+    </a:fontScheme>
+    <a:fmtScheme name="Office">
+      <a:fillStyleLst>
+        <a:solidFill>
+          <a:schemeClr val="phClr"/>
+        </a:solidFill>
+        <a:gradFill rotWithShape="1">
+          <a:gsLst>
+            <a:gs pos="0">
+              <a:schemeClr val="phClr">
+                <a:lumMod val="110000"/>
+                <a:satMod val="105000"/>
+                <a:tint val="67000"/>
+              </a:schemeClr>
+            </a:gs>
+            <a:gs pos="50000">
+              <a:schemeClr val="phClr">
+                <a:lumMod val="105000"/>
+                <a:satMod val="103000"/>
+                <a:tint val="73000"/>
+              </a:schemeClr>
+            </a:gs>
+            <a:gs pos="100000">
+              <a:schemeClr val="phClr">
+                <a:lumMod val="105000"/>
+                <a:satMod val="109000"/>
+                <a:tint val="81000"/>
+              </a:schemeClr>
+            </a:gs>
+          </a:gsLst>
+          <a:lin ang="5400000" scaled="0"/>
+        </a:gradFill>
+        <a:gradFill rotWithShape="1">
+          <a:gsLst>
+            <a:gs pos="0">
+              <a:schemeClr val="phClr">
+                <a:satMod val="103000"/>
+                <a:lumMod val="102000"/>
+                <a:tint val="94000"/>
+              </a:schemeClr>
+            </a:gs>
+            <a:gs pos="50000">
+              <a:schemeClr val="phClr">
+                <a:satMod val="110000"/>
+                <a:lumMod val="100000"/>
+                <a:shade val="100000"/>
+              </a:schemeClr>
+            </a:gs>
+            <a:gs pos="100000">
+              <a:schemeClr val="phClr">
+                <a:lumMod val="99000"/>
+                <a:satMod val="120000"/>
+                <a:shade val="78000"/>
+              </a:schemeClr>
+            </a:gs>
+          </a:gsLst>
+          <a:lin ang="5400000" scaled="0"/>
+        </a:gradFill>
+      </a:fillStyleLst>
+      <a:lnStyleLst>
+        <a:ln w="6350" cap="flat" cmpd="sng" algn="ctr">
+          <a:solidFill>
+            <a:schemeClr val="phClr"/>
+          </a:solidFill>
+          <a:prstDash val="solid"/>
+          <a:miter lim="800000"/>
+        </a:ln>
+        <a:ln w="12700" cap="flat" cmpd="sng" algn="ctr">
+          <a:solidFill>
+            <a:schemeClr val="phClr"/>
+          </a:solidFill>
+          <a:prstDash val="solid"/>
+          <a:miter lim="800000"/>
+        </a:ln>
+        <a:ln w="19050" cap="flat" cmpd="sng" algn="ctr">
+          <a:solidFill>
+            <a:schemeClr val="phClr"/>
+          </a:solidFill>
+          <a:prstDash val="solid"/>
+          <a:miter lim="800000"/>
+        </a:ln>
+      </a:lnStyleLst>
+      <a:effectStyleLst>
+        <a:effectStyle>
+          <a:effectLst/>
+        </a:effectStyle>
+        <a:effectStyle>
+          <a:effectLst/>
+        </a:effectStyle>
+        <a:effectStyle>
+          <a:effectLst>
+            <a:outerShdw blurRad="57150" dist="19050" dir="5400000" algn="ctr" rotWithShape="0">
+              <a:srgbClr val="000000">
+                <a:alpha val="63000"/>
+              </a:srgbClr>
+            </a:outerShdw>
+          </a:effectLst>
+        </a:effectStyle>
+      </a:effectStyleLst>
+      <a:bgFillStyleLst>
+        <a:solidFill>
+          <a:schemeClr val="phClr"/>
+        </a:solidFill>
+        <a:solidFill>
+          <a:schemeClr val="phClr">
+            <a:tint val="95000"/>
+            <a:satMod val="170000"/>
+          </a:schemeClr>
+        </a:solidFill>
+        <a:gradFill rotWithShape="1">
+          <a:gsLst>
+            <a:gs pos="0">
+              <a:schemeClr val="phClr">
+                <a:tint val="93000"/>
+                <a:satMod val="150000"/>
+                <a:shade val="98000"/>
+                <a:lumMod val="102000"/>
+              </a:schemeClr>
+            </a:gs>
+            <a:gs pos="50000">
+              <a:schemeClr val="phClr">
+                <a:tint val="98000"/>
+                <a:satMod val="130000"/>
+                <a:shade val="90000"/>
+                <a:lumMod val="103000"/>
+              </a:schemeClr>
+            </a:gs>
+            <a:gs pos="100000">
+              <a:schemeClr val="phClr">
+                <a:shade val="63000"/>
+                <a:satMod val="120000"/>
+              </a:schemeClr>
+            </a:gs>
+          </a:gsLst>
+          <a:lin ang="5400000" scaled="0"/>
+        </a:gradFill>
+      </a:bgFillStyleLst>
+    </a:fmtScheme>
+  </a:themeElements>
+  <a:objectDefaults/>
+  <a:extraClrSchemeLst/>
+  <a:extLst>
+    <a:ext uri="{05A4C25C-085E-4340-85A3-A5531E510DB2}">
+      <thm15:themeFamily xmlns:thm15="http://schemas.microsoft.com/office/thememl/2012/main" name="Office Theme" id="{62F939B6-93AF-4DB8-9C6B-D6C7DFDC589F}" vid="{4A3C46E8-61CC-4603-A589-7422A47A8E4A}"/>
+    </a:ext>
+  </a:extLst>
+</a:theme>
 </file>
--- a/LectureSlides/12Play.pptx
+++ b/LectureSlides/12Play.pptx
@@ -5,7 +5,7 @@
     <p:sldMasterId id="2147483696" r:id="rId1"/>
   </p:sldMasterIdLst>
   <p:notesMasterIdLst>
-    <p:notesMasterId r:id="rId38"/>
+    <p:notesMasterId r:id="rId42"/>
   </p:notesMasterIdLst>
   <p:sldIdLst>
     <p:sldId id="256" r:id="rId2"/>
@@ -13,37 +13,41 @@
     <p:sldId id="258" r:id="rId4"/>
     <p:sldId id="261" r:id="rId5"/>
     <p:sldId id="259" r:id="rId6"/>
-    <p:sldId id="262" r:id="rId7"/>
-    <p:sldId id="263" r:id="rId8"/>
-    <p:sldId id="264" r:id="rId9"/>
-    <p:sldId id="265" r:id="rId10"/>
-    <p:sldId id="266" r:id="rId11"/>
-    <p:sldId id="270" r:id="rId12"/>
-    <p:sldId id="273" r:id="rId13"/>
-    <p:sldId id="272" r:id="rId14"/>
-    <p:sldId id="271" r:id="rId15"/>
-    <p:sldId id="274" r:id="rId16"/>
-    <p:sldId id="268" r:id="rId17"/>
-    <p:sldId id="269" r:id="rId18"/>
-    <p:sldId id="275" r:id="rId19"/>
-    <p:sldId id="276" r:id="rId20"/>
-    <p:sldId id="277" r:id="rId21"/>
-    <p:sldId id="278" r:id="rId22"/>
-    <p:sldId id="280" r:id="rId23"/>
-    <p:sldId id="279" r:id="rId24"/>
-    <p:sldId id="260" r:id="rId25"/>
-    <p:sldId id="281" r:id="rId26"/>
-    <p:sldId id="286" r:id="rId27"/>
-    <p:sldId id="287" r:id="rId28"/>
-    <p:sldId id="288" r:id="rId29"/>
-    <p:sldId id="284" r:id="rId30"/>
-    <p:sldId id="282" r:id="rId31"/>
-    <p:sldId id="283" r:id="rId32"/>
-    <p:sldId id="289" r:id="rId33"/>
-    <p:sldId id="285" r:id="rId34"/>
-    <p:sldId id="290" r:id="rId35"/>
-    <p:sldId id="292" r:id="rId36"/>
-    <p:sldId id="291" r:id="rId37"/>
+    <p:sldId id="293" r:id="rId7"/>
+    <p:sldId id="262" r:id="rId8"/>
+    <p:sldId id="263" r:id="rId9"/>
+    <p:sldId id="294" r:id="rId10"/>
+    <p:sldId id="264" r:id="rId11"/>
+    <p:sldId id="265" r:id="rId12"/>
+    <p:sldId id="266" r:id="rId13"/>
+    <p:sldId id="295" r:id="rId14"/>
+    <p:sldId id="270" r:id="rId15"/>
+    <p:sldId id="273" r:id="rId16"/>
+    <p:sldId id="272" r:id="rId17"/>
+    <p:sldId id="271" r:id="rId18"/>
+    <p:sldId id="274" r:id="rId19"/>
+    <p:sldId id="268" r:id="rId20"/>
+    <p:sldId id="269" r:id="rId21"/>
+    <p:sldId id="275" r:id="rId22"/>
+    <p:sldId id="296" r:id="rId23"/>
+    <p:sldId id="276" r:id="rId24"/>
+    <p:sldId id="277" r:id="rId25"/>
+    <p:sldId id="278" r:id="rId26"/>
+    <p:sldId id="280" r:id="rId27"/>
+    <p:sldId id="279" r:id="rId28"/>
+    <p:sldId id="260" r:id="rId29"/>
+    <p:sldId id="281" r:id="rId30"/>
+    <p:sldId id="286" r:id="rId31"/>
+    <p:sldId id="287" r:id="rId32"/>
+    <p:sldId id="288" r:id="rId33"/>
+    <p:sldId id="284" r:id="rId34"/>
+    <p:sldId id="282" r:id="rId35"/>
+    <p:sldId id="283" r:id="rId36"/>
+    <p:sldId id="289" r:id="rId37"/>
+    <p:sldId id="285" r:id="rId38"/>
+    <p:sldId id="290" r:id="rId39"/>
+    <p:sldId id="292" r:id="rId40"/>
+    <p:sldId id="291" r:id="rId41"/>
   </p:sldIdLst>
   <p:sldSz cx="12192000" cy="6858000"/>
   <p:notesSz cx="6858000" cy="9144000"/>
@@ -232,7 +236,7 @@
           <a:p>
             <a:fld id="{E1E7BBD2-A5D0-4B1D-B889-8F7B657ECBD9}" type="datetimeFigureOut">
               <a:rPr lang="en-US" smtClean="0"/>
-              <a:t>9/13/2023</a:t>
+              <a:t>10/6/2023</a:t>
             </a:fld>
             <a:endParaRPr lang="en-US"/>
           </a:p>
@@ -543,6 +547,90 @@
           <a:bodyPr/>
           <a:lstStyle/>
           <a:p>
+            <a:endParaRPr lang="en-US" dirty="0"/>
+          </a:p>
+        </p:txBody>
+      </p:sp>
+      <p:sp>
+        <p:nvSpPr>
+          <p:cNvPr id="4" name="Slide Number Placeholder 3"/>
+          <p:cNvSpPr>
+            <a:spLocks noGrp="1"/>
+          </p:cNvSpPr>
+          <p:nvPr>
+            <p:ph type="sldNum" sz="quarter" idx="5"/>
+          </p:nvPr>
+        </p:nvSpPr>
+        <p:spPr/>
+        <p:txBody>
+          <a:bodyPr/>
+          <a:lstStyle/>
+          <a:p>
+            <a:fld id="{581640A1-DED0-4FF3-BECB-DAAADBEA5988}" type="slidenum">
+              <a:rPr lang="en-US" smtClean="0"/>
+              <a:t>17</a:t>
+            </a:fld>
+            <a:endParaRPr lang="en-US"/>
+          </a:p>
+        </p:txBody>
+      </p:sp>
+    </p:spTree>
+    <p:extLst>
+      <p:ext uri="{BB962C8B-B14F-4D97-AF65-F5344CB8AC3E}">
+        <p14:creationId xmlns:p14="http://schemas.microsoft.com/office/powerpoint/2010/main" val="102778297"/>
+      </p:ext>
+    </p:extLst>
+  </p:cSld>
+  <p:clrMapOvr>
+    <a:masterClrMapping/>
+  </p:clrMapOvr>
+</p:notes>
+</file>
+
+<file path=ppt/notesSlides/notesSlide2.xml><?xml version="1.0" encoding="utf-8"?>
+<p:notes xmlns:a="http://schemas.openxmlformats.org/drawingml/2006/main" xmlns:r="http://schemas.openxmlformats.org/officeDocument/2006/relationships" xmlns:p="http://schemas.openxmlformats.org/presentationml/2006/main">
+  <p:cSld>
+    <p:spTree>
+      <p:nvGrpSpPr>
+        <p:cNvPr id="1" name=""/>
+        <p:cNvGrpSpPr/>
+        <p:nvPr/>
+      </p:nvGrpSpPr>
+      <p:grpSpPr>
+        <a:xfrm>
+          <a:off x="0" y="0"/>
+          <a:ext cx="0" cy="0"/>
+          <a:chOff x="0" y="0"/>
+          <a:chExt cx="0" cy="0"/>
+        </a:xfrm>
+      </p:grpSpPr>
+      <p:sp>
+        <p:nvSpPr>
+          <p:cNvPr id="2" name="Slide Image Placeholder 1"/>
+          <p:cNvSpPr>
+            <a:spLocks noGrp="1" noRot="1" noChangeAspect="1"/>
+          </p:cNvSpPr>
+          <p:nvPr>
+            <p:ph type="sldImg"/>
+          </p:nvPr>
+        </p:nvSpPr>
+        <p:spPr/>
+      </p:sp>
+      <p:sp>
+        <p:nvSpPr>
+          <p:cNvPr id="3" name="Notes Placeholder 2"/>
+          <p:cNvSpPr>
+            <a:spLocks noGrp="1"/>
+          </p:cNvSpPr>
+          <p:nvPr>
+            <p:ph type="body" idx="1"/>
+          </p:nvPr>
+        </p:nvSpPr>
+        <p:spPr/>
+        <p:txBody>
+          <a:bodyPr/>
+          <a:lstStyle/>
+          <a:p>
             <a:r>
               <a:rPr lang="en-US" dirty="0"/>
               <a:t>This program is an exploration of color. In an HSB (aka HSV) color space, each color is represented by its hue, saturation, and brightness (aka value). Saturation is a number that is 0 when the color is completely gray and is at its maximum value when the color is as not-gray as possible. The program displays a rainbow pattern and interactively updates the saturation of each column whenever you move the mouse.</a:t>
@@ -615,7 +703,7 @@
           <a:p>
             <a:fld id="{581640A1-DED0-4FF3-BECB-DAAADBEA5988}" type="slidenum">
               <a:rPr lang="en-US" smtClean="0"/>
-              <a:t>26</a:t>
+              <a:t>30</a:t>
             </a:fld>
             <a:endParaRPr lang="en-US"/>
           </a:p>
@@ -856,9 +944,9 @@
           <a:bodyPr/>
           <a:lstStyle/>
           <a:p>
-            <a:fld id="{DF0DA02A-3D36-4521-B995-F6A931B35345}" type="datetimeFigureOut">
+            <a:fld id="{3E9D31C7-122C-435B-90FC-50DD85BE55EF}" type="datetime1">
               <a:rPr lang="en-US" smtClean="0"/>
-              <a:t>9/13/2023</a:t>
+              <a:t>10/6/2023</a:t>
             </a:fld>
             <a:endParaRPr lang="en-US"/>
           </a:p>
@@ -1064,9 +1152,9 @@
           <a:bodyPr/>
           <a:lstStyle/>
           <a:p>
-            <a:fld id="{DF0DA02A-3D36-4521-B995-F6A931B35345}" type="datetimeFigureOut">
+            <a:fld id="{488473BF-09A1-466B-A7A6-38549FBFE505}" type="datetime1">
               <a:rPr lang="en-US" smtClean="0"/>
-              <a:t>9/13/2023</a:t>
+              <a:t>10/6/2023</a:t>
             </a:fld>
             <a:endParaRPr lang="en-US"/>
           </a:p>
@@ -1320,9 +1408,9 @@
           <a:bodyPr/>
           <a:lstStyle/>
           <a:p>
-            <a:fld id="{DF0DA02A-3D36-4521-B995-F6A931B35345}" type="datetimeFigureOut">
+            <a:fld id="{345DF39D-FED1-40D8-98C2-FC0D8062D561}" type="datetime1">
               <a:rPr lang="en-US" smtClean="0"/>
-              <a:t>9/13/2023</a:t>
+              <a:t>10/6/2023</a:t>
             </a:fld>
             <a:endParaRPr lang="en-US"/>
           </a:p>
@@ -1505,9 +1593,9 @@
           <a:bodyPr/>
           <a:lstStyle/>
           <a:p>
-            <a:fld id="{DF0DA02A-3D36-4521-B995-F6A931B35345}" type="datetimeFigureOut">
+            <a:fld id="{F0DC1F15-99DD-4F85-8805-031BFB1FDFEE}" type="datetime1">
               <a:rPr lang="en-US" smtClean="0"/>
-              <a:t>9/13/2023</a:t>
+              <a:t>10/6/2023</a:t>
             </a:fld>
             <a:endParaRPr lang="en-US"/>
           </a:p>
@@ -1848,9 +1936,9 @@
           <a:bodyPr/>
           <a:lstStyle/>
           <a:p>
-            <a:fld id="{DF0DA02A-3D36-4521-B995-F6A931B35345}" type="datetimeFigureOut">
+            <a:fld id="{4FD3917C-92C1-4DE0-A525-FEFA93C4EDC5}" type="datetime1">
               <a:rPr lang="en-US" smtClean="0"/>
-              <a:t>9/13/2023</a:t>
+              <a:t>10/6/2023</a:t>
             </a:fld>
             <a:endParaRPr lang="en-US"/>
           </a:p>
@@ -2153,9 +2241,9 @@
           <a:bodyPr/>
           <a:lstStyle/>
           <a:p>
-            <a:fld id="{DF0DA02A-3D36-4521-B995-F6A931B35345}" type="datetimeFigureOut">
+            <a:fld id="{05EFFDC0-6A7B-4C54-A9E3-0FCB2465AC07}" type="datetime1">
               <a:rPr lang="en-US" smtClean="0"/>
-              <a:t>9/13/2023</a:t>
+              <a:t>10/6/2023</a:t>
             </a:fld>
             <a:endParaRPr lang="en-US"/>
           </a:p>
@@ -2562,9 +2650,9 @@
           <a:bodyPr/>
           <a:lstStyle/>
           <a:p>
-            <a:fld id="{DF0DA02A-3D36-4521-B995-F6A931B35345}" type="datetimeFigureOut">
+            <a:fld id="{BE267F27-CC70-4E8F-B3BE-7482DC477BC3}" type="datetime1">
               <a:rPr lang="en-US" smtClean="0"/>
-              <a:t>9/13/2023</a:t>
+              <a:t>10/6/2023</a:t>
             </a:fld>
             <a:endParaRPr lang="en-US"/>
           </a:p>
@@ -2680,9 +2768,9 @@
           <a:bodyPr/>
           <a:lstStyle/>
           <a:p>
-            <a:fld id="{DF0DA02A-3D36-4521-B995-F6A931B35345}" type="datetimeFigureOut">
+            <a:fld id="{4A31A163-0ACA-4EF8-B5B6-641081AA3A91}" type="datetime1">
               <a:rPr lang="en-US" smtClean="0"/>
-              <a:t>9/13/2023</a:t>
+              <a:t>10/6/2023</a:t>
             </a:fld>
             <a:endParaRPr lang="en-US"/>
           </a:p>
@@ -2851,9 +2939,9 @@
           <a:bodyPr/>
           <a:lstStyle/>
           <a:p>
-            <a:fld id="{DF0DA02A-3D36-4521-B995-F6A931B35345}" type="datetimeFigureOut">
+            <a:fld id="{0FCE04C8-5974-4997-84BF-E0937591C150}" type="datetime1">
               <a:rPr lang="en-US" smtClean="0"/>
-              <a:t>9/13/2023</a:t>
+              <a:t>10/6/2023</a:t>
             </a:fld>
             <a:endParaRPr lang="en-US"/>
           </a:p>
@@ -3220,9 +3308,9 @@
             </a:lvl1pPr>
           </a:lstStyle>
           <a:p>
-            <a:fld id="{DF0DA02A-3D36-4521-B995-F6A931B35345}" type="datetimeFigureOut">
+            <a:fld id="{4ADB9E84-6A1C-445D-8C23-28CE4227726B}" type="datetime1">
               <a:rPr lang="en-US" smtClean="0"/>
-              <a:t>9/13/2023</a:t>
+              <a:t>10/6/2023</a:t>
             </a:fld>
             <a:endParaRPr lang="en-US"/>
           </a:p>
@@ -3597,9 +3685,9 @@
           <a:bodyPr/>
           <a:lstStyle/>
           <a:p>
-            <a:fld id="{DF0DA02A-3D36-4521-B995-F6A931B35345}" type="datetimeFigureOut">
+            <a:fld id="{2B662A3C-15B9-4151-99B4-C52196AB44FF}" type="datetime1">
               <a:rPr lang="en-US" smtClean="0"/>
-              <a:t>9/13/2023</a:t>
+              <a:t>10/6/2023</a:t>
             </a:fld>
             <a:endParaRPr lang="en-US"/>
           </a:p>
@@ -3884,9 +3972,9 @@
             </a:lvl1pPr>
           </a:lstStyle>
           <a:p>
-            <a:fld id="{DF0DA02A-3D36-4521-B995-F6A931B35345}" type="datetimeFigureOut">
+            <a:fld id="{B9F4A52E-49FE-4853-B299-1ACC78E1A660}" type="datetime1">
               <a:rPr lang="en-US" smtClean="0"/>
-              <a:t>9/13/2023</a:t>
+              <a:t>10/6/2023</a:t>
             </a:fld>
             <a:endParaRPr lang="en-US"/>
           </a:p>
@@ -4025,6 +4113,7 @@
     <p:sldLayoutId id="2147483706" r:id="rId10"/>
     <p:sldLayoutId id="2147483707" r:id="rId11"/>
   </p:sldLayoutIdLst>
+  <p:hf hdr="0" ftr="0" dt="0"/>
   <p:txStyles>
     <p:titleStyle>
       <a:lvl1pPr algn="l" defTabSz="914400" rtl="0" eaLnBrk="1" latinLnBrk="0" hangingPunct="1">
@@ -4489,6 +4578,35 @@
           </a:p>
         </p:txBody>
       </p:sp>
+      <p:sp>
+        <p:nvSpPr>
+          <p:cNvPr id="4" name="Slide Number Placeholder 3">
+            <a:extLst>
+              <a:ext uri="{FF2B5EF4-FFF2-40B4-BE49-F238E27FC236}">
+                <a16:creationId xmlns:a16="http://schemas.microsoft.com/office/drawing/2014/main" id="{C0949A91-2FD0-06B1-F98F-AFA2F5A87F9F}"/>
+              </a:ext>
+            </a:extLst>
+          </p:cNvPr>
+          <p:cNvSpPr>
+            <a:spLocks noGrp="1"/>
+          </p:cNvSpPr>
+          <p:nvPr>
+            <p:ph type="sldNum" sz="quarter" idx="12"/>
+          </p:nvPr>
+        </p:nvSpPr>
+        <p:spPr/>
+        <p:txBody>
+          <a:bodyPr/>
+          <a:lstStyle/>
+          <a:p>
+            <a:fld id="{9BF27F29-4B64-4A24-936A-FF41C34C242B}" type="slidenum">
+              <a:rPr lang="en-US" smtClean="0"/>
+              <a:t>1</a:t>
+            </a:fld>
+            <a:endParaRPr lang="en-US"/>
+          </a:p>
+        </p:txBody>
+      </p:sp>
     </p:spTree>
     <p:extLst>
       <p:ext uri="{BB962C8B-B14F-4D97-AF65-F5344CB8AC3E}">
@@ -4524,6 +4642,690 @@
           <p:cNvPr id="2" name="Title 1">
             <a:extLst>
               <a:ext uri="{FF2B5EF4-FFF2-40B4-BE49-F238E27FC236}">
+                <a16:creationId xmlns:a16="http://schemas.microsoft.com/office/drawing/2014/main" id="{4381B3E5-7E38-5179-B87C-24CB29CDDA93}"/>
+              </a:ext>
+            </a:extLst>
+          </p:cNvPr>
+          <p:cNvSpPr>
+            <a:spLocks noGrp="1"/>
+          </p:cNvSpPr>
+          <p:nvPr>
+            <p:ph type="title"/>
+          </p:nvPr>
+        </p:nvSpPr>
+        <p:spPr/>
+        <p:txBody>
+          <a:bodyPr/>
+          <a:lstStyle/>
+          <a:p>
+            <a:r>
+              <a:rPr lang="en-US" dirty="0"/>
+              <a:t>Outline of Twine Theory</a:t>
+            </a:r>
+          </a:p>
+        </p:txBody>
+      </p:sp>
+      <p:sp>
+        <p:nvSpPr>
+          <p:cNvPr id="3" name="Content Placeholder 2">
+            <a:extLst>
+              <a:ext uri="{FF2B5EF4-FFF2-40B4-BE49-F238E27FC236}">
+                <a16:creationId xmlns:a16="http://schemas.microsoft.com/office/drawing/2014/main" id="{87ECD945-9353-2339-2D1E-6FB55E120B08}"/>
+              </a:ext>
+            </a:extLst>
+          </p:cNvPr>
+          <p:cNvSpPr>
+            <a:spLocks noGrp="1"/>
+          </p:cNvSpPr>
+          <p:nvPr>
+            <p:ph idx="1"/>
+          </p:nvPr>
+        </p:nvSpPr>
+        <p:spPr/>
+        <p:txBody>
+          <a:bodyPr/>
+          <a:lstStyle/>
+          <a:p>
+            <a:r>
+              <a:rPr lang="en-US" dirty="0"/>
+              <a:t>What we will / won’t explore</a:t>
+            </a:r>
+          </a:p>
+          <a:p>
+            <a:pPr lvl="1"/>
+            <a:r>
+              <a:rPr lang="en-US" dirty="0"/>
+              <a:t>Concrete syntax?</a:t>
+            </a:r>
+          </a:p>
+          <a:p>
+            <a:pPr lvl="1"/>
+            <a:r>
+              <a:rPr lang="en-US" dirty="0"/>
+              <a:t>Abstract syntax?</a:t>
+            </a:r>
+          </a:p>
+          <a:p>
+            <a:pPr lvl="1"/>
+            <a:r>
+              <a:rPr lang="en-US" dirty="0"/>
+              <a:t>Operational semantics?</a:t>
+            </a:r>
+          </a:p>
+          <a:p>
+            <a:pPr lvl="1"/>
+            <a:r>
+              <a:rPr lang="en-US" dirty="0"/>
+              <a:t>Type system?</a:t>
+            </a:r>
+          </a:p>
+          <a:p>
+            <a:pPr lvl="1"/>
+            <a:r>
+              <a:rPr lang="en-US" dirty="0"/>
+              <a:t>State some theorems?</a:t>
+            </a:r>
+          </a:p>
+          <a:p>
+            <a:pPr marL="201168" lvl="1" indent="0">
+              <a:buNone/>
+            </a:pPr>
+            <a:r>
+              <a:rPr lang="en-US" sz="3200" b="1" dirty="0"/>
+              <a:t>Special:</a:t>
+            </a:r>
+            <a:r>
+              <a:rPr lang="en-US" sz="3200" dirty="0"/>
+              <a:t> Twine theory was developed for this course. </a:t>
+            </a:r>
+            <a:br>
+              <a:rPr lang="en-US" sz="3200" dirty="0"/>
+            </a:br>
+            <a:r>
+              <a:rPr lang="en-US" sz="3200" b="1" dirty="0"/>
+              <a:t>Point:</a:t>
+            </a:r>
+            <a:r>
+              <a:rPr lang="en-US" sz="3200" dirty="0"/>
+              <a:t> Analyze existing PL in new ways</a:t>
+            </a:r>
+            <a:endParaRPr lang="en-US" sz="3200" b="1" dirty="0"/>
+          </a:p>
+        </p:txBody>
+      </p:sp>
+      <p:sp>
+        <p:nvSpPr>
+          <p:cNvPr id="5" name="TextBox 4">
+            <a:extLst>
+              <a:ext uri="{FF2B5EF4-FFF2-40B4-BE49-F238E27FC236}">
+                <a16:creationId xmlns:a16="http://schemas.microsoft.com/office/drawing/2014/main" id="{1AEBEBB3-7461-A3E7-8BB7-FF696B47119F}"/>
+              </a:ext>
+            </a:extLst>
+          </p:cNvPr>
+          <p:cNvSpPr txBox="1"/>
+          <p:nvPr/>
+        </p:nvSpPr>
+        <p:spPr>
+          <a:xfrm>
+            <a:off x="1412508" y="6481449"/>
+            <a:ext cx="8655518" cy="369332"/>
+          </a:xfrm>
+          <a:prstGeom prst="rect">
+            <a:avLst/>
+          </a:prstGeom>
+          <a:noFill/>
+        </p:spPr>
+        <p:txBody>
+          <a:bodyPr wrap="square">
+            <a:spAutoFit/>
+          </a:bodyPr>
+          <a:lstStyle/>
+          <a:p>
+            <a:r>
+              <a:rPr lang="en-US" dirty="0"/>
+              <a:t>https://pixabay.com/vectors/check-mark-tick-mark-check-correct-1292787/</a:t>
+            </a:r>
+          </a:p>
+        </p:txBody>
+      </p:sp>
+      <p:pic>
+        <p:nvPicPr>
+          <p:cNvPr id="1028" name="Picture 4" descr="Free check mark tick mark check vector">
+            <a:extLst>
+              <a:ext uri="{FF2B5EF4-FFF2-40B4-BE49-F238E27FC236}">
+                <a16:creationId xmlns:a16="http://schemas.microsoft.com/office/drawing/2014/main" id="{25F456E6-3810-C29C-AB26-9ECC32287CF8}"/>
+              </a:ext>
+            </a:extLst>
+          </p:cNvPr>
+          <p:cNvPicPr>
+            <a:picLocks noChangeAspect="1" noChangeArrowheads="1"/>
+          </p:cNvPicPr>
+          <p:nvPr/>
+        </p:nvPicPr>
+        <p:blipFill>
+          <a:blip r:embed="rId2">
+            <a:extLst>
+              <a:ext uri="{28A0092B-C50C-407E-A947-70E740481C1C}">
+                <a14:useLocalDpi xmlns:a14="http://schemas.microsoft.com/office/drawing/2010/main" val="0"/>
+              </a:ext>
+            </a:extLst>
+          </a:blip>
+          <a:srcRect/>
+          <a:stretch>
+            <a:fillRect/>
+          </a:stretch>
+        </p:blipFill>
+        <p:spPr bwMode="auto">
+          <a:xfrm>
+            <a:off x="920874" y="2750820"/>
+            <a:ext cx="291852" cy="286350"/>
+          </a:xfrm>
+          <a:prstGeom prst="rect">
+            <a:avLst/>
+          </a:prstGeom>
+          <a:noFill/>
+          <a:extLst>
+            <a:ext uri="{909E8E84-426E-40DD-AFC4-6F175D3DCCD1}">
+              <a14:hiddenFill xmlns:a14="http://schemas.microsoft.com/office/drawing/2010/main">
+                <a:solidFill>
+                  <a:srgbClr val="FFFFFF"/>
+                </a:solidFill>
+              </a14:hiddenFill>
+            </a:ext>
+          </a:extLst>
+        </p:spPr>
+      </p:pic>
+      <p:pic>
+        <p:nvPicPr>
+          <p:cNvPr id="6" name="Picture 4" descr="Free check mark tick mark check vector">
+            <a:extLst>
+              <a:ext uri="{FF2B5EF4-FFF2-40B4-BE49-F238E27FC236}">
+                <a16:creationId xmlns:a16="http://schemas.microsoft.com/office/drawing/2014/main" id="{B9F1E908-D120-A4DD-66BE-A1BC50A7086C}"/>
+              </a:ext>
+            </a:extLst>
+          </p:cNvPr>
+          <p:cNvPicPr>
+            <a:picLocks noChangeAspect="1" noChangeArrowheads="1"/>
+          </p:cNvPicPr>
+          <p:nvPr/>
+        </p:nvPicPr>
+        <p:blipFill>
+          <a:blip r:embed="rId2">
+            <a:extLst>
+              <a:ext uri="{28A0092B-C50C-407E-A947-70E740481C1C}">
+                <a14:useLocalDpi xmlns:a14="http://schemas.microsoft.com/office/drawing/2010/main" val="0"/>
+              </a:ext>
+            </a:extLst>
+          </a:blip>
+          <a:srcRect/>
+          <a:stretch>
+            <a:fillRect/>
+          </a:stretch>
+        </p:blipFill>
+        <p:spPr bwMode="auto">
+          <a:xfrm>
+            <a:off x="920874" y="3145544"/>
+            <a:ext cx="291852" cy="286350"/>
+          </a:xfrm>
+          <a:prstGeom prst="rect">
+            <a:avLst/>
+          </a:prstGeom>
+          <a:noFill/>
+          <a:extLst>
+            <a:ext uri="{909E8E84-426E-40DD-AFC4-6F175D3DCCD1}">
+              <a14:hiddenFill xmlns:a14="http://schemas.microsoft.com/office/drawing/2010/main">
+                <a:solidFill>
+                  <a:srgbClr val="FFFFFF"/>
+                </a:solidFill>
+              </a14:hiddenFill>
+            </a:ext>
+          </a:extLst>
+        </p:spPr>
+      </p:pic>
+      <p:pic>
+        <p:nvPicPr>
+          <p:cNvPr id="7" name="Picture 4" descr="Free check mark tick mark check vector">
+            <a:extLst>
+              <a:ext uri="{FF2B5EF4-FFF2-40B4-BE49-F238E27FC236}">
+                <a16:creationId xmlns:a16="http://schemas.microsoft.com/office/drawing/2014/main" id="{86CB8F38-545C-D0A1-D2E2-6D55D0D60C9D}"/>
+              </a:ext>
+            </a:extLst>
+          </p:cNvPr>
+          <p:cNvPicPr>
+            <a:picLocks noChangeAspect="1" noChangeArrowheads="1"/>
+          </p:cNvPicPr>
+          <p:nvPr/>
+        </p:nvPicPr>
+        <p:blipFill>
+          <a:blip r:embed="rId2">
+            <a:extLst>
+              <a:ext uri="{28A0092B-C50C-407E-A947-70E740481C1C}">
+                <a14:useLocalDpi xmlns:a14="http://schemas.microsoft.com/office/drawing/2010/main" val="0"/>
+              </a:ext>
+            </a:extLst>
+          </a:blip>
+          <a:srcRect/>
+          <a:stretch>
+            <a:fillRect/>
+          </a:stretch>
+        </p:blipFill>
+        <p:spPr bwMode="auto">
+          <a:xfrm>
+            <a:off x="920874" y="3942256"/>
+            <a:ext cx="291852" cy="286350"/>
+          </a:xfrm>
+          <a:prstGeom prst="rect">
+            <a:avLst/>
+          </a:prstGeom>
+          <a:noFill/>
+          <a:extLst>
+            <a:ext uri="{909E8E84-426E-40DD-AFC4-6F175D3DCCD1}">
+              <a14:hiddenFill xmlns:a14="http://schemas.microsoft.com/office/drawing/2010/main">
+                <a:solidFill>
+                  <a:srgbClr val="FFFFFF"/>
+                </a:solidFill>
+              </a14:hiddenFill>
+            </a:ext>
+          </a:extLst>
+        </p:spPr>
+      </p:pic>
+      <p:pic>
+        <p:nvPicPr>
+          <p:cNvPr id="1030" name="Picture 6" descr="Free Cross Delete vector and picture">
+            <a:extLst>
+              <a:ext uri="{FF2B5EF4-FFF2-40B4-BE49-F238E27FC236}">
+                <a16:creationId xmlns:a16="http://schemas.microsoft.com/office/drawing/2014/main" id="{221F1129-6FBC-D830-0695-2028126FC9D9}"/>
+              </a:ext>
+            </a:extLst>
+          </p:cNvPr>
+          <p:cNvPicPr>
+            <a:picLocks noChangeAspect="1" noChangeArrowheads="1"/>
+          </p:cNvPicPr>
+          <p:nvPr/>
+        </p:nvPicPr>
+        <p:blipFill>
+          <a:blip r:embed="rId3">
+            <a:extLst>
+              <a:ext uri="{28A0092B-C50C-407E-A947-70E740481C1C}">
+                <a14:useLocalDpi xmlns:a14="http://schemas.microsoft.com/office/drawing/2010/main" val="0"/>
+              </a:ext>
+            </a:extLst>
+          </a:blip>
+          <a:srcRect/>
+          <a:stretch>
+            <a:fillRect/>
+          </a:stretch>
+        </p:blipFill>
+        <p:spPr bwMode="auto">
+          <a:xfrm>
+            <a:off x="929115" y="2376593"/>
+            <a:ext cx="336330" cy="228600"/>
+          </a:xfrm>
+          <a:prstGeom prst="rect">
+            <a:avLst/>
+          </a:prstGeom>
+          <a:noFill/>
+          <a:extLst>
+            <a:ext uri="{909E8E84-426E-40DD-AFC4-6F175D3DCCD1}">
+              <a14:hiddenFill xmlns:a14="http://schemas.microsoft.com/office/drawing/2010/main">
+                <a:solidFill>
+                  <a:srgbClr val="FFFFFF"/>
+                </a:solidFill>
+              </a14:hiddenFill>
+            </a:ext>
+          </a:extLst>
+        </p:spPr>
+      </p:pic>
+      <p:sp>
+        <p:nvSpPr>
+          <p:cNvPr id="9" name="TextBox 8">
+            <a:extLst>
+              <a:ext uri="{FF2B5EF4-FFF2-40B4-BE49-F238E27FC236}">
+                <a16:creationId xmlns:a16="http://schemas.microsoft.com/office/drawing/2014/main" id="{76973321-78F3-C4C7-6329-51C5FDC24A0F}"/>
+              </a:ext>
+            </a:extLst>
+          </p:cNvPr>
+          <p:cNvSpPr txBox="1"/>
+          <p:nvPr/>
+        </p:nvSpPr>
+        <p:spPr>
+          <a:xfrm>
+            <a:off x="1539240" y="6296783"/>
+            <a:ext cx="7020026" cy="369332"/>
+          </a:xfrm>
+          <a:prstGeom prst="rect">
+            <a:avLst/>
+          </a:prstGeom>
+          <a:noFill/>
+        </p:spPr>
+        <p:txBody>
+          <a:bodyPr wrap="square">
+            <a:spAutoFit/>
+          </a:bodyPr>
+          <a:lstStyle/>
+          <a:p>
+            <a:r>
+              <a:rPr lang="en-US" dirty="0"/>
+              <a:t>https://pixabay.com/vectors/cross-delete-remove-cancel-abort-296507/</a:t>
+            </a:r>
+          </a:p>
+        </p:txBody>
+      </p:sp>
+      <p:pic>
+        <p:nvPicPr>
+          <p:cNvPr id="10" name="Picture 6" descr="Free Cross Delete vector and picture">
+            <a:extLst>
+              <a:ext uri="{FF2B5EF4-FFF2-40B4-BE49-F238E27FC236}">
+                <a16:creationId xmlns:a16="http://schemas.microsoft.com/office/drawing/2014/main" id="{9C46A4C3-225D-080F-A089-1D574F110850}"/>
+              </a:ext>
+            </a:extLst>
+          </p:cNvPr>
+          <p:cNvPicPr>
+            <a:picLocks noChangeAspect="1" noChangeArrowheads="1"/>
+          </p:cNvPicPr>
+          <p:nvPr/>
+        </p:nvPicPr>
+        <p:blipFill>
+          <a:blip r:embed="rId3">
+            <a:extLst>
+              <a:ext uri="{28A0092B-C50C-407E-A947-70E740481C1C}">
+                <a14:useLocalDpi xmlns:a14="http://schemas.microsoft.com/office/drawing/2010/main" val="0"/>
+              </a:ext>
+            </a:extLst>
+          </a:blip>
+          <a:srcRect/>
+          <a:stretch>
+            <a:fillRect/>
+          </a:stretch>
+        </p:blipFill>
+        <p:spPr bwMode="auto">
+          <a:xfrm>
+            <a:off x="937260" y="3571081"/>
+            <a:ext cx="336330" cy="228600"/>
+          </a:xfrm>
+          <a:prstGeom prst="rect">
+            <a:avLst/>
+          </a:prstGeom>
+          <a:noFill/>
+          <a:extLst>
+            <a:ext uri="{909E8E84-426E-40DD-AFC4-6F175D3DCCD1}">
+              <a14:hiddenFill xmlns:a14="http://schemas.microsoft.com/office/drawing/2010/main">
+                <a:solidFill>
+                  <a:srgbClr val="FFFFFF"/>
+                </a:solidFill>
+              </a14:hiddenFill>
+            </a:ext>
+          </a:extLst>
+        </p:spPr>
+      </p:pic>
+      <p:sp>
+        <p:nvSpPr>
+          <p:cNvPr id="4" name="Slide Number Placeholder 3">
+            <a:extLst>
+              <a:ext uri="{FF2B5EF4-FFF2-40B4-BE49-F238E27FC236}">
+                <a16:creationId xmlns:a16="http://schemas.microsoft.com/office/drawing/2014/main" id="{683425C8-D096-2241-F8A1-D701C084179E}"/>
+              </a:ext>
+            </a:extLst>
+          </p:cNvPr>
+          <p:cNvSpPr>
+            <a:spLocks noGrp="1"/>
+          </p:cNvSpPr>
+          <p:nvPr>
+            <p:ph type="sldNum" sz="quarter" idx="12"/>
+          </p:nvPr>
+        </p:nvSpPr>
+        <p:spPr/>
+        <p:txBody>
+          <a:bodyPr/>
+          <a:lstStyle/>
+          <a:p>
+            <a:fld id="{9BF27F29-4B64-4A24-936A-FF41C34C242B}" type="slidenum">
+              <a:rPr lang="en-US" smtClean="0"/>
+              <a:t>10</a:t>
+            </a:fld>
+            <a:endParaRPr lang="en-US"/>
+          </a:p>
+        </p:txBody>
+      </p:sp>
+    </p:spTree>
+    <p:extLst>
+      <p:ext uri="{BB962C8B-B14F-4D97-AF65-F5344CB8AC3E}">
+        <p14:creationId xmlns:p14="http://schemas.microsoft.com/office/powerpoint/2010/main" val="935358856"/>
+      </p:ext>
+    </p:extLst>
+  </p:cSld>
+  <p:clrMapOvr>
+    <a:masterClrMapping/>
+  </p:clrMapOvr>
+</p:sld>
+</file>
+
+<file path=ppt/slides/slide11.xml><?xml version="1.0" encoding="utf-8"?>
+<p:sld xmlns:a="http://schemas.openxmlformats.org/drawingml/2006/main" xmlns:r="http://schemas.openxmlformats.org/officeDocument/2006/relationships" xmlns:p="http://schemas.openxmlformats.org/presentationml/2006/main">
+  <p:cSld>
+    <p:spTree>
+      <p:nvGrpSpPr>
+        <p:cNvPr id="1" name=""/>
+        <p:cNvGrpSpPr/>
+        <p:nvPr/>
+      </p:nvGrpSpPr>
+      <p:grpSpPr>
+        <a:xfrm>
+          <a:off x="0" y="0"/>
+          <a:ext cx="0" cy="0"/>
+          <a:chOff x="0" y="0"/>
+          <a:chExt cx="0" cy="0"/>
+        </a:xfrm>
+      </p:grpSpPr>
+      <p:sp>
+        <p:nvSpPr>
+          <p:cNvPr id="2" name="Title 1">
+            <a:extLst>
+              <a:ext uri="{FF2B5EF4-FFF2-40B4-BE49-F238E27FC236}">
+                <a16:creationId xmlns:a16="http://schemas.microsoft.com/office/drawing/2014/main" id="{6F338B65-F577-FA2A-2899-8247AB2F5677}"/>
+              </a:ext>
+            </a:extLst>
+          </p:cNvPr>
+          <p:cNvSpPr>
+            <a:spLocks noGrp="1"/>
+          </p:cNvSpPr>
+          <p:nvPr>
+            <p:ph type="title"/>
+          </p:nvPr>
+        </p:nvSpPr>
+        <p:spPr/>
+        <p:txBody>
+          <a:bodyPr/>
+          <a:lstStyle/>
+          <a:p>
+            <a:r>
+              <a:rPr lang="en-US" dirty="0"/>
+              <a:t>Concrete Syntax? No</a:t>
+            </a:r>
+          </a:p>
+        </p:txBody>
+      </p:sp>
+      <p:sp>
+        <p:nvSpPr>
+          <p:cNvPr id="3" name="Content Placeholder 2">
+            <a:extLst>
+              <a:ext uri="{FF2B5EF4-FFF2-40B4-BE49-F238E27FC236}">
+                <a16:creationId xmlns:a16="http://schemas.microsoft.com/office/drawing/2014/main" id="{EEA0C14C-D9D5-DDD7-A7C6-DA0D1643F98E}"/>
+              </a:ext>
+            </a:extLst>
+          </p:cNvPr>
+          <p:cNvSpPr>
+            <a:spLocks noGrp="1"/>
+          </p:cNvSpPr>
+          <p:nvPr>
+            <p:ph idx="1"/>
+          </p:nvPr>
+        </p:nvSpPr>
+        <p:spPr/>
+        <p:txBody>
+          <a:bodyPr/>
+          <a:lstStyle/>
+          <a:p>
+            <a:r>
+              <a:rPr lang="en-US" dirty="0"/>
+              <a:t>The </a:t>
+            </a:r>
+            <a:r>
+              <a:rPr lang="en-US" b="1" dirty="0"/>
+              <a:t>concrete syntax</a:t>
+            </a:r>
+            <a:r>
+              <a:rPr lang="en-US" dirty="0"/>
+              <a:t> of a programming language means the </a:t>
+            </a:r>
+            <a:r>
+              <a:rPr lang="en-US" b="1" dirty="0"/>
+              <a:t>exact way</a:t>
+            </a:r>
+            <a:r>
+              <a:rPr lang="en-US" dirty="0"/>
+              <a:t> a program is written down in source code</a:t>
+            </a:r>
+          </a:p>
+          <a:p>
+            <a:r>
+              <a:rPr lang="en-US" dirty="0"/>
+              <a:t>In most programming languages, source code = text file</a:t>
+            </a:r>
+          </a:p>
+          <a:p>
+            <a:r>
+              <a:rPr lang="en-US" dirty="0"/>
+              <a:t>Twine’s story is more complicated:</a:t>
+            </a:r>
+          </a:p>
+          <a:p>
+            <a:pPr lvl="1"/>
+            <a:r>
+              <a:rPr lang="en-US" dirty="0"/>
+              <a:t>It lets you code in full PLs</a:t>
+            </a:r>
+          </a:p>
+          <a:p>
+            <a:pPr lvl="1"/>
+            <a:r>
+              <a:rPr lang="en-US" dirty="0"/>
+              <a:t>Or use graphical editor</a:t>
+            </a:r>
+          </a:p>
+          <a:p>
+            <a:r>
+              <a:rPr lang="en-US" dirty="0"/>
+              <a:t>Both would be complicated to</a:t>
+            </a:r>
+            <a:br>
+              <a:rPr lang="en-US" dirty="0"/>
+            </a:br>
+            <a:r>
+              <a:rPr lang="en-US" dirty="0"/>
+              <a:t>define concrete syntax</a:t>
+            </a:r>
+          </a:p>
+          <a:p>
+            <a:pPr lvl="1"/>
+            <a:endParaRPr lang="en-US" dirty="0"/>
+          </a:p>
+        </p:txBody>
+      </p:sp>
+      <p:pic>
+        <p:nvPicPr>
+          <p:cNvPr id="5" name="Picture 4">
+            <a:extLst>
+              <a:ext uri="{FF2B5EF4-FFF2-40B4-BE49-F238E27FC236}">
+                <a16:creationId xmlns:a16="http://schemas.microsoft.com/office/drawing/2014/main" id="{726DF87E-66BD-5010-87E4-6C42319ABAD7}"/>
+              </a:ext>
+            </a:extLst>
+          </p:cNvPr>
+          <p:cNvPicPr>
+            <a:picLocks noChangeAspect="1"/>
+          </p:cNvPicPr>
+          <p:nvPr/>
+        </p:nvPicPr>
+        <p:blipFill>
+          <a:blip r:embed="rId2"/>
+          <a:stretch>
+            <a:fillRect/>
+          </a:stretch>
+        </p:blipFill>
+        <p:spPr>
+          <a:xfrm>
+            <a:off x="6222295" y="3676649"/>
+            <a:ext cx="4014610" cy="2419352"/>
+          </a:xfrm>
+          <a:prstGeom prst="rect">
+            <a:avLst/>
+          </a:prstGeom>
+        </p:spPr>
+      </p:pic>
+      <p:sp>
+        <p:nvSpPr>
+          <p:cNvPr id="4" name="Slide Number Placeholder 3">
+            <a:extLst>
+              <a:ext uri="{FF2B5EF4-FFF2-40B4-BE49-F238E27FC236}">
+                <a16:creationId xmlns:a16="http://schemas.microsoft.com/office/drawing/2014/main" id="{4146CD51-2DA9-7F87-3050-23EDEF7D86ED}"/>
+              </a:ext>
+            </a:extLst>
+          </p:cNvPr>
+          <p:cNvSpPr>
+            <a:spLocks noGrp="1"/>
+          </p:cNvSpPr>
+          <p:nvPr>
+            <p:ph type="sldNum" sz="quarter" idx="12"/>
+          </p:nvPr>
+        </p:nvSpPr>
+        <p:spPr/>
+        <p:txBody>
+          <a:bodyPr/>
+          <a:lstStyle/>
+          <a:p>
+            <a:fld id="{9BF27F29-4B64-4A24-936A-FF41C34C242B}" type="slidenum">
+              <a:rPr lang="en-US" smtClean="0"/>
+              <a:t>11</a:t>
+            </a:fld>
+            <a:endParaRPr lang="en-US"/>
+          </a:p>
+        </p:txBody>
+      </p:sp>
+    </p:spTree>
+    <p:extLst>
+      <p:ext uri="{BB962C8B-B14F-4D97-AF65-F5344CB8AC3E}">
+        <p14:creationId xmlns:p14="http://schemas.microsoft.com/office/powerpoint/2010/main" val="2168182464"/>
+      </p:ext>
+    </p:extLst>
+  </p:cSld>
+  <p:clrMapOvr>
+    <a:masterClrMapping/>
+  </p:clrMapOvr>
+</p:sld>
+</file>
+
+<file path=ppt/slides/slide12.xml><?xml version="1.0" encoding="utf-8"?>
+<p:sld xmlns:a="http://schemas.openxmlformats.org/drawingml/2006/main" xmlns:r="http://schemas.openxmlformats.org/officeDocument/2006/relationships" xmlns:p="http://schemas.openxmlformats.org/presentationml/2006/main">
+  <p:cSld>
+    <p:spTree>
+      <p:nvGrpSpPr>
+        <p:cNvPr id="1" name=""/>
+        <p:cNvGrpSpPr/>
+        <p:nvPr/>
+      </p:nvGrpSpPr>
+      <p:grpSpPr>
+        <a:xfrm>
+          <a:off x="0" y="0"/>
+          <a:ext cx="0" cy="0"/>
+          <a:chOff x="0" y="0"/>
+          <a:chExt cx="0" cy="0"/>
+        </a:xfrm>
+      </p:grpSpPr>
+      <p:sp>
+        <p:nvSpPr>
+          <p:cNvPr id="2" name="Title 1">
+            <a:extLst>
+              <a:ext uri="{FF2B5EF4-FFF2-40B4-BE49-F238E27FC236}">
                 <a16:creationId xmlns:a16="http://schemas.microsoft.com/office/drawing/2014/main" id="{3CEFC095-13FE-0464-4F9E-4CF0F7C193BF}"/>
               </a:ext>
             </a:extLst>
@@ -4666,6 +5468,121 @@
           </a:prstGeom>
         </p:spPr>
       </p:pic>
+      <p:sp>
+        <p:nvSpPr>
+          <p:cNvPr id="5" name="Slide Number Placeholder 4">
+            <a:extLst>
+              <a:ext uri="{FF2B5EF4-FFF2-40B4-BE49-F238E27FC236}">
+                <a16:creationId xmlns:a16="http://schemas.microsoft.com/office/drawing/2014/main" id="{51CB2713-ED0F-32C8-2DCD-05102B83EAD4}"/>
+              </a:ext>
+            </a:extLst>
+          </p:cNvPr>
+          <p:cNvSpPr>
+            <a:spLocks noGrp="1"/>
+          </p:cNvSpPr>
+          <p:nvPr>
+            <p:ph type="sldNum" sz="quarter" idx="12"/>
+          </p:nvPr>
+        </p:nvSpPr>
+        <p:spPr/>
+        <p:txBody>
+          <a:bodyPr/>
+          <a:lstStyle/>
+          <a:p>
+            <a:fld id="{9BF27F29-4B64-4A24-936A-FF41C34C242B}" type="slidenum">
+              <a:rPr lang="en-US" smtClean="0"/>
+              <a:t>12</a:t>
+            </a:fld>
+            <a:endParaRPr lang="en-US"/>
+          </a:p>
+        </p:txBody>
+      </p:sp>
+      <p:cxnSp>
+        <p:nvCxnSpPr>
+          <p:cNvPr id="7" name="Connector: Elbow 6">
+            <a:extLst>
+              <a:ext uri="{FF2B5EF4-FFF2-40B4-BE49-F238E27FC236}">
+                <a16:creationId xmlns:a16="http://schemas.microsoft.com/office/drawing/2014/main" id="{72ABC81E-B70D-A2C2-13DB-EF4EFFA653C9}"/>
+              </a:ext>
+            </a:extLst>
+          </p:cNvPr>
+          <p:cNvCxnSpPr>
+            <a:cxnSpLocks/>
+          </p:cNvCxnSpPr>
+          <p:nvPr/>
+        </p:nvCxnSpPr>
+        <p:spPr>
+          <a:xfrm>
+            <a:off x="3718560" y="3560064"/>
+            <a:ext cx="4486656" cy="377952"/>
+          </a:xfrm>
+          <a:prstGeom prst="bentConnector3">
+            <a:avLst>
+              <a:gd name="adj1" fmla="val 97011"/>
+            </a:avLst>
+          </a:prstGeom>
+          <a:ln>
+            <a:tailEnd type="triangle"/>
+          </a:ln>
+        </p:spPr>
+        <p:style>
+          <a:lnRef idx="1">
+            <a:schemeClr val="accent1"/>
+          </a:lnRef>
+          <a:fillRef idx="0">
+            <a:schemeClr val="accent1"/>
+          </a:fillRef>
+          <a:effectRef idx="0">
+            <a:schemeClr val="accent1"/>
+          </a:effectRef>
+          <a:fontRef idx="minor">
+            <a:schemeClr val="tx1"/>
+          </a:fontRef>
+        </p:style>
+      </p:cxnSp>
+      <p:cxnSp>
+        <p:nvCxnSpPr>
+          <p:cNvPr id="12" name="Connector: Elbow 11">
+            <a:extLst>
+              <a:ext uri="{FF2B5EF4-FFF2-40B4-BE49-F238E27FC236}">
+                <a16:creationId xmlns:a16="http://schemas.microsoft.com/office/drawing/2014/main" id="{4AFB49F9-CF81-3BF6-0465-00E47B9CBF37}"/>
+              </a:ext>
+            </a:extLst>
+          </p:cNvPr>
+          <p:cNvCxnSpPr>
+            <a:cxnSpLocks/>
+          </p:cNvCxnSpPr>
+          <p:nvPr/>
+        </p:nvCxnSpPr>
+        <p:spPr>
+          <a:xfrm>
+            <a:off x="2950464" y="3938016"/>
+            <a:ext cx="5803392" cy="804672"/>
+          </a:xfrm>
+          <a:prstGeom prst="bentConnector3">
+            <a:avLst>
+              <a:gd name="adj1" fmla="val 50000"/>
+            </a:avLst>
+          </a:prstGeom>
+          <a:ln>
+            <a:tailEnd type="triangle"/>
+          </a:ln>
+        </p:spPr>
+        <p:style>
+          <a:lnRef idx="1">
+            <a:schemeClr val="accent1"/>
+          </a:lnRef>
+          <a:fillRef idx="0">
+            <a:schemeClr val="accent1"/>
+          </a:fillRef>
+          <a:effectRef idx="0">
+            <a:schemeClr val="accent1"/>
+          </a:effectRef>
+          <a:fontRef idx="minor">
+            <a:schemeClr val="tx1"/>
+          </a:fontRef>
+        </p:style>
+      </p:cxnSp>
     </p:spTree>
     <p:extLst>
       <p:ext uri="{BB962C8B-B14F-4D97-AF65-F5344CB8AC3E}">
@@ -4679,7 +5596,7 @@
 </p:sld>
 </file>
 
-<file path=ppt/slides/slide11.xml><?xml version="1.0" encoding="utf-8"?>
+<file path=ppt/slides/slide13.xml><?xml version="1.0" encoding="utf-8"?>
 <p:sld xmlns:a="http://schemas.openxmlformats.org/drawingml/2006/main" xmlns:r="http://schemas.openxmlformats.org/officeDocument/2006/relationships" xmlns:p="http://schemas.openxmlformats.org/presentationml/2006/main">
   <p:cSld>
     <p:spTree>
@@ -4701,6 +5618,168 @@
           <p:cNvPr id="2" name="Title 1">
             <a:extLst>
               <a:ext uri="{FF2B5EF4-FFF2-40B4-BE49-F238E27FC236}">
+                <a16:creationId xmlns:a16="http://schemas.microsoft.com/office/drawing/2014/main" id="{1E3D8287-84CD-1572-00F5-6B1E6A082616}"/>
+              </a:ext>
+            </a:extLst>
+          </p:cNvPr>
+          <p:cNvSpPr>
+            <a:spLocks noGrp="1"/>
+          </p:cNvSpPr>
+          <p:nvPr>
+            <p:ph type="title"/>
+          </p:nvPr>
+        </p:nvSpPr>
+        <p:spPr/>
+        <p:txBody>
+          <a:bodyPr/>
+          <a:lstStyle/>
+          <a:p>
+            <a:r>
+              <a:rPr lang="en-US" dirty="0"/>
+              <a:t>Abstract Syntax Review</a:t>
+            </a:r>
+          </a:p>
+        </p:txBody>
+      </p:sp>
+      <p:sp>
+        <p:nvSpPr>
+          <p:cNvPr id="3" name="Content Placeholder 2">
+            <a:extLst>
+              <a:ext uri="{FF2B5EF4-FFF2-40B4-BE49-F238E27FC236}">
+                <a16:creationId xmlns:a16="http://schemas.microsoft.com/office/drawing/2014/main" id="{C4FDC1F1-5AE8-5C64-508B-822807DE7105}"/>
+              </a:ext>
+            </a:extLst>
+          </p:cNvPr>
+          <p:cNvSpPr>
+            <a:spLocks noGrp="1"/>
+          </p:cNvSpPr>
+          <p:nvPr>
+            <p:ph idx="1"/>
+          </p:nvPr>
+        </p:nvSpPr>
+        <p:spPr/>
+        <p:txBody>
+          <a:bodyPr/>
+          <a:lstStyle/>
+          <a:p>
+            <a:r>
+              <a:rPr lang="en-US" dirty="0"/>
+              <a:t>In abstract syntax, we often want to represent both the code of the program </a:t>
+            </a:r>
+            <a:r>
+              <a:rPr lang="en-US" b="1" i="1" dirty="0"/>
+              <a:t>and</a:t>
+            </a:r>
+            <a:r>
+              <a:rPr lang="en-US" dirty="0"/>
+              <a:t> its runtime state. Important for the semantics</a:t>
+            </a:r>
+          </a:p>
+          <a:p>
+            <a:r>
+              <a:rPr lang="en-US" dirty="0"/>
+              <a:t>(</a:t>
+            </a:r>
+            <a:r>
+              <a:rPr lang="en-US" b="1" dirty="0"/>
+              <a:t>Non-essential) vocab: </a:t>
+            </a:r>
+            <a:r>
+              <a:rPr lang="en-US" dirty="0"/>
+              <a:t>A </a:t>
+            </a:r>
+            <a:r>
+              <a:rPr lang="en-US" i="1" dirty="0"/>
+              <a:t>machine </a:t>
+            </a:r>
+            <a:r>
+              <a:rPr lang="en-US" b="1" i="1" dirty="0"/>
+              <a:t>m </a:t>
+            </a:r>
+            <a:r>
+              <a:rPr lang="en-US" dirty="0"/>
+              <a:t>is the abstract syntax of a program at runtime, i.e., program combined with state.</a:t>
+            </a:r>
+          </a:p>
+          <a:p>
+            <a:r>
+              <a:rPr lang="en-US" b="1" dirty="0"/>
+              <a:t>Toi:</a:t>
+            </a:r>
+            <a:r>
+              <a:rPr lang="en-US" dirty="0"/>
+              <a:t> A machine is a pair of an environment E and an expression e, written (E, e)</a:t>
+            </a:r>
+          </a:p>
+          <a:p>
+            <a:endParaRPr lang="en-US" dirty="0"/>
+          </a:p>
+        </p:txBody>
+      </p:sp>
+      <p:sp>
+        <p:nvSpPr>
+          <p:cNvPr id="4" name="Slide Number Placeholder 3">
+            <a:extLst>
+              <a:ext uri="{FF2B5EF4-FFF2-40B4-BE49-F238E27FC236}">
+                <a16:creationId xmlns:a16="http://schemas.microsoft.com/office/drawing/2014/main" id="{7CB7CBE3-8891-B361-10E0-77BC38A2603B}"/>
+              </a:ext>
+            </a:extLst>
+          </p:cNvPr>
+          <p:cNvSpPr>
+            <a:spLocks noGrp="1"/>
+          </p:cNvSpPr>
+          <p:nvPr>
+            <p:ph type="sldNum" sz="quarter" idx="12"/>
+          </p:nvPr>
+        </p:nvSpPr>
+        <p:spPr/>
+        <p:txBody>
+          <a:bodyPr/>
+          <a:lstStyle/>
+          <a:p>
+            <a:fld id="{9BF27F29-4B64-4A24-936A-FF41C34C242B}" type="slidenum">
+              <a:rPr lang="en-US" smtClean="0"/>
+              <a:t>13</a:t>
+            </a:fld>
+            <a:endParaRPr lang="en-US"/>
+          </a:p>
+        </p:txBody>
+      </p:sp>
+    </p:spTree>
+    <p:extLst>
+      <p:ext uri="{BB962C8B-B14F-4D97-AF65-F5344CB8AC3E}">
+        <p14:creationId xmlns:p14="http://schemas.microsoft.com/office/powerpoint/2010/main" val="3087904421"/>
+      </p:ext>
+    </p:extLst>
+  </p:cSld>
+  <p:clrMapOvr>
+    <a:masterClrMapping/>
+  </p:clrMapOvr>
+</p:sld>
+</file>
+
+<file path=ppt/slides/slide14.xml><?xml version="1.0" encoding="utf-8"?>
+<p:sld xmlns:a="http://schemas.openxmlformats.org/drawingml/2006/main" xmlns:r="http://schemas.openxmlformats.org/officeDocument/2006/relationships" xmlns:p="http://schemas.openxmlformats.org/presentationml/2006/main">
+  <p:cSld>
+    <p:spTree>
+      <p:nvGrpSpPr>
+        <p:cNvPr id="1" name=""/>
+        <p:cNvGrpSpPr/>
+        <p:nvPr/>
+      </p:nvGrpSpPr>
+      <p:grpSpPr>
+        <a:xfrm>
+          <a:off x="0" y="0"/>
+          <a:ext cx="0" cy="0"/>
+          <a:chOff x="0" y="0"/>
+          <a:chExt cx="0" cy="0"/>
+        </a:xfrm>
+      </p:grpSpPr>
+      <p:sp>
+        <p:nvSpPr>
+          <p:cNvPr id="2" name="Title 1">
+            <a:extLst>
+              <a:ext uri="{FF2B5EF4-FFF2-40B4-BE49-F238E27FC236}">
                 <a16:creationId xmlns:a16="http://schemas.microsoft.com/office/drawing/2014/main" id="{F53EE7FF-F186-E7AD-C986-9A35EC3B3C88}"/>
               </a:ext>
             </a:extLst>
@@ -4746,41 +5825,6 @@
           <a:lstStyle/>
           <a:p>
             <a:r>
-              <a:rPr lang="en-US" b="1" dirty="0"/>
-              <a:t>Core PL Vocab:</a:t>
-            </a:r>
-            <a:r>
-              <a:rPr lang="en-US" dirty="0"/>
-              <a:t> A (</a:t>
-            </a:r>
-            <a:r>
-              <a:rPr lang="en-US" b="1" dirty="0"/>
-              <a:t>machine</a:t>
-            </a:r>
-            <a:r>
-              <a:rPr lang="en-US" dirty="0"/>
-              <a:t>) </a:t>
-            </a:r>
-            <a:r>
-              <a:rPr lang="en-US" b="1" dirty="0"/>
-              <a:t>configuration</a:t>
-            </a:r>
-            <a:r>
-              <a:rPr lang="en-US" dirty="0"/>
-              <a:t> </a:t>
-            </a:r>
-            <a:r>
-              <a:rPr lang="en-US" b="1" i="1" dirty="0"/>
-              <a:t>m</a:t>
-            </a:r>
-            <a:r>
-              <a:rPr lang="en-US" dirty="0"/>
-              <a:t> is the abstract syntax of a program at runtime, i.e., program combined with state.</a:t>
-            </a:r>
-            <a:endParaRPr lang="en-US" b="1" dirty="0"/>
-          </a:p>
-          <a:p>
-            <a:r>
               <a:rPr lang="en-US" dirty="0"/>
               <a:t>We define Twine machines by m </a:t>
             </a:r>
@@ -4943,6 +5987,35 @@
               <a:t>ℓ is the name on the label</a:t>
             </a:r>
             <a:endParaRPr lang="en-US" dirty="0"/>
+          </a:p>
+        </p:txBody>
+      </p:sp>
+      <p:sp>
+        <p:nvSpPr>
+          <p:cNvPr id="4" name="Slide Number Placeholder 3">
+            <a:extLst>
+              <a:ext uri="{FF2B5EF4-FFF2-40B4-BE49-F238E27FC236}">
+                <a16:creationId xmlns:a16="http://schemas.microsoft.com/office/drawing/2014/main" id="{E88456B7-8E16-14B8-49B1-D4E8F4E06E39}"/>
+              </a:ext>
+            </a:extLst>
+          </p:cNvPr>
+          <p:cNvSpPr>
+            <a:spLocks noGrp="1"/>
+          </p:cNvSpPr>
+          <p:nvPr>
+            <p:ph type="sldNum" sz="quarter" idx="12"/>
+          </p:nvPr>
+        </p:nvSpPr>
+        <p:spPr/>
+        <p:txBody>
+          <a:bodyPr/>
+          <a:lstStyle/>
+          <a:p>
+            <a:fld id="{9BF27F29-4B64-4A24-936A-FF41C34C242B}" type="slidenum">
+              <a:rPr lang="en-US" smtClean="0"/>
+              <a:t>14</a:t>
+            </a:fld>
+            <a:endParaRPr lang="en-US"/>
           </a:p>
         </p:txBody>
       </p:sp>
@@ -4959,7 +6032,7 @@
 </p:sld>
 </file>
 
-<file path=ppt/slides/slide12.xml><?xml version="1.0" encoding="utf-8"?>
+<file path=ppt/slides/slide15.xml><?xml version="1.0" encoding="utf-8"?>
 <p:sld xmlns:a="http://schemas.openxmlformats.org/drawingml/2006/main" xmlns:r="http://schemas.openxmlformats.org/officeDocument/2006/relationships" xmlns:p="http://schemas.openxmlformats.org/presentationml/2006/main">
   <p:cSld>
     <p:spTree>
@@ -5279,6 +6352,35 @@
           </a:prstGeom>
         </p:spPr>
       </p:pic>
+      <p:sp>
+        <p:nvSpPr>
+          <p:cNvPr id="5" name="Slide Number Placeholder 4">
+            <a:extLst>
+              <a:ext uri="{FF2B5EF4-FFF2-40B4-BE49-F238E27FC236}">
+                <a16:creationId xmlns:a16="http://schemas.microsoft.com/office/drawing/2014/main" id="{00AB7324-4ABD-7825-C683-4978A5A1C826}"/>
+              </a:ext>
+            </a:extLst>
+          </p:cNvPr>
+          <p:cNvSpPr>
+            <a:spLocks noGrp="1"/>
+          </p:cNvSpPr>
+          <p:nvPr>
+            <p:ph type="sldNum" sz="quarter" idx="12"/>
+          </p:nvPr>
+        </p:nvSpPr>
+        <p:spPr/>
+        <p:txBody>
+          <a:bodyPr/>
+          <a:lstStyle/>
+          <a:p>
+            <a:fld id="{9BF27F29-4B64-4A24-936A-FF41C34C242B}" type="slidenum">
+              <a:rPr lang="en-US" smtClean="0"/>
+              <a:t>15</a:t>
+            </a:fld>
+            <a:endParaRPr lang="en-US"/>
+          </a:p>
+        </p:txBody>
+      </p:sp>
     </p:spTree>
     <p:extLst>
       <p:ext uri="{BB962C8B-B14F-4D97-AF65-F5344CB8AC3E}">
@@ -5292,7 +6394,7 @@
 </p:sld>
 </file>
 
-<file path=ppt/slides/slide13.xml><?xml version="1.0" encoding="utf-8"?>
+<file path=ppt/slides/slide16.xml><?xml version="1.0" encoding="utf-8"?>
 <p:sld xmlns:a="http://schemas.openxmlformats.org/drawingml/2006/main" xmlns:r="http://schemas.openxmlformats.org/officeDocument/2006/relationships" xmlns:p="http://schemas.openxmlformats.org/presentationml/2006/main">
   <p:cSld>
     <p:spTree>
@@ -5337,8 +6439,8 @@
           </a:p>
         </p:txBody>
       </p:sp>
-      <mc:AlternateContent xmlns:mc="http://schemas.openxmlformats.org/markup-compatibility/2006" xmlns:a14="http://schemas.microsoft.com/office/drawing/2010/main">
-        <mc:Choice Requires="a14">
+      <mc:AlternateContent xmlns:mc="http://schemas.openxmlformats.org/markup-compatibility/2006">
+        <mc:Choice xmlns:a14="http://schemas.microsoft.com/office/drawing/2010/main" Requires="a14">
           <p:sp>
             <p:nvSpPr>
               <p:cNvPr id="3" name="Content Placeholder 2">
@@ -5357,12 +6459,14 @@
             </p:nvSpPr>
             <p:spPr/>
             <p:txBody>
-              <a:bodyPr/>
+              <a:bodyPr>
+                <a:normAutofit lnSpcReduction="10000"/>
+              </a:bodyPr>
               <a:lstStyle/>
               <a:p>
                 <a:r>
                   <a:rPr lang="en-US" dirty="0"/>
-                  <a:t>Main task: Design stepping judgement </a:t>
+                  <a:t>Main task: Design stepping judgement m </a:t>
                 </a:r>
                 <a:r>
                   <a:rPr lang="en-US" b="0" i="0" dirty="0">
@@ -5371,7 +6475,36 @@
                     </a:solidFill>
                     <a:effectLst/>
                   </a:rPr>
-                  <a:t>⟼. Details differ by PL</a:t>
+                  <a:t>⟼ m’. Details differ by PL</a:t>
+                </a:r>
+              </a:p>
+              <a:p>
+                <a:pPr lvl="1"/>
+                <a:r>
+                  <a:rPr lang="en-US" b="0" i="0" dirty="0">
+                    <a:solidFill>
+                      <a:srgbClr val="202122"/>
+                    </a:solidFill>
+                    <a:effectLst/>
+                  </a:rPr>
+                  <a:t>Compare: Evaluation judgement </a:t>
+                </a:r>
+                <a:r>
+                  <a:rPr lang="en-US" i="1" dirty="0">
+                    <a:solidFill>
+                      <a:srgbClr val="202122"/>
+                    </a:solidFill>
+                  </a:rPr>
+                  <a:t>m</a:t>
+                </a:r>
+                <a:r>
+                  <a:rPr lang="en-US" b="0" i="1" dirty="0">
+                    <a:solidFill>
+                      <a:srgbClr val="202122"/>
+                    </a:solidFill>
+                    <a:effectLst/>
+                  </a:rPr>
+                  <a:t> ⤷ v</a:t>
                 </a:r>
               </a:p>
               <a:p>
@@ -5391,7 +6524,7 @@
                     </a:solidFill>
                     <a:effectLst/>
                   </a:rPr>
-                  <a:t>⟼ e’</a:t>
+                  <a:t>⟼ e’ </a:t>
                 </a:r>
               </a:p>
               <a:p>
@@ -5645,7 +6778,7 @@
                       <a:srgbClr val="202122"/>
                     </a:solidFill>
                   </a:rPr>
-                  <a:t>Then remaining judgements </a:t>
+                  <a:t>Then judgements </a:t>
                 </a:r>
                 <a14:m>
                   <m:oMath xmlns:m="http://schemas.openxmlformats.org/officeDocument/2006/math">
@@ -5748,16 +6881,12 @@
                   <a:rPr lang="en-US" b="1" i="1" dirty="0"/>
                   <a:t>done</a:t>
                 </a:r>
-                <a:r>
-                  <a:rPr lang="en-US" dirty="0"/>
-                  <a:t> are simpler</a:t>
-                </a:r>
                 <a:endParaRPr lang="en-US" i="1" dirty="0"/>
               </a:p>
             </p:txBody>
           </p:sp>
         </mc:Choice>
-        <mc:Fallback xmlns="">
+        <mc:Fallback>
           <p:sp>
             <p:nvSpPr>
               <p:cNvPr id="3" name="Content Placeholder 2">
@@ -5778,7 +6907,7 @@
               <a:blipFill>
                 <a:blip r:embed="rId2"/>
                 <a:stretch>
-                  <a:fillRect l="-1212" t="-3030"/>
+                  <a:fillRect l="-1212" t="-3939" r="-303"/>
                 </a:stretch>
               </a:blipFill>
             </p:spPr>
@@ -5797,6 +6926,35 @@
           </p:sp>
         </mc:Fallback>
       </mc:AlternateContent>
+      <p:sp>
+        <p:nvSpPr>
+          <p:cNvPr id="4" name="Slide Number Placeholder 3">
+            <a:extLst>
+              <a:ext uri="{FF2B5EF4-FFF2-40B4-BE49-F238E27FC236}">
+                <a16:creationId xmlns:a16="http://schemas.microsoft.com/office/drawing/2014/main" id="{64B22E6D-2DD2-17FB-C869-A026F6F56DD5}"/>
+              </a:ext>
+            </a:extLst>
+          </p:cNvPr>
+          <p:cNvSpPr>
+            <a:spLocks noGrp="1"/>
+          </p:cNvSpPr>
+          <p:nvPr>
+            <p:ph type="sldNum" sz="quarter" idx="12"/>
+          </p:nvPr>
+        </p:nvSpPr>
+        <p:spPr/>
+        <p:txBody>
+          <a:bodyPr/>
+          <a:lstStyle/>
+          <a:p>
+            <a:fld id="{9BF27F29-4B64-4A24-936A-FF41C34C242B}" type="slidenum">
+              <a:rPr lang="en-US" smtClean="0"/>
+              <a:t>16</a:t>
+            </a:fld>
+            <a:endParaRPr lang="en-US"/>
+          </a:p>
+        </p:txBody>
+      </p:sp>
     </p:spTree>
     <p:extLst>
       <p:ext uri="{BB962C8B-B14F-4D97-AF65-F5344CB8AC3E}">
@@ -5810,7 +6968,7 @@
 </p:sld>
 </file>
 
-<file path=ppt/slides/slide14.xml><?xml version="1.0" encoding="utf-8"?>
+<file path=ppt/slides/slide17.xml><?xml version="1.0" encoding="utf-8"?>
 <p:sld xmlns:a="http://schemas.openxmlformats.org/drawingml/2006/main" xmlns:r="http://schemas.openxmlformats.org/officeDocument/2006/relationships" xmlns:p="http://schemas.openxmlformats.org/presentationml/2006/main">
   <p:cSld>
     <p:spTree>
@@ -5855,8 +7013,8 @@
           </a:p>
         </p:txBody>
       </p:sp>
-      <mc:AlternateContent xmlns:mc="http://schemas.openxmlformats.org/markup-compatibility/2006" xmlns:a14="http://schemas.microsoft.com/office/drawing/2010/main">
-        <mc:Choice Requires="a14">
+      <mc:AlternateContent xmlns:mc="http://schemas.openxmlformats.org/markup-compatibility/2006">
+        <mc:Choice xmlns:a14="http://schemas.microsoft.com/office/drawing/2010/main" Requires="a14">
           <p:sp>
             <p:nvSpPr>
               <p:cNvPr id="3" name="Content Placeholder 2">
@@ -5889,6 +7047,11 @@
                 <a:endParaRPr lang="en-US" dirty="0"/>
               </a:p>
               <a:p>
+                <a:pPr>
+                  <a:tabLst>
+                    <a:tab pos="6913563" algn="l"/>
+                  </a:tabLst>
+                </a:pPr>
                 <a:r>
                   <a:rPr lang="en-US" dirty="0"/>
                   <a:t>G = (V, E) </a:t>
@@ -5971,7 +7134,7 @@
             </p:txBody>
           </p:sp>
         </mc:Choice>
-        <mc:Fallback xmlns="">
+        <mc:Fallback>
           <p:sp>
             <p:nvSpPr>
               <p:cNvPr id="3" name="Content Placeholder 2">
@@ -5990,7 +7153,7 @@
             </p:nvSpPr>
             <p:spPr>
               <a:blipFill>
-                <a:blip r:embed="rId2"/>
+                <a:blip r:embed="rId3"/>
                 <a:stretch>
                   <a:fillRect l="-2121" t="-2576"/>
                 </a:stretch>
@@ -6054,6 +7217,224 @@
           </a:fontRef>
         </p:style>
       </p:cxnSp>
+      <p:sp>
+        <p:nvSpPr>
+          <p:cNvPr id="4" name="Slide Number Placeholder 3">
+            <a:extLst>
+              <a:ext uri="{FF2B5EF4-FFF2-40B4-BE49-F238E27FC236}">
+                <a16:creationId xmlns:a16="http://schemas.microsoft.com/office/drawing/2014/main" id="{CBF2DBB0-BFA0-FFCA-0FC7-E60F52DE1A87}"/>
+              </a:ext>
+            </a:extLst>
+          </p:cNvPr>
+          <p:cNvSpPr>
+            <a:spLocks noGrp="1"/>
+          </p:cNvSpPr>
+          <p:nvPr>
+            <p:ph type="sldNum" sz="quarter" idx="12"/>
+          </p:nvPr>
+        </p:nvSpPr>
+        <p:spPr/>
+        <p:txBody>
+          <a:bodyPr/>
+          <a:lstStyle/>
+          <a:p>
+            <a:fld id="{9BF27F29-4B64-4A24-936A-FF41C34C242B}" type="slidenum">
+              <a:rPr lang="en-US" smtClean="0"/>
+              <a:t>17</a:t>
+            </a:fld>
+            <a:endParaRPr lang="en-US"/>
+          </a:p>
+        </p:txBody>
+      </p:sp>
+      <p:pic>
+        <p:nvPicPr>
+          <p:cNvPr id="5" name="Picture 4">
+            <a:extLst>
+              <a:ext uri="{FF2B5EF4-FFF2-40B4-BE49-F238E27FC236}">
+                <a16:creationId xmlns:a16="http://schemas.microsoft.com/office/drawing/2014/main" id="{9D6A13B4-1D6D-3C3C-4223-669B2AF56219}"/>
+              </a:ext>
+            </a:extLst>
+          </p:cNvPr>
+          <p:cNvPicPr>
+            <a:picLocks noChangeAspect="1"/>
+          </p:cNvPicPr>
+          <p:nvPr/>
+        </p:nvPicPr>
+        <p:blipFill>
+          <a:blip r:embed="rId4"/>
+          <a:stretch>
+            <a:fillRect/>
+          </a:stretch>
+        </p:blipFill>
+        <p:spPr>
+          <a:xfrm>
+            <a:off x="4846146" y="2103215"/>
+            <a:ext cx="6614334" cy="3990715"/>
+          </a:xfrm>
+          <a:prstGeom prst="rect">
+            <a:avLst/>
+          </a:prstGeom>
+        </p:spPr>
+      </p:pic>
+      <p:sp>
+        <p:nvSpPr>
+          <p:cNvPr id="6" name="TextBox 5">
+            <a:extLst>
+              <a:ext uri="{FF2B5EF4-FFF2-40B4-BE49-F238E27FC236}">
+                <a16:creationId xmlns:a16="http://schemas.microsoft.com/office/drawing/2014/main" id="{01941530-765C-0A41-C458-2D1224498C5D}"/>
+              </a:ext>
+            </a:extLst>
+          </p:cNvPr>
+          <p:cNvSpPr txBox="1"/>
+          <p:nvPr/>
+        </p:nvSpPr>
+        <p:spPr>
+          <a:xfrm>
+            <a:off x="6260592" y="2377440"/>
+            <a:ext cx="385042" cy="707886"/>
+          </a:xfrm>
+          <a:prstGeom prst="rect">
+            <a:avLst/>
+          </a:prstGeom>
+          <a:noFill/>
+        </p:spPr>
+        <p:txBody>
+          <a:bodyPr wrap="none" rtlCol="0">
+            <a:spAutoFit/>
+          </a:bodyPr>
+          <a:lstStyle/>
+          <a:p>
+            <a:r>
+              <a:rPr lang="en-US" sz="4000" dirty="0"/>
+              <a:t>s</a:t>
+            </a:r>
+          </a:p>
+        </p:txBody>
+      </p:sp>
+      <p:sp>
+        <p:nvSpPr>
+          <p:cNvPr id="8" name="TextBox 7">
+            <a:extLst>
+              <a:ext uri="{FF2B5EF4-FFF2-40B4-BE49-F238E27FC236}">
+                <a16:creationId xmlns:a16="http://schemas.microsoft.com/office/drawing/2014/main" id="{61E3320B-79AE-B41A-E463-7A09F0E08C12}"/>
+              </a:ext>
+            </a:extLst>
+          </p:cNvPr>
+          <p:cNvSpPr txBox="1"/>
+          <p:nvPr/>
+        </p:nvSpPr>
+        <p:spPr>
+          <a:xfrm>
+            <a:off x="9707937" y="1737360"/>
+            <a:ext cx="513282" cy="707886"/>
+          </a:xfrm>
+          <a:prstGeom prst="rect">
+            <a:avLst/>
+          </a:prstGeom>
+          <a:noFill/>
+        </p:spPr>
+        <p:txBody>
+          <a:bodyPr wrap="none" rtlCol="0">
+            <a:spAutoFit/>
+          </a:bodyPr>
+          <a:lstStyle/>
+          <a:p>
+            <a:r>
+              <a:rPr lang="en-US" sz="4000" dirty="0"/>
+              <a:t>s’</a:t>
+            </a:r>
+          </a:p>
+        </p:txBody>
+      </p:sp>
+      <p:sp>
+        <p:nvSpPr>
+          <p:cNvPr id="11" name="TextBox 10">
+            <a:extLst>
+              <a:ext uri="{FF2B5EF4-FFF2-40B4-BE49-F238E27FC236}">
+                <a16:creationId xmlns:a16="http://schemas.microsoft.com/office/drawing/2014/main" id="{0556299D-D4E7-4A6E-32B0-70BF7A898D23}"/>
+              </a:ext>
+            </a:extLst>
+          </p:cNvPr>
+          <p:cNvSpPr txBox="1"/>
+          <p:nvPr/>
+        </p:nvSpPr>
+        <p:spPr>
+          <a:xfrm>
+            <a:off x="7430112" y="2418075"/>
+            <a:ext cx="1493346" cy="584775"/>
+          </a:xfrm>
+          <a:prstGeom prst="rect">
+            <a:avLst/>
+          </a:prstGeom>
+          <a:noFill/>
+        </p:spPr>
+        <p:txBody>
+          <a:bodyPr wrap="square">
+            <a:spAutoFit/>
+          </a:bodyPr>
+          <a:lstStyle/>
+          <a:p>
+            <a:r>
+              <a:rPr lang="en-US" sz="3200" dirty="0"/>
+              <a:t>(s, s’, </a:t>
+            </a:r>
+            <a:r>
+              <a:rPr lang="en-US" sz="3200" b="0" i="0" dirty="0">
+                <a:solidFill>
+                  <a:srgbClr val="000000"/>
+                </a:solidFill>
+                <a:effectLst/>
+              </a:rPr>
+              <a:t>ℓ</a:t>
+            </a:r>
+            <a:r>
+              <a:rPr lang="en-US" sz="3200" dirty="0"/>
+              <a:t>)</a:t>
+            </a:r>
+          </a:p>
+        </p:txBody>
+      </p:sp>
+      <p:sp>
+        <p:nvSpPr>
+          <p:cNvPr id="12" name="TextBox 11">
+            <a:extLst>
+              <a:ext uri="{FF2B5EF4-FFF2-40B4-BE49-F238E27FC236}">
+                <a16:creationId xmlns:a16="http://schemas.microsoft.com/office/drawing/2014/main" id="{51DB200F-39CF-2289-802B-AE71B3CCB286}"/>
+              </a:ext>
+            </a:extLst>
+          </p:cNvPr>
+          <p:cNvSpPr txBox="1"/>
+          <p:nvPr/>
+        </p:nvSpPr>
+        <p:spPr>
+          <a:xfrm>
+            <a:off x="7094832" y="3442909"/>
+            <a:ext cx="1707792" cy="461665"/>
+          </a:xfrm>
+          <a:prstGeom prst="rect">
+            <a:avLst/>
+          </a:prstGeom>
+          <a:noFill/>
+        </p:spPr>
+        <p:txBody>
+          <a:bodyPr wrap="square">
+            <a:spAutoFit/>
+          </a:bodyPr>
+          <a:lstStyle/>
+          <a:p>
+            <a:r>
+              <a:rPr lang="en-US" sz="2400" b="0" i="0" dirty="0">
+                <a:solidFill>
+                  <a:srgbClr val="000000"/>
+                </a:solidFill>
+                <a:effectLst/>
+              </a:rPr>
+              <a:t>ℓ=“was”</a:t>
+            </a:r>
+            <a:endParaRPr lang="en-US" sz="2400" dirty="0"/>
+          </a:p>
+        </p:txBody>
+      </p:sp>
     </p:spTree>
     <p:extLst>
       <p:ext uri="{BB962C8B-B14F-4D97-AF65-F5344CB8AC3E}">
@@ -6067,7 +7448,7 @@
 </p:sld>
 </file>
 
-<file path=ppt/slides/slide15.xml><?xml version="1.0" encoding="utf-8"?>
+<file path=ppt/slides/slide18.xml><?xml version="1.0" encoding="utf-8"?>
 <p:sld xmlns:a="http://schemas.openxmlformats.org/drawingml/2006/main" xmlns:r="http://schemas.openxmlformats.org/officeDocument/2006/relationships" xmlns:p="http://schemas.openxmlformats.org/presentationml/2006/main">
   <p:cSld>
     <p:spTree>
@@ -6320,1046 +7701,6 @@
           </a:fontRef>
         </p:style>
       </p:cxnSp>
-      <mc:AlternateContent xmlns:mc="http://schemas.openxmlformats.org/markup-compatibility/2006" xmlns:a14="http://schemas.microsoft.com/office/drawing/2010/main">
-        <mc:Choice Requires="a14">
-          <p:sp>
-            <p:nvSpPr>
-              <p:cNvPr id="4" name="Content Placeholder 2">
-                <a:extLst>
-                  <a:ext uri="{FF2B5EF4-FFF2-40B4-BE49-F238E27FC236}">
-                    <a16:creationId xmlns:a16="http://schemas.microsoft.com/office/drawing/2014/main" id="{16157332-188B-C147-2E96-014B48F83F85}"/>
-                  </a:ext>
-                </a:extLst>
-              </p:cNvPr>
-              <p:cNvSpPr txBox="1">
-                <a:spLocks/>
-              </p:cNvSpPr>
-              <p:nvPr/>
-            </p:nvSpPr>
-            <p:spPr>
-              <a:xfrm>
-                <a:off x="4271176" y="1845734"/>
-                <a:ext cx="2580198" cy="2129918"/>
-              </a:xfrm>
-              <a:prstGeom prst="rect">
-                <a:avLst/>
-              </a:prstGeom>
-            </p:spPr>
-            <p:txBody>
-              <a:bodyPr vert="horz" lIns="0" tIns="45720" rIns="0" bIns="45720" rtlCol="0">
-                <a:normAutofit fontScale="92500" lnSpcReduction="10000"/>
-              </a:bodyPr>
-              <a:lstStyle>
-                <a:lvl1pPr marL="91440" indent="-91440" algn="l" defTabSz="914400" rtl="0" eaLnBrk="1" latinLnBrk="0" hangingPunct="1">
-                  <a:lnSpc>
-                    <a:spcPct val="90000"/>
-                  </a:lnSpc>
-                  <a:spcBef>
-                    <a:spcPts val="1200"/>
-                  </a:spcBef>
-                  <a:spcAft>
-                    <a:spcPts val="200"/>
-                  </a:spcAft>
-                  <a:buClr>
-                    <a:schemeClr val="accent1"/>
-                  </a:buClr>
-                  <a:buSzPct val="100000"/>
-                  <a:buFont typeface="Calibri" panose="020F0502020204030204" pitchFamily="34" charset="0"/>
-                  <a:buChar char=" "/>
-                  <a:defRPr sz="2800" kern="1200">
-                    <a:solidFill>
-                      <a:schemeClr val="tx1">
-                        <a:lumMod val="75000"/>
-                        <a:lumOff val="25000"/>
-                      </a:schemeClr>
-                    </a:solidFill>
-                    <a:latin typeface="+mn-lt"/>
-                    <a:ea typeface="+mn-ea"/>
-                    <a:cs typeface="+mn-cs"/>
-                  </a:defRPr>
-                </a:lvl1pPr>
-                <a:lvl2pPr marL="384048" indent="-182880" algn="l" defTabSz="914400" rtl="0" eaLnBrk="1" latinLnBrk="0" hangingPunct="1">
-                  <a:lnSpc>
-                    <a:spcPct val="90000"/>
-                  </a:lnSpc>
-                  <a:spcBef>
-                    <a:spcPts val="200"/>
-                  </a:spcBef>
-                  <a:spcAft>
-                    <a:spcPts val="400"/>
-                  </a:spcAft>
-                  <a:buClr>
-                    <a:schemeClr val="accent1"/>
-                  </a:buClr>
-                  <a:buFont typeface="Calibri" pitchFamily="34" charset="0"/>
-                  <a:buChar char="◦"/>
-                  <a:defRPr sz="2400" kern="1200">
-                    <a:solidFill>
-                      <a:schemeClr val="tx1">
-                        <a:lumMod val="75000"/>
-                        <a:lumOff val="25000"/>
-                      </a:schemeClr>
-                    </a:solidFill>
-                    <a:latin typeface="+mn-lt"/>
-                    <a:ea typeface="+mn-ea"/>
-                    <a:cs typeface="+mn-cs"/>
-                  </a:defRPr>
-                </a:lvl2pPr>
-                <a:lvl3pPr marL="566928" indent="-182880" algn="l" defTabSz="914400" rtl="0" eaLnBrk="1" latinLnBrk="0" hangingPunct="1">
-                  <a:lnSpc>
-                    <a:spcPct val="90000"/>
-                  </a:lnSpc>
-                  <a:spcBef>
-                    <a:spcPts val="200"/>
-                  </a:spcBef>
-                  <a:spcAft>
-                    <a:spcPts val="400"/>
-                  </a:spcAft>
-                  <a:buClr>
-                    <a:schemeClr val="accent1"/>
-                  </a:buClr>
-                  <a:buFont typeface="Calibri" pitchFamily="34" charset="0"/>
-                  <a:buChar char="◦"/>
-                  <a:defRPr sz="2200" kern="1200">
-                    <a:solidFill>
-                      <a:schemeClr val="tx1">
-                        <a:lumMod val="75000"/>
-                        <a:lumOff val="25000"/>
-                      </a:schemeClr>
-                    </a:solidFill>
-                    <a:latin typeface="+mn-lt"/>
-                    <a:ea typeface="+mn-ea"/>
-                    <a:cs typeface="+mn-cs"/>
-                  </a:defRPr>
-                </a:lvl3pPr>
-                <a:lvl4pPr marL="749808" indent="-182880" algn="l" defTabSz="914400" rtl="0" eaLnBrk="1" latinLnBrk="0" hangingPunct="1">
-                  <a:lnSpc>
-                    <a:spcPct val="90000"/>
-                  </a:lnSpc>
-                  <a:spcBef>
-                    <a:spcPts val="200"/>
-                  </a:spcBef>
-                  <a:spcAft>
-                    <a:spcPts val="400"/>
-                  </a:spcAft>
-                  <a:buClr>
-                    <a:schemeClr val="accent1"/>
-                  </a:buClr>
-                  <a:buFont typeface="Calibri" pitchFamily="34" charset="0"/>
-                  <a:buChar char="◦"/>
-                  <a:defRPr sz="2000" kern="1200">
-                    <a:solidFill>
-                      <a:schemeClr val="tx1">
-                        <a:lumMod val="75000"/>
-                        <a:lumOff val="25000"/>
-                      </a:schemeClr>
-                    </a:solidFill>
-                    <a:latin typeface="+mn-lt"/>
-                    <a:ea typeface="+mn-ea"/>
-                    <a:cs typeface="+mn-cs"/>
-                  </a:defRPr>
-                </a:lvl4pPr>
-                <a:lvl5pPr marL="932688" indent="-182880" algn="l" defTabSz="914400" rtl="0" eaLnBrk="1" latinLnBrk="0" hangingPunct="1">
-                  <a:lnSpc>
-                    <a:spcPct val="90000"/>
-                  </a:lnSpc>
-                  <a:spcBef>
-                    <a:spcPts val="200"/>
-                  </a:spcBef>
-                  <a:spcAft>
-                    <a:spcPts val="400"/>
-                  </a:spcAft>
-                  <a:buClr>
-                    <a:schemeClr val="accent1"/>
-                  </a:buClr>
-                  <a:buFont typeface="Calibri" pitchFamily="34" charset="0"/>
-                  <a:buChar char="◦"/>
-                  <a:defRPr sz="1800" kern="1200">
-                    <a:solidFill>
-                      <a:schemeClr val="tx1">
-                        <a:lumMod val="75000"/>
-                        <a:lumOff val="25000"/>
-                      </a:schemeClr>
-                    </a:solidFill>
-                    <a:latin typeface="+mn-lt"/>
-                    <a:ea typeface="+mn-ea"/>
-                    <a:cs typeface="+mn-cs"/>
-                  </a:defRPr>
-                </a:lvl5pPr>
-                <a:lvl6pPr marL="1100000" indent="-228600" algn="l" defTabSz="914400" rtl="0" eaLnBrk="1" latinLnBrk="0" hangingPunct="1">
-                  <a:lnSpc>
-                    <a:spcPct val="90000"/>
-                  </a:lnSpc>
-                  <a:spcBef>
-                    <a:spcPts val="200"/>
-                  </a:spcBef>
-                  <a:spcAft>
-                    <a:spcPts val="400"/>
-                  </a:spcAft>
-                  <a:buClr>
-                    <a:schemeClr val="accent1"/>
-                  </a:buClr>
-                  <a:buFont typeface="Calibri" pitchFamily="34" charset="0"/>
-                  <a:buChar char="◦"/>
-                  <a:defRPr sz="1400" kern="1200">
-                    <a:solidFill>
-                      <a:schemeClr val="tx1">
-                        <a:lumMod val="75000"/>
-                        <a:lumOff val="25000"/>
-                      </a:schemeClr>
-                    </a:solidFill>
-                    <a:latin typeface="+mn-lt"/>
-                    <a:ea typeface="+mn-ea"/>
-                    <a:cs typeface="+mn-cs"/>
-                  </a:defRPr>
-                </a:lvl6pPr>
-                <a:lvl7pPr marL="1300000" indent="-228600" algn="l" defTabSz="914400" rtl="0" eaLnBrk="1" latinLnBrk="0" hangingPunct="1">
-                  <a:lnSpc>
-                    <a:spcPct val="90000"/>
-                  </a:lnSpc>
-                  <a:spcBef>
-                    <a:spcPts val="200"/>
-                  </a:spcBef>
-                  <a:spcAft>
-                    <a:spcPts val="400"/>
-                  </a:spcAft>
-                  <a:buClr>
-                    <a:schemeClr val="accent1"/>
-                  </a:buClr>
-                  <a:buFont typeface="Calibri" pitchFamily="34" charset="0"/>
-                  <a:buChar char="◦"/>
-                  <a:defRPr sz="1400" kern="1200">
-                    <a:solidFill>
-                      <a:schemeClr val="tx1">
-                        <a:lumMod val="75000"/>
-                        <a:lumOff val="25000"/>
-                      </a:schemeClr>
-                    </a:solidFill>
-                    <a:latin typeface="+mn-lt"/>
-                    <a:ea typeface="+mn-ea"/>
-                    <a:cs typeface="+mn-cs"/>
-                  </a:defRPr>
-                </a:lvl7pPr>
-                <a:lvl8pPr marL="1500000" indent="-228600" algn="l" defTabSz="914400" rtl="0" eaLnBrk="1" latinLnBrk="0" hangingPunct="1">
-                  <a:lnSpc>
-                    <a:spcPct val="90000"/>
-                  </a:lnSpc>
-                  <a:spcBef>
-                    <a:spcPts val="200"/>
-                  </a:spcBef>
-                  <a:spcAft>
-                    <a:spcPts val="400"/>
-                  </a:spcAft>
-                  <a:buClr>
-                    <a:schemeClr val="accent1"/>
-                  </a:buClr>
-                  <a:buFont typeface="Calibri" pitchFamily="34" charset="0"/>
-                  <a:buChar char="◦"/>
-                  <a:defRPr sz="1400" kern="1200">
-                    <a:solidFill>
-                      <a:schemeClr val="tx1">
-                        <a:lumMod val="75000"/>
-                        <a:lumOff val="25000"/>
-                      </a:schemeClr>
-                    </a:solidFill>
-                    <a:latin typeface="+mn-lt"/>
-                    <a:ea typeface="+mn-ea"/>
-                    <a:cs typeface="+mn-cs"/>
-                  </a:defRPr>
-                </a:lvl8pPr>
-                <a:lvl9pPr marL="1700000" indent="-228600" algn="l" defTabSz="914400" rtl="0" eaLnBrk="1" latinLnBrk="0" hangingPunct="1">
-                  <a:lnSpc>
-                    <a:spcPct val="90000"/>
-                  </a:lnSpc>
-                  <a:spcBef>
-                    <a:spcPts val="200"/>
-                  </a:spcBef>
-                  <a:spcAft>
-                    <a:spcPts val="400"/>
-                  </a:spcAft>
-                  <a:buClr>
-                    <a:schemeClr val="accent1"/>
-                  </a:buClr>
-                  <a:buFont typeface="Calibri" pitchFamily="34" charset="0"/>
-                  <a:buChar char="◦"/>
-                  <a:defRPr sz="1400" kern="1200">
-                    <a:solidFill>
-                      <a:schemeClr val="tx1">
-                        <a:lumMod val="75000"/>
-                        <a:lumOff val="25000"/>
-                      </a:schemeClr>
-                    </a:solidFill>
-                    <a:latin typeface="+mn-lt"/>
-                    <a:ea typeface="+mn-ea"/>
-                    <a:cs typeface="+mn-cs"/>
-                  </a:defRPr>
-                </a:lvl9pPr>
-              </a:lstStyle>
-              <a:p>
-                <a:r>
-                  <a:rPr lang="en-US" dirty="0"/>
-                  <a:t>Rule </a:t>
-                </a:r>
-                <a:r>
-                  <a:rPr lang="en-US" dirty="0" err="1"/>
-                  <a:t>StepsNext</a:t>
-                </a:r>
-                <a:endParaRPr lang="en-US" dirty="0"/>
-              </a:p>
-              <a:p>
-                <a:r>
-                  <a:rPr lang="en-US" dirty="0"/>
-                  <a:t>m </a:t>
-                </a:r>
-                <a14:m>
-                  <m:oMath xmlns:m="http://schemas.openxmlformats.org/officeDocument/2006/math">
-                    <m:sSub>
-                      <m:sSubPr>
-                        <m:ctrlPr>
-                          <a:rPr lang="en-US" i="1" dirty="0" smtClean="0">
-                            <a:solidFill>
-                              <a:srgbClr val="202122"/>
-                            </a:solidFill>
-                            <a:latin typeface="Cambria Math" panose="02040503050406030204" pitchFamily="18" charset="0"/>
-                          </a:rPr>
-                        </m:ctrlPr>
-                      </m:sSubPr>
-                      <m:e>
-                        <m:r>
-                          <a:rPr lang="en-US" i="1" dirty="0">
-                            <a:solidFill>
-                              <a:srgbClr val="202122"/>
-                            </a:solidFill>
-                            <a:latin typeface="Cambria Math" panose="02040503050406030204" pitchFamily="18" charset="0"/>
-                          </a:rPr>
-                          <m:t>⟼</m:t>
-                        </m:r>
-                      </m:e>
-                      <m:sub>
-                        <m:r>
-                          <m:rPr>
-                            <m:nor/>
-                          </m:rPr>
-                          <a:rPr lang="en-US" dirty="0">
-                            <a:solidFill>
-                              <a:srgbClr val="000000"/>
-                            </a:solidFill>
-                          </a:rPr>
-                          <m:t>ℓ</m:t>
-                        </m:r>
-                      </m:sub>
-                    </m:sSub>
-                  </m:oMath>
-                </a14:m>
-                <a:r>
-                  <a:rPr lang="en-US" dirty="0"/>
-                  <a:t> </a:t>
-                </a:r>
-                <a:r>
-                  <a:rPr lang="en-US" dirty="0" err="1"/>
-                  <a:t>m’</a:t>
-                </a:r>
-                <a:endParaRPr lang="en-US" dirty="0"/>
-              </a:p>
-              <a:p>
-                <a:pPr marL="0" indent="0">
-                  <a:buNone/>
-                </a:pPr>
-                <a:r>
-                  <a:rPr lang="en-US" dirty="0"/>
-                  <a:t>m’</a:t>
-                </a:r>
-                <a14:m>
-                  <m:oMath xmlns:m="http://schemas.openxmlformats.org/officeDocument/2006/math">
-                    <m:sSubSup>
-                      <m:sSubSupPr>
-                        <m:ctrlPr>
-                          <a:rPr lang="en-US" i="1" dirty="0">
-                            <a:solidFill>
-                              <a:srgbClr val="202122"/>
-                            </a:solidFill>
-                            <a:latin typeface="Cambria Math" panose="02040503050406030204" pitchFamily="18" charset="0"/>
-                          </a:rPr>
-                        </m:ctrlPr>
-                      </m:sSubSupPr>
-                      <m:e>
-                        <m:r>
-                          <a:rPr lang="en-US" i="1" dirty="0">
-                            <a:solidFill>
-                              <a:srgbClr val="202122"/>
-                            </a:solidFill>
-                            <a:latin typeface="Cambria Math" panose="02040503050406030204" pitchFamily="18" charset="0"/>
-                          </a:rPr>
-                          <m:t>⟼</m:t>
-                        </m:r>
-                      </m:e>
-                      <m:sub>
-                        <m:r>
-                          <m:rPr>
-                            <m:nor/>
-                          </m:rPr>
-                          <a:rPr lang="en-US" dirty="0">
-                            <a:solidFill>
-                              <a:srgbClr val="000000"/>
-                            </a:solidFill>
-                          </a:rPr>
-                          <m:t>ℓ</m:t>
-                        </m:r>
-                        <m:r>
-                          <m:rPr>
-                            <m:nor/>
-                          </m:rPr>
-                          <a:rPr lang="en-US" b="0" i="0" dirty="0" smtClean="0">
-                            <a:solidFill>
-                              <a:srgbClr val="000000"/>
-                            </a:solidFill>
-                          </a:rPr>
-                          <m:t>s</m:t>
-                        </m:r>
-                      </m:sub>
-                      <m:sup>
-                        <m:r>
-                          <a:rPr lang="en-US" b="0" i="1" dirty="0" smtClean="0">
-                            <a:solidFill>
-                              <a:srgbClr val="000000"/>
-                            </a:solidFill>
-                            <a:latin typeface="Cambria Math" panose="02040503050406030204" pitchFamily="18" charset="0"/>
-                          </a:rPr>
-                          <m:t>∗</m:t>
-                        </m:r>
-                      </m:sup>
-                    </m:sSubSup>
-                  </m:oMath>
-                </a14:m>
-                <a:r>
-                  <a:rPr lang="en-US" dirty="0"/>
-                  <a:t> m’’</a:t>
-                </a:r>
-              </a:p>
-              <a:p>
-                <a:r>
-                  <a:rPr lang="en-US" dirty="0"/>
-                  <a:t>m </a:t>
-                </a:r>
-                <a14:m>
-                  <m:oMath xmlns:m="http://schemas.openxmlformats.org/officeDocument/2006/math">
-                    <m:sSubSup>
-                      <m:sSubSupPr>
-                        <m:ctrlPr>
-                          <a:rPr lang="en-US" i="1" dirty="0" smtClean="0">
-                            <a:solidFill>
-                              <a:srgbClr val="202122"/>
-                            </a:solidFill>
-                            <a:latin typeface="Cambria Math" panose="02040503050406030204" pitchFamily="18" charset="0"/>
-                          </a:rPr>
-                        </m:ctrlPr>
-                      </m:sSubSupPr>
-                      <m:e>
-                        <m:r>
-                          <a:rPr lang="en-US" i="1" dirty="0">
-                            <a:solidFill>
-                              <a:srgbClr val="202122"/>
-                            </a:solidFill>
-                            <a:latin typeface="Cambria Math" panose="02040503050406030204" pitchFamily="18" charset="0"/>
-                          </a:rPr>
-                          <m:t>⟼</m:t>
-                        </m:r>
-                      </m:e>
-                      <m:sub>
-                        <m:r>
-                          <m:rPr>
-                            <m:nor/>
-                          </m:rPr>
-                          <a:rPr lang="en-US" dirty="0">
-                            <a:solidFill>
-                              <a:srgbClr val="000000"/>
-                            </a:solidFill>
-                          </a:rPr>
-                          <m:t>ℓ</m:t>
-                        </m:r>
-                        <m:r>
-                          <m:rPr>
-                            <m:nor/>
-                          </m:rPr>
-                          <a:rPr lang="en-US" b="0" i="0" dirty="0" smtClean="0">
-                            <a:solidFill>
-                              <a:srgbClr val="000000"/>
-                            </a:solidFill>
-                          </a:rPr>
-                          <m:t> </m:t>
-                        </m:r>
-                        <m:r>
-                          <m:rPr>
-                            <m:nor/>
-                          </m:rPr>
-                          <a:rPr lang="en-US" dirty="0">
-                            <a:solidFill>
-                              <a:srgbClr val="000000"/>
-                            </a:solidFill>
-                          </a:rPr>
-                          <m:t>ℓ</m:t>
-                        </m:r>
-                        <m:r>
-                          <m:rPr>
-                            <m:nor/>
-                          </m:rPr>
-                          <a:rPr lang="en-US" b="0" i="0" dirty="0" smtClean="0">
-                            <a:solidFill>
-                              <a:srgbClr val="000000"/>
-                            </a:solidFill>
-                          </a:rPr>
-                          <m:t>s</m:t>
-                        </m:r>
-                      </m:sub>
-                      <m:sup>
-                        <m:r>
-                          <a:rPr lang="en-US" b="0" i="1" dirty="0" smtClean="0">
-                            <a:solidFill>
-                              <a:srgbClr val="000000"/>
-                            </a:solidFill>
-                            <a:latin typeface="Cambria Math" panose="02040503050406030204" pitchFamily="18" charset="0"/>
-                          </a:rPr>
-                          <m:t>∗</m:t>
-                        </m:r>
-                      </m:sup>
-                    </m:sSubSup>
-                    <m:r>
-                      <a:rPr lang="en-US" b="0" i="1" dirty="0" smtClean="0">
-                        <a:solidFill>
-                          <a:srgbClr val="000000"/>
-                        </a:solidFill>
-                        <a:latin typeface="Cambria Math" panose="02040503050406030204" pitchFamily="18" charset="0"/>
-                      </a:rPr>
-                      <m:t> </m:t>
-                    </m:r>
-                  </m:oMath>
-                </a14:m>
-                <a:r>
-                  <a:rPr lang="en-US" dirty="0"/>
-                  <a:t>m’’</a:t>
-                </a:r>
-              </a:p>
-              <a:p>
-                <a:endParaRPr lang="en-US" dirty="0"/>
-              </a:p>
-            </p:txBody>
-          </p:sp>
-        </mc:Choice>
-        <mc:Fallback xmlns="">
-          <p:sp>
-            <p:nvSpPr>
-              <p:cNvPr id="4" name="Content Placeholder 2">
-                <a:extLst>
-                  <a:ext uri="{FF2B5EF4-FFF2-40B4-BE49-F238E27FC236}">
-                    <a16:creationId xmlns:a16="http://schemas.microsoft.com/office/drawing/2014/main" id="{16157332-188B-C147-2E96-014B48F83F85}"/>
-                  </a:ext>
-                </a:extLst>
-              </p:cNvPr>
-              <p:cNvSpPr txBox="1">
-                <a:spLocks noRot="1" noChangeAspect="1" noMove="1" noResize="1" noEditPoints="1" noAdjustHandles="1" noChangeArrowheads="1" noChangeShapeType="1" noTextEdit="1"/>
-              </p:cNvSpPr>
-              <p:nvPr/>
-            </p:nvSpPr>
-            <p:spPr>
-              <a:xfrm>
-                <a:off x="4271176" y="1845734"/>
-                <a:ext cx="2580198" cy="2129918"/>
-              </a:xfrm>
-              <a:prstGeom prst="rect">
-                <a:avLst/>
-              </a:prstGeom>
-              <a:blipFill>
-                <a:blip r:embed="rId3"/>
-                <a:stretch>
-                  <a:fillRect l="-7801" t="-5731"/>
-                </a:stretch>
-              </a:blipFill>
-            </p:spPr>
-            <p:txBody>
-              <a:bodyPr/>
-              <a:lstStyle/>
-              <a:p>
-                <a:r>
-                  <a:rPr lang="en-US">
-                    <a:noFill/>
-                  </a:rPr>
-                  <a:t> </a:t>
-                </a:r>
-              </a:p>
-            </p:txBody>
-          </p:sp>
-        </mc:Fallback>
-      </mc:AlternateContent>
-      <mc:AlternateContent xmlns:mc="http://schemas.openxmlformats.org/markup-compatibility/2006" xmlns:a14="http://schemas.microsoft.com/office/drawing/2010/main">
-        <mc:Choice Requires="a14">
-          <p:sp>
-            <p:nvSpPr>
-              <p:cNvPr id="5" name="Content Placeholder 2">
-                <a:extLst>
-                  <a:ext uri="{FF2B5EF4-FFF2-40B4-BE49-F238E27FC236}">
-                    <a16:creationId xmlns:a16="http://schemas.microsoft.com/office/drawing/2014/main" id="{F16A1C72-2602-4EDD-AE37-E6C3286AE387}"/>
-                  </a:ext>
-                </a:extLst>
-              </p:cNvPr>
-              <p:cNvSpPr txBox="1">
-                <a:spLocks/>
-              </p:cNvSpPr>
-              <p:nvPr/>
-            </p:nvSpPr>
-            <p:spPr>
-              <a:xfrm>
-                <a:off x="4271176" y="4084026"/>
-                <a:ext cx="2580198" cy="2129918"/>
-              </a:xfrm>
-              <a:prstGeom prst="rect">
-                <a:avLst/>
-              </a:prstGeom>
-            </p:spPr>
-            <p:txBody>
-              <a:bodyPr vert="horz" lIns="0" tIns="45720" rIns="0" bIns="45720" rtlCol="0">
-                <a:normAutofit/>
-              </a:bodyPr>
-              <a:lstStyle>
-                <a:lvl1pPr marL="91440" indent="-91440" algn="l" defTabSz="914400" rtl="0" eaLnBrk="1" latinLnBrk="0" hangingPunct="1">
-                  <a:lnSpc>
-                    <a:spcPct val="90000"/>
-                  </a:lnSpc>
-                  <a:spcBef>
-                    <a:spcPts val="1200"/>
-                  </a:spcBef>
-                  <a:spcAft>
-                    <a:spcPts val="200"/>
-                  </a:spcAft>
-                  <a:buClr>
-                    <a:schemeClr val="accent1"/>
-                  </a:buClr>
-                  <a:buSzPct val="100000"/>
-                  <a:buFont typeface="Calibri" panose="020F0502020204030204" pitchFamily="34" charset="0"/>
-                  <a:buChar char=" "/>
-                  <a:defRPr sz="2800" kern="1200">
-                    <a:solidFill>
-                      <a:schemeClr val="tx1">
-                        <a:lumMod val="75000"/>
-                        <a:lumOff val="25000"/>
-                      </a:schemeClr>
-                    </a:solidFill>
-                    <a:latin typeface="+mn-lt"/>
-                    <a:ea typeface="+mn-ea"/>
-                    <a:cs typeface="+mn-cs"/>
-                  </a:defRPr>
-                </a:lvl1pPr>
-                <a:lvl2pPr marL="384048" indent="-182880" algn="l" defTabSz="914400" rtl="0" eaLnBrk="1" latinLnBrk="0" hangingPunct="1">
-                  <a:lnSpc>
-                    <a:spcPct val="90000"/>
-                  </a:lnSpc>
-                  <a:spcBef>
-                    <a:spcPts val="200"/>
-                  </a:spcBef>
-                  <a:spcAft>
-                    <a:spcPts val="400"/>
-                  </a:spcAft>
-                  <a:buClr>
-                    <a:schemeClr val="accent1"/>
-                  </a:buClr>
-                  <a:buFont typeface="Calibri" pitchFamily="34" charset="0"/>
-                  <a:buChar char="◦"/>
-                  <a:defRPr sz="2400" kern="1200">
-                    <a:solidFill>
-                      <a:schemeClr val="tx1">
-                        <a:lumMod val="75000"/>
-                        <a:lumOff val="25000"/>
-                      </a:schemeClr>
-                    </a:solidFill>
-                    <a:latin typeface="+mn-lt"/>
-                    <a:ea typeface="+mn-ea"/>
-                    <a:cs typeface="+mn-cs"/>
-                  </a:defRPr>
-                </a:lvl2pPr>
-                <a:lvl3pPr marL="566928" indent="-182880" algn="l" defTabSz="914400" rtl="0" eaLnBrk="1" latinLnBrk="0" hangingPunct="1">
-                  <a:lnSpc>
-                    <a:spcPct val="90000"/>
-                  </a:lnSpc>
-                  <a:spcBef>
-                    <a:spcPts val="200"/>
-                  </a:spcBef>
-                  <a:spcAft>
-                    <a:spcPts val="400"/>
-                  </a:spcAft>
-                  <a:buClr>
-                    <a:schemeClr val="accent1"/>
-                  </a:buClr>
-                  <a:buFont typeface="Calibri" pitchFamily="34" charset="0"/>
-                  <a:buChar char="◦"/>
-                  <a:defRPr sz="2200" kern="1200">
-                    <a:solidFill>
-                      <a:schemeClr val="tx1">
-                        <a:lumMod val="75000"/>
-                        <a:lumOff val="25000"/>
-                      </a:schemeClr>
-                    </a:solidFill>
-                    <a:latin typeface="+mn-lt"/>
-                    <a:ea typeface="+mn-ea"/>
-                    <a:cs typeface="+mn-cs"/>
-                  </a:defRPr>
-                </a:lvl3pPr>
-                <a:lvl4pPr marL="749808" indent="-182880" algn="l" defTabSz="914400" rtl="0" eaLnBrk="1" latinLnBrk="0" hangingPunct="1">
-                  <a:lnSpc>
-                    <a:spcPct val="90000"/>
-                  </a:lnSpc>
-                  <a:spcBef>
-                    <a:spcPts val="200"/>
-                  </a:spcBef>
-                  <a:spcAft>
-                    <a:spcPts val="400"/>
-                  </a:spcAft>
-                  <a:buClr>
-                    <a:schemeClr val="accent1"/>
-                  </a:buClr>
-                  <a:buFont typeface="Calibri" pitchFamily="34" charset="0"/>
-                  <a:buChar char="◦"/>
-                  <a:defRPr sz="2000" kern="1200">
-                    <a:solidFill>
-                      <a:schemeClr val="tx1">
-                        <a:lumMod val="75000"/>
-                        <a:lumOff val="25000"/>
-                      </a:schemeClr>
-                    </a:solidFill>
-                    <a:latin typeface="+mn-lt"/>
-                    <a:ea typeface="+mn-ea"/>
-                    <a:cs typeface="+mn-cs"/>
-                  </a:defRPr>
-                </a:lvl4pPr>
-                <a:lvl5pPr marL="932688" indent="-182880" algn="l" defTabSz="914400" rtl="0" eaLnBrk="1" latinLnBrk="0" hangingPunct="1">
-                  <a:lnSpc>
-                    <a:spcPct val="90000"/>
-                  </a:lnSpc>
-                  <a:spcBef>
-                    <a:spcPts val="200"/>
-                  </a:spcBef>
-                  <a:spcAft>
-                    <a:spcPts val="400"/>
-                  </a:spcAft>
-                  <a:buClr>
-                    <a:schemeClr val="accent1"/>
-                  </a:buClr>
-                  <a:buFont typeface="Calibri" pitchFamily="34" charset="0"/>
-                  <a:buChar char="◦"/>
-                  <a:defRPr sz="1800" kern="1200">
-                    <a:solidFill>
-                      <a:schemeClr val="tx1">
-                        <a:lumMod val="75000"/>
-                        <a:lumOff val="25000"/>
-                      </a:schemeClr>
-                    </a:solidFill>
-                    <a:latin typeface="+mn-lt"/>
-                    <a:ea typeface="+mn-ea"/>
-                    <a:cs typeface="+mn-cs"/>
-                  </a:defRPr>
-                </a:lvl5pPr>
-                <a:lvl6pPr marL="1100000" indent="-228600" algn="l" defTabSz="914400" rtl="0" eaLnBrk="1" latinLnBrk="0" hangingPunct="1">
-                  <a:lnSpc>
-                    <a:spcPct val="90000"/>
-                  </a:lnSpc>
-                  <a:spcBef>
-                    <a:spcPts val="200"/>
-                  </a:spcBef>
-                  <a:spcAft>
-                    <a:spcPts val="400"/>
-                  </a:spcAft>
-                  <a:buClr>
-                    <a:schemeClr val="accent1"/>
-                  </a:buClr>
-                  <a:buFont typeface="Calibri" pitchFamily="34" charset="0"/>
-                  <a:buChar char="◦"/>
-                  <a:defRPr sz="1400" kern="1200">
-                    <a:solidFill>
-                      <a:schemeClr val="tx1">
-                        <a:lumMod val="75000"/>
-                        <a:lumOff val="25000"/>
-                      </a:schemeClr>
-                    </a:solidFill>
-                    <a:latin typeface="+mn-lt"/>
-                    <a:ea typeface="+mn-ea"/>
-                    <a:cs typeface="+mn-cs"/>
-                  </a:defRPr>
-                </a:lvl6pPr>
-                <a:lvl7pPr marL="1300000" indent="-228600" algn="l" defTabSz="914400" rtl="0" eaLnBrk="1" latinLnBrk="0" hangingPunct="1">
-                  <a:lnSpc>
-                    <a:spcPct val="90000"/>
-                  </a:lnSpc>
-                  <a:spcBef>
-                    <a:spcPts val="200"/>
-                  </a:spcBef>
-                  <a:spcAft>
-                    <a:spcPts val="400"/>
-                  </a:spcAft>
-                  <a:buClr>
-                    <a:schemeClr val="accent1"/>
-                  </a:buClr>
-                  <a:buFont typeface="Calibri" pitchFamily="34" charset="0"/>
-                  <a:buChar char="◦"/>
-                  <a:defRPr sz="1400" kern="1200">
-                    <a:solidFill>
-                      <a:schemeClr val="tx1">
-                        <a:lumMod val="75000"/>
-                        <a:lumOff val="25000"/>
-                      </a:schemeClr>
-                    </a:solidFill>
-                    <a:latin typeface="+mn-lt"/>
-                    <a:ea typeface="+mn-ea"/>
-                    <a:cs typeface="+mn-cs"/>
-                  </a:defRPr>
-                </a:lvl7pPr>
-                <a:lvl8pPr marL="1500000" indent="-228600" algn="l" defTabSz="914400" rtl="0" eaLnBrk="1" latinLnBrk="0" hangingPunct="1">
-                  <a:lnSpc>
-                    <a:spcPct val="90000"/>
-                  </a:lnSpc>
-                  <a:spcBef>
-                    <a:spcPts val="200"/>
-                  </a:spcBef>
-                  <a:spcAft>
-                    <a:spcPts val="400"/>
-                  </a:spcAft>
-                  <a:buClr>
-                    <a:schemeClr val="accent1"/>
-                  </a:buClr>
-                  <a:buFont typeface="Calibri" pitchFamily="34" charset="0"/>
-                  <a:buChar char="◦"/>
-                  <a:defRPr sz="1400" kern="1200">
-                    <a:solidFill>
-                      <a:schemeClr val="tx1">
-                        <a:lumMod val="75000"/>
-                        <a:lumOff val="25000"/>
-                      </a:schemeClr>
-                    </a:solidFill>
-                    <a:latin typeface="+mn-lt"/>
-                    <a:ea typeface="+mn-ea"/>
-                    <a:cs typeface="+mn-cs"/>
-                  </a:defRPr>
-                </a:lvl8pPr>
-                <a:lvl9pPr marL="1700000" indent="-228600" algn="l" defTabSz="914400" rtl="0" eaLnBrk="1" latinLnBrk="0" hangingPunct="1">
-                  <a:lnSpc>
-                    <a:spcPct val="90000"/>
-                  </a:lnSpc>
-                  <a:spcBef>
-                    <a:spcPts val="200"/>
-                  </a:spcBef>
-                  <a:spcAft>
-                    <a:spcPts val="400"/>
-                  </a:spcAft>
-                  <a:buClr>
-                    <a:schemeClr val="accent1"/>
-                  </a:buClr>
-                  <a:buFont typeface="Calibri" pitchFamily="34" charset="0"/>
-                  <a:buChar char="◦"/>
-                  <a:defRPr sz="1400" kern="1200">
-                    <a:solidFill>
-                      <a:schemeClr val="tx1">
-                        <a:lumMod val="75000"/>
-                        <a:lumOff val="25000"/>
-                      </a:schemeClr>
-                    </a:solidFill>
-                    <a:latin typeface="+mn-lt"/>
-                    <a:ea typeface="+mn-ea"/>
-                    <a:cs typeface="+mn-cs"/>
-                  </a:defRPr>
-                </a:lvl9pPr>
-              </a:lstStyle>
-              <a:p>
-                <a:r>
-                  <a:rPr lang="en-US" dirty="0"/>
-                  <a:t>Rule </a:t>
-                </a:r>
-                <a:r>
-                  <a:rPr lang="en-US" dirty="0" err="1"/>
-                  <a:t>StepsDone</a:t>
-                </a:r>
-                <a:br>
-                  <a:rPr lang="en-US" dirty="0"/>
-                </a:br>
-                <a:r>
-                  <a:rPr lang="en-US" dirty="0"/>
-                  <a:t>m </a:t>
-                </a:r>
-                <a14:m>
-                  <m:oMath xmlns:m="http://schemas.openxmlformats.org/officeDocument/2006/math">
-                    <m:sSub>
-                      <m:sSubPr>
-                        <m:ctrlPr>
-                          <a:rPr lang="en-US" b="1" i="1" dirty="0" smtClean="0">
-                            <a:latin typeface="Cambria Math" panose="02040503050406030204" pitchFamily="18" charset="0"/>
-                          </a:rPr>
-                        </m:ctrlPr>
-                      </m:sSubPr>
-                      <m:e>
-                        <m:r>
-                          <a:rPr lang="en-US" b="1" i="1" dirty="0">
-                            <a:latin typeface="Cambria Math" panose="02040503050406030204" pitchFamily="18" charset="0"/>
-                          </a:rPr>
-                          <m:t>𝒅𝒐𝒏𝒆</m:t>
-                        </m:r>
-                      </m:e>
-                      <m:sub>
-                        <m:r>
-                          <m:rPr>
-                            <m:nor/>
-                          </m:rPr>
-                          <a:rPr lang="en-US" dirty="0">
-                            <a:solidFill>
-                              <a:srgbClr val="000000"/>
-                            </a:solidFill>
-                          </a:rPr>
-                          <m:t>ℓ</m:t>
-                        </m:r>
-                        <m:r>
-                          <m:rPr>
-                            <m:nor/>
-                          </m:rPr>
-                          <a:rPr lang="en-US" dirty="0">
-                            <a:solidFill>
-                              <a:srgbClr val="000000"/>
-                            </a:solidFill>
-                          </a:rPr>
-                          <m:t>s</m:t>
-                        </m:r>
-                      </m:sub>
-                    </m:sSub>
-                  </m:oMath>
-                </a14:m>
-                <a:endParaRPr lang="en-US" b="1" i="1" dirty="0"/>
-              </a:p>
-              <a:p>
-                <a:pPr marL="0" indent="0">
-                  <a:buNone/>
-                </a:pPr>
-                <a:r>
-                  <a:rPr lang="en-US" dirty="0"/>
-                  <a:t>m </a:t>
-                </a:r>
-                <a14:m>
-                  <m:oMath xmlns:m="http://schemas.openxmlformats.org/officeDocument/2006/math">
-                    <m:sSubSup>
-                      <m:sSubSupPr>
-                        <m:ctrlPr>
-                          <a:rPr lang="en-US" i="1" dirty="0">
-                            <a:solidFill>
-                              <a:srgbClr val="202122"/>
-                            </a:solidFill>
-                            <a:latin typeface="Cambria Math" panose="02040503050406030204" pitchFamily="18" charset="0"/>
-                          </a:rPr>
-                        </m:ctrlPr>
-                      </m:sSubSupPr>
-                      <m:e>
-                        <m:r>
-                          <a:rPr lang="en-US" i="1" dirty="0">
-                            <a:solidFill>
-                              <a:srgbClr val="202122"/>
-                            </a:solidFill>
-                            <a:latin typeface="Cambria Math" panose="02040503050406030204" pitchFamily="18" charset="0"/>
-                          </a:rPr>
-                          <m:t>⟼</m:t>
-                        </m:r>
-                      </m:e>
-                      <m:sub>
-                        <m:r>
-                          <m:rPr>
-                            <m:nor/>
-                          </m:rPr>
-                          <a:rPr lang="en-US" dirty="0">
-                            <a:solidFill>
-                              <a:srgbClr val="000000"/>
-                            </a:solidFill>
-                          </a:rPr>
-                          <m:t>ℓ</m:t>
-                        </m:r>
-                        <m:r>
-                          <m:rPr>
-                            <m:nor/>
-                          </m:rPr>
-                          <a:rPr lang="en-US" dirty="0">
-                            <a:solidFill>
-                              <a:srgbClr val="000000"/>
-                            </a:solidFill>
-                          </a:rPr>
-                          <m:t>s</m:t>
-                        </m:r>
-                      </m:sub>
-                      <m:sup>
-                        <m:r>
-                          <a:rPr lang="en-US" i="1" dirty="0">
-                            <a:solidFill>
-                              <a:srgbClr val="000000"/>
-                            </a:solidFill>
-                            <a:latin typeface="Cambria Math" panose="02040503050406030204" pitchFamily="18" charset="0"/>
-                          </a:rPr>
-                          <m:t>∗</m:t>
-                        </m:r>
-                      </m:sup>
-                    </m:sSubSup>
-                    <m:r>
-                      <a:rPr lang="en-US" i="1" dirty="0">
-                        <a:solidFill>
-                          <a:srgbClr val="000000"/>
-                        </a:solidFill>
-                        <a:latin typeface="Cambria Math" panose="02040503050406030204" pitchFamily="18" charset="0"/>
-                      </a:rPr>
-                      <m:t> </m:t>
-                    </m:r>
-                  </m:oMath>
-                </a14:m>
-                <a:r>
-                  <a:rPr lang="en-US" dirty="0"/>
-                  <a:t>m</a:t>
-                </a:r>
-              </a:p>
-            </p:txBody>
-          </p:sp>
-        </mc:Choice>
-        <mc:Fallback xmlns="">
-          <p:sp>
-            <p:nvSpPr>
-              <p:cNvPr id="5" name="Content Placeholder 2">
-                <a:extLst>
-                  <a:ext uri="{FF2B5EF4-FFF2-40B4-BE49-F238E27FC236}">
-                    <a16:creationId xmlns:a16="http://schemas.microsoft.com/office/drawing/2014/main" id="{F16A1C72-2602-4EDD-AE37-E6C3286AE387}"/>
-                  </a:ext>
-                </a:extLst>
-              </p:cNvPr>
-              <p:cNvSpPr txBox="1">
-                <a:spLocks noRot="1" noChangeAspect="1" noMove="1" noResize="1" noEditPoints="1" noAdjustHandles="1" noChangeArrowheads="1" noChangeShapeType="1" noTextEdit="1"/>
-              </p:cNvSpPr>
-              <p:nvPr/>
-            </p:nvSpPr>
-            <p:spPr>
-              <a:xfrm>
-                <a:off x="4271176" y="4084026"/>
-                <a:ext cx="2580198" cy="2129918"/>
-              </a:xfrm>
-              <a:prstGeom prst="rect">
-                <a:avLst/>
-              </a:prstGeom>
-              <a:blipFill>
-                <a:blip r:embed="rId4"/>
-                <a:stretch>
-                  <a:fillRect l="-8511" t="-4871"/>
-                </a:stretch>
-              </a:blipFill>
-            </p:spPr>
-            <p:txBody>
-              <a:bodyPr/>
-              <a:lstStyle/>
-              <a:p>
-                <a:r>
-                  <a:rPr lang="en-US">
-                    <a:noFill/>
-                  </a:rPr>
-                  <a:t> </a:t>
-                </a:r>
-              </a:p>
-            </p:txBody>
-          </p:sp>
-        </mc:Fallback>
-      </mc:AlternateContent>
       <mc:AlternateContent xmlns:mc="http://schemas.openxmlformats.org/markup-compatibility/2006" xmlns:a14="http://schemas.microsoft.com/office/drawing/2010/main">
         <mc:Choice Requires="a14">
           <p:sp>
@@ -7798,92 +8139,1174 @@
           </p:sp>
         </mc:Fallback>
       </mc:AlternateContent>
-      <p:cxnSp>
-        <p:nvCxnSpPr>
-          <p:cNvPr id="8" name="Straight Connector 7">
+      <p:grpSp>
+        <p:nvGrpSpPr>
+          <p:cNvPr id="13" name="Group 12">
             <a:extLst>
               <a:ext uri="{FF2B5EF4-FFF2-40B4-BE49-F238E27FC236}">
-                <a16:creationId xmlns:a16="http://schemas.microsoft.com/office/drawing/2014/main" id="{F0810493-5B6C-03F1-683E-1FEB98CB082C}"/>
+                <a16:creationId xmlns:a16="http://schemas.microsoft.com/office/drawing/2014/main" id="{7EC341E7-FBCC-AFBC-E00B-3BC375BE59E8}"/>
               </a:ext>
             </a:extLst>
           </p:cNvPr>
-          <p:cNvCxnSpPr>
-            <a:cxnSpLocks/>
-          </p:cNvCxnSpPr>
+          <p:cNvGrpSpPr/>
           <p:nvPr/>
-        </p:nvCxnSpPr>
-        <p:spPr>
+        </p:nvGrpSpPr>
+        <p:grpSpPr>
           <a:xfrm>
-            <a:off x="4271176" y="3319670"/>
-            <a:ext cx="2000415" cy="0"/>
+            <a:off x="4478440" y="4030672"/>
+            <a:ext cx="2580198" cy="2129918"/>
+            <a:chOff x="4271176" y="1677616"/>
+            <a:chExt cx="2580198" cy="2129918"/>
           </a:xfrm>
-          <a:prstGeom prst="line">
-            <a:avLst/>
-          </a:prstGeom>
-          <a:ln w="57150">
-            <a:solidFill>
+        </p:grpSpPr>
+        <mc:AlternateContent xmlns:mc="http://schemas.openxmlformats.org/markup-compatibility/2006">
+          <mc:Choice xmlns:a14="http://schemas.microsoft.com/office/drawing/2010/main" Requires="a14">
+            <p:sp>
+              <p:nvSpPr>
+                <p:cNvPr id="4" name="Content Placeholder 2">
+                  <a:extLst>
+                    <a:ext uri="{FF2B5EF4-FFF2-40B4-BE49-F238E27FC236}">
+                      <a16:creationId xmlns:a16="http://schemas.microsoft.com/office/drawing/2014/main" id="{16157332-188B-C147-2E96-014B48F83F85}"/>
+                    </a:ext>
+                  </a:extLst>
+                </p:cNvPr>
+                <p:cNvSpPr txBox="1">
+                  <a:spLocks/>
+                </p:cNvSpPr>
+                <p:nvPr/>
+              </p:nvSpPr>
+              <p:spPr>
+                <a:xfrm>
+                  <a:off x="4271176" y="1677616"/>
+                  <a:ext cx="2580198" cy="2129918"/>
+                </a:xfrm>
+                <a:prstGeom prst="rect">
+                  <a:avLst/>
+                </a:prstGeom>
+              </p:spPr>
+              <p:txBody>
+                <a:bodyPr vert="horz" lIns="0" tIns="45720" rIns="0" bIns="45720" rtlCol="0">
+                  <a:normAutofit fontScale="92500" lnSpcReduction="10000"/>
+                </a:bodyPr>
+                <a:lstStyle>
+                  <a:lvl1pPr marL="91440" indent="-91440" algn="l" defTabSz="914400" rtl="0" eaLnBrk="1" latinLnBrk="0" hangingPunct="1">
+                    <a:lnSpc>
+                      <a:spcPct val="90000"/>
+                    </a:lnSpc>
+                    <a:spcBef>
+                      <a:spcPts val="1200"/>
+                    </a:spcBef>
+                    <a:spcAft>
+                      <a:spcPts val="200"/>
+                    </a:spcAft>
+                    <a:buClr>
+                      <a:schemeClr val="accent1"/>
+                    </a:buClr>
+                    <a:buSzPct val="100000"/>
+                    <a:buFont typeface="Calibri" panose="020F0502020204030204" pitchFamily="34" charset="0"/>
+                    <a:buChar char=" "/>
+                    <a:defRPr sz="2800" kern="1200">
+                      <a:solidFill>
+                        <a:schemeClr val="tx1">
+                          <a:lumMod val="75000"/>
+                          <a:lumOff val="25000"/>
+                        </a:schemeClr>
+                      </a:solidFill>
+                      <a:latin typeface="+mn-lt"/>
+                      <a:ea typeface="+mn-ea"/>
+                      <a:cs typeface="+mn-cs"/>
+                    </a:defRPr>
+                  </a:lvl1pPr>
+                  <a:lvl2pPr marL="384048" indent="-182880" algn="l" defTabSz="914400" rtl="0" eaLnBrk="1" latinLnBrk="0" hangingPunct="1">
+                    <a:lnSpc>
+                      <a:spcPct val="90000"/>
+                    </a:lnSpc>
+                    <a:spcBef>
+                      <a:spcPts val="200"/>
+                    </a:spcBef>
+                    <a:spcAft>
+                      <a:spcPts val="400"/>
+                    </a:spcAft>
+                    <a:buClr>
+                      <a:schemeClr val="accent1"/>
+                    </a:buClr>
+                    <a:buFont typeface="Calibri" pitchFamily="34" charset="0"/>
+                    <a:buChar char="◦"/>
+                    <a:defRPr sz="2400" kern="1200">
+                      <a:solidFill>
+                        <a:schemeClr val="tx1">
+                          <a:lumMod val="75000"/>
+                          <a:lumOff val="25000"/>
+                        </a:schemeClr>
+                      </a:solidFill>
+                      <a:latin typeface="+mn-lt"/>
+                      <a:ea typeface="+mn-ea"/>
+                      <a:cs typeface="+mn-cs"/>
+                    </a:defRPr>
+                  </a:lvl2pPr>
+                  <a:lvl3pPr marL="566928" indent="-182880" algn="l" defTabSz="914400" rtl="0" eaLnBrk="1" latinLnBrk="0" hangingPunct="1">
+                    <a:lnSpc>
+                      <a:spcPct val="90000"/>
+                    </a:lnSpc>
+                    <a:spcBef>
+                      <a:spcPts val="200"/>
+                    </a:spcBef>
+                    <a:spcAft>
+                      <a:spcPts val="400"/>
+                    </a:spcAft>
+                    <a:buClr>
+                      <a:schemeClr val="accent1"/>
+                    </a:buClr>
+                    <a:buFont typeface="Calibri" pitchFamily="34" charset="0"/>
+                    <a:buChar char="◦"/>
+                    <a:defRPr sz="2200" kern="1200">
+                      <a:solidFill>
+                        <a:schemeClr val="tx1">
+                          <a:lumMod val="75000"/>
+                          <a:lumOff val="25000"/>
+                        </a:schemeClr>
+                      </a:solidFill>
+                      <a:latin typeface="+mn-lt"/>
+                      <a:ea typeface="+mn-ea"/>
+                      <a:cs typeface="+mn-cs"/>
+                    </a:defRPr>
+                  </a:lvl3pPr>
+                  <a:lvl4pPr marL="749808" indent="-182880" algn="l" defTabSz="914400" rtl="0" eaLnBrk="1" latinLnBrk="0" hangingPunct="1">
+                    <a:lnSpc>
+                      <a:spcPct val="90000"/>
+                    </a:lnSpc>
+                    <a:spcBef>
+                      <a:spcPts val="200"/>
+                    </a:spcBef>
+                    <a:spcAft>
+                      <a:spcPts val="400"/>
+                    </a:spcAft>
+                    <a:buClr>
+                      <a:schemeClr val="accent1"/>
+                    </a:buClr>
+                    <a:buFont typeface="Calibri" pitchFamily="34" charset="0"/>
+                    <a:buChar char="◦"/>
+                    <a:defRPr sz="2000" kern="1200">
+                      <a:solidFill>
+                        <a:schemeClr val="tx1">
+                          <a:lumMod val="75000"/>
+                          <a:lumOff val="25000"/>
+                        </a:schemeClr>
+                      </a:solidFill>
+                      <a:latin typeface="+mn-lt"/>
+                      <a:ea typeface="+mn-ea"/>
+                      <a:cs typeface="+mn-cs"/>
+                    </a:defRPr>
+                  </a:lvl4pPr>
+                  <a:lvl5pPr marL="932688" indent="-182880" algn="l" defTabSz="914400" rtl="0" eaLnBrk="1" latinLnBrk="0" hangingPunct="1">
+                    <a:lnSpc>
+                      <a:spcPct val="90000"/>
+                    </a:lnSpc>
+                    <a:spcBef>
+                      <a:spcPts val="200"/>
+                    </a:spcBef>
+                    <a:spcAft>
+                      <a:spcPts val="400"/>
+                    </a:spcAft>
+                    <a:buClr>
+                      <a:schemeClr val="accent1"/>
+                    </a:buClr>
+                    <a:buFont typeface="Calibri" pitchFamily="34" charset="0"/>
+                    <a:buChar char="◦"/>
+                    <a:defRPr sz="1800" kern="1200">
+                      <a:solidFill>
+                        <a:schemeClr val="tx1">
+                          <a:lumMod val="75000"/>
+                          <a:lumOff val="25000"/>
+                        </a:schemeClr>
+                      </a:solidFill>
+                      <a:latin typeface="+mn-lt"/>
+                      <a:ea typeface="+mn-ea"/>
+                      <a:cs typeface="+mn-cs"/>
+                    </a:defRPr>
+                  </a:lvl5pPr>
+                  <a:lvl6pPr marL="1100000" indent="-228600" algn="l" defTabSz="914400" rtl="0" eaLnBrk="1" latinLnBrk="0" hangingPunct="1">
+                    <a:lnSpc>
+                      <a:spcPct val="90000"/>
+                    </a:lnSpc>
+                    <a:spcBef>
+                      <a:spcPts val="200"/>
+                    </a:spcBef>
+                    <a:spcAft>
+                      <a:spcPts val="400"/>
+                    </a:spcAft>
+                    <a:buClr>
+                      <a:schemeClr val="accent1"/>
+                    </a:buClr>
+                    <a:buFont typeface="Calibri" pitchFamily="34" charset="0"/>
+                    <a:buChar char="◦"/>
+                    <a:defRPr sz="1400" kern="1200">
+                      <a:solidFill>
+                        <a:schemeClr val="tx1">
+                          <a:lumMod val="75000"/>
+                          <a:lumOff val="25000"/>
+                        </a:schemeClr>
+                      </a:solidFill>
+                      <a:latin typeface="+mn-lt"/>
+                      <a:ea typeface="+mn-ea"/>
+                      <a:cs typeface="+mn-cs"/>
+                    </a:defRPr>
+                  </a:lvl6pPr>
+                  <a:lvl7pPr marL="1300000" indent="-228600" algn="l" defTabSz="914400" rtl="0" eaLnBrk="1" latinLnBrk="0" hangingPunct="1">
+                    <a:lnSpc>
+                      <a:spcPct val="90000"/>
+                    </a:lnSpc>
+                    <a:spcBef>
+                      <a:spcPts val="200"/>
+                    </a:spcBef>
+                    <a:spcAft>
+                      <a:spcPts val="400"/>
+                    </a:spcAft>
+                    <a:buClr>
+                      <a:schemeClr val="accent1"/>
+                    </a:buClr>
+                    <a:buFont typeface="Calibri" pitchFamily="34" charset="0"/>
+                    <a:buChar char="◦"/>
+                    <a:defRPr sz="1400" kern="1200">
+                      <a:solidFill>
+                        <a:schemeClr val="tx1">
+                          <a:lumMod val="75000"/>
+                          <a:lumOff val="25000"/>
+                        </a:schemeClr>
+                      </a:solidFill>
+                      <a:latin typeface="+mn-lt"/>
+                      <a:ea typeface="+mn-ea"/>
+                      <a:cs typeface="+mn-cs"/>
+                    </a:defRPr>
+                  </a:lvl7pPr>
+                  <a:lvl8pPr marL="1500000" indent="-228600" algn="l" defTabSz="914400" rtl="0" eaLnBrk="1" latinLnBrk="0" hangingPunct="1">
+                    <a:lnSpc>
+                      <a:spcPct val="90000"/>
+                    </a:lnSpc>
+                    <a:spcBef>
+                      <a:spcPts val="200"/>
+                    </a:spcBef>
+                    <a:spcAft>
+                      <a:spcPts val="400"/>
+                    </a:spcAft>
+                    <a:buClr>
+                      <a:schemeClr val="accent1"/>
+                    </a:buClr>
+                    <a:buFont typeface="Calibri" pitchFamily="34" charset="0"/>
+                    <a:buChar char="◦"/>
+                    <a:defRPr sz="1400" kern="1200">
+                      <a:solidFill>
+                        <a:schemeClr val="tx1">
+                          <a:lumMod val="75000"/>
+                          <a:lumOff val="25000"/>
+                        </a:schemeClr>
+                      </a:solidFill>
+                      <a:latin typeface="+mn-lt"/>
+                      <a:ea typeface="+mn-ea"/>
+                      <a:cs typeface="+mn-cs"/>
+                    </a:defRPr>
+                  </a:lvl8pPr>
+                  <a:lvl9pPr marL="1700000" indent="-228600" algn="l" defTabSz="914400" rtl="0" eaLnBrk="1" latinLnBrk="0" hangingPunct="1">
+                    <a:lnSpc>
+                      <a:spcPct val="90000"/>
+                    </a:lnSpc>
+                    <a:spcBef>
+                      <a:spcPts val="200"/>
+                    </a:spcBef>
+                    <a:spcAft>
+                      <a:spcPts val="400"/>
+                    </a:spcAft>
+                    <a:buClr>
+                      <a:schemeClr val="accent1"/>
+                    </a:buClr>
+                    <a:buFont typeface="Calibri" pitchFamily="34" charset="0"/>
+                    <a:buChar char="◦"/>
+                    <a:defRPr sz="1400" kern="1200">
+                      <a:solidFill>
+                        <a:schemeClr val="tx1">
+                          <a:lumMod val="75000"/>
+                          <a:lumOff val="25000"/>
+                        </a:schemeClr>
+                      </a:solidFill>
+                      <a:latin typeface="+mn-lt"/>
+                      <a:ea typeface="+mn-ea"/>
+                      <a:cs typeface="+mn-cs"/>
+                    </a:defRPr>
+                  </a:lvl9pPr>
+                </a:lstStyle>
+                <a:p>
+                  <a:r>
+                    <a:rPr lang="en-US" dirty="0"/>
+                    <a:t>Rule </a:t>
+                  </a:r>
+                  <a:r>
+                    <a:rPr lang="en-US" dirty="0" err="1"/>
+                    <a:t>StepsNext</a:t>
+                  </a:r>
+                  <a:endParaRPr lang="en-US" dirty="0"/>
+                </a:p>
+                <a:p>
+                  <a:r>
+                    <a:rPr lang="en-US" dirty="0"/>
+                    <a:t>m </a:t>
+                  </a:r>
+                  <a14:m>
+                    <m:oMath xmlns:m="http://schemas.openxmlformats.org/officeDocument/2006/math">
+                      <m:sSub>
+                        <m:sSubPr>
+                          <m:ctrlPr>
+                            <a:rPr lang="en-US" i="1" dirty="0" smtClean="0">
+                              <a:solidFill>
+                                <a:srgbClr val="202122"/>
+                              </a:solidFill>
+                              <a:latin typeface="Cambria Math" panose="02040503050406030204" pitchFamily="18" charset="0"/>
+                            </a:rPr>
+                          </m:ctrlPr>
+                        </m:sSubPr>
+                        <m:e>
+                          <m:r>
+                            <a:rPr lang="en-US" i="1" dirty="0">
+                              <a:solidFill>
+                                <a:srgbClr val="202122"/>
+                              </a:solidFill>
+                              <a:latin typeface="Cambria Math" panose="02040503050406030204" pitchFamily="18" charset="0"/>
+                            </a:rPr>
+                            <m:t>⟼</m:t>
+                          </m:r>
+                        </m:e>
+                        <m:sub>
+                          <m:r>
+                            <m:rPr>
+                              <m:nor/>
+                            </m:rPr>
+                            <a:rPr lang="en-US" dirty="0">
+                              <a:solidFill>
+                                <a:srgbClr val="000000"/>
+                              </a:solidFill>
+                            </a:rPr>
+                            <m:t>ℓ</m:t>
+                          </m:r>
+                        </m:sub>
+                      </m:sSub>
+                    </m:oMath>
+                  </a14:m>
+                  <a:r>
+                    <a:rPr lang="en-US" dirty="0"/>
+                    <a:t> </a:t>
+                  </a:r>
+                  <a:r>
+                    <a:rPr lang="en-US" dirty="0" err="1"/>
+                    <a:t>m’</a:t>
+                  </a:r>
+                  <a:endParaRPr lang="en-US" dirty="0"/>
+                </a:p>
+                <a:p>
+                  <a:pPr marL="0" indent="0">
+                    <a:buNone/>
+                  </a:pPr>
+                  <a:r>
+                    <a:rPr lang="en-US" dirty="0"/>
+                    <a:t>m’</a:t>
+                  </a:r>
+                  <a14:m>
+                    <m:oMath xmlns:m="http://schemas.openxmlformats.org/officeDocument/2006/math">
+                      <m:sSubSup>
+                        <m:sSubSupPr>
+                          <m:ctrlPr>
+                            <a:rPr lang="en-US" i="1" dirty="0">
+                              <a:solidFill>
+                                <a:srgbClr val="202122"/>
+                              </a:solidFill>
+                              <a:latin typeface="Cambria Math" panose="02040503050406030204" pitchFamily="18" charset="0"/>
+                            </a:rPr>
+                          </m:ctrlPr>
+                        </m:sSubSupPr>
+                        <m:e>
+                          <m:r>
+                            <a:rPr lang="en-US" i="1" dirty="0">
+                              <a:solidFill>
+                                <a:srgbClr val="202122"/>
+                              </a:solidFill>
+                              <a:latin typeface="Cambria Math" panose="02040503050406030204" pitchFamily="18" charset="0"/>
+                            </a:rPr>
+                            <m:t>⟼</m:t>
+                          </m:r>
+                        </m:e>
+                        <m:sub>
+                          <m:r>
+                            <m:rPr>
+                              <m:nor/>
+                            </m:rPr>
+                            <a:rPr lang="en-US" dirty="0">
+                              <a:solidFill>
+                                <a:srgbClr val="000000"/>
+                              </a:solidFill>
+                            </a:rPr>
+                            <m:t>ℓ</m:t>
+                          </m:r>
+                          <m:r>
+                            <m:rPr>
+                              <m:nor/>
+                            </m:rPr>
+                            <a:rPr lang="en-US" b="0" i="0" dirty="0" smtClean="0">
+                              <a:solidFill>
+                                <a:srgbClr val="000000"/>
+                              </a:solidFill>
+                            </a:rPr>
+                            <m:t>s</m:t>
+                          </m:r>
+                        </m:sub>
+                        <m:sup>
+                          <m:r>
+                            <a:rPr lang="en-US" b="0" i="1" dirty="0" smtClean="0">
+                              <a:solidFill>
+                                <a:srgbClr val="000000"/>
+                              </a:solidFill>
+                              <a:latin typeface="Cambria Math" panose="02040503050406030204" pitchFamily="18" charset="0"/>
+                            </a:rPr>
+                            <m:t>∗</m:t>
+                          </m:r>
+                        </m:sup>
+                      </m:sSubSup>
+                    </m:oMath>
+                  </a14:m>
+                  <a:r>
+                    <a:rPr lang="en-US" dirty="0"/>
+                    <a:t> m’’</a:t>
+                  </a:r>
+                </a:p>
+                <a:p>
+                  <a:r>
+                    <a:rPr lang="en-US" dirty="0"/>
+                    <a:t>m </a:t>
+                  </a:r>
+                  <a14:m>
+                    <m:oMath xmlns:m="http://schemas.openxmlformats.org/officeDocument/2006/math">
+                      <m:sSubSup>
+                        <m:sSubSupPr>
+                          <m:ctrlPr>
+                            <a:rPr lang="en-US" i="1" dirty="0" smtClean="0">
+                              <a:solidFill>
+                                <a:srgbClr val="202122"/>
+                              </a:solidFill>
+                              <a:latin typeface="Cambria Math" panose="02040503050406030204" pitchFamily="18" charset="0"/>
+                            </a:rPr>
+                          </m:ctrlPr>
+                        </m:sSubSupPr>
+                        <m:e>
+                          <m:r>
+                            <a:rPr lang="en-US" i="1" dirty="0">
+                              <a:solidFill>
+                                <a:srgbClr val="202122"/>
+                              </a:solidFill>
+                              <a:latin typeface="Cambria Math" panose="02040503050406030204" pitchFamily="18" charset="0"/>
+                            </a:rPr>
+                            <m:t>⟼</m:t>
+                          </m:r>
+                        </m:e>
+                        <m:sub>
+                          <m:r>
+                            <m:rPr>
+                              <m:nor/>
+                            </m:rPr>
+                            <a:rPr lang="en-US" dirty="0">
+                              <a:solidFill>
+                                <a:srgbClr val="000000"/>
+                              </a:solidFill>
+                            </a:rPr>
+                            <m:t>ℓ</m:t>
+                          </m:r>
+                          <m:r>
+                            <m:rPr>
+                              <m:nor/>
+                            </m:rPr>
+                            <a:rPr lang="en-US" b="0" i="0" dirty="0" smtClean="0">
+                              <a:solidFill>
+                                <a:srgbClr val="000000"/>
+                              </a:solidFill>
+                            </a:rPr>
+                            <m:t> </m:t>
+                          </m:r>
+                          <m:r>
+                            <m:rPr>
+                              <m:nor/>
+                            </m:rPr>
+                            <a:rPr lang="en-US" dirty="0">
+                              <a:solidFill>
+                                <a:srgbClr val="000000"/>
+                              </a:solidFill>
+                            </a:rPr>
+                            <m:t>ℓ</m:t>
+                          </m:r>
+                          <m:r>
+                            <m:rPr>
+                              <m:nor/>
+                            </m:rPr>
+                            <a:rPr lang="en-US" b="0" i="0" dirty="0" smtClean="0">
+                              <a:solidFill>
+                                <a:srgbClr val="000000"/>
+                              </a:solidFill>
+                            </a:rPr>
+                            <m:t>s</m:t>
+                          </m:r>
+                        </m:sub>
+                        <m:sup>
+                          <m:r>
+                            <a:rPr lang="en-US" b="0" i="1" dirty="0" smtClean="0">
+                              <a:solidFill>
+                                <a:srgbClr val="000000"/>
+                              </a:solidFill>
+                              <a:latin typeface="Cambria Math" panose="02040503050406030204" pitchFamily="18" charset="0"/>
+                            </a:rPr>
+                            <m:t>∗</m:t>
+                          </m:r>
+                        </m:sup>
+                      </m:sSubSup>
+                      <m:r>
+                        <a:rPr lang="en-US" b="0" i="1" dirty="0" smtClean="0">
+                          <a:solidFill>
+                            <a:srgbClr val="000000"/>
+                          </a:solidFill>
+                          <a:latin typeface="Cambria Math" panose="02040503050406030204" pitchFamily="18" charset="0"/>
+                        </a:rPr>
+                        <m:t> </m:t>
+                      </m:r>
+                    </m:oMath>
+                  </a14:m>
+                  <a:r>
+                    <a:rPr lang="en-US" dirty="0"/>
+                    <a:t>m’’</a:t>
+                  </a:r>
+                </a:p>
+                <a:p>
+                  <a:endParaRPr lang="en-US" dirty="0"/>
+                </a:p>
+              </p:txBody>
+            </p:sp>
+          </mc:Choice>
+          <mc:Fallback>
+            <p:sp>
+              <p:nvSpPr>
+                <p:cNvPr id="4" name="Content Placeholder 2">
+                  <a:extLst>
+                    <a:ext uri="{FF2B5EF4-FFF2-40B4-BE49-F238E27FC236}">
+                      <a16:creationId xmlns:a16="http://schemas.microsoft.com/office/drawing/2014/main" id="{16157332-188B-C147-2E96-014B48F83F85}"/>
+                    </a:ext>
+                  </a:extLst>
+                </p:cNvPr>
+                <p:cNvSpPr txBox="1">
+                  <a:spLocks noRot="1" noChangeAspect="1" noMove="1" noResize="1" noEditPoints="1" noAdjustHandles="1" noChangeArrowheads="1" noChangeShapeType="1" noTextEdit="1"/>
+                </p:cNvSpPr>
+                <p:nvPr/>
+              </p:nvSpPr>
+              <p:spPr>
+                <a:xfrm>
+                  <a:off x="4271176" y="1677616"/>
+                  <a:ext cx="2580198" cy="2129918"/>
+                </a:xfrm>
+                <a:prstGeom prst="rect">
+                  <a:avLst/>
+                </a:prstGeom>
+                <a:blipFill>
+                  <a:blip r:embed="rId6"/>
+                  <a:stretch>
+                    <a:fillRect l="-7801" t="-5714"/>
+                  </a:stretch>
+                </a:blipFill>
+              </p:spPr>
+              <p:txBody>
+                <a:bodyPr/>
+                <a:lstStyle/>
+                <a:p>
+                  <a:r>
+                    <a:rPr lang="en-US">
+                      <a:noFill/>
+                    </a:rPr>
+                    <a:t> </a:t>
+                  </a:r>
+                </a:p>
+              </p:txBody>
+            </p:sp>
+          </mc:Fallback>
+        </mc:AlternateContent>
+        <p:cxnSp>
+          <p:nvCxnSpPr>
+            <p:cNvPr id="8" name="Straight Connector 7">
+              <a:extLst>
+                <a:ext uri="{FF2B5EF4-FFF2-40B4-BE49-F238E27FC236}">
+                  <a16:creationId xmlns:a16="http://schemas.microsoft.com/office/drawing/2014/main" id="{F0810493-5B6C-03F1-683E-1FEB98CB082C}"/>
+                </a:ext>
+              </a:extLst>
+            </p:cNvPr>
+            <p:cNvCxnSpPr>
+              <a:cxnSpLocks/>
+            </p:cNvCxnSpPr>
+            <p:nvPr/>
+          </p:nvCxnSpPr>
+          <p:spPr>
+            <a:xfrm>
+              <a:off x="4271176" y="3234326"/>
+              <a:ext cx="2000415" cy="0"/>
+            </a:xfrm>
+            <a:prstGeom prst="line">
+              <a:avLst/>
+            </a:prstGeom>
+            <a:ln w="57150">
+              <a:solidFill>
+                <a:schemeClr val="tx1"/>
+              </a:solidFill>
+            </a:ln>
+          </p:spPr>
+          <p:style>
+            <a:lnRef idx="1">
+              <a:schemeClr val="dk1"/>
+            </a:lnRef>
+            <a:fillRef idx="0">
+              <a:schemeClr val="dk1"/>
+            </a:fillRef>
+            <a:effectRef idx="0">
+              <a:schemeClr val="dk1"/>
+            </a:effectRef>
+            <a:fontRef idx="minor">
               <a:schemeClr val="tx1"/>
-            </a:solidFill>
-          </a:ln>
-        </p:spPr>
-        <p:style>
-          <a:lnRef idx="1">
-            <a:schemeClr val="dk1"/>
-          </a:lnRef>
-          <a:fillRef idx="0">
-            <a:schemeClr val="dk1"/>
-          </a:fillRef>
-          <a:effectRef idx="0">
-            <a:schemeClr val="dk1"/>
-          </a:effectRef>
-          <a:fontRef idx="minor">
-            <a:schemeClr val="tx1"/>
-          </a:fontRef>
-        </p:style>
-      </p:cxnSp>
-      <p:cxnSp>
-        <p:nvCxnSpPr>
-          <p:cNvPr id="11" name="Straight Connector 10">
+            </a:fontRef>
+          </p:style>
+        </p:cxnSp>
+      </p:grpSp>
+      <p:grpSp>
+        <p:nvGrpSpPr>
+          <p:cNvPr id="10" name="Group 9">
             <a:extLst>
               <a:ext uri="{FF2B5EF4-FFF2-40B4-BE49-F238E27FC236}">
-                <a16:creationId xmlns:a16="http://schemas.microsoft.com/office/drawing/2014/main" id="{C02F0B4A-9BA6-0684-B18E-42E9DFF50E2D}"/>
+                <a16:creationId xmlns:a16="http://schemas.microsoft.com/office/drawing/2014/main" id="{B538C272-0A8E-9954-5270-5FACB6F74BD6}"/>
               </a:ext>
             </a:extLst>
           </p:cNvPr>
-          <p:cNvCxnSpPr>
-            <a:cxnSpLocks/>
-          </p:cNvCxnSpPr>
+          <p:cNvGrpSpPr/>
           <p:nvPr/>
-        </p:nvCxnSpPr>
-        <p:spPr>
+        </p:nvGrpSpPr>
+        <p:grpSpPr>
           <a:xfrm>
-            <a:off x="4126065" y="5052392"/>
-            <a:ext cx="2000415" cy="0"/>
+            <a:off x="4414697" y="1819057"/>
+            <a:ext cx="2643941" cy="2129918"/>
+            <a:chOff x="4414697" y="1819057"/>
+            <a:chExt cx="2643941" cy="2129918"/>
           </a:xfrm>
-          <a:prstGeom prst="line">
-            <a:avLst/>
-          </a:prstGeom>
-          <a:ln w="57150">
-            <a:solidFill>
+        </p:grpSpPr>
+        <mc:AlternateContent xmlns:mc="http://schemas.openxmlformats.org/markup-compatibility/2006">
+          <mc:Choice xmlns:a14="http://schemas.microsoft.com/office/drawing/2010/main" Requires="a14">
+            <p:sp>
+              <p:nvSpPr>
+                <p:cNvPr id="5" name="Content Placeholder 2">
+                  <a:extLst>
+                    <a:ext uri="{FF2B5EF4-FFF2-40B4-BE49-F238E27FC236}">
+                      <a16:creationId xmlns:a16="http://schemas.microsoft.com/office/drawing/2014/main" id="{F16A1C72-2602-4EDD-AE37-E6C3286AE387}"/>
+                    </a:ext>
+                  </a:extLst>
+                </p:cNvPr>
+                <p:cNvSpPr txBox="1">
+                  <a:spLocks/>
+                </p:cNvSpPr>
+                <p:nvPr/>
+              </p:nvSpPr>
+              <p:spPr>
+                <a:xfrm>
+                  <a:off x="4478440" y="1819057"/>
+                  <a:ext cx="2580198" cy="2129918"/>
+                </a:xfrm>
+                <a:prstGeom prst="rect">
+                  <a:avLst/>
+                </a:prstGeom>
+              </p:spPr>
+              <p:txBody>
+                <a:bodyPr vert="horz" lIns="0" tIns="45720" rIns="0" bIns="45720" rtlCol="0">
+                  <a:normAutofit/>
+                </a:bodyPr>
+                <a:lstStyle>
+                  <a:lvl1pPr marL="91440" indent="-91440" algn="l" defTabSz="914400" rtl="0" eaLnBrk="1" latinLnBrk="0" hangingPunct="1">
+                    <a:lnSpc>
+                      <a:spcPct val="90000"/>
+                    </a:lnSpc>
+                    <a:spcBef>
+                      <a:spcPts val="1200"/>
+                    </a:spcBef>
+                    <a:spcAft>
+                      <a:spcPts val="200"/>
+                    </a:spcAft>
+                    <a:buClr>
+                      <a:schemeClr val="accent1"/>
+                    </a:buClr>
+                    <a:buSzPct val="100000"/>
+                    <a:buFont typeface="Calibri" panose="020F0502020204030204" pitchFamily="34" charset="0"/>
+                    <a:buChar char=" "/>
+                    <a:defRPr sz="2800" kern="1200">
+                      <a:solidFill>
+                        <a:schemeClr val="tx1">
+                          <a:lumMod val="75000"/>
+                          <a:lumOff val="25000"/>
+                        </a:schemeClr>
+                      </a:solidFill>
+                      <a:latin typeface="+mn-lt"/>
+                      <a:ea typeface="+mn-ea"/>
+                      <a:cs typeface="+mn-cs"/>
+                    </a:defRPr>
+                  </a:lvl1pPr>
+                  <a:lvl2pPr marL="384048" indent="-182880" algn="l" defTabSz="914400" rtl="0" eaLnBrk="1" latinLnBrk="0" hangingPunct="1">
+                    <a:lnSpc>
+                      <a:spcPct val="90000"/>
+                    </a:lnSpc>
+                    <a:spcBef>
+                      <a:spcPts val="200"/>
+                    </a:spcBef>
+                    <a:spcAft>
+                      <a:spcPts val="400"/>
+                    </a:spcAft>
+                    <a:buClr>
+                      <a:schemeClr val="accent1"/>
+                    </a:buClr>
+                    <a:buFont typeface="Calibri" pitchFamily="34" charset="0"/>
+                    <a:buChar char="◦"/>
+                    <a:defRPr sz="2400" kern="1200">
+                      <a:solidFill>
+                        <a:schemeClr val="tx1">
+                          <a:lumMod val="75000"/>
+                          <a:lumOff val="25000"/>
+                        </a:schemeClr>
+                      </a:solidFill>
+                      <a:latin typeface="+mn-lt"/>
+                      <a:ea typeface="+mn-ea"/>
+                      <a:cs typeface="+mn-cs"/>
+                    </a:defRPr>
+                  </a:lvl2pPr>
+                  <a:lvl3pPr marL="566928" indent="-182880" algn="l" defTabSz="914400" rtl="0" eaLnBrk="1" latinLnBrk="0" hangingPunct="1">
+                    <a:lnSpc>
+                      <a:spcPct val="90000"/>
+                    </a:lnSpc>
+                    <a:spcBef>
+                      <a:spcPts val="200"/>
+                    </a:spcBef>
+                    <a:spcAft>
+                      <a:spcPts val="400"/>
+                    </a:spcAft>
+                    <a:buClr>
+                      <a:schemeClr val="accent1"/>
+                    </a:buClr>
+                    <a:buFont typeface="Calibri" pitchFamily="34" charset="0"/>
+                    <a:buChar char="◦"/>
+                    <a:defRPr sz="2200" kern="1200">
+                      <a:solidFill>
+                        <a:schemeClr val="tx1">
+                          <a:lumMod val="75000"/>
+                          <a:lumOff val="25000"/>
+                        </a:schemeClr>
+                      </a:solidFill>
+                      <a:latin typeface="+mn-lt"/>
+                      <a:ea typeface="+mn-ea"/>
+                      <a:cs typeface="+mn-cs"/>
+                    </a:defRPr>
+                  </a:lvl3pPr>
+                  <a:lvl4pPr marL="749808" indent="-182880" algn="l" defTabSz="914400" rtl="0" eaLnBrk="1" latinLnBrk="0" hangingPunct="1">
+                    <a:lnSpc>
+                      <a:spcPct val="90000"/>
+                    </a:lnSpc>
+                    <a:spcBef>
+                      <a:spcPts val="200"/>
+                    </a:spcBef>
+                    <a:spcAft>
+                      <a:spcPts val="400"/>
+                    </a:spcAft>
+                    <a:buClr>
+                      <a:schemeClr val="accent1"/>
+                    </a:buClr>
+                    <a:buFont typeface="Calibri" pitchFamily="34" charset="0"/>
+                    <a:buChar char="◦"/>
+                    <a:defRPr sz="2000" kern="1200">
+                      <a:solidFill>
+                        <a:schemeClr val="tx1">
+                          <a:lumMod val="75000"/>
+                          <a:lumOff val="25000"/>
+                        </a:schemeClr>
+                      </a:solidFill>
+                      <a:latin typeface="+mn-lt"/>
+                      <a:ea typeface="+mn-ea"/>
+                      <a:cs typeface="+mn-cs"/>
+                    </a:defRPr>
+                  </a:lvl4pPr>
+                  <a:lvl5pPr marL="932688" indent="-182880" algn="l" defTabSz="914400" rtl="0" eaLnBrk="1" latinLnBrk="0" hangingPunct="1">
+                    <a:lnSpc>
+                      <a:spcPct val="90000"/>
+                    </a:lnSpc>
+                    <a:spcBef>
+                      <a:spcPts val="200"/>
+                    </a:spcBef>
+                    <a:spcAft>
+                      <a:spcPts val="400"/>
+                    </a:spcAft>
+                    <a:buClr>
+                      <a:schemeClr val="accent1"/>
+                    </a:buClr>
+                    <a:buFont typeface="Calibri" pitchFamily="34" charset="0"/>
+                    <a:buChar char="◦"/>
+                    <a:defRPr sz="1800" kern="1200">
+                      <a:solidFill>
+                        <a:schemeClr val="tx1">
+                          <a:lumMod val="75000"/>
+                          <a:lumOff val="25000"/>
+                        </a:schemeClr>
+                      </a:solidFill>
+                      <a:latin typeface="+mn-lt"/>
+                      <a:ea typeface="+mn-ea"/>
+                      <a:cs typeface="+mn-cs"/>
+                    </a:defRPr>
+                  </a:lvl5pPr>
+                  <a:lvl6pPr marL="1100000" indent="-228600" algn="l" defTabSz="914400" rtl="0" eaLnBrk="1" latinLnBrk="0" hangingPunct="1">
+                    <a:lnSpc>
+                      <a:spcPct val="90000"/>
+                    </a:lnSpc>
+                    <a:spcBef>
+                      <a:spcPts val="200"/>
+                    </a:spcBef>
+                    <a:spcAft>
+                      <a:spcPts val="400"/>
+                    </a:spcAft>
+                    <a:buClr>
+                      <a:schemeClr val="accent1"/>
+                    </a:buClr>
+                    <a:buFont typeface="Calibri" pitchFamily="34" charset="0"/>
+                    <a:buChar char="◦"/>
+                    <a:defRPr sz="1400" kern="1200">
+                      <a:solidFill>
+                        <a:schemeClr val="tx1">
+                          <a:lumMod val="75000"/>
+                          <a:lumOff val="25000"/>
+                        </a:schemeClr>
+                      </a:solidFill>
+                      <a:latin typeface="+mn-lt"/>
+                      <a:ea typeface="+mn-ea"/>
+                      <a:cs typeface="+mn-cs"/>
+                    </a:defRPr>
+                  </a:lvl6pPr>
+                  <a:lvl7pPr marL="1300000" indent="-228600" algn="l" defTabSz="914400" rtl="0" eaLnBrk="1" latinLnBrk="0" hangingPunct="1">
+                    <a:lnSpc>
+                      <a:spcPct val="90000"/>
+                    </a:lnSpc>
+                    <a:spcBef>
+                      <a:spcPts val="200"/>
+                    </a:spcBef>
+                    <a:spcAft>
+                      <a:spcPts val="400"/>
+                    </a:spcAft>
+                    <a:buClr>
+                      <a:schemeClr val="accent1"/>
+                    </a:buClr>
+                    <a:buFont typeface="Calibri" pitchFamily="34" charset="0"/>
+                    <a:buChar char="◦"/>
+                    <a:defRPr sz="1400" kern="1200">
+                      <a:solidFill>
+                        <a:schemeClr val="tx1">
+                          <a:lumMod val="75000"/>
+                          <a:lumOff val="25000"/>
+                        </a:schemeClr>
+                      </a:solidFill>
+                      <a:latin typeface="+mn-lt"/>
+                      <a:ea typeface="+mn-ea"/>
+                      <a:cs typeface="+mn-cs"/>
+                    </a:defRPr>
+                  </a:lvl7pPr>
+                  <a:lvl8pPr marL="1500000" indent="-228600" algn="l" defTabSz="914400" rtl="0" eaLnBrk="1" latinLnBrk="0" hangingPunct="1">
+                    <a:lnSpc>
+                      <a:spcPct val="90000"/>
+                    </a:lnSpc>
+                    <a:spcBef>
+                      <a:spcPts val="200"/>
+                    </a:spcBef>
+                    <a:spcAft>
+                      <a:spcPts val="400"/>
+                    </a:spcAft>
+                    <a:buClr>
+                      <a:schemeClr val="accent1"/>
+                    </a:buClr>
+                    <a:buFont typeface="Calibri" pitchFamily="34" charset="0"/>
+                    <a:buChar char="◦"/>
+                    <a:defRPr sz="1400" kern="1200">
+                      <a:solidFill>
+                        <a:schemeClr val="tx1">
+                          <a:lumMod val="75000"/>
+                          <a:lumOff val="25000"/>
+                        </a:schemeClr>
+                      </a:solidFill>
+                      <a:latin typeface="+mn-lt"/>
+                      <a:ea typeface="+mn-ea"/>
+                      <a:cs typeface="+mn-cs"/>
+                    </a:defRPr>
+                  </a:lvl8pPr>
+                  <a:lvl9pPr marL="1700000" indent="-228600" algn="l" defTabSz="914400" rtl="0" eaLnBrk="1" latinLnBrk="0" hangingPunct="1">
+                    <a:lnSpc>
+                      <a:spcPct val="90000"/>
+                    </a:lnSpc>
+                    <a:spcBef>
+                      <a:spcPts val="200"/>
+                    </a:spcBef>
+                    <a:spcAft>
+                      <a:spcPts val="400"/>
+                    </a:spcAft>
+                    <a:buClr>
+                      <a:schemeClr val="accent1"/>
+                    </a:buClr>
+                    <a:buFont typeface="Calibri" pitchFamily="34" charset="0"/>
+                    <a:buChar char="◦"/>
+                    <a:defRPr sz="1400" kern="1200">
+                      <a:solidFill>
+                        <a:schemeClr val="tx1">
+                          <a:lumMod val="75000"/>
+                          <a:lumOff val="25000"/>
+                        </a:schemeClr>
+                      </a:solidFill>
+                      <a:latin typeface="+mn-lt"/>
+                      <a:ea typeface="+mn-ea"/>
+                      <a:cs typeface="+mn-cs"/>
+                    </a:defRPr>
+                  </a:lvl9pPr>
+                </a:lstStyle>
+                <a:p>
+                  <a:r>
+                    <a:rPr lang="en-US" dirty="0"/>
+                    <a:t>Rule </a:t>
+                  </a:r>
+                  <a:r>
+                    <a:rPr lang="en-US" dirty="0" err="1"/>
+                    <a:t>StepsDone</a:t>
+                  </a:r>
+                  <a:br>
+                    <a:rPr lang="en-US" dirty="0"/>
+                  </a:br>
+                  <a:r>
+                    <a:rPr lang="en-US" dirty="0"/>
+                    <a:t>m </a:t>
+                  </a:r>
+                  <a14:m>
+                    <m:oMath xmlns:m="http://schemas.openxmlformats.org/officeDocument/2006/math">
+                      <m:sSub>
+                        <m:sSubPr>
+                          <m:ctrlPr>
+                            <a:rPr lang="en-US" b="1" i="1" dirty="0" smtClean="0">
+                              <a:latin typeface="Cambria Math" panose="02040503050406030204" pitchFamily="18" charset="0"/>
+                            </a:rPr>
+                          </m:ctrlPr>
+                        </m:sSubPr>
+                        <m:e>
+                          <m:r>
+                            <a:rPr lang="en-US" b="1" i="1" dirty="0">
+                              <a:latin typeface="Cambria Math" panose="02040503050406030204" pitchFamily="18" charset="0"/>
+                            </a:rPr>
+                            <m:t>𝒅𝒐𝒏𝒆</m:t>
+                          </m:r>
+                        </m:e>
+                        <m:sub>
+                          <m:r>
+                            <m:rPr>
+                              <m:nor/>
+                            </m:rPr>
+                            <a:rPr lang="en-US" dirty="0">
+                              <a:solidFill>
+                                <a:srgbClr val="000000"/>
+                              </a:solidFill>
+                            </a:rPr>
+                            <m:t>ℓ</m:t>
+                          </m:r>
+                          <m:r>
+                            <m:rPr>
+                              <m:nor/>
+                            </m:rPr>
+                            <a:rPr lang="en-US" dirty="0">
+                              <a:solidFill>
+                                <a:srgbClr val="000000"/>
+                              </a:solidFill>
+                            </a:rPr>
+                            <m:t>s</m:t>
+                          </m:r>
+                        </m:sub>
+                      </m:sSub>
+                    </m:oMath>
+                  </a14:m>
+                  <a:endParaRPr lang="en-US" b="1" i="1" dirty="0"/>
+                </a:p>
+                <a:p>
+                  <a:pPr marL="0" indent="0">
+                    <a:buNone/>
+                  </a:pPr>
+                  <a:r>
+                    <a:rPr lang="en-US" dirty="0"/>
+                    <a:t>m </a:t>
+                  </a:r>
+                  <a14:m>
+                    <m:oMath xmlns:m="http://schemas.openxmlformats.org/officeDocument/2006/math">
+                      <m:sSubSup>
+                        <m:sSubSupPr>
+                          <m:ctrlPr>
+                            <a:rPr lang="en-US" i="1" dirty="0">
+                              <a:solidFill>
+                                <a:srgbClr val="202122"/>
+                              </a:solidFill>
+                              <a:latin typeface="Cambria Math" panose="02040503050406030204" pitchFamily="18" charset="0"/>
+                            </a:rPr>
+                          </m:ctrlPr>
+                        </m:sSubSupPr>
+                        <m:e>
+                          <m:r>
+                            <a:rPr lang="en-US" i="1" dirty="0">
+                              <a:solidFill>
+                                <a:srgbClr val="202122"/>
+                              </a:solidFill>
+                              <a:latin typeface="Cambria Math" panose="02040503050406030204" pitchFamily="18" charset="0"/>
+                            </a:rPr>
+                            <m:t>⟼</m:t>
+                          </m:r>
+                        </m:e>
+                        <m:sub>
+                          <m:r>
+                            <m:rPr>
+                              <m:nor/>
+                            </m:rPr>
+                            <a:rPr lang="en-US" dirty="0">
+                              <a:solidFill>
+                                <a:srgbClr val="000000"/>
+                              </a:solidFill>
+                            </a:rPr>
+                            <m:t>ℓ</m:t>
+                          </m:r>
+                          <m:r>
+                            <m:rPr>
+                              <m:nor/>
+                            </m:rPr>
+                            <a:rPr lang="en-US" dirty="0">
+                              <a:solidFill>
+                                <a:srgbClr val="000000"/>
+                              </a:solidFill>
+                            </a:rPr>
+                            <m:t>s</m:t>
+                          </m:r>
+                        </m:sub>
+                        <m:sup>
+                          <m:r>
+                            <a:rPr lang="en-US" i="1" dirty="0">
+                              <a:solidFill>
+                                <a:srgbClr val="000000"/>
+                              </a:solidFill>
+                              <a:latin typeface="Cambria Math" panose="02040503050406030204" pitchFamily="18" charset="0"/>
+                            </a:rPr>
+                            <m:t>∗</m:t>
+                          </m:r>
+                        </m:sup>
+                      </m:sSubSup>
+                      <m:r>
+                        <a:rPr lang="en-US" i="1" dirty="0">
+                          <a:solidFill>
+                            <a:srgbClr val="000000"/>
+                          </a:solidFill>
+                          <a:latin typeface="Cambria Math" panose="02040503050406030204" pitchFamily="18" charset="0"/>
+                        </a:rPr>
+                        <m:t> </m:t>
+                      </m:r>
+                    </m:oMath>
+                  </a14:m>
+                  <a:r>
+                    <a:rPr lang="en-US" dirty="0"/>
+                    <a:t>m</a:t>
+                  </a:r>
+                </a:p>
+              </p:txBody>
+            </p:sp>
+          </mc:Choice>
+          <mc:Fallback>
+            <p:sp>
+              <p:nvSpPr>
+                <p:cNvPr id="5" name="Content Placeholder 2">
+                  <a:extLst>
+                    <a:ext uri="{FF2B5EF4-FFF2-40B4-BE49-F238E27FC236}">
+                      <a16:creationId xmlns:a16="http://schemas.microsoft.com/office/drawing/2014/main" id="{F16A1C72-2602-4EDD-AE37-E6C3286AE387}"/>
+                    </a:ext>
+                  </a:extLst>
+                </p:cNvPr>
+                <p:cNvSpPr txBox="1">
+                  <a:spLocks noRot="1" noChangeAspect="1" noMove="1" noResize="1" noEditPoints="1" noAdjustHandles="1" noChangeArrowheads="1" noChangeShapeType="1" noTextEdit="1"/>
+                </p:cNvSpPr>
+                <p:nvPr/>
+              </p:nvSpPr>
+              <p:spPr>
+                <a:xfrm>
+                  <a:off x="4478440" y="1819057"/>
+                  <a:ext cx="2580198" cy="2129918"/>
+                </a:xfrm>
+                <a:prstGeom prst="rect">
+                  <a:avLst/>
+                </a:prstGeom>
+                <a:blipFill>
+                  <a:blip r:embed="rId7"/>
+                  <a:stretch>
+                    <a:fillRect l="-8511" t="-4571"/>
+                  </a:stretch>
+                </a:blipFill>
+              </p:spPr>
+              <p:txBody>
+                <a:bodyPr/>
+                <a:lstStyle/>
+                <a:p>
+                  <a:r>
+                    <a:rPr lang="en-US">
+                      <a:noFill/>
+                    </a:rPr>
+                    <a:t> </a:t>
+                  </a:r>
+                </a:p>
+              </p:txBody>
+            </p:sp>
+          </mc:Fallback>
+        </mc:AlternateContent>
+        <p:cxnSp>
+          <p:nvCxnSpPr>
+            <p:cNvPr id="11" name="Straight Connector 10">
+              <a:extLst>
+                <a:ext uri="{FF2B5EF4-FFF2-40B4-BE49-F238E27FC236}">
+                  <a16:creationId xmlns:a16="http://schemas.microsoft.com/office/drawing/2014/main" id="{C02F0B4A-9BA6-0684-B18E-42E9DFF50E2D}"/>
+                </a:ext>
+              </a:extLst>
+            </p:cNvPr>
+            <p:cNvCxnSpPr>
+              <a:cxnSpLocks/>
+            </p:cNvCxnSpPr>
+            <p:nvPr/>
+          </p:nvCxnSpPr>
+          <p:spPr>
+            <a:xfrm>
+              <a:off x="4414697" y="2749904"/>
+              <a:ext cx="2000415" cy="0"/>
+            </a:xfrm>
+            <a:prstGeom prst="line">
+              <a:avLst/>
+            </a:prstGeom>
+            <a:ln w="57150">
+              <a:solidFill>
+                <a:schemeClr val="tx1"/>
+              </a:solidFill>
+            </a:ln>
+          </p:spPr>
+          <p:style>
+            <a:lnRef idx="1">
+              <a:schemeClr val="dk1"/>
+            </a:lnRef>
+            <a:fillRef idx="0">
+              <a:schemeClr val="dk1"/>
+            </a:fillRef>
+            <a:effectRef idx="0">
+              <a:schemeClr val="dk1"/>
+            </a:effectRef>
+            <a:fontRef idx="minor">
               <a:schemeClr val="tx1"/>
-            </a:solidFill>
-          </a:ln>
-        </p:spPr>
-        <p:style>
-          <a:lnRef idx="1">
-            <a:schemeClr val="dk1"/>
-          </a:lnRef>
-          <a:fillRef idx="0">
-            <a:schemeClr val="dk1"/>
-          </a:fillRef>
-          <a:effectRef idx="0">
-            <a:schemeClr val="dk1"/>
-          </a:effectRef>
-          <a:fontRef idx="minor">
-            <a:schemeClr val="tx1"/>
-          </a:fontRef>
-        </p:style>
-      </p:cxnSp>
+            </a:fontRef>
+          </p:style>
+        </p:cxnSp>
+      </p:grpSp>
       <p:cxnSp>
         <p:nvCxnSpPr>
           <p:cNvPr id="12" name="Straight Connector 11">
@@ -7927,6 +9350,35 @@
           </a:fontRef>
         </p:style>
       </p:cxnSp>
+      <p:sp>
+        <p:nvSpPr>
+          <p:cNvPr id="9" name="Slide Number Placeholder 8">
+            <a:extLst>
+              <a:ext uri="{FF2B5EF4-FFF2-40B4-BE49-F238E27FC236}">
+                <a16:creationId xmlns:a16="http://schemas.microsoft.com/office/drawing/2014/main" id="{4C567452-4A33-B321-9647-F2F3DCFB29A9}"/>
+              </a:ext>
+            </a:extLst>
+          </p:cNvPr>
+          <p:cNvSpPr>
+            <a:spLocks noGrp="1"/>
+          </p:cNvSpPr>
+          <p:nvPr>
+            <p:ph type="sldNum" sz="quarter" idx="12"/>
+          </p:nvPr>
+        </p:nvSpPr>
+        <p:spPr/>
+        <p:txBody>
+          <a:bodyPr/>
+          <a:lstStyle/>
+          <a:p>
+            <a:fld id="{9BF27F29-4B64-4A24-936A-FF41C34C242B}" type="slidenum">
+              <a:rPr lang="en-US" smtClean="0"/>
+              <a:t>18</a:t>
+            </a:fld>
+            <a:endParaRPr lang="en-US"/>
+          </a:p>
+        </p:txBody>
+      </p:sp>
     </p:spTree>
     <p:extLst>
       <p:ext uri="{BB962C8B-B14F-4D97-AF65-F5344CB8AC3E}">
@@ -7940,7 +9392,7 @@
 </p:sld>
 </file>
 
-<file path=ppt/slides/slide16.xml><?xml version="1.0" encoding="utf-8"?>
+<file path=ppt/slides/slide19.xml><?xml version="1.0" encoding="utf-8"?>
 <p:sld xmlns:a="http://schemas.openxmlformats.org/drawingml/2006/main" xmlns:r="http://schemas.openxmlformats.org/officeDocument/2006/relationships" xmlns:p="http://schemas.openxmlformats.org/presentationml/2006/main">
   <p:cSld>
     <p:spTree>
@@ -8042,6 +9494,35 @@
           </a:p>
         </p:txBody>
       </p:sp>
+      <p:sp>
+        <p:nvSpPr>
+          <p:cNvPr id="4" name="Slide Number Placeholder 3">
+            <a:extLst>
+              <a:ext uri="{FF2B5EF4-FFF2-40B4-BE49-F238E27FC236}">
+                <a16:creationId xmlns:a16="http://schemas.microsoft.com/office/drawing/2014/main" id="{44E28238-B3D1-A35D-1219-69E580EA8262}"/>
+              </a:ext>
+            </a:extLst>
+          </p:cNvPr>
+          <p:cNvSpPr>
+            <a:spLocks noGrp="1"/>
+          </p:cNvSpPr>
+          <p:nvPr>
+            <p:ph type="sldNum" sz="quarter" idx="12"/>
+          </p:nvPr>
+        </p:nvSpPr>
+        <p:spPr/>
+        <p:txBody>
+          <a:bodyPr/>
+          <a:lstStyle/>
+          <a:p>
+            <a:fld id="{9BF27F29-4B64-4A24-936A-FF41C34C242B}" type="slidenum">
+              <a:rPr lang="en-US" smtClean="0"/>
+              <a:t>19</a:t>
+            </a:fld>
+            <a:endParaRPr lang="en-US"/>
+          </a:p>
+        </p:txBody>
+      </p:sp>
     </p:spTree>
     <p:extLst>
       <p:ext uri="{BB962C8B-B14F-4D97-AF65-F5344CB8AC3E}">
@@ -8055,7 +9536,7 @@
 </p:sld>
 </file>
 
-<file path=ppt/slides/slide17.xml><?xml version="1.0" encoding="utf-8"?>
+<file path=ppt/slides/slide2.xml><?xml version="1.0" encoding="utf-8"?>
 <p:sld xmlns:a="http://schemas.openxmlformats.org/drawingml/2006/main" xmlns:r="http://schemas.openxmlformats.org/officeDocument/2006/relationships" xmlns:p="http://schemas.openxmlformats.org/presentationml/2006/main">
   <p:cSld>
     <p:spTree>
@@ -8077,7 +9558,7 @@
           <p:cNvPr id="2" name="Title 1">
             <a:extLst>
               <a:ext uri="{FF2B5EF4-FFF2-40B4-BE49-F238E27FC236}">
-                <a16:creationId xmlns:a16="http://schemas.microsoft.com/office/drawing/2014/main" id="{73278E0F-C685-0BAC-9A0C-BCA0FA1C1219}"/>
+                <a16:creationId xmlns:a16="http://schemas.microsoft.com/office/drawing/2014/main" id="{C1F763D4-B178-9450-5EED-5797DB869813}"/>
               </a:ext>
             </a:extLst>
           </p:cNvPr>
@@ -8095,7 +9576,7 @@
           <a:p>
             <a:r>
               <a:rPr lang="en-US" dirty="0"/>
-              <a:t>Theory Can Require Creativity</a:t>
+              <a:t>Outline</a:t>
             </a:r>
           </a:p>
         </p:txBody>
@@ -8105,7 +9586,7 @@
           <p:cNvPr id="3" name="Content Placeholder 2">
             <a:extLst>
               <a:ext uri="{FF2B5EF4-FFF2-40B4-BE49-F238E27FC236}">
-                <a16:creationId xmlns:a16="http://schemas.microsoft.com/office/drawing/2014/main" id="{ADB1114A-7A68-B942-AB23-BCA5F0FF98D8}"/>
+                <a16:creationId xmlns:a16="http://schemas.microsoft.com/office/drawing/2014/main" id="{430D729E-46DC-7C1A-9F1A-194D26F5193B}"/>
               </a:ext>
             </a:extLst>
           </p:cNvPr>
@@ -8123,72 +9604,63 @@
           <a:p>
             <a:r>
               <a:rPr lang="en-US" dirty="0"/>
-              <a:t>We want to prove something about Twine, but not using types </a:t>
-            </a:r>
-            <a:r>
-              <a:rPr lang="en-US" dirty="0">
-                <a:sym typeface="Wingdings" panose="05000000000000000000" pitchFamily="2" charset="2"/>
-              </a:rPr>
-              <a:t></a:t>
-            </a:r>
-          </a:p>
-          <a:p>
-            <a:r>
-              <a:rPr lang="en-US" dirty="0">
-                <a:sym typeface="Wingdings" panose="05000000000000000000" pitchFamily="2" charset="2"/>
-              </a:rPr>
-              <a:t>Let’s brainstorm: does Twine look similar to any existing theories, that we could use for inspiration?</a:t>
-            </a:r>
-          </a:p>
-          <a:p>
-            <a:r>
-              <a:rPr lang="en-US" b="1" dirty="0">
-                <a:sym typeface="Wingdings" panose="05000000000000000000" pitchFamily="2" charset="2"/>
-              </a:rPr>
-              <a:t>Ideas: </a:t>
-            </a:r>
+              <a:t>Motivation</a:t>
+            </a:r>
+          </a:p>
+          <a:p>
+            <a:r>
+              <a:rPr lang="en-US" dirty="0"/>
+              <a:t>Play with Twine (Ch. 16) reinforces theory (and more)</a:t>
+            </a:r>
+          </a:p>
+          <a:p>
+            <a:r>
+              <a:rPr lang="en-US" dirty="0"/>
+              <a:t>Play with Processing (Ch. 15) reinforces design </a:t>
+            </a:r>
+          </a:p>
+          <a:p>
+            <a:endParaRPr lang="en-US" dirty="0"/>
           </a:p>
           <a:p>
             <a:pPr lvl="1"/>
-            <a:r>
-              <a:rPr lang="en-US" dirty="0">
-                <a:sym typeface="Wingdings" panose="05000000000000000000" pitchFamily="2" charset="2"/>
-              </a:rPr>
-              <a:t>Twine looks a lot like directed graphs (true, but this didn’t go anywhere)</a:t>
-            </a:r>
-          </a:p>
-          <a:p>
-            <a:pPr lvl="1"/>
-            <a:r>
-              <a:rPr lang="en-US" dirty="0">
-                <a:sym typeface="Wingdings" panose="05000000000000000000" pitchFamily="2" charset="2"/>
-              </a:rPr>
-              <a:t>Twine looks a lot like deterministic finite state machines</a:t>
-            </a:r>
-            <a:br>
-              <a:rPr lang="en-US" dirty="0">
-                <a:sym typeface="Wingdings" panose="05000000000000000000" pitchFamily="2" charset="2"/>
-              </a:rPr>
-            </a:br>
-            <a:r>
-              <a:rPr lang="en-US" b="1" dirty="0">
-                <a:sym typeface="Wingdings" panose="05000000000000000000" pitchFamily="2" charset="2"/>
-              </a:rPr>
-              <a:t>Note: </a:t>
-            </a:r>
-            <a:r>
-              <a:rPr lang="en-US" dirty="0">
-                <a:sym typeface="Wingdings" panose="05000000000000000000" pitchFamily="2" charset="2"/>
-              </a:rPr>
-              <a:t>This is covered in detail in CS 3133/503, but let’s just give some high-level ideas here.</a:t>
-            </a:r>
+            <a:endParaRPr lang="en-US" dirty="0"/>
+          </a:p>
+        </p:txBody>
+      </p:sp>
+      <p:sp>
+        <p:nvSpPr>
+          <p:cNvPr id="4" name="Slide Number Placeholder 3">
+            <a:extLst>
+              <a:ext uri="{FF2B5EF4-FFF2-40B4-BE49-F238E27FC236}">
+                <a16:creationId xmlns:a16="http://schemas.microsoft.com/office/drawing/2014/main" id="{3A61CE8F-1C2D-8AD6-61A6-4B0DE88FEF12}"/>
+              </a:ext>
+            </a:extLst>
+          </p:cNvPr>
+          <p:cNvSpPr>
+            <a:spLocks noGrp="1"/>
+          </p:cNvSpPr>
+          <p:nvPr>
+            <p:ph type="sldNum" sz="quarter" idx="12"/>
+          </p:nvPr>
+        </p:nvSpPr>
+        <p:spPr/>
+        <p:txBody>
+          <a:bodyPr/>
+          <a:lstStyle/>
+          <a:p>
+            <a:fld id="{9BF27F29-4B64-4A24-936A-FF41C34C242B}" type="slidenum">
+              <a:rPr lang="en-US" smtClean="0"/>
+              <a:t>2</a:t>
+            </a:fld>
+            <a:endParaRPr lang="en-US"/>
           </a:p>
         </p:txBody>
       </p:sp>
     </p:spTree>
     <p:extLst>
       <p:ext uri="{BB962C8B-B14F-4D97-AF65-F5344CB8AC3E}">
-        <p14:creationId xmlns:p14="http://schemas.microsoft.com/office/powerpoint/2010/main" val="1688252476"/>
+        <p14:creationId xmlns:p14="http://schemas.microsoft.com/office/powerpoint/2010/main" val="2370927629"/>
       </p:ext>
     </p:extLst>
   </p:cSld>
@@ -8198,7 +9670,7 @@
 </p:sld>
 </file>
 
-<file path=ppt/slides/slide18.xml><?xml version="1.0" encoding="utf-8"?>
+<file path=ppt/slides/slide20.xml><?xml version="1.0" encoding="utf-8"?>
 <p:sld xmlns:a="http://schemas.openxmlformats.org/drawingml/2006/main" xmlns:r="http://schemas.openxmlformats.org/officeDocument/2006/relationships" xmlns:p="http://schemas.openxmlformats.org/presentationml/2006/main">
   <p:cSld>
     <p:spTree>
@@ -8220,6 +9692,178 @@
           <p:cNvPr id="2" name="Title 1">
             <a:extLst>
               <a:ext uri="{FF2B5EF4-FFF2-40B4-BE49-F238E27FC236}">
+                <a16:creationId xmlns:a16="http://schemas.microsoft.com/office/drawing/2014/main" id="{73278E0F-C685-0BAC-9A0C-BCA0FA1C1219}"/>
+              </a:ext>
+            </a:extLst>
+          </p:cNvPr>
+          <p:cNvSpPr>
+            <a:spLocks noGrp="1"/>
+          </p:cNvSpPr>
+          <p:nvPr>
+            <p:ph type="title"/>
+          </p:nvPr>
+        </p:nvSpPr>
+        <p:spPr/>
+        <p:txBody>
+          <a:bodyPr/>
+          <a:lstStyle/>
+          <a:p>
+            <a:r>
+              <a:rPr lang="en-US" dirty="0"/>
+              <a:t>Theory Can Require Creativity</a:t>
+            </a:r>
+          </a:p>
+        </p:txBody>
+      </p:sp>
+      <p:sp>
+        <p:nvSpPr>
+          <p:cNvPr id="3" name="Content Placeholder 2">
+            <a:extLst>
+              <a:ext uri="{FF2B5EF4-FFF2-40B4-BE49-F238E27FC236}">
+                <a16:creationId xmlns:a16="http://schemas.microsoft.com/office/drawing/2014/main" id="{ADB1114A-7A68-B942-AB23-BCA5F0FF98D8}"/>
+              </a:ext>
+            </a:extLst>
+          </p:cNvPr>
+          <p:cNvSpPr>
+            <a:spLocks noGrp="1"/>
+          </p:cNvSpPr>
+          <p:nvPr>
+            <p:ph idx="1"/>
+          </p:nvPr>
+        </p:nvSpPr>
+        <p:spPr/>
+        <p:txBody>
+          <a:bodyPr/>
+          <a:lstStyle/>
+          <a:p>
+            <a:r>
+              <a:rPr lang="en-US" dirty="0"/>
+              <a:t>We want to prove something about Twine, but not using types </a:t>
+            </a:r>
+            <a:r>
+              <a:rPr lang="en-US" dirty="0">
+                <a:sym typeface="Wingdings" panose="05000000000000000000" pitchFamily="2" charset="2"/>
+              </a:rPr>
+              <a:t></a:t>
+            </a:r>
+          </a:p>
+          <a:p>
+            <a:r>
+              <a:rPr lang="en-US" dirty="0">
+                <a:sym typeface="Wingdings" panose="05000000000000000000" pitchFamily="2" charset="2"/>
+              </a:rPr>
+              <a:t>Let’s brainstorm: does Twine look similar to any existing theories, that we could use for inspiration?</a:t>
+            </a:r>
+          </a:p>
+          <a:p>
+            <a:r>
+              <a:rPr lang="en-US" b="1" dirty="0">
+                <a:sym typeface="Wingdings" panose="05000000000000000000" pitchFamily="2" charset="2"/>
+              </a:rPr>
+              <a:t>Ideas: </a:t>
+            </a:r>
+          </a:p>
+          <a:p>
+            <a:pPr lvl="1"/>
+            <a:r>
+              <a:rPr lang="en-US" dirty="0">
+                <a:sym typeface="Wingdings" panose="05000000000000000000" pitchFamily="2" charset="2"/>
+              </a:rPr>
+              <a:t>Twine looks a lot like directed graphs (true, but this didn’t go anywhere)</a:t>
+            </a:r>
+          </a:p>
+          <a:p>
+            <a:pPr lvl="1"/>
+            <a:r>
+              <a:rPr lang="en-US" dirty="0">
+                <a:sym typeface="Wingdings" panose="05000000000000000000" pitchFamily="2" charset="2"/>
+              </a:rPr>
+              <a:t>Twine looks a lot like deterministic finite state machines</a:t>
+            </a:r>
+            <a:br>
+              <a:rPr lang="en-US" dirty="0">
+                <a:sym typeface="Wingdings" panose="05000000000000000000" pitchFamily="2" charset="2"/>
+              </a:rPr>
+            </a:br>
+            <a:r>
+              <a:rPr lang="en-US" b="1" dirty="0">
+                <a:sym typeface="Wingdings" panose="05000000000000000000" pitchFamily="2" charset="2"/>
+              </a:rPr>
+              <a:t>Note: </a:t>
+            </a:r>
+            <a:r>
+              <a:rPr lang="en-US" dirty="0">
+                <a:sym typeface="Wingdings" panose="05000000000000000000" pitchFamily="2" charset="2"/>
+              </a:rPr>
+              <a:t>This is covered in detail in CS 3133/503, but let’s just give some high-level ideas here.</a:t>
+            </a:r>
+          </a:p>
+        </p:txBody>
+      </p:sp>
+      <p:sp>
+        <p:nvSpPr>
+          <p:cNvPr id="4" name="Slide Number Placeholder 3">
+            <a:extLst>
+              <a:ext uri="{FF2B5EF4-FFF2-40B4-BE49-F238E27FC236}">
+                <a16:creationId xmlns:a16="http://schemas.microsoft.com/office/drawing/2014/main" id="{BA6F26C2-C4C8-057A-0B99-4C425262E199}"/>
+              </a:ext>
+            </a:extLst>
+          </p:cNvPr>
+          <p:cNvSpPr>
+            <a:spLocks noGrp="1"/>
+          </p:cNvSpPr>
+          <p:nvPr>
+            <p:ph type="sldNum" sz="quarter" idx="12"/>
+          </p:nvPr>
+        </p:nvSpPr>
+        <p:spPr/>
+        <p:txBody>
+          <a:bodyPr/>
+          <a:lstStyle/>
+          <a:p>
+            <a:fld id="{9BF27F29-4B64-4A24-936A-FF41C34C242B}" type="slidenum">
+              <a:rPr lang="en-US" smtClean="0"/>
+              <a:t>20</a:t>
+            </a:fld>
+            <a:endParaRPr lang="en-US"/>
+          </a:p>
+        </p:txBody>
+      </p:sp>
+    </p:spTree>
+    <p:extLst>
+      <p:ext uri="{BB962C8B-B14F-4D97-AF65-F5344CB8AC3E}">
+        <p14:creationId xmlns:p14="http://schemas.microsoft.com/office/powerpoint/2010/main" val="1688252476"/>
+      </p:ext>
+    </p:extLst>
+  </p:cSld>
+  <p:clrMapOvr>
+    <a:masterClrMapping/>
+  </p:clrMapOvr>
+</p:sld>
+</file>
+
+<file path=ppt/slides/slide21.xml><?xml version="1.0" encoding="utf-8"?>
+<p:sld xmlns:a="http://schemas.openxmlformats.org/drawingml/2006/main" xmlns:r="http://schemas.openxmlformats.org/officeDocument/2006/relationships" xmlns:p="http://schemas.openxmlformats.org/presentationml/2006/main">
+  <p:cSld>
+    <p:spTree>
+      <p:nvGrpSpPr>
+        <p:cNvPr id="1" name=""/>
+        <p:cNvGrpSpPr/>
+        <p:nvPr/>
+      </p:nvGrpSpPr>
+      <p:grpSpPr>
+        <a:xfrm>
+          <a:off x="0" y="0"/>
+          <a:ext cx="0" cy="0"/>
+          <a:chOff x="0" y="0"/>
+          <a:chExt cx="0" cy="0"/>
+        </a:xfrm>
+      </p:grpSpPr>
+      <p:sp>
+        <p:nvSpPr>
+          <p:cNvPr id="2" name="Title 1">
+            <a:extLst>
+              <a:ext uri="{FF2B5EF4-FFF2-40B4-BE49-F238E27FC236}">
                 <a16:creationId xmlns:a16="http://schemas.microsoft.com/office/drawing/2014/main" id="{B943E4A9-193F-7A41-A2E0-49BCDF50B26F}"/>
               </a:ext>
             </a:extLst>
@@ -8400,8 +10044,74 @@
             <a:pPr lvl="1"/>
             <a:r>
               <a:rPr lang="en-US" dirty="0"/>
-              <a:t>F = set of desired end state</a:t>
-            </a:r>
+              <a:t>F = set of desired end states</a:t>
+            </a:r>
+          </a:p>
+          <a:p>
+            <a:pPr marL="201168" lvl="1" indent="0">
+              <a:buNone/>
+            </a:pPr>
+            <a:r>
+              <a:rPr lang="en-US" dirty="0"/>
+              <a:t>A </a:t>
+            </a:r>
+            <a:r>
+              <a:rPr lang="en-US" b="1" dirty="0"/>
+              <a:t>DFA</a:t>
+            </a:r>
+            <a:r>
+              <a:rPr lang="en-US" dirty="0"/>
+              <a:t> defines a </a:t>
+            </a:r>
+            <a:r>
+              <a:rPr lang="en-US" b="1" dirty="0"/>
+              <a:t>language</a:t>
+            </a:r>
+            <a:r>
+              <a:rPr lang="en-US" dirty="0"/>
+              <a:t> of </a:t>
+            </a:r>
+            <a:r>
+              <a:rPr lang="en-US" b="1" dirty="0"/>
+              <a:t>strings</a:t>
+            </a:r>
+            <a:r>
+              <a:rPr lang="en-US" dirty="0"/>
+              <a:t> that it </a:t>
+            </a:r>
+            <a:r>
+              <a:rPr lang="en-US" b="1" dirty="0"/>
+              <a:t>accepts</a:t>
+            </a:r>
+          </a:p>
+        </p:txBody>
+      </p:sp>
+      <p:sp>
+        <p:nvSpPr>
+          <p:cNvPr id="4" name="Slide Number Placeholder 3">
+            <a:extLst>
+              <a:ext uri="{FF2B5EF4-FFF2-40B4-BE49-F238E27FC236}">
+                <a16:creationId xmlns:a16="http://schemas.microsoft.com/office/drawing/2014/main" id="{5C8A98EC-D36F-2021-22A6-4E153831ABC9}"/>
+              </a:ext>
+            </a:extLst>
+          </p:cNvPr>
+          <p:cNvSpPr>
+            <a:spLocks noGrp="1"/>
+          </p:cNvSpPr>
+          <p:nvPr>
+            <p:ph type="sldNum" sz="quarter" idx="12"/>
+          </p:nvPr>
+        </p:nvSpPr>
+        <p:spPr/>
+        <p:txBody>
+          <a:bodyPr/>
+          <a:lstStyle/>
+          <a:p>
+            <a:fld id="{9BF27F29-4B64-4A24-936A-FF41C34C242B}" type="slidenum">
+              <a:rPr lang="en-US" smtClean="0"/>
+              <a:t>21</a:t>
+            </a:fld>
+            <a:endParaRPr lang="en-US"/>
           </a:p>
         </p:txBody>
       </p:sp>
@@ -8418,7 +10128,700 @@
 </p:sld>
 </file>
 
-<file path=ppt/slides/slide19.xml><?xml version="1.0" encoding="utf-8"?>
+<file path=ppt/slides/slide22.xml><?xml version="1.0" encoding="utf-8"?>
+<p:sld xmlns:a="http://schemas.openxmlformats.org/drawingml/2006/main" xmlns:r="http://schemas.openxmlformats.org/officeDocument/2006/relationships" xmlns:p="http://schemas.openxmlformats.org/presentationml/2006/main">
+  <p:cSld>
+    <p:spTree>
+      <p:nvGrpSpPr>
+        <p:cNvPr id="1" name=""/>
+        <p:cNvGrpSpPr/>
+        <p:nvPr/>
+      </p:nvGrpSpPr>
+      <p:grpSpPr>
+        <a:xfrm>
+          <a:off x="0" y="0"/>
+          <a:ext cx="0" cy="0"/>
+          <a:chOff x="0" y="0"/>
+          <a:chExt cx="0" cy="0"/>
+        </a:xfrm>
+      </p:grpSpPr>
+      <p:sp>
+        <p:nvSpPr>
+          <p:cNvPr id="8" name="Oval 7">
+            <a:extLst>
+              <a:ext uri="{FF2B5EF4-FFF2-40B4-BE49-F238E27FC236}">
+                <a16:creationId xmlns:a16="http://schemas.microsoft.com/office/drawing/2014/main" id="{440F8CCC-8A69-67A5-86F0-E0C1A6D5ED61}"/>
+              </a:ext>
+            </a:extLst>
+          </p:cNvPr>
+          <p:cNvSpPr/>
+          <p:nvPr/>
+        </p:nvSpPr>
+        <p:spPr>
+          <a:xfrm>
+            <a:off x="7656576" y="5146675"/>
+            <a:ext cx="1202685" cy="1085850"/>
+          </a:xfrm>
+          <a:prstGeom prst="ellipse">
+            <a:avLst/>
+          </a:prstGeom>
+        </p:spPr>
+        <p:style>
+          <a:lnRef idx="2">
+            <a:schemeClr val="accent1">
+              <a:shade val="15000"/>
+            </a:schemeClr>
+          </a:lnRef>
+          <a:fillRef idx="1">
+            <a:schemeClr val="accent1"/>
+          </a:fillRef>
+          <a:effectRef idx="0">
+            <a:schemeClr val="accent1"/>
+          </a:effectRef>
+          <a:fontRef idx="minor">
+            <a:schemeClr val="lt1"/>
+          </a:fontRef>
+        </p:style>
+        <p:txBody>
+          <a:bodyPr rtlCol="0" anchor="ctr"/>
+          <a:lstStyle/>
+          <a:p>
+            <a:pPr algn="ctr"/>
+            <a:r>
+              <a:rPr lang="en-US" sz="3200" dirty="0"/>
+              <a:t>2</a:t>
+            </a:r>
+          </a:p>
+        </p:txBody>
+      </p:sp>
+      <p:sp>
+        <p:nvSpPr>
+          <p:cNvPr id="2" name="Title 1">
+            <a:extLst>
+              <a:ext uri="{FF2B5EF4-FFF2-40B4-BE49-F238E27FC236}">
+                <a16:creationId xmlns:a16="http://schemas.microsoft.com/office/drawing/2014/main" id="{B943E4A9-193F-7A41-A2E0-49BCDF50B26F}"/>
+              </a:ext>
+            </a:extLst>
+          </p:cNvPr>
+          <p:cNvSpPr>
+            <a:spLocks noGrp="1"/>
+          </p:cNvSpPr>
+          <p:nvPr>
+            <p:ph type="title"/>
+          </p:nvPr>
+        </p:nvSpPr>
+        <p:spPr/>
+        <p:txBody>
+          <a:bodyPr/>
+          <a:lstStyle/>
+          <a:p>
+            <a:r>
+              <a:rPr lang="en-US" dirty="0"/>
+              <a:t>Deterministic Finite Automata: Example</a:t>
+            </a:r>
+          </a:p>
+        </p:txBody>
+      </p:sp>
+      <p:sp>
+        <p:nvSpPr>
+          <p:cNvPr id="3" name="Content Placeholder 2">
+            <a:extLst>
+              <a:ext uri="{FF2B5EF4-FFF2-40B4-BE49-F238E27FC236}">
+                <a16:creationId xmlns:a16="http://schemas.microsoft.com/office/drawing/2014/main" id="{58EF6818-3939-366E-BFBD-2D5B21B71D6D}"/>
+              </a:ext>
+            </a:extLst>
+          </p:cNvPr>
+          <p:cNvSpPr>
+            <a:spLocks noGrp="1"/>
+          </p:cNvSpPr>
+          <p:nvPr>
+            <p:ph idx="1"/>
+          </p:nvPr>
+        </p:nvSpPr>
+        <p:spPr/>
+        <p:txBody>
+          <a:bodyPr/>
+          <a:lstStyle/>
+          <a:p>
+            <a:r>
+              <a:rPr lang="en-US" dirty="0"/>
+              <a:t>DFA = (Q, </a:t>
+            </a:r>
+            <a:r>
+              <a:rPr lang="el-GR" dirty="0"/>
+              <a:t>Σ</a:t>
+            </a:r>
+            <a:r>
+              <a:rPr lang="en-US" dirty="0"/>
+              <a:t>, </a:t>
+            </a:r>
+            <a:r>
+              <a:rPr lang="el-GR" dirty="0"/>
+              <a:t>δ</a:t>
+            </a:r>
+            <a:r>
+              <a:rPr lang="en-US" dirty="0"/>
+              <a:t>, q0, F)</a:t>
+            </a:r>
+          </a:p>
+          <a:p>
+            <a:pPr lvl="1"/>
+            <a:r>
+              <a:rPr lang="en-US" sz="2000" dirty="0"/>
+              <a:t>Q = list of states DFA can be in</a:t>
+            </a:r>
+          </a:p>
+          <a:p>
+            <a:pPr lvl="1"/>
+            <a:r>
+              <a:rPr lang="el-GR" sz="2000" dirty="0"/>
+              <a:t>Σ</a:t>
+            </a:r>
+            <a:r>
+              <a:rPr lang="en-US" sz="2000" dirty="0"/>
+              <a:t> = list of characters in strings</a:t>
+            </a:r>
+          </a:p>
+          <a:p>
+            <a:pPr lvl="1"/>
+            <a:r>
+              <a:rPr lang="el-GR" sz="2000" b="0" i="1" dirty="0">
+                <a:solidFill>
+                  <a:srgbClr val="202122"/>
+                </a:solidFill>
+                <a:effectLst/>
+                <a:latin typeface="Nimbus Roman No9 L"/>
+              </a:rPr>
+              <a:t>δ</a:t>
+            </a:r>
+            <a:r>
+              <a:rPr lang="en-US" sz="2000" dirty="0"/>
+              <a:t> = function </a:t>
+            </a:r>
+            <a:r>
+              <a:rPr lang="el-GR" sz="2000" b="0" i="1" dirty="0">
+                <a:solidFill>
+                  <a:srgbClr val="202122"/>
+                </a:solidFill>
+                <a:effectLst/>
+                <a:latin typeface="Nimbus Roman No9 L"/>
+              </a:rPr>
+              <a:t>δ</a:t>
+            </a:r>
+            <a:r>
+              <a:rPr lang="en-US" sz="2000" b="0" i="1" dirty="0">
+                <a:solidFill>
+                  <a:srgbClr val="202122"/>
+                </a:solidFill>
+                <a:effectLst/>
+                <a:latin typeface="Nimbus Roman No9 L"/>
+              </a:rPr>
+              <a:t>(</a:t>
+            </a:r>
+            <a:r>
+              <a:rPr lang="en-US" sz="2000" b="0" i="1" dirty="0" err="1">
+                <a:solidFill>
+                  <a:srgbClr val="202122"/>
+                </a:solidFill>
+                <a:effectLst/>
+                <a:latin typeface="Nimbus Roman No9 L"/>
+              </a:rPr>
+              <a:t>state,char</a:t>
+            </a:r>
+            <a:r>
+              <a:rPr lang="en-US" sz="2000" b="0" i="1" dirty="0">
+                <a:solidFill>
+                  <a:srgbClr val="202122"/>
+                </a:solidFill>
+                <a:effectLst/>
+                <a:latin typeface="Nimbus Roman No9 L"/>
+              </a:rPr>
+              <a:t>)=</a:t>
+            </a:r>
+            <a:r>
+              <a:rPr lang="en-US" sz="2000" b="0" i="1" dirty="0" err="1">
+                <a:solidFill>
+                  <a:srgbClr val="202122"/>
+                </a:solidFill>
+                <a:effectLst/>
+                <a:latin typeface="Nimbus Roman No9 L"/>
+              </a:rPr>
+              <a:t>newstate</a:t>
+            </a:r>
+            <a:r>
+              <a:rPr lang="en-US" sz="2000" dirty="0"/>
+              <a:t> </a:t>
+            </a:r>
+          </a:p>
+          <a:p>
+            <a:pPr lvl="1"/>
+            <a:r>
+              <a:rPr lang="en-US" sz="2000" dirty="0"/>
+              <a:t>q0 = initial state </a:t>
+            </a:r>
+          </a:p>
+          <a:p>
+            <a:pPr lvl="1"/>
+            <a:r>
+              <a:rPr lang="en-US" sz="2000" dirty="0"/>
+              <a:t>F = set of desired end states</a:t>
+            </a:r>
+          </a:p>
+          <a:p>
+            <a:pPr marL="201168" lvl="1" indent="0">
+              <a:buNone/>
+            </a:pPr>
+            <a:r>
+              <a:rPr lang="en-US" sz="3200" dirty="0"/>
+              <a:t>Q = {1,2,3},    </a:t>
+            </a:r>
+            <a:r>
+              <a:rPr lang="el-GR" sz="3200" dirty="0"/>
+              <a:t>Σ</a:t>
+            </a:r>
+            <a:r>
+              <a:rPr lang="en-US" sz="3200" dirty="0"/>
+              <a:t> = {</a:t>
+            </a:r>
+            <a:r>
+              <a:rPr lang="en-US" sz="3200" dirty="0" err="1"/>
+              <a:t>a,b</a:t>
+            </a:r>
+            <a:r>
+              <a:rPr lang="en-US" sz="3200" dirty="0"/>
+              <a:t>},     q0 = 1,     F = {3},      </a:t>
+            </a:r>
+            <a:r>
+              <a:rPr lang="el-GR" sz="3200" b="0" i="1" dirty="0">
+                <a:solidFill>
+                  <a:srgbClr val="202122"/>
+                </a:solidFill>
+                <a:effectLst/>
+                <a:latin typeface="Nimbus Roman No9 L"/>
+              </a:rPr>
+              <a:t>δ</a:t>
+            </a:r>
+            <a:r>
+              <a:rPr lang="en-US" sz="3200" dirty="0"/>
+              <a:t> = arrows,   Language: accepts only “ab”</a:t>
+            </a:r>
+          </a:p>
+        </p:txBody>
+      </p:sp>
+      <p:sp>
+        <p:nvSpPr>
+          <p:cNvPr id="4" name="Slide Number Placeholder 3">
+            <a:extLst>
+              <a:ext uri="{FF2B5EF4-FFF2-40B4-BE49-F238E27FC236}">
+                <a16:creationId xmlns:a16="http://schemas.microsoft.com/office/drawing/2014/main" id="{5C8A98EC-D36F-2021-22A6-4E153831ABC9}"/>
+              </a:ext>
+            </a:extLst>
+          </p:cNvPr>
+          <p:cNvSpPr>
+            <a:spLocks noGrp="1"/>
+          </p:cNvSpPr>
+          <p:nvPr>
+            <p:ph type="sldNum" sz="quarter" idx="12"/>
+          </p:nvPr>
+        </p:nvSpPr>
+        <p:spPr/>
+        <p:txBody>
+          <a:bodyPr/>
+          <a:lstStyle/>
+          <a:p>
+            <a:fld id="{9BF27F29-4B64-4A24-936A-FF41C34C242B}" type="slidenum">
+              <a:rPr lang="en-US" smtClean="0"/>
+              <a:t>22</a:t>
+            </a:fld>
+            <a:endParaRPr lang="en-US"/>
+          </a:p>
+        </p:txBody>
+      </p:sp>
+      <p:sp>
+        <p:nvSpPr>
+          <p:cNvPr id="5" name="Oval 4">
+            <a:extLst>
+              <a:ext uri="{FF2B5EF4-FFF2-40B4-BE49-F238E27FC236}">
+                <a16:creationId xmlns:a16="http://schemas.microsoft.com/office/drawing/2014/main" id="{E7D0399B-5E52-7224-1DC2-18AC77FC26CF}"/>
+              </a:ext>
+            </a:extLst>
+          </p:cNvPr>
+          <p:cNvSpPr/>
+          <p:nvPr/>
+        </p:nvSpPr>
+        <p:spPr>
+          <a:xfrm>
+            <a:off x="2340082" y="5233136"/>
+            <a:ext cx="992659" cy="931304"/>
+          </a:xfrm>
+          <a:prstGeom prst="ellipse">
+            <a:avLst/>
+          </a:prstGeom>
+        </p:spPr>
+        <p:style>
+          <a:lnRef idx="2">
+            <a:schemeClr val="accent1">
+              <a:shade val="15000"/>
+            </a:schemeClr>
+          </a:lnRef>
+          <a:fillRef idx="1">
+            <a:schemeClr val="accent1"/>
+          </a:fillRef>
+          <a:effectRef idx="0">
+            <a:schemeClr val="accent1"/>
+          </a:effectRef>
+          <a:fontRef idx="minor">
+            <a:schemeClr val="lt1"/>
+          </a:fontRef>
+        </p:style>
+        <p:txBody>
+          <a:bodyPr rtlCol="0" anchor="ctr"/>
+          <a:lstStyle/>
+          <a:p>
+            <a:pPr algn="ctr"/>
+            <a:r>
+              <a:rPr lang="en-US" sz="3200" dirty="0"/>
+              <a:t>1</a:t>
+            </a:r>
+          </a:p>
+        </p:txBody>
+      </p:sp>
+      <p:sp>
+        <p:nvSpPr>
+          <p:cNvPr id="6" name="Oval 5">
+            <a:extLst>
+              <a:ext uri="{FF2B5EF4-FFF2-40B4-BE49-F238E27FC236}">
+                <a16:creationId xmlns:a16="http://schemas.microsoft.com/office/drawing/2014/main" id="{66B4FA9C-F9B2-C8AB-79E8-AD259925FB9E}"/>
+              </a:ext>
+            </a:extLst>
+          </p:cNvPr>
+          <p:cNvSpPr/>
+          <p:nvPr/>
+        </p:nvSpPr>
+        <p:spPr>
+          <a:xfrm>
+            <a:off x="4575542" y="5233136"/>
+            <a:ext cx="992659" cy="931304"/>
+          </a:xfrm>
+          <a:prstGeom prst="ellipse">
+            <a:avLst/>
+          </a:prstGeom>
+        </p:spPr>
+        <p:style>
+          <a:lnRef idx="2">
+            <a:schemeClr val="accent1">
+              <a:shade val="15000"/>
+            </a:schemeClr>
+          </a:lnRef>
+          <a:fillRef idx="1">
+            <a:schemeClr val="accent1"/>
+          </a:fillRef>
+          <a:effectRef idx="0">
+            <a:schemeClr val="accent1"/>
+          </a:effectRef>
+          <a:fontRef idx="minor">
+            <a:schemeClr val="lt1"/>
+          </a:fontRef>
+        </p:style>
+        <p:txBody>
+          <a:bodyPr rtlCol="0" anchor="ctr"/>
+          <a:lstStyle/>
+          <a:p>
+            <a:pPr algn="ctr"/>
+            <a:r>
+              <a:rPr lang="en-US" sz="3200" dirty="0"/>
+              <a:t>2</a:t>
+            </a:r>
+          </a:p>
+        </p:txBody>
+      </p:sp>
+      <p:sp>
+        <p:nvSpPr>
+          <p:cNvPr id="7" name="Oval 6">
+            <a:extLst>
+              <a:ext uri="{FF2B5EF4-FFF2-40B4-BE49-F238E27FC236}">
+                <a16:creationId xmlns:a16="http://schemas.microsoft.com/office/drawing/2014/main" id="{999D4CF1-2DD8-194A-4F4A-E8A1B59FE14B}"/>
+              </a:ext>
+            </a:extLst>
+          </p:cNvPr>
+          <p:cNvSpPr/>
+          <p:nvPr/>
+        </p:nvSpPr>
+        <p:spPr>
+          <a:xfrm>
+            <a:off x="7763750" y="5233136"/>
+            <a:ext cx="992659" cy="931304"/>
+          </a:xfrm>
+          <a:prstGeom prst="ellipse">
+            <a:avLst/>
+          </a:prstGeom>
+        </p:spPr>
+        <p:style>
+          <a:lnRef idx="2">
+            <a:schemeClr val="accent1">
+              <a:shade val="15000"/>
+            </a:schemeClr>
+          </a:lnRef>
+          <a:fillRef idx="1">
+            <a:schemeClr val="accent1"/>
+          </a:fillRef>
+          <a:effectRef idx="0">
+            <a:schemeClr val="accent1"/>
+          </a:effectRef>
+          <a:fontRef idx="minor">
+            <a:schemeClr val="lt1"/>
+          </a:fontRef>
+        </p:style>
+        <p:txBody>
+          <a:bodyPr rtlCol="0" anchor="ctr"/>
+          <a:lstStyle/>
+          <a:p>
+            <a:pPr algn="ctr"/>
+            <a:r>
+              <a:rPr lang="en-US" sz="3200" dirty="0"/>
+              <a:t>3</a:t>
+            </a:r>
+          </a:p>
+        </p:txBody>
+      </p:sp>
+      <p:sp>
+        <p:nvSpPr>
+          <p:cNvPr id="9" name="TextBox 8">
+            <a:extLst>
+              <a:ext uri="{FF2B5EF4-FFF2-40B4-BE49-F238E27FC236}">
+                <a16:creationId xmlns:a16="http://schemas.microsoft.com/office/drawing/2014/main" id="{E594B996-DCB8-2C5B-E0B2-8C9CEB43FC0E}"/>
+              </a:ext>
+            </a:extLst>
+          </p:cNvPr>
+          <p:cNvSpPr txBox="1"/>
+          <p:nvPr/>
+        </p:nvSpPr>
+        <p:spPr>
+          <a:xfrm>
+            <a:off x="1890920" y="5416602"/>
+            <a:ext cx="449162" cy="400110"/>
+          </a:xfrm>
+          <a:prstGeom prst="rect">
+            <a:avLst/>
+          </a:prstGeom>
+          <a:noFill/>
+        </p:spPr>
+        <p:txBody>
+          <a:bodyPr wrap="none" rtlCol="0">
+            <a:spAutoFit/>
+          </a:bodyPr>
+          <a:lstStyle/>
+          <a:p>
+            <a:r>
+              <a:rPr lang="en-US" sz="2000" dirty="0"/>
+              <a:t>q0</a:t>
+            </a:r>
+          </a:p>
+        </p:txBody>
+      </p:sp>
+      <p:cxnSp>
+        <p:nvCxnSpPr>
+          <p:cNvPr id="11" name="Straight Arrow Connector 10">
+            <a:extLst>
+              <a:ext uri="{FF2B5EF4-FFF2-40B4-BE49-F238E27FC236}">
+                <a16:creationId xmlns:a16="http://schemas.microsoft.com/office/drawing/2014/main" id="{72466A92-B9DB-16DD-C905-4B016D25AFDD}"/>
+              </a:ext>
+            </a:extLst>
+          </p:cNvPr>
+          <p:cNvCxnSpPr>
+            <a:stCxn id="5" idx="6"/>
+            <a:endCxn id="6" idx="2"/>
+          </p:cNvCxnSpPr>
+          <p:nvPr/>
+        </p:nvCxnSpPr>
+        <p:spPr>
+          <a:xfrm>
+            <a:off x="3332741" y="5698788"/>
+            <a:ext cx="1242801" cy="0"/>
+          </a:xfrm>
+          <a:prstGeom prst="straightConnector1">
+            <a:avLst/>
+          </a:prstGeom>
+          <a:ln w="38100">
+            <a:tailEnd type="triangle"/>
+          </a:ln>
+        </p:spPr>
+        <p:style>
+          <a:lnRef idx="1">
+            <a:schemeClr val="dk1"/>
+          </a:lnRef>
+          <a:fillRef idx="0">
+            <a:schemeClr val="dk1"/>
+          </a:fillRef>
+          <a:effectRef idx="0">
+            <a:schemeClr val="dk1"/>
+          </a:effectRef>
+          <a:fontRef idx="minor">
+            <a:schemeClr val="tx1"/>
+          </a:fontRef>
+        </p:style>
+      </p:cxnSp>
+      <p:cxnSp>
+        <p:nvCxnSpPr>
+          <p:cNvPr id="13" name="Straight Arrow Connector 12">
+            <a:extLst>
+              <a:ext uri="{FF2B5EF4-FFF2-40B4-BE49-F238E27FC236}">
+                <a16:creationId xmlns:a16="http://schemas.microsoft.com/office/drawing/2014/main" id="{734C6E5F-A819-D452-872E-7E22CD4A8BF6}"/>
+              </a:ext>
+            </a:extLst>
+          </p:cNvPr>
+          <p:cNvCxnSpPr>
+            <a:stCxn id="6" idx="6"/>
+            <a:endCxn id="8" idx="2"/>
+          </p:cNvCxnSpPr>
+          <p:nvPr/>
+        </p:nvCxnSpPr>
+        <p:spPr>
+          <a:xfrm flipV="1">
+            <a:off x="5568201" y="5689600"/>
+            <a:ext cx="2088375" cy="9188"/>
+          </a:xfrm>
+          <a:prstGeom prst="straightConnector1">
+            <a:avLst/>
+          </a:prstGeom>
+          <a:ln w="38100">
+            <a:tailEnd type="triangle"/>
+          </a:ln>
+        </p:spPr>
+        <p:style>
+          <a:lnRef idx="1">
+            <a:schemeClr val="dk1"/>
+          </a:lnRef>
+          <a:fillRef idx="0">
+            <a:schemeClr val="dk1"/>
+          </a:fillRef>
+          <a:effectRef idx="0">
+            <a:schemeClr val="dk1"/>
+          </a:effectRef>
+          <a:fontRef idx="minor">
+            <a:schemeClr val="tx1"/>
+          </a:fontRef>
+        </p:style>
+      </p:cxnSp>
+      <p:sp>
+        <p:nvSpPr>
+          <p:cNvPr id="14" name="TextBox 13">
+            <a:extLst>
+              <a:ext uri="{FF2B5EF4-FFF2-40B4-BE49-F238E27FC236}">
+                <a16:creationId xmlns:a16="http://schemas.microsoft.com/office/drawing/2014/main" id="{ED1588AE-CE87-19C5-613D-7FA67B5949DA}"/>
+              </a:ext>
+            </a:extLst>
+          </p:cNvPr>
+          <p:cNvSpPr txBox="1"/>
+          <p:nvPr/>
+        </p:nvSpPr>
+        <p:spPr>
+          <a:xfrm>
+            <a:off x="3653818" y="5231937"/>
+            <a:ext cx="648767" cy="523220"/>
+          </a:xfrm>
+          <a:prstGeom prst="rect">
+            <a:avLst/>
+          </a:prstGeom>
+          <a:noFill/>
+        </p:spPr>
+        <p:txBody>
+          <a:bodyPr wrap="none" rtlCol="0">
+            <a:spAutoFit/>
+          </a:bodyPr>
+          <a:lstStyle/>
+          <a:p>
+            <a:r>
+              <a:rPr lang="en-US" sz="2800" dirty="0"/>
+              <a:t>“a”</a:t>
+            </a:r>
+          </a:p>
+        </p:txBody>
+      </p:sp>
+      <p:sp>
+        <p:nvSpPr>
+          <p:cNvPr id="15" name="TextBox 14">
+            <a:extLst>
+              <a:ext uri="{FF2B5EF4-FFF2-40B4-BE49-F238E27FC236}">
+                <a16:creationId xmlns:a16="http://schemas.microsoft.com/office/drawing/2014/main" id="{C22788F9-906F-430D-C27E-CC5561826573}"/>
+              </a:ext>
+            </a:extLst>
+          </p:cNvPr>
+          <p:cNvSpPr txBox="1"/>
+          <p:nvPr/>
+        </p:nvSpPr>
+        <p:spPr>
+          <a:xfrm>
+            <a:off x="6236476" y="5200702"/>
+            <a:ext cx="675185" cy="523220"/>
+          </a:xfrm>
+          <a:prstGeom prst="rect">
+            <a:avLst/>
+          </a:prstGeom>
+          <a:noFill/>
+        </p:spPr>
+        <p:txBody>
+          <a:bodyPr wrap="none" rtlCol="0">
+            <a:spAutoFit/>
+          </a:bodyPr>
+          <a:lstStyle/>
+          <a:p>
+            <a:r>
+              <a:rPr lang="en-US" sz="2800" dirty="0"/>
+              <a:t>“b”</a:t>
+            </a:r>
+          </a:p>
+        </p:txBody>
+      </p:sp>
+      <p:sp>
+        <p:nvSpPr>
+          <p:cNvPr id="16" name="TextBox 15">
+            <a:extLst>
+              <a:ext uri="{FF2B5EF4-FFF2-40B4-BE49-F238E27FC236}">
+                <a16:creationId xmlns:a16="http://schemas.microsoft.com/office/drawing/2014/main" id="{E61F61D3-D2AC-E94A-AFBF-EEBF382AAB7C}"/>
+              </a:ext>
+            </a:extLst>
+          </p:cNvPr>
+          <p:cNvSpPr txBox="1"/>
+          <p:nvPr/>
+        </p:nvSpPr>
+        <p:spPr>
+          <a:xfrm>
+            <a:off x="8875354" y="5871966"/>
+            <a:ext cx="1457643" cy="369332"/>
+          </a:xfrm>
+          <a:prstGeom prst="rect">
+            <a:avLst/>
+          </a:prstGeom>
+          <a:noFill/>
+        </p:spPr>
+        <p:txBody>
+          <a:bodyPr wrap="none" rtlCol="0">
+            <a:spAutoFit/>
+          </a:bodyPr>
+          <a:lstStyle/>
+          <a:p>
+            <a:r>
+              <a:rPr lang="en-US" dirty="0"/>
+              <a:t>(accept state)</a:t>
+            </a:r>
+          </a:p>
+        </p:txBody>
+      </p:sp>
+    </p:spTree>
+    <p:extLst>
+      <p:ext uri="{BB962C8B-B14F-4D97-AF65-F5344CB8AC3E}">
+        <p14:creationId xmlns:p14="http://schemas.microsoft.com/office/powerpoint/2010/main" val="1858496805"/>
+      </p:ext>
+    </p:extLst>
+  </p:cSld>
+  <p:clrMapOvr>
+    <a:masterClrMapping/>
+  </p:clrMapOvr>
+</p:sld>
+</file>
+
+<file path=ppt/slides/slide23.xml><?xml version="1.0" encoding="utf-8"?>
 <p:sld xmlns:a="http://schemas.openxmlformats.org/drawingml/2006/main" xmlns:r="http://schemas.openxmlformats.org/officeDocument/2006/relationships" xmlns:p="http://schemas.openxmlformats.org/presentationml/2006/main">
   <p:cSld>
     <p:spTree>
@@ -8961,6 +11364,35 @@
           </a:fontRef>
         </p:style>
       </p:cxnSp>
+      <p:sp>
+        <p:nvSpPr>
+          <p:cNvPr id="5" name="Slide Number Placeholder 4">
+            <a:extLst>
+              <a:ext uri="{FF2B5EF4-FFF2-40B4-BE49-F238E27FC236}">
+                <a16:creationId xmlns:a16="http://schemas.microsoft.com/office/drawing/2014/main" id="{A48A8E51-E18F-7CE0-3EC1-744F8360627C}"/>
+              </a:ext>
+            </a:extLst>
+          </p:cNvPr>
+          <p:cNvSpPr>
+            <a:spLocks noGrp="1"/>
+          </p:cNvSpPr>
+          <p:nvPr>
+            <p:ph type="sldNum" sz="quarter" idx="12"/>
+          </p:nvPr>
+        </p:nvSpPr>
+        <p:spPr/>
+        <p:txBody>
+          <a:bodyPr/>
+          <a:lstStyle/>
+          <a:p>
+            <a:fld id="{9BF27F29-4B64-4A24-936A-FF41C34C242B}" type="slidenum">
+              <a:rPr lang="en-US" smtClean="0"/>
+              <a:t>23</a:t>
+            </a:fld>
+            <a:endParaRPr lang="en-US"/>
+          </a:p>
+        </p:txBody>
+      </p:sp>
     </p:spTree>
     <p:extLst>
       <p:ext uri="{BB962C8B-B14F-4D97-AF65-F5344CB8AC3E}">
@@ -8974,129 +11406,7 @@
 </p:sld>
 </file>
 
-<file path=ppt/slides/slide2.xml><?xml version="1.0" encoding="utf-8"?>
-<p:sld xmlns:a="http://schemas.openxmlformats.org/drawingml/2006/main" xmlns:r="http://schemas.openxmlformats.org/officeDocument/2006/relationships" xmlns:p="http://schemas.openxmlformats.org/presentationml/2006/main">
-  <p:cSld>
-    <p:spTree>
-      <p:nvGrpSpPr>
-        <p:cNvPr id="1" name=""/>
-        <p:cNvGrpSpPr/>
-        <p:nvPr/>
-      </p:nvGrpSpPr>
-      <p:grpSpPr>
-        <a:xfrm>
-          <a:off x="0" y="0"/>
-          <a:ext cx="0" cy="0"/>
-          <a:chOff x="0" y="0"/>
-          <a:chExt cx="0" cy="0"/>
-        </a:xfrm>
-      </p:grpSpPr>
-      <p:sp>
-        <p:nvSpPr>
-          <p:cNvPr id="2" name="Title 1">
-            <a:extLst>
-              <a:ext uri="{FF2B5EF4-FFF2-40B4-BE49-F238E27FC236}">
-                <a16:creationId xmlns:a16="http://schemas.microsoft.com/office/drawing/2014/main" id="{C1F763D4-B178-9450-5EED-5797DB869813}"/>
-              </a:ext>
-            </a:extLst>
-          </p:cNvPr>
-          <p:cNvSpPr>
-            <a:spLocks noGrp="1"/>
-          </p:cNvSpPr>
-          <p:nvPr>
-            <p:ph type="title"/>
-          </p:nvPr>
-        </p:nvSpPr>
-        <p:spPr/>
-        <p:txBody>
-          <a:bodyPr/>
-          <a:lstStyle/>
-          <a:p>
-            <a:r>
-              <a:rPr lang="en-US" dirty="0"/>
-              <a:t>Outline</a:t>
-            </a:r>
-          </a:p>
-        </p:txBody>
-      </p:sp>
-      <p:sp>
-        <p:nvSpPr>
-          <p:cNvPr id="3" name="Content Placeholder 2">
-            <a:extLst>
-              <a:ext uri="{FF2B5EF4-FFF2-40B4-BE49-F238E27FC236}">
-                <a16:creationId xmlns:a16="http://schemas.microsoft.com/office/drawing/2014/main" id="{430D729E-46DC-7C1A-9F1A-194D26F5193B}"/>
-              </a:ext>
-            </a:extLst>
-          </p:cNvPr>
-          <p:cNvSpPr>
-            <a:spLocks noGrp="1"/>
-          </p:cNvSpPr>
-          <p:nvPr>
-            <p:ph idx="1"/>
-          </p:nvPr>
-        </p:nvSpPr>
-        <p:spPr/>
-        <p:txBody>
-          <a:bodyPr/>
-          <a:lstStyle/>
-          <a:p>
-            <a:r>
-              <a:rPr lang="en-US" dirty="0"/>
-              <a:t>Motivation</a:t>
-            </a:r>
-          </a:p>
-          <a:p>
-            <a:r>
-              <a:rPr lang="en-US" dirty="0"/>
-              <a:t>Play with Twine (Ch. 16)</a:t>
-            </a:r>
-          </a:p>
-          <a:p>
-            <a:r>
-              <a:rPr lang="en-US" dirty="0"/>
-              <a:t>Play with Processing (Ch. 15)</a:t>
-            </a:r>
-          </a:p>
-          <a:p>
-            <a:r>
-              <a:rPr lang="en-US" dirty="0"/>
-              <a:t>Time-depending</a:t>
-            </a:r>
-          </a:p>
-          <a:p>
-            <a:pPr lvl="1"/>
-            <a:r>
-              <a:rPr lang="en-US" dirty="0"/>
-              <a:t>Interactive fiction with Inform</a:t>
-            </a:r>
-          </a:p>
-          <a:p>
-            <a:pPr lvl="1"/>
-            <a:r>
-              <a:rPr lang="en-US" dirty="0"/>
-              <a:t>Diagrams with Penrose</a:t>
-            </a:r>
-          </a:p>
-          <a:p>
-            <a:pPr lvl="1"/>
-            <a:endParaRPr lang="en-US" dirty="0"/>
-          </a:p>
-        </p:txBody>
-      </p:sp>
-    </p:spTree>
-    <p:extLst>
-      <p:ext uri="{BB962C8B-B14F-4D97-AF65-F5344CB8AC3E}">
-        <p14:creationId xmlns:p14="http://schemas.microsoft.com/office/powerpoint/2010/main" val="2370927629"/>
-      </p:ext>
-    </p:extLst>
-  </p:cSld>
-  <p:clrMapOvr>
-    <a:masterClrMapping/>
-  </p:clrMapOvr>
-</p:sld>
-</file>
-
-<file path=ppt/slides/slide20.xml><?xml version="1.0" encoding="utf-8"?>
+<file path=ppt/slides/slide24.xml><?xml version="1.0" encoding="utf-8"?>
 <p:sld xmlns:a="http://schemas.openxmlformats.org/drawingml/2006/main" xmlns:r="http://schemas.openxmlformats.org/officeDocument/2006/relationships" xmlns:p="http://schemas.openxmlformats.org/presentationml/2006/main">
   <p:cSld>
     <p:spTree>
@@ -9638,6 +11948,35 @@
           </p:sp>
         </mc:Fallback>
       </mc:AlternateContent>
+      <p:sp>
+        <p:nvSpPr>
+          <p:cNvPr id="4" name="Slide Number Placeholder 3">
+            <a:extLst>
+              <a:ext uri="{FF2B5EF4-FFF2-40B4-BE49-F238E27FC236}">
+                <a16:creationId xmlns:a16="http://schemas.microsoft.com/office/drawing/2014/main" id="{143C5B39-8C5D-6BE7-179F-30D867E5AF5F}"/>
+              </a:ext>
+            </a:extLst>
+          </p:cNvPr>
+          <p:cNvSpPr>
+            <a:spLocks noGrp="1"/>
+          </p:cNvSpPr>
+          <p:nvPr>
+            <p:ph type="sldNum" sz="quarter" idx="12"/>
+          </p:nvPr>
+        </p:nvSpPr>
+        <p:spPr/>
+        <p:txBody>
+          <a:bodyPr/>
+          <a:lstStyle/>
+          <a:p>
+            <a:fld id="{9BF27F29-4B64-4A24-936A-FF41C34C242B}" type="slidenum">
+              <a:rPr lang="en-US" smtClean="0"/>
+              <a:t>24</a:t>
+            </a:fld>
+            <a:endParaRPr lang="en-US"/>
+          </a:p>
+        </p:txBody>
+      </p:sp>
     </p:spTree>
     <p:extLst>
       <p:ext uri="{BB962C8B-B14F-4D97-AF65-F5344CB8AC3E}">
@@ -9651,7 +11990,7 @@
 </p:sld>
 </file>
 
-<file path=ppt/slides/slide21.xml><?xml version="1.0" encoding="utf-8"?>
+<file path=ppt/slides/slide25.xml><?xml version="1.0" encoding="utf-8"?>
 <p:sld xmlns:a="http://schemas.openxmlformats.org/drawingml/2006/main" xmlns:r="http://schemas.openxmlformats.org/officeDocument/2006/relationships" xmlns:p="http://schemas.openxmlformats.org/presentationml/2006/main">
   <p:cSld>
     <p:spTree>
@@ -9801,6 +12140,35 @@
           </a:p>
         </p:txBody>
       </p:sp>
+      <p:sp>
+        <p:nvSpPr>
+          <p:cNvPr id="4" name="Slide Number Placeholder 3">
+            <a:extLst>
+              <a:ext uri="{FF2B5EF4-FFF2-40B4-BE49-F238E27FC236}">
+                <a16:creationId xmlns:a16="http://schemas.microsoft.com/office/drawing/2014/main" id="{0840A8D6-520D-ED54-1134-FB25FD54F9FD}"/>
+              </a:ext>
+            </a:extLst>
+          </p:cNvPr>
+          <p:cNvSpPr>
+            <a:spLocks noGrp="1"/>
+          </p:cNvSpPr>
+          <p:nvPr>
+            <p:ph type="sldNum" sz="quarter" idx="12"/>
+          </p:nvPr>
+        </p:nvSpPr>
+        <p:spPr/>
+        <p:txBody>
+          <a:bodyPr/>
+          <a:lstStyle/>
+          <a:p>
+            <a:fld id="{9BF27F29-4B64-4A24-936A-FF41C34C242B}" type="slidenum">
+              <a:rPr lang="en-US" smtClean="0"/>
+              <a:t>25</a:t>
+            </a:fld>
+            <a:endParaRPr lang="en-US"/>
+          </a:p>
+        </p:txBody>
+      </p:sp>
     </p:spTree>
     <p:extLst>
       <p:ext uri="{BB962C8B-B14F-4D97-AF65-F5344CB8AC3E}">
@@ -9814,7 +12182,7 @@
 </p:sld>
 </file>
 
-<file path=ppt/slides/slide22.xml><?xml version="1.0" encoding="utf-8"?>
+<file path=ppt/slides/slide26.xml><?xml version="1.0" encoding="utf-8"?>
 <p:sld xmlns:a="http://schemas.openxmlformats.org/drawingml/2006/main" xmlns:r="http://schemas.openxmlformats.org/officeDocument/2006/relationships" xmlns:p="http://schemas.openxmlformats.org/presentationml/2006/main">
   <p:cSld>
     <p:spTree>
@@ -9999,6 +12367,35 @@
           </a:p>
         </p:txBody>
       </p:sp>
+      <p:sp>
+        <p:nvSpPr>
+          <p:cNvPr id="4" name="Slide Number Placeholder 3">
+            <a:extLst>
+              <a:ext uri="{FF2B5EF4-FFF2-40B4-BE49-F238E27FC236}">
+                <a16:creationId xmlns:a16="http://schemas.microsoft.com/office/drawing/2014/main" id="{5426A87A-8914-79BE-0032-1EFF03D96FA4}"/>
+              </a:ext>
+            </a:extLst>
+          </p:cNvPr>
+          <p:cNvSpPr>
+            <a:spLocks noGrp="1"/>
+          </p:cNvSpPr>
+          <p:nvPr>
+            <p:ph type="sldNum" sz="quarter" idx="12"/>
+          </p:nvPr>
+        </p:nvSpPr>
+        <p:spPr/>
+        <p:txBody>
+          <a:bodyPr/>
+          <a:lstStyle/>
+          <a:p>
+            <a:fld id="{9BF27F29-4B64-4A24-936A-FF41C34C242B}" type="slidenum">
+              <a:rPr lang="en-US" smtClean="0"/>
+              <a:t>26</a:t>
+            </a:fld>
+            <a:endParaRPr lang="en-US"/>
+          </a:p>
+        </p:txBody>
+      </p:sp>
     </p:spTree>
     <p:extLst>
       <p:ext uri="{BB962C8B-B14F-4D97-AF65-F5344CB8AC3E}">
@@ -10012,7 +12409,7 @@
 </p:sld>
 </file>
 
-<file path=ppt/slides/slide23.xml><?xml version="1.0" encoding="utf-8"?>
+<file path=ppt/slides/slide27.xml><?xml version="1.0" encoding="utf-8"?>
 <p:sld xmlns:a="http://schemas.openxmlformats.org/drawingml/2006/main" xmlns:r="http://schemas.openxmlformats.org/officeDocument/2006/relationships" xmlns:p="http://schemas.openxmlformats.org/presentationml/2006/main">
   <p:cSld>
     <p:spTree>
@@ -10170,6 +12567,35 @@
           </a:p>
         </p:txBody>
       </p:sp>
+      <p:sp>
+        <p:nvSpPr>
+          <p:cNvPr id="4" name="Slide Number Placeholder 3">
+            <a:extLst>
+              <a:ext uri="{FF2B5EF4-FFF2-40B4-BE49-F238E27FC236}">
+                <a16:creationId xmlns:a16="http://schemas.microsoft.com/office/drawing/2014/main" id="{F8AA3407-727F-DB2E-2A69-5569FDDE927E}"/>
+              </a:ext>
+            </a:extLst>
+          </p:cNvPr>
+          <p:cNvSpPr>
+            <a:spLocks noGrp="1"/>
+          </p:cNvSpPr>
+          <p:nvPr>
+            <p:ph type="sldNum" sz="quarter" idx="12"/>
+          </p:nvPr>
+        </p:nvSpPr>
+        <p:spPr/>
+        <p:txBody>
+          <a:bodyPr/>
+          <a:lstStyle/>
+          <a:p>
+            <a:fld id="{9BF27F29-4B64-4A24-936A-FF41C34C242B}" type="slidenum">
+              <a:rPr lang="en-US" smtClean="0"/>
+              <a:t>27</a:t>
+            </a:fld>
+            <a:endParaRPr lang="en-US"/>
+          </a:p>
+        </p:txBody>
+      </p:sp>
     </p:spTree>
     <p:extLst>
       <p:ext uri="{BB962C8B-B14F-4D97-AF65-F5344CB8AC3E}">
@@ -10183,7 +12609,7 @@
 </p:sld>
 </file>
 
-<file path=ppt/slides/slide24.xml><?xml version="1.0" encoding="utf-8"?>
+<file path=ppt/slides/slide28.xml><?xml version="1.0" encoding="utf-8"?>
 <p:sld xmlns:a="http://schemas.openxmlformats.org/drawingml/2006/main" xmlns:r="http://schemas.openxmlformats.org/officeDocument/2006/relationships" xmlns:p="http://schemas.openxmlformats.org/presentationml/2006/main">
   <p:cSld>
     <p:spTree>
@@ -10253,6 +12679,35 @@
           </a:p>
         </p:txBody>
       </p:sp>
+      <p:sp>
+        <p:nvSpPr>
+          <p:cNvPr id="4" name="Slide Number Placeholder 3">
+            <a:extLst>
+              <a:ext uri="{FF2B5EF4-FFF2-40B4-BE49-F238E27FC236}">
+                <a16:creationId xmlns:a16="http://schemas.microsoft.com/office/drawing/2014/main" id="{F79D2C01-44E0-E5C8-7D9F-F977B0E11F62}"/>
+              </a:ext>
+            </a:extLst>
+          </p:cNvPr>
+          <p:cNvSpPr>
+            <a:spLocks noGrp="1"/>
+          </p:cNvSpPr>
+          <p:nvPr>
+            <p:ph type="sldNum" sz="quarter" idx="12"/>
+          </p:nvPr>
+        </p:nvSpPr>
+        <p:spPr/>
+        <p:txBody>
+          <a:bodyPr/>
+          <a:lstStyle/>
+          <a:p>
+            <a:fld id="{9BF27F29-4B64-4A24-936A-FF41C34C242B}" type="slidenum">
+              <a:rPr lang="en-US" smtClean="0"/>
+              <a:t>28</a:t>
+            </a:fld>
+            <a:endParaRPr lang="en-US"/>
+          </a:p>
+        </p:txBody>
+      </p:sp>
     </p:spTree>
     <p:extLst>
       <p:ext uri="{BB962C8B-B14F-4D97-AF65-F5344CB8AC3E}">
@@ -10266,7 +12721,7 @@
 </p:sld>
 </file>
 
-<file path=ppt/slides/slide25.xml><?xml version="1.0" encoding="utf-8"?>
+<file path=ppt/slides/slide29.xml><?xml version="1.0" encoding="utf-8"?>
 <p:sld xmlns:a="http://schemas.openxmlformats.org/drawingml/2006/main" xmlns:r="http://schemas.openxmlformats.org/officeDocument/2006/relationships" xmlns:p="http://schemas.openxmlformats.org/presentationml/2006/main">
   <p:cSld>
     <p:spTree>
@@ -10582,556 +13037,39 @@
           </a:p>
         </p:txBody>
       </p:sp>
+      <p:sp>
+        <p:nvSpPr>
+          <p:cNvPr id="4" name="Slide Number Placeholder 3">
+            <a:extLst>
+              <a:ext uri="{FF2B5EF4-FFF2-40B4-BE49-F238E27FC236}">
+                <a16:creationId xmlns:a16="http://schemas.microsoft.com/office/drawing/2014/main" id="{26F17AAA-7AA3-45ED-F58D-F51D255DA414}"/>
+              </a:ext>
+            </a:extLst>
+          </p:cNvPr>
+          <p:cNvSpPr>
+            <a:spLocks noGrp="1"/>
+          </p:cNvSpPr>
+          <p:nvPr>
+            <p:ph type="sldNum" sz="quarter" idx="12"/>
+          </p:nvPr>
+        </p:nvSpPr>
+        <p:spPr/>
+        <p:txBody>
+          <a:bodyPr/>
+          <a:lstStyle/>
+          <a:p>
+            <a:fld id="{9BF27F29-4B64-4A24-936A-FF41C34C242B}" type="slidenum">
+              <a:rPr lang="en-US" smtClean="0"/>
+              <a:t>29</a:t>
+            </a:fld>
+            <a:endParaRPr lang="en-US"/>
+          </a:p>
+        </p:txBody>
+      </p:sp>
     </p:spTree>
     <p:extLst>
       <p:ext uri="{BB962C8B-B14F-4D97-AF65-F5344CB8AC3E}">
         <p14:creationId xmlns:p14="http://schemas.microsoft.com/office/powerpoint/2010/main" val="620149363"/>
-      </p:ext>
-    </p:extLst>
-  </p:cSld>
-  <p:clrMapOvr>
-    <a:masterClrMapping/>
-  </p:clrMapOvr>
-</p:sld>
-</file>
-
-<file path=ppt/slides/slide26.xml><?xml version="1.0" encoding="utf-8"?>
-<p:sld xmlns:a="http://schemas.openxmlformats.org/drawingml/2006/main" xmlns:r="http://schemas.openxmlformats.org/officeDocument/2006/relationships" xmlns:p="http://schemas.openxmlformats.org/presentationml/2006/main">
-  <p:cSld>
-    <p:spTree>
-      <p:nvGrpSpPr>
-        <p:cNvPr id="1" name=""/>
-        <p:cNvGrpSpPr/>
-        <p:nvPr/>
-      </p:nvGrpSpPr>
-      <p:grpSpPr>
-        <a:xfrm>
-          <a:off x="0" y="0"/>
-          <a:ext cx="0" cy="0"/>
-          <a:chOff x="0" y="0"/>
-          <a:chExt cx="0" cy="0"/>
-        </a:xfrm>
-      </p:grpSpPr>
-      <p:sp>
-        <p:nvSpPr>
-          <p:cNvPr id="2" name="Title 1">
-            <a:extLst>
-              <a:ext uri="{FF2B5EF4-FFF2-40B4-BE49-F238E27FC236}">
-                <a16:creationId xmlns:a16="http://schemas.microsoft.com/office/drawing/2014/main" id="{8AFF0C81-F59B-AC03-D43F-71705F248ADA}"/>
-              </a:ext>
-            </a:extLst>
-          </p:cNvPr>
-          <p:cNvSpPr>
-            <a:spLocks noGrp="1"/>
-          </p:cNvSpPr>
-          <p:nvPr>
-            <p:ph type="title"/>
-          </p:nvPr>
-        </p:nvSpPr>
-        <p:spPr/>
-        <p:txBody>
-          <a:bodyPr/>
-          <a:lstStyle/>
-          <a:p>
-            <a:r>
-              <a:rPr lang="en-US" dirty="0"/>
-              <a:t>Guided Exploration: Saturation Example</a:t>
-            </a:r>
-          </a:p>
-        </p:txBody>
-      </p:sp>
-      <p:sp>
-        <p:nvSpPr>
-          <p:cNvPr id="3" name="Content Placeholder 2">
-            <a:extLst>
-              <a:ext uri="{FF2B5EF4-FFF2-40B4-BE49-F238E27FC236}">
-                <a16:creationId xmlns:a16="http://schemas.microsoft.com/office/drawing/2014/main" id="{A9D2CBCF-A4BA-A402-64DF-AD9780DE8241}"/>
-              </a:ext>
-            </a:extLst>
-          </p:cNvPr>
-          <p:cNvSpPr>
-            <a:spLocks noGrp="1"/>
-          </p:cNvSpPr>
-          <p:nvPr>
-            <p:ph idx="1"/>
-          </p:nvPr>
-        </p:nvSpPr>
-        <p:spPr/>
-        <p:txBody>
-          <a:bodyPr/>
-          <a:lstStyle/>
-          <a:p>
-            <a:r>
-              <a:rPr lang="en-US" dirty="0"/>
-              <a:t>Let’s walk through the example “Saturation” which can be viewed and run at </a:t>
-            </a:r>
-            <a:r>
-              <a:rPr lang="en-US" dirty="0">
-                <a:hlinkClick r:id="rId3"/>
-              </a:rPr>
-              <a:t>https://processing.org/examples/saturation.html</a:t>
-            </a:r>
-            <a:endParaRPr lang="en-US" dirty="0"/>
-          </a:p>
-          <a:p>
-            <a:r>
-              <a:rPr lang="en-US" dirty="0"/>
-              <a:t>I use this editor: </a:t>
-            </a:r>
-            <a:r>
-              <a:rPr lang="en-US" dirty="0">
-                <a:hlinkClick r:id="rId4"/>
-              </a:rPr>
-              <a:t>https://hello.processing.org/editor/#editor</a:t>
-            </a:r>
-            <a:endParaRPr lang="en-US" dirty="0"/>
-          </a:p>
-          <a:p>
-            <a:r>
-              <a:rPr lang="en-US" dirty="0"/>
-              <a:t>Then </a:t>
-            </a:r>
-            <a:r>
-              <a:rPr lang="en-US" b="1" dirty="0"/>
-              <a:t>discuss: </a:t>
-            </a:r>
-            <a:r>
-              <a:rPr lang="en-US" dirty="0"/>
-              <a:t>what (design or implementation) decisions did the Processing developers make to support media artists?</a:t>
-            </a:r>
-          </a:p>
-          <a:p>
-            <a:endParaRPr lang="en-US" dirty="0"/>
-          </a:p>
-        </p:txBody>
-      </p:sp>
-    </p:spTree>
-    <p:extLst>
-      <p:ext uri="{BB962C8B-B14F-4D97-AF65-F5344CB8AC3E}">
-        <p14:creationId xmlns:p14="http://schemas.microsoft.com/office/powerpoint/2010/main" val="2035196345"/>
-      </p:ext>
-    </p:extLst>
-  </p:cSld>
-  <p:clrMapOvr>
-    <a:masterClrMapping/>
-  </p:clrMapOvr>
-</p:sld>
-</file>
-
-<file path=ppt/slides/slide27.xml><?xml version="1.0" encoding="utf-8"?>
-<p:sld xmlns:a="http://schemas.openxmlformats.org/drawingml/2006/main" xmlns:r="http://schemas.openxmlformats.org/officeDocument/2006/relationships" xmlns:p="http://schemas.openxmlformats.org/presentationml/2006/main">
-  <p:cSld>
-    <p:spTree>
-      <p:nvGrpSpPr>
-        <p:cNvPr id="1" name=""/>
-        <p:cNvGrpSpPr/>
-        <p:nvPr/>
-      </p:nvGrpSpPr>
-      <p:grpSpPr>
-        <a:xfrm>
-          <a:off x="0" y="0"/>
-          <a:ext cx="0" cy="0"/>
-          <a:chOff x="0" y="0"/>
-          <a:chExt cx="0" cy="0"/>
-        </a:xfrm>
-      </p:grpSpPr>
-      <p:sp>
-        <p:nvSpPr>
-          <p:cNvPr id="2" name="Title 1">
-            <a:extLst>
-              <a:ext uri="{FF2B5EF4-FFF2-40B4-BE49-F238E27FC236}">
-                <a16:creationId xmlns:a16="http://schemas.microsoft.com/office/drawing/2014/main" id="{2589FC0E-E0E6-E735-5A82-CB12A65780FE}"/>
-              </a:ext>
-            </a:extLst>
-          </p:cNvPr>
-          <p:cNvSpPr>
-            <a:spLocks noGrp="1"/>
-          </p:cNvSpPr>
-          <p:nvPr>
-            <p:ph type="title"/>
-          </p:nvPr>
-        </p:nvSpPr>
-        <p:spPr/>
-        <p:txBody>
-          <a:bodyPr/>
-          <a:lstStyle/>
-          <a:p>
-            <a:r>
-              <a:rPr lang="en-US" dirty="0"/>
-              <a:t>Free Exploration: 5-10 minutes</a:t>
-            </a:r>
-          </a:p>
-        </p:txBody>
-      </p:sp>
-      <p:sp>
-        <p:nvSpPr>
-          <p:cNvPr id="3" name="Content Placeholder 2">
-            <a:extLst>
-              <a:ext uri="{FF2B5EF4-FFF2-40B4-BE49-F238E27FC236}">
-                <a16:creationId xmlns:a16="http://schemas.microsoft.com/office/drawing/2014/main" id="{9F58B2FD-1E14-D806-C38D-653C63ECA01A}"/>
-              </a:ext>
-            </a:extLst>
-          </p:cNvPr>
-          <p:cNvSpPr>
-            <a:spLocks noGrp="1"/>
-          </p:cNvSpPr>
-          <p:nvPr>
-            <p:ph idx="1"/>
-          </p:nvPr>
-        </p:nvSpPr>
-        <p:spPr/>
-        <p:txBody>
-          <a:bodyPr/>
-          <a:lstStyle/>
-          <a:p>
-            <a:r>
-              <a:rPr lang="en-US" dirty="0"/>
-              <a:t>Pick an example from </a:t>
-            </a:r>
-            <a:r>
-              <a:rPr lang="en-US" dirty="0">
-                <a:hlinkClick r:id="rId2"/>
-              </a:rPr>
-              <a:t>https://processing.org/examples</a:t>
-            </a:r>
-            <a:r>
-              <a:rPr lang="en-US" dirty="0"/>
-              <a:t> and </a:t>
-            </a:r>
-            <a:r>
-              <a:rPr lang="en-US" i="1" dirty="0"/>
-              <a:t>play</a:t>
-            </a:r>
-          </a:p>
-          <a:p>
-            <a:pPr lvl="1"/>
-            <a:r>
-              <a:rPr lang="en-US" dirty="0"/>
-              <a:t>Interact with it</a:t>
-            </a:r>
-          </a:p>
-          <a:p>
-            <a:pPr lvl="1"/>
-            <a:r>
-              <a:rPr lang="en-US" dirty="0"/>
-              <a:t>Play with changes to the code in </a:t>
-            </a:r>
-            <a:r>
-              <a:rPr lang="en-US" dirty="0">
-                <a:hlinkClick r:id="rId3"/>
-              </a:rPr>
-              <a:t>https://hello.processing.org/editor/#editor</a:t>
-            </a:r>
-            <a:endParaRPr lang="en-US" dirty="0"/>
-          </a:p>
-          <a:p>
-            <a:r>
-              <a:rPr lang="en-US" dirty="0"/>
-              <a:t>Do your answers to the last discussion change?</a:t>
-            </a:r>
-          </a:p>
-          <a:p>
-            <a:r>
-              <a:rPr lang="en-US" dirty="0"/>
-              <a:t>“What (design or implementation) decisions did the Processing developers make to support media artists?”</a:t>
-            </a:r>
-          </a:p>
-        </p:txBody>
-      </p:sp>
-    </p:spTree>
-    <p:extLst>
-      <p:ext uri="{BB962C8B-B14F-4D97-AF65-F5344CB8AC3E}">
-        <p14:creationId xmlns:p14="http://schemas.microsoft.com/office/powerpoint/2010/main" val="2143911753"/>
-      </p:ext>
-    </p:extLst>
-  </p:cSld>
-  <p:clrMapOvr>
-    <a:masterClrMapping/>
-  </p:clrMapOvr>
-</p:sld>
-</file>
-
-<file path=ppt/slides/slide28.xml><?xml version="1.0" encoding="utf-8"?>
-<p:sld xmlns:a="http://schemas.openxmlformats.org/drawingml/2006/main" xmlns:r="http://schemas.openxmlformats.org/officeDocument/2006/relationships" xmlns:p="http://schemas.openxmlformats.org/presentationml/2006/main">
-  <p:cSld>
-    <p:spTree>
-      <p:nvGrpSpPr>
-        <p:cNvPr id="1" name=""/>
-        <p:cNvGrpSpPr/>
-        <p:nvPr/>
-      </p:nvGrpSpPr>
-      <p:grpSpPr>
-        <a:xfrm>
-          <a:off x="0" y="0"/>
-          <a:ext cx="0" cy="0"/>
-          <a:chOff x="0" y="0"/>
-          <a:chExt cx="0" cy="0"/>
-        </a:xfrm>
-      </p:grpSpPr>
-      <p:sp>
-        <p:nvSpPr>
-          <p:cNvPr id="2" name="Title 1">
-            <a:extLst>
-              <a:ext uri="{FF2B5EF4-FFF2-40B4-BE49-F238E27FC236}">
-                <a16:creationId xmlns:a16="http://schemas.microsoft.com/office/drawing/2014/main" id="{5FB9D9DE-7599-C15B-A5EC-ACB57FB5E127}"/>
-              </a:ext>
-            </a:extLst>
-          </p:cNvPr>
-          <p:cNvSpPr>
-            <a:spLocks noGrp="1"/>
-          </p:cNvSpPr>
-          <p:nvPr>
-            <p:ph type="title"/>
-          </p:nvPr>
-        </p:nvSpPr>
-        <p:spPr/>
-        <p:txBody>
-          <a:bodyPr/>
-          <a:lstStyle/>
-          <a:p>
-            <a:r>
-              <a:rPr lang="en-US" dirty="0"/>
-              <a:t>List of Design Values</a:t>
-            </a:r>
-          </a:p>
-        </p:txBody>
-      </p:sp>
-      <p:sp>
-        <p:nvSpPr>
-          <p:cNvPr id="3" name="Content Placeholder 2">
-            <a:extLst>
-              <a:ext uri="{FF2B5EF4-FFF2-40B4-BE49-F238E27FC236}">
-                <a16:creationId xmlns:a16="http://schemas.microsoft.com/office/drawing/2014/main" id="{46587011-0BF7-877A-3E20-C13AB3A156CD}"/>
-              </a:ext>
-            </a:extLst>
-          </p:cNvPr>
-          <p:cNvSpPr>
-            <a:spLocks noGrp="1"/>
-          </p:cNvSpPr>
-          <p:nvPr>
-            <p:ph idx="1"/>
-          </p:nvPr>
-        </p:nvSpPr>
-        <p:spPr/>
-        <p:txBody>
-          <a:bodyPr/>
-          <a:lstStyle/>
-          <a:p>
-            <a:r>
-              <a:rPr lang="en-US" b="1" dirty="0"/>
-              <a:t>Humanist Reflection:</a:t>
-            </a:r>
-            <a:r>
-              <a:rPr lang="en-US" dirty="0"/>
-              <a:t> How do we go about forming an opinion when science can’t help us do that?</a:t>
-            </a:r>
-            <a:endParaRPr lang="en-US" b="1" dirty="0"/>
-          </a:p>
-          <a:p>
-            <a:r>
-              <a:rPr lang="en-US" dirty="0"/>
-              <a:t>I’ve prepared material about four specific design values, based on:</a:t>
-            </a:r>
-          </a:p>
-          <a:p>
-            <a:pPr lvl="1"/>
-            <a:r>
-              <a:rPr lang="en-US" dirty="0"/>
-              <a:t>Statements from the designers in their published articles</a:t>
-            </a:r>
-          </a:p>
-          <a:p>
-            <a:pPr lvl="1"/>
-            <a:r>
-              <a:rPr lang="en-US" dirty="0"/>
-              <a:t>Conversations with instructors who use Processing in their courses</a:t>
-            </a:r>
-          </a:p>
-          <a:p>
-            <a:pPr lvl="1"/>
-            <a:r>
-              <a:rPr lang="en-US" dirty="0"/>
-              <a:t>Reflection on my experience programming in Processing</a:t>
-            </a:r>
-          </a:p>
-          <a:p>
-            <a:pPr lvl="1"/>
-            <a:r>
-              <a:rPr lang="en-US" dirty="0"/>
-              <a:t>Reflection on core design themes in the course</a:t>
-            </a:r>
-          </a:p>
-          <a:p>
-            <a:r>
-              <a:rPr lang="en-US" dirty="0"/>
-              <a:t>The values: Visuality, Immediacy, Continuity</a:t>
-            </a:r>
-            <a:br>
-              <a:rPr lang="en-US" dirty="0"/>
-            </a:br>
-            <a:r>
-              <a:rPr lang="en-US" dirty="0"/>
-              <a:t>And one more concept: Contingency</a:t>
-            </a:r>
-          </a:p>
-        </p:txBody>
-      </p:sp>
-    </p:spTree>
-    <p:extLst>
-      <p:ext uri="{BB962C8B-B14F-4D97-AF65-F5344CB8AC3E}">
-        <p14:creationId xmlns:p14="http://schemas.microsoft.com/office/powerpoint/2010/main" val="565609870"/>
-      </p:ext>
-    </p:extLst>
-  </p:cSld>
-  <p:clrMapOvr>
-    <a:masterClrMapping/>
-  </p:clrMapOvr>
-</p:sld>
-</file>
-
-<file path=ppt/slides/slide29.xml><?xml version="1.0" encoding="utf-8"?>
-<p:sld xmlns:a="http://schemas.openxmlformats.org/drawingml/2006/main" xmlns:r="http://schemas.openxmlformats.org/officeDocument/2006/relationships" xmlns:p="http://schemas.openxmlformats.org/presentationml/2006/main">
-  <p:cSld>
-    <p:spTree>
-      <p:nvGrpSpPr>
-        <p:cNvPr id="1" name=""/>
-        <p:cNvGrpSpPr/>
-        <p:nvPr/>
-      </p:nvGrpSpPr>
-      <p:grpSpPr>
-        <a:xfrm>
-          <a:off x="0" y="0"/>
-          <a:ext cx="0" cy="0"/>
-          <a:chOff x="0" y="0"/>
-          <a:chExt cx="0" cy="0"/>
-        </a:xfrm>
-      </p:grpSpPr>
-      <p:sp>
-        <p:nvSpPr>
-          <p:cNvPr id="2" name="Title 1">
-            <a:extLst>
-              <a:ext uri="{FF2B5EF4-FFF2-40B4-BE49-F238E27FC236}">
-                <a16:creationId xmlns:a16="http://schemas.microsoft.com/office/drawing/2014/main" id="{89BB6939-7772-CD89-47CC-6A205C830806}"/>
-              </a:ext>
-            </a:extLst>
-          </p:cNvPr>
-          <p:cNvSpPr>
-            <a:spLocks noGrp="1"/>
-          </p:cNvSpPr>
-          <p:nvPr>
-            <p:ph type="title"/>
-          </p:nvPr>
-        </p:nvSpPr>
-        <p:spPr/>
-        <p:txBody>
-          <a:bodyPr/>
-          <a:lstStyle/>
-          <a:p>
-            <a:r>
-              <a:rPr lang="en-US" dirty="0"/>
-              <a:t>Visuality</a:t>
-            </a:r>
-          </a:p>
-        </p:txBody>
-      </p:sp>
-      <p:sp>
-        <p:nvSpPr>
-          <p:cNvPr id="3" name="Content Placeholder 2">
-            <a:extLst>
-              <a:ext uri="{FF2B5EF4-FFF2-40B4-BE49-F238E27FC236}">
-                <a16:creationId xmlns:a16="http://schemas.microsoft.com/office/drawing/2014/main" id="{02BE3D04-A333-323D-9367-01CADE196C12}"/>
-              </a:ext>
-            </a:extLst>
-          </p:cNvPr>
-          <p:cNvSpPr>
-            <a:spLocks noGrp="1"/>
-          </p:cNvSpPr>
-          <p:nvPr>
-            <p:ph idx="1"/>
-          </p:nvPr>
-        </p:nvSpPr>
-        <p:spPr/>
-        <p:txBody>
-          <a:bodyPr>
-            <a:normAutofit lnSpcReduction="10000"/>
-          </a:bodyPr>
-          <a:lstStyle/>
-          <a:p>
-            <a:r>
-              <a:rPr lang="en-US" b="1" dirty="0"/>
-              <a:t>What is Visuality?</a:t>
-            </a:r>
-            <a:r>
-              <a:rPr lang="en-US" dirty="0"/>
-              <a:t> Visuality is the idea that the act of programming should engage the programmer’s visual senses as much as possible</a:t>
-            </a:r>
-          </a:p>
-          <a:p>
-            <a:r>
-              <a:rPr lang="en-US" dirty="0"/>
-              <a:t>In Processing, visuality is achieved through visual </a:t>
-            </a:r>
-            <a:r>
-              <a:rPr lang="en-US" b="1" i="1" dirty="0"/>
-              <a:t>outputs</a:t>
-            </a:r>
-            <a:r>
-              <a:rPr lang="en-US" dirty="0"/>
-              <a:t>, while the </a:t>
-            </a:r>
-            <a:r>
-              <a:rPr lang="en-US" b="1" i="1" dirty="0"/>
-              <a:t>source code</a:t>
-            </a:r>
-            <a:r>
-              <a:rPr lang="en-US" dirty="0"/>
-              <a:t> of a program remains purely textual. There are other PLs which explore visual syntax as well.</a:t>
-            </a:r>
-          </a:p>
-          <a:p>
-            <a:r>
-              <a:rPr lang="en-US" b="1" dirty="0"/>
-              <a:t>How does Visuality affect the design? </a:t>
-            </a:r>
-            <a:r>
-              <a:rPr lang="en-US" dirty="0"/>
-              <a:t>This value directly impacts the formal structure of a program. A program’s main function is named </a:t>
-            </a:r>
-            <a:r>
-              <a:rPr lang="en-US" b="1" dirty="0"/>
-              <a:t>draw</a:t>
-            </a:r>
-            <a:r>
-              <a:rPr lang="en-US" dirty="0"/>
-              <a:t> because creating visuals is their main task</a:t>
-            </a:r>
-            <a:endParaRPr lang="en-US" b="1" dirty="0"/>
-          </a:p>
-          <a:p>
-            <a:r>
-              <a:rPr lang="en-US" b="1" dirty="0"/>
-              <a:t>Pros: </a:t>
-            </a:r>
-            <a:r>
-              <a:rPr lang="en-US" dirty="0"/>
-              <a:t>Accessibility.    </a:t>
-            </a:r>
-            <a:r>
-              <a:rPr lang="en-US" b="1" dirty="0"/>
-              <a:t>Cons:</a:t>
-            </a:r>
-            <a:r>
-              <a:rPr lang="en-US" dirty="0"/>
-              <a:t>  Accessibility.</a:t>
-            </a:r>
-            <a:endParaRPr lang="en-US" b="1" dirty="0"/>
-          </a:p>
-        </p:txBody>
-      </p:sp>
-    </p:spTree>
-    <p:extLst>
-      <p:ext uri="{BB962C8B-B14F-4D97-AF65-F5344CB8AC3E}">
-        <p14:creationId xmlns:p14="http://schemas.microsoft.com/office/powerpoint/2010/main" val="2210109361"/>
       </p:ext>
     </p:extLst>
   </p:cSld>
@@ -11271,6 +13209,35 @@
               <a:t>These people can be friends. Even Twine, centered on very casual developers, has rich connections with theory</a:t>
             </a:r>
             <a:endParaRPr lang="en-US" b="1" dirty="0"/>
+          </a:p>
+        </p:txBody>
+      </p:sp>
+      <p:sp>
+        <p:nvSpPr>
+          <p:cNvPr id="4" name="Slide Number Placeholder 3">
+            <a:extLst>
+              <a:ext uri="{FF2B5EF4-FFF2-40B4-BE49-F238E27FC236}">
+                <a16:creationId xmlns:a16="http://schemas.microsoft.com/office/drawing/2014/main" id="{84B6C50A-56AB-C44A-6302-3F25DF41201B}"/>
+              </a:ext>
+            </a:extLst>
+          </p:cNvPr>
+          <p:cNvSpPr>
+            <a:spLocks noGrp="1"/>
+          </p:cNvSpPr>
+          <p:nvPr>
+            <p:ph type="sldNum" sz="quarter" idx="12"/>
+          </p:nvPr>
+        </p:nvSpPr>
+        <p:spPr/>
+        <p:txBody>
+          <a:bodyPr/>
+          <a:lstStyle/>
+          <a:p>
+            <a:fld id="{9BF27F29-4B64-4A24-936A-FF41C34C242B}" type="slidenum">
+              <a:rPr lang="en-US" smtClean="0"/>
+              <a:t>3</a:t>
+            </a:fld>
+            <a:endParaRPr lang="en-US"/>
           </a:p>
         </p:txBody>
       </p:sp>
@@ -11309,7 +13276,7 @@
           <p:cNvPr id="2" name="Title 1">
             <a:extLst>
               <a:ext uri="{FF2B5EF4-FFF2-40B4-BE49-F238E27FC236}">
-                <a16:creationId xmlns:a16="http://schemas.microsoft.com/office/drawing/2014/main" id="{6F916ECF-B7FB-1C62-FC29-1E2A36929FCC}"/>
+                <a16:creationId xmlns:a16="http://schemas.microsoft.com/office/drawing/2014/main" id="{8AFF0C81-F59B-AC03-D43F-71705F248ADA}"/>
               </a:ext>
             </a:extLst>
           </p:cNvPr>
@@ -11327,7 +13294,7 @@
           <a:p>
             <a:r>
               <a:rPr lang="en-US" dirty="0"/>
-              <a:t>Immediacy</a:t>
+              <a:t>Guided Exploration: Saturation Example</a:t>
             </a:r>
           </a:p>
         </p:txBody>
@@ -11337,7 +13304,7 @@
           <p:cNvPr id="3" name="Content Placeholder 2">
             <a:extLst>
               <a:ext uri="{FF2B5EF4-FFF2-40B4-BE49-F238E27FC236}">
-                <a16:creationId xmlns:a16="http://schemas.microsoft.com/office/drawing/2014/main" id="{EC1279F5-5A0C-5486-3653-5EA4649D8DE1}"/>
+                <a16:creationId xmlns:a16="http://schemas.microsoft.com/office/drawing/2014/main" id="{A9D2CBCF-A4BA-A402-64DF-AD9780DE8241}"/>
               </a:ext>
             </a:extLst>
           </p:cNvPr>
@@ -11350,68 +13317,86 @@
         </p:nvSpPr>
         <p:spPr/>
         <p:txBody>
-          <a:bodyPr>
-            <a:normAutofit lnSpcReduction="10000"/>
-          </a:bodyPr>
-          <a:lstStyle/>
-          <a:p>
+          <a:bodyPr/>
+          <a:lstStyle/>
+          <a:p>
+            <a:r>
+              <a:rPr lang="en-US" dirty="0"/>
+              <a:t>Let’s walk through the example “Saturation” which can be viewed and run at </a:t>
+            </a:r>
+            <a:r>
+              <a:rPr lang="en-US" dirty="0">
+                <a:hlinkClick r:id="rId3"/>
+              </a:rPr>
+              <a:t>https://processing.org/examples/saturation.html</a:t>
+            </a:r>
+            <a:endParaRPr lang="en-US" dirty="0"/>
+          </a:p>
+          <a:p>
+            <a:r>
+              <a:rPr lang="en-US" dirty="0"/>
+              <a:t>I use this editor: </a:t>
+            </a:r>
+            <a:r>
+              <a:rPr lang="en-US" dirty="0">
+                <a:hlinkClick r:id="rId4"/>
+              </a:rPr>
+              <a:t>https://hello.processing.org/editor/#editor</a:t>
+            </a:r>
+            <a:endParaRPr lang="en-US" dirty="0"/>
+          </a:p>
+          <a:p>
+            <a:r>
+              <a:rPr lang="en-US" dirty="0"/>
+              <a:t>Then </a:t>
+            </a:r>
             <a:r>
               <a:rPr lang="en-US" b="1" dirty="0"/>
-              <a:t>What is Immediacy? </a:t>
-            </a:r>
-            <a:r>
-              <a:rPr lang="en-US" dirty="0"/>
-              <a:t>Immediacy is not part of the PL design itself but rather a part of </a:t>
-            </a:r>
-            <a:r>
-              <a:rPr lang="en-US" b="1" dirty="0"/>
-              <a:t>Programmer Experience (PX). </a:t>
-            </a:r>
-            <a:r>
-              <a:rPr lang="en-US" dirty="0"/>
-              <a:t>Immediacy is the idea that when a programmer makes changes to a program, they should be able to observe the impact of those changes right away</a:t>
-            </a:r>
-            <a:endParaRPr lang="en-US" b="1" dirty="0"/>
-          </a:p>
-          <a:p>
-            <a:r>
-              <a:rPr lang="en-US" b="1" dirty="0"/>
-              <a:t>How does Immediacy affect the design? </a:t>
-            </a:r>
-            <a:r>
-              <a:rPr lang="en-US" dirty="0"/>
-              <a:t>The choice to provide an interactive web-based interface is based on immediacy. This value goes deeper, however: Processing has no static type system, so that programmers can run buggy code. Also, web editing demands a language that can be compiled or interpreted quickly.</a:t>
-            </a:r>
-          </a:p>
-          <a:p>
-            <a:r>
-              <a:rPr lang="en-US" b="1" dirty="0"/>
-              <a:t>Pros: </a:t>
-            </a:r>
-            <a:r>
-              <a:rPr lang="en-US" dirty="0"/>
-              <a:t>Motivating, productive   </a:t>
-            </a:r>
-            <a:r>
-              <a:rPr lang="en-US" b="1" dirty="0"/>
-              <a:t>Cons: </a:t>
-            </a:r>
-            <a:r>
-              <a:rPr lang="en-US" i="1" dirty="0"/>
-              <a:t>Can</a:t>
-            </a:r>
-            <a:r>
-              <a:rPr lang="en-US" dirty="0"/>
-              <a:t> promote incorrectness</a:t>
-            </a:r>
-            <a:endParaRPr lang="en-US" b="1" i="1" dirty="0"/>
+              <a:t>discuss: </a:t>
+            </a:r>
+            <a:r>
+              <a:rPr lang="en-US" dirty="0"/>
+              <a:t>what (design or implementation) decisions did the Processing developers make to support media artists?</a:t>
+            </a:r>
+          </a:p>
+          <a:p>
+            <a:endParaRPr lang="en-US" dirty="0"/>
+          </a:p>
+        </p:txBody>
+      </p:sp>
+      <p:sp>
+        <p:nvSpPr>
+          <p:cNvPr id="4" name="Slide Number Placeholder 3">
+            <a:extLst>
+              <a:ext uri="{FF2B5EF4-FFF2-40B4-BE49-F238E27FC236}">
+                <a16:creationId xmlns:a16="http://schemas.microsoft.com/office/drawing/2014/main" id="{963F636C-6862-B464-84ED-617DF7BD4EA6}"/>
+              </a:ext>
+            </a:extLst>
+          </p:cNvPr>
+          <p:cNvSpPr>
+            <a:spLocks noGrp="1"/>
+          </p:cNvSpPr>
+          <p:nvPr>
+            <p:ph type="sldNum" sz="quarter" idx="12"/>
+          </p:nvPr>
+        </p:nvSpPr>
+        <p:spPr/>
+        <p:txBody>
+          <a:bodyPr/>
+          <a:lstStyle/>
+          <a:p>
+            <a:fld id="{9BF27F29-4B64-4A24-936A-FF41C34C242B}" type="slidenum">
+              <a:rPr lang="en-US" smtClean="0"/>
+              <a:t>30</a:t>
+            </a:fld>
+            <a:endParaRPr lang="en-US"/>
           </a:p>
         </p:txBody>
       </p:sp>
     </p:spTree>
     <p:extLst>
       <p:ext uri="{BB962C8B-B14F-4D97-AF65-F5344CB8AC3E}">
-        <p14:creationId xmlns:p14="http://schemas.microsoft.com/office/powerpoint/2010/main" val="3609407682"/>
+        <p14:creationId xmlns:p14="http://schemas.microsoft.com/office/powerpoint/2010/main" val="2035196345"/>
       </p:ext>
     </p:extLst>
   </p:cSld>
@@ -11443,6 +13428,679 @@
           <p:cNvPr id="2" name="Title 1">
             <a:extLst>
               <a:ext uri="{FF2B5EF4-FFF2-40B4-BE49-F238E27FC236}">
+                <a16:creationId xmlns:a16="http://schemas.microsoft.com/office/drawing/2014/main" id="{2589FC0E-E0E6-E735-5A82-CB12A65780FE}"/>
+              </a:ext>
+            </a:extLst>
+          </p:cNvPr>
+          <p:cNvSpPr>
+            <a:spLocks noGrp="1"/>
+          </p:cNvSpPr>
+          <p:nvPr>
+            <p:ph type="title"/>
+          </p:nvPr>
+        </p:nvSpPr>
+        <p:spPr/>
+        <p:txBody>
+          <a:bodyPr/>
+          <a:lstStyle/>
+          <a:p>
+            <a:r>
+              <a:rPr lang="en-US" dirty="0"/>
+              <a:t>Free Exploration: 5-10 minutes</a:t>
+            </a:r>
+          </a:p>
+        </p:txBody>
+      </p:sp>
+      <p:sp>
+        <p:nvSpPr>
+          <p:cNvPr id="3" name="Content Placeholder 2">
+            <a:extLst>
+              <a:ext uri="{FF2B5EF4-FFF2-40B4-BE49-F238E27FC236}">
+                <a16:creationId xmlns:a16="http://schemas.microsoft.com/office/drawing/2014/main" id="{9F58B2FD-1E14-D806-C38D-653C63ECA01A}"/>
+              </a:ext>
+            </a:extLst>
+          </p:cNvPr>
+          <p:cNvSpPr>
+            <a:spLocks noGrp="1"/>
+          </p:cNvSpPr>
+          <p:nvPr>
+            <p:ph idx="1"/>
+          </p:nvPr>
+        </p:nvSpPr>
+        <p:spPr/>
+        <p:txBody>
+          <a:bodyPr/>
+          <a:lstStyle/>
+          <a:p>
+            <a:r>
+              <a:rPr lang="en-US" dirty="0"/>
+              <a:t>Pick an example from </a:t>
+            </a:r>
+            <a:r>
+              <a:rPr lang="en-US" dirty="0">
+                <a:hlinkClick r:id="rId2"/>
+              </a:rPr>
+              <a:t>https://processing.org/examples</a:t>
+            </a:r>
+            <a:r>
+              <a:rPr lang="en-US" dirty="0"/>
+              <a:t> and </a:t>
+            </a:r>
+            <a:r>
+              <a:rPr lang="en-US" i="1" dirty="0"/>
+              <a:t>play</a:t>
+            </a:r>
+          </a:p>
+          <a:p>
+            <a:pPr lvl="1"/>
+            <a:r>
+              <a:rPr lang="en-US" dirty="0"/>
+              <a:t>Interact with it</a:t>
+            </a:r>
+          </a:p>
+          <a:p>
+            <a:pPr lvl="1"/>
+            <a:r>
+              <a:rPr lang="en-US" dirty="0"/>
+              <a:t>Play with changes to the code in </a:t>
+            </a:r>
+            <a:r>
+              <a:rPr lang="en-US" dirty="0">
+                <a:hlinkClick r:id="rId3"/>
+              </a:rPr>
+              <a:t>https://hello.processing.org/editor/#editor</a:t>
+            </a:r>
+            <a:endParaRPr lang="en-US" dirty="0"/>
+          </a:p>
+          <a:p>
+            <a:r>
+              <a:rPr lang="en-US" dirty="0"/>
+              <a:t>Do your answers to the last discussion change?</a:t>
+            </a:r>
+          </a:p>
+          <a:p>
+            <a:r>
+              <a:rPr lang="en-US" dirty="0"/>
+              <a:t>“What (design or implementation) decisions did the Processing developers make to support media artists?”</a:t>
+            </a:r>
+          </a:p>
+        </p:txBody>
+      </p:sp>
+      <p:sp>
+        <p:nvSpPr>
+          <p:cNvPr id="4" name="Slide Number Placeholder 3">
+            <a:extLst>
+              <a:ext uri="{FF2B5EF4-FFF2-40B4-BE49-F238E27FC236}">
+                <a16:creationId xmlns:a16="http://schemas.microsoft.com/office/drawing/2014/main" id="{413A9B6B-55CA-49B2-A831-BD630DBDCC82}"/>
+              </a:ext>
+            </a:extLst>
+          </p:cNvPr>
+          <p:cNvSpPr>
+            <a:spLocks noGrp="1"/>
+          </p:cNvSpPr>
+          <p:nvPr>
+            <p:ph type="sldNum" sz="quarter" idx="12"/>
+          </p:nvPr>
+        </p:nvSpPr>
+        <p:spPr/>
+        <p:txBody>
+          <a:bodyPr/>
+          <a:lstStyle/>
+          <a:p>
+            <a:fld id="{9BF27F29-4B64-4A24-936A-FF41C34C242B}" type="slidenum">
+              <a:rPr lang="en-US" smtClean="0"/>
+              <a:t>31</a:t>
+            </a:fld>
+            <a:endParaRPr lang="en-US"/>
+          </a:p>
+        </p:txBody>
+      </p:sp>
+    </p:spTree>
+    <p:extLst>
+      <p:ext uri="{BB962C8B-B14F-4D97-AF65-F5344CB8AC3E}">
+        <p14:creationId xmlns:p14="http://schemas.microsoft.com/office/powerpoint/2010/main" val="2143911753"/>
+      </p:ext>
+    </p:extLst>
+  </p:cSld>
+  <p:clrMapOvr>
+    <a:masterClrMapping/>
+  </p:clrMapOvr>
+</p:sld>
+</file>
+
+<file path=ppt/slides/slide32.xml><?xml version="1.0" encoding="utf-8"?>
+<p:sld xmlns:a="http://schemas.openxmlformats.org/drawingml/2006/main" xmlns:r="http://schemas.openxmlformats.org/officeDocument/2006/relationships" xmlns:p="http://schemas.openxmlformats.org/presentationml/2006/main">
+  <p:cSld>
+    <p:spTree>
+      <p:nvGrpSpPr>
+        <p:cNvPr id="1" name=""/>
+        <p:cNvGrpSpPr/>
+        <p:nvPr/>
+      </p:nvGrpSpPr>
+      <p:grpSpPr>
+        <a:xfrm>
+          <a:off x="0" y="0"/>
+          <a:ext cx="0" cy="0"/>
+          <a:chOff x="0" y="0"/>
+          <a:chExt cx="0" cy="0"/>
+        </a:xfrm>
+      </p:grpSpPr>
+      <p:sp>
+        <p:nvSpPr>
+          <p:cNvPr id="2" name="Title 1">
+            <a:extLst>
+              <a:ext uri="{FF2B5EF4-FFF2-40B4-BE49-F238E27FC236}">
+                <a16:creationId xmlns:a16="http://schemas.microsoft.com/office/drawing/2014/main" id="{5FB9D9DE-7599-C15B-A5EC-ACB57FB5E127}"/>
+              </a:ext>
+            </a:extLst>
+          </p:cNvPr>
+          <p:cNvSpPr>
+            <a:spLocks noGrp="1"/>
+          </p:cNvSpPr>
+          <p:nvPr>
+            <p:ph type="title"/>
+          </p:nvPr>
+        </p:nvSpPr>
+        <p:spPr/>
+        <p:txBody>
+          <a:bodyPr/>
+          <a:lstStyle/>
+          <a:p>
+            <a:r>
+              <a:rPr lang="en-US" dirty="0"/>
+              <a:t>List of Design Values</a:t>
+            </a:r>
+          </a:p>
+        </p:txBody>
+      </p:sp>
+      <p:sp>
+        <p:nvSpPr>
+          <p:cNvPr id="3" name="Content Placeholder 2">
+            <a:extLst>
+              <a:ext uri="{FF2B5EF4-FFF2-40B4-BE49-F238E27FC236}">
+                <a16:creationId xmlns:a16="http://schemas.microsoft.com/office/drawing/2014/main" id="{46587011-0BF7-877A-3E20-C13AB3A156CD}"/>
+              </a:ext>
+            </a:extLst>
+          </p:cNvPr>
+          <p:cNvSpPr>
+            <a:spLocks noGrp="1"/>
+          </p:cNvSpPr>
+          <p:nvPr>
+            <p:ph idx="1"/>
+          </p:nvPr>
+        </p:nvSpPr>
+        <p:spPr/>
+        <p:txBody>
+          <a:bodyPr/>
+          <a:lstStyle/>
+          <a:p>
+            <a:r>
+              <a:rPr lang="en-US" b="1" dirty="0"/>
+              <a:t>Humanist Reflection:</a:t>
+            </a:r>
+            <a:r>
+              <a:rPr lang="en-US" dirty="0"/>
+              <a:t> How do we go about forming an opinion when science can’t help us do that?</a:t>
+            </a:r>
+            <a:endParaRPr lang="en-US" b="1" dirty="0"/>
+          </a:p>
+          <a:p>
+            <a:r>
+              <a:rPr lang="en-US" dirty="0"/>
+              <a:t>I’ve prepared material about four specific design values, based on:</a:t>
+            </a:r>
+          </a:p>
+          <a:p>
+            <a:pPr lvl="1"/>
+            <a:r>
+              <a:rPr lang="en-US" dirty="0"/>
+              <a:t>Statements from the designers in their published articles</a:t>
+            </a:r>
+          </a:p>
+          <a:p>
+            <a:pPr lvl="1"/>
+            <a:r>
+              <a:rPr lang="en-US" dirty="0"/>
+              <a:t>Conversations with instructors who use Processing in their courses</a:t>
+            </a:r>
+          </a:p>
+          <a:p>
+            <a:pPr lvl="1"/>
+            <a:r>
+              <a:rPr lang="en-US" dirty="0"/>
+              <a:t>Reflection on my experience programming in Processing</a:t>
+            </a:r>
+          </a:p>
+          <a:p>
+            <a:pPr lvl="1"/>
+            <a:r>
+              <a:rPr lang="en-US" dirty="0"/>
+              <a:t>Reflection on core design themes in the course</a:t>
+            </a:r>
+          </a:p>
+          <a:p>
+            <a:r>
+              <a:rPr lang="en-US" dirty="0"/>
+              <a:t>The values: Visuality, Immediacy, Continuity</a:t>
+            </a:r>
+            <a:br>
+              <a:rPr lang="en-US" dirty="0"/>
+            </a:br>
+            <a:r>
+              <a:rPr lang="en-US" dirty="0"/>
+              <a:t>And one more concept: Contingency</a:t>
+            </a:r>
+          </a:p>
+        </p:txBody>
+      </p:sp>
+      <p:sp>
+        <p:nvSpPr>
+          <p:cNvPr id="4" name="Slide Number Placeholder 3">
+            <a:extLst>
+              <a:ext uri="{FF2B5EF4-FFF2-40B4-BE49-F238E27FC236}">
+                <a16:creationId xmlns:a16="http://schemas.microsoft.com/office/drawing/2014/main" id="{EE465B18-00B6-AF10-EA28-C7B6D46A2797}"/>
+              </a:ext>
+            </a:extLst>
+          </p:cNvPr>
+          <p:cNvSpPr>
+            <a:spLocks noGrp="1"/>
+          </p:cNvSpPr>
+          <p:nvPr>
+            <p:ph type="sldNum" sz="quarter" idx="12"/>
+          </p:nvPr>
+        </p:nvSpPr>
+        <p:spPr/>
+        <p:txBody>
+          <a:bodyPr/>
+          <a:lstStyle/>
+          <a:p>
+            <a:fld id="{9BF27F29-4B64-4A24-936A-FF41C34C242B}" type="slidenum">
+              <a:rPr lang="en-US" smtClean="0"/>
+              <a:t>32</a:t>
+            </a:fld>
+            <a:endParaRPr lang="en-US"/>
+          </a:p>
+        </p:txBody>
+      </p:sp>
+    </p:spTree>
+    <p:extLst>
+      <p:ext uri="{BB962C8B-B14F-4D97-AF65-F5344CB8AC3E}">
+        <p14:creationId xmlns:p14="http://schemas.microsoft.com/office/powerpoint/2010/main" val="565609870"/>
+      </p:ext>
+    </p:extLst>
+  </p:cSld>
+  <p:clrMapOvr>
+    <a:masterClrMapping/>
+  </p:clrMapOvr>
+</p:sld>
+</file>
+
+<file path=ppt/slides/slide33.xml><?xml version="1.0" encoding="utf-8"?>
+<p:sld xmlns:a="http://schemas.openxmlformats.org/drawingml/2006/main" xmlns:r="http://schemas.openxmlformats.org/officeDocument/2006/relationships" xmlns:p="http://schemas.openxmlformats.org/presentationml/2006/main">
+  <p:cSld>
+    <p:spTree>
+      <p:nvGrpSpPr>
+        <p:cNvPr id="1" name=""/>
+        <p:cNvGrpSpPr/>
+        <p:nvPr/>
+      </p:nvGrpSpPr>
+      <p:grpSpPr>
+        <a:xfrm>
+          <a:off x="0" y="0"/>
+          <a:ext cx="0" cy="0"/>
+          <a:chOff x="0" y="0"/>
+          <a:chExt cx="0" cy="0"/>
+        </a:xfrm>
+      </p:grpSpPr>
+      <p:sp>
+        <p:nvSpPr>
+          <p:cNvPr id="2" name="Title 1">
+            <a:extLst>
+              <a:ext uri="{FF2B5EF4-FFF2-40B4-BE49-F238E27FC236}">
+                <a16:creationId xmlns:a16="http://schemas.microsoft.com/office/drawing/2014/main" id="{89BB6939-7772-CD89-47CC-6A205C830806}"/>
+              </a:ext>
+            </a:extLst>
+          </p:cNvPr>
+          <p:cNvSpPr>
+            <a:spLocks noGrp="1"/>
+          </p:cNvSpPr>
+          <p:nvPr>
+            <p:ph type="title"/>
+          </p:nvPr>
+        </p:nvSpPr>
+        <p:spPr/>
+        <p:txBody>
+          <a:bodyPr/>
+          <a:lstStyle/>
+          <a:p>
+            <a:r>
+              <a:rPr lang="en-US" dirty="0"/>
+              <a:t>Visuality</a:t>
+            </a:r>
+          </a:p>
+        </p:txBody>
+      </p:sp>
+      <p:sp>
+        <p:nvSpPr>
+          <p:cNvPr id="3" name="Content Placeholder 2">
+            <a:extLst>
+              <a:ext uri="{FF2B5EF4-FFF2-40B4-BE49-F238E27FC236}">
+                <a16:creationId xmlns:a16="http://schemas.microsoft.com/office/drawing/2014/main" id="{02BE3D04-A333-323D-9367-01CADE196C12}"/>
+              </a:ext>
+            </a:extLst>
+          </p:cNvPr>
+          <p:cNvSpPr>
+            <a:spLocks noGrp="1"/>
+          </p:cNvSpPr>
+          <p:nvPr>
+            <p:ph idx="1"/>
+          </p:nvPr>
+        </p:nvSpPr>
+        <p:spPr/>
+        <p:txBody>
+          <a:bodyPr>
+            <a:normAutofit lnSpcReduction="10000"/>
+          </a:bodyPr>
+          <a:lstStyle/>
+          <a:p>
+            <a:r>
+              <a:rPr lang="en-US" b="1" dirty="0"/>
+              <a:t>What is Visuality?</a:t>
+            </a:r>
+            <a:r>
+              <a:rPr lang="en-US" dirty="0"/>
+              <a:t> Visuality is the idea that the act of programming should engage the programmer’s visual senses as much as possible</a:t>
+            </a:r>
+          </a:p>
+          <a:p>
+            <a:r>
+              <a:rPr lang="en-US" dirty="0"/>
+              <a:t>In Processing, visuality is achieved through visual </a:t>
+            </a:r>
+            <a:r>
+              <a:rPr lang="en-US" b="1" i="1" dirty="0"/>
+              <a:t>outputs</a:t>
+            </a:r>
+            <a:r>
+              <a:rPr lang="en-US" dirty="0"/>
+              <a:t>, while the </a:t>
+            </a:r>
+            <a:r>
+              <a:rPr lang="en-US" b="1" i="1" dirty="0"/>
+              <a:t>source code</a:t>
+            </a:r>
+            <a:r>
+              <a:rPr lang="en-US" dirty="0"/>
+              <a:t> of a program remains purely textual. There are other PLs which explore visual syntax as well.</a:t>
+            </a:r>
+          </a:p>
+          <a:p>
+            <a:r>
+              <a:rPr lang="en-US" b="1" dirty="0"/>
+              <a:t>How does Visuality affect the design? </a:t>
+            </a:r>
+            <a:r>
+              <a:rPr lang="en-US" dirty="0"/>
+              <a:t>This value directly impacts the formal structure of a program. A program’s main function is named </a:t>
+            </a:r>
+            <a:r>
+              <a:rPr lang="en-US" b="1" dirty="0"/>
+              <a:t>draw</a:t>
+            </a:r>
+            <a:r>
+              <a:rPr lang="en-US" dirty="0"/>
+              <a:t> because creating visuals is their main task</a:t>
+            </a:r>
+            <a:endParaRPr lang="en-US" b="1" dirty="0"/>
+          </a:p>
+          <a:p>
+            <a:r>
+              <a:rPr lang="en-US" b="1" dirty="0"/>
+              <a:t>Pros: </a:t>
+            </a:r>
+            <a:r>
+              <a:rPr lang="en-US" dirty="0"/>
+              <a:t>Accessibility.    </a:t>
+            </a:r>
+            <a:r>
+              <a:rPr lang="en-US" b="1" dirty="0"/>
+              <a:t>Cons:</a:t>
+            </a:r>
+            <a:r>
+              <a:rPr lang="en-US" dirty="0"/>
+              <a:t>  Accessibility.</a:t>
+            </a:r>
+            <a:endParaRPr lang="en-US" b="1" dirty="0"/>
+          </a:p>
+        </p:txBody>
+      </p:sp>
+      <p:sp>
+        <p:nvSpPr>
+          <p:cNvPr id="4" name="Slide Number Placeholder 3">
+            <a:extLst>
+              <a:ext uri="{FF2B5EF4-FFF2-40B4-BE49-F238E27FC236}">
+                <a16:creationId xmlns:a16="http://schemas.microsoft.com/office/drawing/2014/main" id="{7B6A3AA5-94AE-70C4-C3A6-F3427E7E74F8}"/>
+              </a:ext>
+            </a:extLst>
+          </p:cNvPr>
+          <p:cNvSpPr>
+            <a:spLocks noGrp="1"/>
+          </p:cNvSpPr>
+          <p:nvPr>
+            <p:ph type="sldNum" sz="quarter" idx="12"/>
+          </p:nvPr>
+        </p:nvSpPr>
+        <p:spPr/>
+        <p:txBody>
+          <a:bodyPr/>
+          <a:lstStyle/>
+          <a:p>
+            <a:fld id="{9BF27F29-4B64-4A24-936A-FF41C34C242B}" type="slidenum">
+              <a:rPr lang="en-US" smtClean="0"/>
+              <a:t>33</a:t>
+            </a:fld>
+            <a:endParaRPr lang="en-US"/>
+          </a:p>
+        </p:txBody>
+      </p:sp>
+    </p:spTree>
+    <p:extLst>
+      <p:ext uri="{BB962C8B-B14F-4D97-AF65-F5344CB8AC3E}">
+        <p14:creationId xmlns:p14="http://schemas.microsoft.com/office/powerpoint/2010/main" val="2210109361"/>
+      </p:ext>
+    </p:extLst>
+  </p:cSld>
+  <p:clrMapOvr>
+    <a:masterClrMapping/>
+  </p:clrMapOvr>
+</p:sld>
+</file>
+
+<file path=ppt/slides/slide34.xml><?xml version="1.0" encoding="utf-8"?>
+<p:sld xmlns:a="http://schemas.openxmlformats.org/drawingml/2006/main" xmlns:r="http://schemas.openxmlformats.org/officeDocument/2006/relationships" xmlns:p="http://schemas.openxmlformats.org/presentationml/2006/main">
+  <p:cSld>
+    <p:spTree>
+      <p:nvGrpSpPr>
+        <p:cNvPr id="1" name=""/>
+        <p:cNvGrpSpPr/>
+        <p:nvPr/>
+      </p:nvGrpSpPr>
+      <p:grpSpPr>
+        <a:xfrm>
+          <a:off x="0" y="0"/>
+          <a:ext cx="0" cy="0"/>
+          <a:chOff x="0" y="0"/>
+          <a:chExt cx="0" cy="0"/>
+        </a:xfrm>
+      </p:grpSpPr>
+      <p:sp>
+        <p:nvSpPr>
+          <p:cNvPr id="2" name="Title 1">
+            <a:extLst>
+              <a:ext uri="{FF2B5EF4-FFF2-40B4-BE49-F238E27FC236}">
+                <a16:creationId xmlns:a16="http://schemas.microsoft.com/office/drawing/2014/main" id="{6F916ECF-B7FB-1C62-FC29-1E2A36929FCC}"/>
+              </a:ext>
+            </a:extLst>
+          </p:cNvPr>
+          <p:cNvSpPr>
+            <a:spLocks noGrp="1"/>
+          </p:cNvSpPr>
+          <p:nvPr>
+            <p:ph type="title"/>
+          </p:nvPr>
+        </p:nvSpPr>
+        <p:spPr/>
+        <p:txBody>
+          <a:bodyPr/>
+          <a:lstStyle/>
+          <a:p>
+            <a:r>
+              <a:rPr lang="en-US" dirty="0"/>
+              <a:t>Immediacy</a:t>
+            </a:r>
+          </a:p>
+        </p:txBody>
+      </p:sp>
+      <p:sp>
+        <p:nvSpPr>
+          <p:cNvPr id="3" name="Content Placeholder 2">
+            <a:extLst>
+              <a:ext uri="{FF2B5EF4-FFF2-40B4-BE49-F238E27FC236}">
+                <a16:creationId xmlns:a16="http://schemas.microsoft.com/office/drawing/2014/main" id="{EC1279F5-5A0C-5486-3653-5EA4649D8DE1}"/>
+              </a:ext>
+            </a:extLst>
+          </p:cNvPr>
+          <p:cNvSpPr>
+            <a:spLocks noGrp="1"/>
+          </p:cNvSpPr>
+          <p:nvPr>
+            <p:ph idx="1"/>
+          </p:nvPr>
+        </p:nvSpPr>
+        <p:spPr/>
+        <p:txBody>
+          <a:bodyPr>
+            <a:normAutofit lnSpcReduction="10000"/>
+          </a:bodyPr>
+          <a:lstStyle/>
+          <a:p>
+            <a:r>
+              <a:rPr lang="en-US" b="1" dirty="0"/>
+              <a:t>What is Immediacy? </a:t>
+            </a:r>
+            <a:r>
+              <a:rPr lang="en-US" dirty="0"/>
+              <a:t>Immediacy is not part of the PL design itself but rather a part of </a:t>
+            </a:r>
+            <a:r>
+              <a:rPr lang="en-US" b="1" dirty="0"/>
+              <a:t>Programmer Experience (PX). </a:t>
+            </a:r>
+            <a:r>
+              <a:rPr lang="en-US" dirty="0"/>
+              <a:t>Immediacy is the idea that when a programmer makes changes to a program, they should be able to observe the impact of those changes right away</a:t>
+            </a:r>
+            <a:endParaRPr lang="en-US" b="1" dirty="0"/>
+          </a:p>
+          <a:p>
+            <a:r>
+              <a:rPr lang="en-US" b="1" dirty="0"/>
+              <a:t>How does Immediacy affect the design? </a:t>
+            </a:r>
+            <a:r>
+              <a:rPr lang="en-US" dirty="0"/>
+              <a:t>The choice to provide an interactive web-based interface is based on immediacy. This value goes deeper, however: Processing has no static type system, so that programmers can run buggy code. Also, web editing demands a language that can be compiled or interpreted quickly.</a:t>
+            </a:r>
+          </a:p>
+          <a:p>
+            <a:r>
+              <a:rPr lang="en-US" b="1" dirty="0"/>
+              <a:t>Pros: </a:t>
+            </a:r>
+            <a:r>
+              <a:rPr lang="en-US" dirty="0"/>
+              <a:t>Motivating, productive   </a:t>
+            </a:r>
+            <a:r>
+              <a:rPr lang="en-US" b="1" dirty="0"/>
+              <a:t>Cons: </a:t>
+            </a:r>
+            <a:r>
+              <a:rPr lang="en-US" i="1" dirty="0"/>
+              <a:t>Can</a:t>
+            </a:r>
+            <a:r>
+              <a:rPr lang="en-US" dirty="0"/>
+              <a:t> promote incorrectness</a:t>
+            </a:r>
+            <a:endParaRPr lang="en-US" b="1" i="1" dirty="0"/>
+          </a:p>
+        </p:txBody>
+      </p:sp>
+      <p:sp>
+        <p:nvSpPr>
+          <p:cNvPr id="4" name="Slide Number Placeholder 3">
+            <a:extLst>
+              <a:ext uri="{FF2B5EF4-FFF2-40B4-BE49-F238E27FC236}">
+                <a16:creationId xmlns:a16="http://schemas.microsoft.com/office/drawing/2014/main" id="{0CCB7A7C-69D1-8384-8F25-827DCFB72D60}"/>
+              </a:ext>
+            </a:extLst>
+          </p:cNvPr>
+          <p:cNvSpPr>
+            <a:spLocks noGrp="1"/>
+          </p:cNvSpPr>
+          <p:nvPr>
+            <p:ph type="sldNum" sz="quarter" idx="12"/>
+          </p:nvPr>
+        </p:nvSpPr>
+        <p:spPr/>
+        <p:txBody>
+          <a:bodyPr/>
+          <a:lstStyle/>
+          <a:p>
+            <a:fld id="{9BF27F29-4B64-4A24-936A-FF41C34C242B}" type="slidenum">
+              <a:rPr lang="en-US" smtClean="0"/>
+              <a:t>34</a:t>
+            </a:fld>
+            <a:endParaRPr lang="en-US"/>
+          </a:p>
+        </p:txBody>
+      </p:sp>
+    </p:spTree>
+    <p:extLst>
+      <p:ext uri="{BB962C8B-B14F-4D97-AF65-F5344CB8AC3E}">
+        <p14:creationId xmlns:p14="http://schemas.microsoft.com/office/powerpoint/2010/main" val="3609407682"/>
+      </p:ext>
+    </p:extLst>
+  </p:cSld>
+  <p:clrMapOvr>
+    <a:masterClrMapping/>
+  </p:clrMapOvr>
+</p:sld>
+</file>
+
+<file path=ppt/slides/slide35.xml><?xml version="1.0" encoding="utf-8"?>
+<p:sld xmlns:a="http://schemas.openxmlformats.org/drawingml/2006/main" xmlns:r="http://schemas.openxmlformats.org/officeDocument/2006/relationships" xmlns:p="http://schemas.openxmlformats.org/presentationml/2006/main">
+  <p:cSld>
+    <p:spTree>
+      <p:nvGrpSpPr>
+        <p:cNvPr id="1" name=""/>
+        <p:cNvGrpSpPr/>
+        <p:nvPr/>
+      </p:nvGrpSpPr>
+      <p:grpSpPr>
+        <a:xfrm>
+          <a:off x="0" y="0"/>
+          <a:ext cx="0" cy="0"/>
+          <a:chOff x="0" y="0"/>
+          <a:chExt cx="0" cy="0"/>
+        </a:xfrm>
+      </p:grpSpPr>
+      <p:sp>
+        <p:nvSpPr>
+          <p:cNvPr id="2" name="Title 1">
+            <a:extLst>
+              <a:ext uri="{FF2B5EF4-FFF2-40B4-BE49-F238E27FC236}">
                 <a16:creationId xmlns:a16="http://schemas.microsoft.com/office/drawing/2014/main" id="{2B88B90D-E425-2F17-AC74-2C55DB445236}"/>
               </a:ext>
             </a:extLst>
@@ -11550,6 +14208,35 @@
           </a:p>
           <a:p>
             <a:endParaRPr lang="en-US" b="1" dirty="0"/>
+          </a:p>
+        </p:txBody>
+      </p:sp>
+      <p:sp>
+        <p:nvSpPr>
+          <p:cNvPr id="4" name="Slide Number Placeholder 3">
+            <a:extLst>
+              <a:ext uri="{FF2B5EF4-FFF2-40B4-BE49-F238E27FC236}">
+                <a16:creationId xmlns:a16="http://schemas.microsoft.com/office/drawing/2014/main" id="{37E4422D-DBF6-65E0-5944-B7397B20F9D1}"/>
+              </a:ext>
+            </a:extLst>
+          </p:cNvPr>
+          <p:cNvSpPr>
+            <a:spLocks noGrp="1"/>
+          </p:cNvSpPr>
+          <p:nvPr>
+            <p:ph type="sldNum" sz="quarter" idx="12"/>
+          </p:nvPr>
+        </p:nvSpPr>
+        <p:spPr/>
+        <p:txBody>
+          <a:bodyPr/>
+          <a:lstStyle/>
+          <a:p>
+            <a:fld id="{9BF27F29-4B64-4A24-936A-FF41C34C242B}" type="slidenum">
+              <a:rPr lang="en-US" smtClean="0"/>
+              <a:t>35</a:t>
+            </a:fld>
+            <a:endParaRPr lang="en-US"/>
           </a:p>
         </p:txBody>
       </p:sp>
@@ -11566,7 +14253,7 @@
 </p:sld>
 </file>
 
-<file path=ppt/slides/slide32.xml><?xml version="1.0" encoding="utf-8"?>
+<file path=ppt/slides/slide36.xml><?xml version="1.0" encoding="utf-8"?>
 <p:sld xmlns:a="http://schemas.openxmlformats.org/drawingml/2006/main" xmlns:r="http://schemas.openxmlformats.org/officeDocument/2006/relationships" xmlns:p="http://schemas.openxmlformats.org/presentationml/2006/main">
   <p:cSld>
     <p:spTree>
@@ -12342,7 +15029,7 @@
               <a:rPr lang="en-US" b="1" dirty="0">
                 <a:latin typeface="Consolas" panose="020B0609020204030204" pitchFamily="49" charset="0"/>
               </a:rPr>
-              <a:t> { … }</a:t>
+              <a:t>) { … }</a:t>
             </a:r>
             <a:br>
               <a:rPr lang="en-US" b="1" dirty="0">
@@ -12378,6 +15065,35 @@
               </a:rPr>
               <a:t>;</a:t>
             </a:r>
+          </a:p>
+        </p:txBody>
+      </p:sp>
+      <p:sp>
+        <p:nvSpPr>
+          <p:cNvPr id="6" name="Slide Number Placeholder 5">
+            <a:extLst>
+              <a:ext uri="{FF2B5EF4-FFF2-40B4-BE49-F238E27FC236}">
+                <a16:creationId xmlns:a16="http://schemas.microsoft.com/office/drawing/2014/main" id="{AD5B7BA9-EB20-C5C7-44C9-F1F25C839117}"/>
+              </a:ext>
+            </a:extLst>
+          </p:cNvPr>
+          <p:cNvSpPr>
+            <a:spLocks noGrp="1"/>
+          </p:cNvSpPr>
+          <p:nvPr>
+            <p:ph type="sldNum" sz="quarter" idx="12"/>
+          </p:nvPr>
+        </p:nvSpPr>
+        <p:spPr/>
+        <p:txBody>
+          <a:bodyPr/>
+          <a:lstStyle/>
+          <a:p>
+            <a:fld id="{9BF27F29-4B64-4A24-936A-FF41C34C242B}" type="slidenum">
+              <a:rPr lang="en-US" smtClean="0"/>
+              <a:t>36</a:t>
+            </a:fld>
+            <a:endParaRPr lang="en-US"/>
           </a:p>
         </p:txBody>
       </p:sp>
@@ -12394,7 +15110,7 @@
 </p:sld>
 </file>
 
-<file path=ppt/slides/slide33.xml><?xml version="1.0" encoding="utf-8"?>
+<file path=ppt/slides/slide37.xml><?xml version="1.0" encoding="utf-8"?>
 <p:sld xmlns:a="http://schemas.openxmlformats.org/drawingml/2006/main" xmlns:r="http://schemas.openxmlformats.org/officeDocument/2006/relationships" xmlns:p="http://schemas.openxmlformats.org/presentationml/2006/main">
   <p:cSld>
     <p:spTree>
@@ -12492,6 +15208,35 @@
           </a:p>
         </p:txBody>
       </p:sp>
+      <p:sp>
+        <p:nvSpPr>
+          <p:cNvPr id="4" name="Slide Number Placeholder 3">
+            <a:extLst>
+              <a:ext uri="{FF2B5EF4-FFF2-40B4-BE49-F238E27FC236}">
+                <a16:creationId xmlns:a16="http://schemas.microsoft.com/office/drawing/2014/main" id="{6D5E5896-12C7-771A-3C62-579C169A7C01}"/>
+              </a:ext>
+            </a:extLst>
+          </p:cNvPr>
+          <p:cNvSpPr>
+            <a:spLocks noGrp="1"/>
+          </p:cNvSpPr>
+          <p:nvPr>
+            <p:ph type="sldNum" sz="quarter" idx="12"/>
+          </p:nvPr>
+        </p:nvSpPr>
+        <p:spPr/>
+        <p:txBody>
+          <a:bodyPr/>
+          <a:lstStyle/>
+          <a:p>
+            <a:fld id="{9BF27F29-4B64-4A24-936A-FF41C34C242B}" type="slidenum">
+              <a:rPr lang="en-US" smtClean="0"/>
+              <a:t>37</a:t>
+            </a:fld>
+            <a:endParaRPr lang="en-US"/>
+          </a:p>
+        </p:txBody>
+      </p:sp>
     </p:spTree>
     <p:extLst>
       <p:ext uri="{BB962C8B-B14F-4D97-AF65-F5344CB8AC3E}">
@@ -12505,7 +15250,7 @@
 </p:sld>
 </file>
 
-<file path=ppt/slides/slide34.xml><?xml version="1.0" encoding="utf-8"?>
+<file path=ppt/slides/slide38.xml><?xml version="1.0" encoding="utf-8"?>
 <p:sld xmlns:a="http://schemas.openxmlformats.org/drawingml/2006/main" xmlns:r="http://schemas.openxmlformats.org/officeDocument/2006/relationships" xmlns:p="http://schemas.openxmlformats.org/presentationml/2006/main">
   <p:cSld>
     <p:spTree>
@@ -12658,6 +15403,35 @@
           </a:p>
         </p:txBody>
       </p:sp>
+      <p:sp>
+        <p:nvSpPr>
+          <p:cNvPr id="4" name="Slide Number Placeholder 3">
+            <a:extLst>
+              <a:ext uri="{FF2B5EF4-FFF2-40B4-BE49-F238E27FC236}">
+                <a16:creationId xmlns:a16="http://schemas.microsoft.com/office/drawing/2014/main" id="{BFC358F5-7B63-8012-98B6-85003B174F31}"/>
+              </a:ext>
+            </a:extLst>
+          </p:cNvPr>
+          <p:cNvSpPr>
+            <a:spLocks noGrp="1"/>
+          </p:cNvSpPr>
+          <p:nvPr>
+            <p:ph type="sldNum" sz="quarter" idx="12"/>
+          </p:nvPr>
+        </p:nvSpPr>
+        <p:spPr/>
+        <p:txBody>
+          <a:bodyPr/>
+          <a:lstStyle/>
+          <a:p>
+            <a:fld id="{9BF27F29-4B64-4A24-936A-FF41C34C242B}" type="slidenum">
+              <a:rPr lang="en-US" smtClean="0"/>
+              <a:t>38</a:t>
+            </a:fld>
+            <a:endParaRPr lang="en-US"/>
+          </a:p>
+        </p:txBody>
+      </p:sp>
     </p:spTree>
     <p:extLst>
       <p:ext uri="{BB962C8B-B14F-4D97-AF65-F5344CB8AC3E}">
@@ -12671,7 +15445,7 @@
 </p:sld>
 </file>
 
-<file path=ppt/slides/slide35.xml><?xml version="1.0" encoding="utf-8"?>
+<file path=ppt/slides/slide39.xml><?xml version="1.0" encoding="utf-8"?>
 <p:sld xmlns:a="http://schemas.openxmlformats.org/drawingml/2006/main" xmlns:r="http://schemas.openxmlformats.org/officeDocument/2006/relationships" xmlns:p="http://schemas.openxmlformats.org/presentationml/2006/main">
   <p:cSld>
     <p:spTree>
@@ -12783,147 +15557,39 @@
           </a:p>
         </p:txBody>
       </p:sp>
+      <p:sp>
+        <p:nvSpPr>
+          <p:cNvPr id="4" name="Slide Number Placeholder 3">
+            <a:extLst>
+              <a:ext uri="{FF2B5EF4-FFF2-40B4-BE49-F238E27FC236}">
+                <a16:creationId xmlns:a16="http://schemas.microsoft.com/office/drawing/2014/main" id="{3EED1619-DAC3-A529-D84F-B319AA15E5D6}"/>
+              </a:ext>
+            </a:extLst>
+          </p:cNvPr>
+          <p:cNvSpPr>
+            <a:spLocks noGrp="1"/>
+          </p:cNvSpPr>
+          <p:nvPr>
+            <p:ph type="sldNum" sz="quarter" idx="12"/>
+          </p:nvPr>
+        </p:nvSpPr>
+        <p:spPr/>
+        <p:txBody>
+          <a:bodyPr/>
+          <a:lstStyle/>
+          <a:p>
+            <a:fld id="{9BF27F29-4B64-4A24-936A-FF41C34C242B}" type="slidenum">
+              <a:rPr lang="en-US" smtClean="0"/>
+              <a:t>39</a:t>
+            </a:fld>
+            <a:endParaRPr lang="en-US"/>
+          </a:p>
+        </p:txBody>
+      </p:sp>
     </p:spTree>
     <p:extLst>
       <p:ext uri="{BB962C8B-B14F-4D97-AF65-F5344CB8AC3E}">
         <p14:creationId xmlns:p14="http://schemas.microsoft.com/office/powerpoint/2010/main" val="3040776443"/>
-      </p:ext>
-    </p:extLst>
-  </p:cSld>
-  <p:clrMapOvr>
-    <a:masterClrMapping/>
-  </p:clrMapOvr>
-</p:sld>
-</file>
-
-<file path=ppt/slides/slide36.xml><?xml version="1.0" encoding="utf-8"?>
-<p:sld xmlns:a="http://schemas.openxmlformats.org/drawingml/2006/main" xmlns:r="http://schemas.openxmlformats.org/officeDocument/2006/relationships" xmlns:p="http://schemas.openxmlformats.org/presentationml/2006/main">
-  <p:cSld>
-    <p:spTree>
-      <p:nvGrpSpPr>
-        <p:cNvPr id="1" name=""/>
-        <p:cNvGrpSpPr/>
-        <p:nvPr/>
-      </p:nvGrpSpPr>
-      <p:grpSpPr>
-        <a:xfrm>
-          <a:off x="0" y="0"/>
-          <a:ext cx="0" cy="0"/>
-          <a:chOff x="0" y="0"/>
-          <a:chExt cx="0" cy="0"/>
-        </a:xfrm>
-      </p:grpSpPr>
-      <p:sp>
-        <p:nvSpPr>
-          <p:cNvPr id="2" name="Title 1">
-            <a:extLst>
-              <a:ext uri="{FF2B5EF4-FFF2-40B4-BE49-F238E27FC236}">
-                <a16:creationId xmlns:a16="http://schemas.microsoft.com/office/drawing/2014/main" id="{2AE25F3A-2ED0-91A1-0CC0-C3D84542A456}"/>
-              </a:ext>
-            </a:extLst>
-          </p:cNvPr>
-          <p:cNvSpPr>
-            <a:spLocks noGrp="1"/>
-          </p:cNvSpPr>
-          <p:nvPr>
-            <p:ph type="title"/>
-          </p:nvPr>
-        </p:nvSpPr>
-        <p:spPr/>
-        <p:txBody>
-          <a:bodyPr/>
-          <a:lstStyle/>
-          <a:p>
-            <a:r>
-              <a:rPr lang="en-US" dirty="0"/>
-              <a:t>Exam Logistics</a:t>
-            </a:r>
-          </a:p>
-        </p:txBody>
-      </p:sp>
-      <p:sp>
-        <p:nvSpPr>
-          <p:cNvPr id="3" name="Content Placeholder 2">
-            <a:extLst>
-              <a:ext uri="{FF2B5EF4-FFF2-40B4-BE49-F238E27FC236}">
-                <a16:creationId xmlns:a16="http://schemas.microsoft.com/office/drawing/2014/main" id="{897E00AF-35DD-75C7-806F-E694E904EDD8}"/>
-              </a:ext>
-            </a:extLst>
-          </p:cNvPr>
-          <p:cNvSpPr>
-            <a:spLocks noGrp="1"/>
-          </p:cNvSpPr>
-          <p:nvPr>
-            <p:ph idx="1"/>
-          </p:nvPr>
-        </p:nvSpPr>
-        <p:spPr/>
-        <p:txBody>
-          <a:bodyPr>
-            <a:normAutofit fontScale="92500" lnSpcReduction="20000"/>
-          </a:bodyPr>
-          <a:lstStyle/>
-          <a:p>
-            <a:r>
-              <a:rPr lang="en-US" b="1" dirty="0"/>
-              <a:t>Last week of course:</a:t>
-            </a:r>
-            <a:r>
-              <a:rPr lang="en-US" dirty="0"/>
-              <a:t> </a:t>
-            </a:r>
-          </a:p>
-          <a:p>
-            <a:pPr lvl="1"/>
-            <a:r>
-              <a:rPr lang="en-US" b="1" dirty="0"/>
-              <a:t>1. </a:t>
-            </a:r>
-            <a:r>
-              <a:rPr lang="en-US" dirty="0"/>
-              <a:t>Review session during class time in classroom, second-to-last day</a:t>
-            </a:r>
-          </a:p>
-          <a:p>
-            <a:pPr lvl="1"/>
-            <a:r>
-              <a:rPr lang="en-US" b="1" dirty="0"/>
-              <a:t>2. </a:t>
-            </a:r>
-            <a:r>
-              <a:rPr lang="en-US" dirty="0"/>
-              <a:t>Final exam during class time in classroom, last day</a:t>
-            </a:r>
-          </a:p>
-          <a:p>
-            <a:r>
-              <a:rPr lang="en-US" dirty="0"/>
-              <a:t>For CS4536: Prof. Bohrer is absent the last week of A term due to a research conference. The review session and exam will be run by our teaching assistant</a:t>
-            </a:r>
-          </a:p>
-          <a:p>
-            <a:r>
-              <a:rPr lang="en-US" dirty="0"/>
-              <a:t>If you have extra time accommodations, you can use the Exam Proctoring Center to take the exam. If you prefer to take the exam in-person, we can accommodate that too (contact course staff)</a:t>
-            </a:r>
-          </a:p>
-          <a:p>
-            <a:r>
-              <a:rPr lang="en-US" b="1" dirty="0"/>
-              <a:t>Bring a computer:</a:t>
-            </a:r>
-            <a:r>
-              <a:rPr lang="en-US" dirty="0"/>
-              <a:t> The exam is online. We are in-person for proctoring reasons. If this is not an option, contact us soon and we will make a plan</a:t>
-            </a:r>
-            <a:endParaRPr lang="en-US" b="1" dirty="0"/>
-          </a:p>
-        </p:txBody>
-      </p:sp>
-    </p:spTree>
-    <p:extLst>
-      <p:ext uri="{BB962C8B-B14F-4D97-AF65-F5344CB8AC3E}">
-        <p14:creationId xmlns:p14="http://schemas.microsoft.com/office/powerpoint/2010/main" val="926058408"/>
       </p:ext>
     </p:extLst>
   </p:cSld>
@@ -13016,12 +15682,217 @@
               <a:t>While still learning some things</a:t>
             </a:r>
           </a:p>
+          <a:p>
+            <a:r>
+              <a:rPr lang="en-US" b="1" dirty="0"/>
+              <a:t>HW5 Note:</a:t>
+            </a:r>
+            <a:r>
+              <a:rPr lang="en-US" dirty="0"/>
+              <a:t> HW5 coding is intended to be easier than the others, leave time for studying</a:t>
+            </a:r>
+            <a:endParaRPr lang="en-US" b="1" dirty="0"/>
+          </a:p>
+        </p:txBody>
+      </p:sp>
+      <p:sp>
+        <p:nvSpPr>
+          <p:cNvPr id="4" name="Slide Number Placeholder 3">
+            <a:extLst>
+              <a:ext uri="{FF2B5EF4-FFF2-40B4-BE49-F238E27FC236}">
+                <a16:creationId xmlns:a16="http://schemas.microsoft.com/office/drawing/2014/main" id="{56F84603-6278-316A-9BDA-14879823DBF4}"/>
+              </a:ext>
+            </a:extLst>
+          </p:cNvPr>
+          <p:cNvSpPr>
+            <a:spLocks noGrp="1"/>
+          </p:cNvSpPr>
+          <p:nvPr>
+            <p:ph type="sldNum" sz="quarter" idx="12"/>
+          </p:nvPr>
+        </p:nvSpPr>
+        <p:spPr/>
+        <p:txBody>
+          <a:bodyPr/>
+          <a:lstStyle/>
+          <a:p>
+            <a:fld id="{9BF27F29-4B64-4A24-936A-FF41C34C242B}" type="slidenum">
+              <a:rPr lang="en-US" smtClean="0"/>
+              <a:t>4</a:t>
+            </a:fld>
+            <a:endParaRPr lang="en-US"/>
+          </a:p>
         </p:txBody>
       </p:sp>
     </p:spTree>
     <p:extLst>
       <p:ext uri="{BB962C8B-B14F-4D97-AF65-F5344CB8AC3E}">
         <p14:creationId xmlns:p14="http://schemas.microsoft.com/office/powerpoint/2010/main" val="1462269660"/>
+      </p:ext>
+    </p:extLst>
+  </p:cSld>
+  <p:clrMapOvr>
+    <a:masterClrMapping/>
+  </p:clrMapOvr>
+</p:sld>
+</file>
+
+<file path=ppt/slides/slide40.xml><?xml version="1.0" encoding="utf-8"?>
+<p:sld xmlns:a="http://schemas.openxmlformats.org/drawingml/2006/main" xmlns:r="http://schemas.openxmlformats.org/officeDocument/2006/relationships" xmlns:p="http://schemas.openxmlformats.org/presentationml/2006/main">
+  <p:cSld>
+    <p:spTree>
+      <p:nvGrpSpPr>
+        <p:cNvPr id="1" name=""/>
+        <p:cNvGrpSpPr/>
+        <p:nvPr/>
+      </p:nvGrpSpPr>
+      <p:grpSpPr>
+        <a:xfrm>
+          <a:off x="0" y="0"/>
+          <a:ext cx="0" cy="0"/>
+          <a:chOff x="0" y="0"/>
+          <a:chExt cx="0" cy="0"/>
+        </a:xfrm>
+      </p:grpSpPr>
+      <p:sp>
+        <p:nvSpPr>
+          <p:cNvPr id="2" name="Title 1">
+            <a:extLst>
+              <a:ext uri="{FF2B5EF4-FFF2-40B4-BE49-F238E27FC236}">
+                <a16:creationId xmlns:a16="http://schemas.microsoft.com/office/drawing/2014/main" id="{2AE25F3A-2ED0-91A1-0CC0-C3D84542A456}"/>
+              </a:ext>
+            </a:extLst>
+          </p:cNvPr>
+          <p:cNvSpPr>
+            <a:spLocks noGrp="1"/>
+          </p:cNvSpPr>
+          <p:nvPr>
+            <p:ph type="title"/>
+          </p:nvPr>
+        </p:nvSpPr>
+        <p:spPr/>
+        <p:txBody>
+          <a:bodyPr/>
+          <a:lstStyle/>
+          <a:p>
+            <a:r>
+              <a:rPr lang="en-US" dirty="0"/>
+              <a:t>Exam Logistics</a:t>
+            </a:r>
+          </a:p>
+        </p:txBody>
+      </p:sp>
+      <p:sp>
+        <p:nvSpPr>
+          <p:cNvPr id="3" name="Content Placeholder 2">
+            <a:extLst>
+              <a:ext uri="{FF2B5EF4-FFF2-40B4-BE49-F238E27FC236}">
+                <a16:creationId xmlns:a16="http://schemas.microsoft.com/office/drawing/2014/main" id="{897E00AF-35DD-75C7-806F-E694E904EDD8}"/>
+              </a:ext>
+            </a:extLst>
+          </p:cNvPr>
+          <p:cNvSpPr>
+            <a:spLocks noGrp="1"/>
+          </p:cNvSpPr>
+          <p:nvPr>
+            <p:ph idx="1"/>
+          </p:nvPr>
+        </p:nvSpPr>
+        <p:spPr/>
+        <p:txBody>
+          <a:bodyPr>
+            <a:normAutofit/>
+          </a:bodyPr>
+          <a:lstStyle/>
+          <a:p>
+            <a:r>
+              <a:rPr lang="en-US" b="1" dirty="0"/>
+              <a:t>Last week of course:</a:t>
+            </a:r>
+            <a:r>
+              <a:rPr lang="en-US" dirty="0"/>
+              <a:t> </a:t>
+            </a:r>
+          </a:p>
+          <a:p>
+            <a:pPr lvl="1"/>
+            <a:r>
+              <a:rPr lang="en-US" b="1" dirty="0"/>
+              <a:t>1. </a:t>
+            </a:r>
+            <a:r>
+              <a:rPr lang="en-US" dirty="0"/>
+              <a:t>Review session during class time in classroom, second-to-last day</a:t>
+            </a:r>
+          </a:p>
+          <a:p>
+            <a:pPr lvl="1"/>
+            <a:r>
+              <a:rPr lang="en-US" b="1" dirty="0"/>
+              <a:t>2. </a:t>
+            </a:r>
+            <a:r>
+              <a:rPr lang="en-US" dirty="0"/>
+              <a:t>Final exam during class time in classroom, last day</a:t>
+            </a:r>
+          </a:p>
+          <a:p>
+            <a:r>
+              <a:rPr lang="en-US" dirty="0"/>
+              <a:t>For CS4536: Prof. Bohrer is absent the last week of A term due to a research conference. The review session and exam will be run by our teaching assistant</a:t>
+            </a:r>
+          </a:p>
+          <a:p>
+            <a:r>
+              <a:rPr lang="en-US" b="1" dirty="0"/>
+              <a:t>Bring a computer:</a:t>
+            </a:r>
+            <a:r>
+              <a:rPr lang="en-US" dirty="0"/>
+              <a:t> The exam is online, but proctored in-person.</a:t>
+            </a:r>
+          </a:p>
+          <a:p>
+            <a:r>
+              <a:rPr lang="en-US" dirty="0"/>
+              <a:t>Extra-time accommodations are in-person</a:t>
+            </a:r>
+          </a:p>
+        </p:txBody>
+      </p:sp>
+      <p:sp>
+        <p:nvSpPr>
+          <p:cNvPr id="4" name="Slide Number Placeholder 3">
+            <a:extLst>
+              <a:ext uri="{FF2B5EF4-FFF2-40B4-BE49-F238E27FC236}">
+                <a16:creationId xmlns:a16="http://schemas.microsoft.com/office/drawing/2014/main" id="{E625AC7B-E71C-6F80-5763-634DBCB7FBAA}"/>
+              </a:ext>
+            </a:extLst>
+          </p:cNvPr>
+          <p:cNvSpPr>
+            <a:spLocks noGrp="1"/>
+          </p:cNvSpPr>
+          <p:nvPr>
+            <p:ph type="sldNum" sz="quarter" idx="12"/>
+          </p:nvPr>
+        </p:nvSpPr>
+        <p:spPr/>
+        <p:txBody>
+          <a:bodyPr/>
+          <a:lstStyle/>
+          <a:p>
+            <a:fld id="{9BF27F29-4B64-4A24-936A-FF41C34C242B}" type="slidenum">
+              <a:rPr lang="en-US" smtClean="0"/>
+              <a:t>40</a:t>
+            </a:fld>
+            <a:endParaRPr lang="en-US"/>
+          </a:p>
+        </p:txBody>
+      </p:sp>
+    </p:spTree>
+    <p:extLst>
+      <p:ext uri="{BB962C8B-B14F-4D97-AF65-F5344CB8AC3E}">
+        <p14:creationId xmlns:p14="http://schemas.microsoft.com/office/powerpoint/2010/main" val="926058408"/>
       </p:ext>
     </p:extLst>
   </p:cSld>
@@ -13098,6 +15969,35 @@
           <a:lstStyle/>
           <a:p>
             <a:endParaRPr lang="en-US" dirty="0"/>
+          </a:p>
+        </p:txBody>
+      </p:sp>
+      <p:sp>
+        <p:nvSpPr>
+          <p:cNvPr id="4" name="Slide Number Placeholder 3">
+            <a:extLst>
+              <a:ext uri="{FF2B5EF4-FFF2-40B4-BE49-F238E27FC236}">
+                <a16:creationId xmlns:a16="http://schemas.microsoft.com/office/drawing/2014/main" id="{45FE232D-0E17-D94E-573D-BEDD1715FD50}"/>
+              </a:ext>
+            </a:extLst>
+          </p:cNvPr>
+          <p:cNvSpPr>
+            <a:spLocks noGrp="1"/>
+          </p:cNvSpPr>
+          <p:nvPr>
+            <p:ph type="sldNum" sz="quarter" idx="12"/>
+          </p:nvPr>
+        </p:nvSpPr>
+        <p:spPr/>
+        <p:txBody>
+          <a:bodyPr/>
+          <a:lstStyle/>
+          <a:p>
+            <a:fld id="{9BF27F29-4B64-4A24-936A-FF41C34C242B}" type="slidenum">
+              <a:rPr lang="en-US" smtClean="0"/>
+              <a:t>5</a:t>
+            </a:fld>
+            <a:endParaRPr lang="en-US"/>
           </a:p>
         </p:txBody>
       </p:sp>
@@ -13182,7 +16082,9 @@
         </p:nvSpPr>
         <p:spPr/>
         <p:txBody>
-          <a:bodyPr/>
+          <a:bodyPr>
+            <a:normAutofit lnSpcReduction="10000"/>
+          </a:bodyPr>
           <a:lstStyle/>
           <a:p>
             <a:r>
@@ -13191,7 +16093,20 @@
             </a:r>
             <a:r>
               <a:rPr lang="en-US" dirty="0"/>
-              <a:t>Pick 1 or more games and play them on </a:t>
+              <a:t>Pick 1 or more games and play them:</a:t>
+            </a:r>
+          </a:p>
+          <a:p>
+            <a:r>
+              <a:rPr lang="en-US" dirty="0"/>
+              <a:t>Search engines:</a:t>
+            </a:r>
+          </a:p>
+          <a:p>
+            <a:pPr lvl="1"/>
+            <a:r>
+              <a:rPr lang="en-US" dirty="0"/>
+              <a:t> </a:t>
             </a:r>
             <a:r>
               <a:rPr lang="en-US" dirty="0">
@@ -13202,39 +16117,61 @@
             <a:endParaRPr lang="en-US" dirty="0"/>
           </a:p>
           <a:p>
-            <a:r>
-              <a:rPr lang="en-US" dirty="0"/>
-              <a:t>It’s more fun to pick your own, but I have a few suggestions:</a:t>
-            </a:r>
-          </a:p>
-          <a:p>
+            <a:pPr lvl="1"/>
             <a:r>
               <a:rPr lang="en-US" dirty="0">
                 <a:hlinkClick r:id="rId3"/>
               </a:rPr>
-              <a:t>https://chubbbbbs.itch.io/at-the-edge-of-the-world-there-is-a-gas-station</a:t>
-            </a:r>
-            <a:r>
-              <a:rPr lang="en-US" dirty="0"/>
-              <a:t> (light)</a:t>
-            </a:r>
-          </a:p>
-          <a:p>
+              <a:t>https://ifdb.org/search?searchfor=system:Twine</a:t>
+            </a:r>
+            <a:endParaRPr lang="en-US" dirty="0"/>
+          </a:p>
+          <a:p>
+            <a:r>
+              <a:rPr lang="en-US" dirty="0"/>
+              <a:t>Professor’s suggestions:</a:t>
+            </a:r>
+          </a:p>
+          <a:p>
+            <a:pPr lvl="1"/>
             <a:r>
               <a:rPr lang="en-US" dirty="0">
                 <a:hlinkClick r:id="rId4"/>
               </a:rPr>
+              <a:t>https://chubbbbbs.itch.io/at-the-edge-of-the-world-there-is-a-gas-station</a:t>
+            </a:r>
+            <a:endParaRPr lang="en-US" dirty="0"/>
+          </a:p>
+          <a:p>
+            <a:pPr lvl="1"/>
+            <a:r>
+              <a:rPr lang="en-US" dirty="0">
+                <a:hlinkClick r:id="rId5"/>
+              </a:rPr>
               <a:t>https://tommchenry.itch.io/horse-master</a:t>
             </a:r>
             <a:r>
               <a:rPr lang="en-US" dirty="0"/>
-              <a:t> (heavy)</a:t>
-            </a:r>
-          </a:p>
-          <a:p>
-            <a:r>
-              <a:rPr lang="en-US" dirty="0"/>
-              <a:t>Feel free to play/chat with others</a:t>
+              <a:t> (long)</a:t>
+            </a:r>
+          </a:p>
+          <a:p>
+            <a:pPr lvl="1"/>
+            <a:r>
+              <a:rPr lang="en-US" dirty="0">
+                <a:hlinkClick r:id="rId6"/>
+              </a:rPr>
+              <a:t>https://pieartsy.itch.io/erstwhile</a:t>
+            </a:r>
+            <a:r>
+              <a:rPr lang="en-US" dirty="0"/>
+              <a:t> (From Prof. Schneider)</a:t>
+            </a:r>
+          </a:p>
+          <a:p>
+            <a:r>
+              <a:rPr lang="en-US" dirty="0"/>
+              <a:t>Feel free to play/chat together with each other</a:t>
             </a:r>
           </a:p>
           <a:p>
@@ -13242,13 +16179,42 @@
           </a:p>
           <a:p>
             <a:endParaRPr lang="en-US" b="1" dirty="0"/>
+          </a:p>
+        </p:txBody>
+      </p:sp>
+      <p:sp>
+        <p:nvSpPr>
+          <p:cNvPr id="4" name="Slide Number Placeholder 3">
+            <a:extLst>
+              <a:ext uri="{FF2B5EF4-FFF2-40B4-BE49-F238E27FC236}">
+                <a16:creationId xmlns:a16="http://schemas.microsoft.com/office/drawing/2014/main" id="{BE84FC40-2751-D698-469B-775E6AAC79F9}"/>
+              </a:ext>
+            </a:extLst>
+          </p:cNvPr>
+          <p:cNvSpPr>
+            <a:spLocks noGrp="1"/>
+          </p:cNvSpPr>
+          <p:nvPr>
+            <p:ph type="sldNum" sz="quarter" idx="12"/>
+          </p:nvPr>
+        </p:nvSpPr>
+        <p:spPr/>
+        <p:txBody>
+          <a:bodyPr/>
+          <a:lstStyle/>
+          <a:p>
+            <a:fld id="{9BF27F29-4B64-4A24-936A-FF41C34C242B}" type="slidenum">
+              <a:rPr lang="en-US" smtClean="0"/>
+              <a:t>6</a:t>
+            </a:fld>
+            <a:endParaRPr lang="en-US"/>
           </a:p>
         </p:txBody>
       </p:sp>
     </p:spTree>
     <p:extLst>
       <p:ext uri="{BB962C8B-B14F-4D97-AF65-F5344CB8AC3E}">
-        <p14:creationId xmlns:p14="http://schemas.microsoft.com/office/powerpoint/2010/main" val="802888347"/>
+        <p14:creationId xmlns:p14="http://schemas.microsoft.com/office/powerpoint/2010/main" val="2867526184"/>
       </p:ext>
     </p:extLst>
   </p:cSld>
@@ -13280,7 +16246,7 @@
           <p:cNvPr id="2" name="Title 1">
             <a:extLst>
               <a:ext uri="{FF2B5EF4-FFF2-40B4-BE49-F238E27FC236}">
-                <a16:creationId xmlns:a16="http://schemas.microsoft.com/office/drawing/2014/main" id="{E4B899DD-9F23-0455-97FD-AFB947B62C58}"/>
+                <a16:creationId xmlns:a16="http://schemas.microsoft.com/office/drawing/2014/main" id="{0A653B10-27F0-EF16-C533-5746D8598AF6}"/>
               </a:ext>
             </a:extLst>
           </p:cNvPr>
@@ -13298,8 +16264,13 @@
           <a:p>
             <a:r>
               <a:rPr lang="en-US" b="1" dirty="0"/>
-              <a:t>Discuss Twine (~5 minutes)</a:t>
-            </a:r>
+              <a:t>Activity: </a:t>
+            </a:r>
+            <a:r>
+              <a:rPr lang="en-US" dirty="0"/>
+              <a:t>Play Some Twine Games</a:t>
+            </a:r>
+            <a:endParaRPr lang="en-US" b="1" dirty="0"/>
           </a:p>
         </p:txBody>
       </p:sp>
@@ -13308,7 +16279,7 @@
           <p:cNvPr id="3" name="Content Placeholder 2">
             <a:extLst>
               <a:ext uri="{FF2B5EF4-FFF2-40B4-BE49-F238E27FC236}">
-                <a16:creationId xmlns:a16="http://schemas.microsoft.com/office/drawing/2014/main" id="{F8618FAE-8D3E-D9BA-6292-F6C96C3CEC18}"/>
+                <a16:creationId xmlns:a16="http://schemas.microsoft.com/office/drawing/2014/main" id="{ADB5DFA5-4ADD-7026-B934-C7020B469B2F}"/>
               </a:ext>
             </a:extLst>
           </p:cNvPr>
@@ -13321,67 +16292,88 @@
         </p:nvSpPr>
         <p:spPr/>
         <p:txBody>
+          <a:bodyPr>
+            <a:normAutofit/>
+          </a:bodyPr>
+          <a:lstStyle/>
+          <a:p>
+            <a:r>
+              <a:rPr lang="en-US" b="1" dirty="0"/>
+              <a:t>For 15 minutes: </a:t>
+            </a:r>
+            <a:r>
+              <a:rPr lang="en-US" dirty="0"/>
+              <a:t>Pick 1 or more games and play them</a:t>
+            </a:r>
+          </a:p>
+          <a:p>
+            <a:r>
+              <a:rPr lang="en-US" dirty="0"/>
+              <a:t>As you play, keep these questions in mind:</a:t>
+            </a:r>
+          </a:p>
+          <a:p>
+            <a:pPr lvl="1"/>
+            <a:r>
+              <a:rPr lang="en-US" dirty="0"/>
+              <a:t>If Twine is a programming language, what are the main concepts in that language? What ideas might we use while developing the theory of Twine?</a:t>
+            </a:r>
+          </a:p>
+          <a:p>
+            <a:pPr lvl="1"/>
+            <a:r>
+              <a:rPr lang="en-US" dirty="0"/>
+              <a:t>What are the limitations of Twine? e.g. what programs can it write?</a:t>
+            </a:r>
+          </a:p>
+          <a:p>
+            <a:pPr lvl="1"/>
+            <a:r>
+              <a:rPr lang="en-US" dirty="0"/>
+              <a:t>Twine’s main programmer audience is very casual game developers. How might Twine’s design serve this audience? Where might they struggle?</a:t>
+            </a:r>
+          </a:p>
+          <a:p>
+            <a:endParaRPr lang="en-US" dirty="0"/>
+          </a:p>
+          <a:p>
+            <a:endParaRPr lang="en-US" b="1" dirty="0"/>
+          </a:p>
+        </p:txBody>
+      </p:sp>
+      <p:sp>
+        <p:nvSpPr>
+          <p:cNvPr id="4" name="Slide Number Placeholder 3">
+            <a:extLst>
+              <a:ext uri="{FF2B5EF4-FFF2-40B4-BE49-F238E27FC236}">
+                <a16:creationId xmlns:a16="http://schemas.microsoft.com/office/drawing/2014/main" id="{BE84FC40-2751-D698-469B-775E6AAC79F9}"/>
+              </a:ext>
+            </a:extLst>
+          </p:cNvPr>
+          <p:cNvSpPr>
+            <a:spLocks noGrp="1"/>
+          </p:cNvSpPr>
+          <p:nvPr>
+            <p:ph type="sldNum" sz="quarter" idx="12"/>
+          </p:nvPr>
+        </p:nvSpPr>
+        <p:spPr/>
+        <p:txBody>
           <a:bodyPr/>
           <a:lstStyle/>
           <a:p>
-            <a:r>
-              <a:rPr lang="en-US" dirty="0"/>
-              <a:t>In Social Science, getting people to share their experiences is an important research technique</a:t>
-            </a:r>
-          </a:p>
-          <a:p>
-            <a:r>
-              <a:rPr lang="en-US" b="1" dirty="0"/>
-              <a:t>1. Share</a:t>
-            </a:r>
-            <a:r>
-              <a:rPr lang="en-US" dirty="0"/>
-              <a:t> your experiences playing Twine games. Funny? Weird?</a:t>
-            </a:r>
-          </a:p>
-          <a:p>
-            <a:r>
-              <a:rPr lang="en-US" b="1" dirty="0"/>
-              <a:t>2. </a:t>
-            </a:r>
-            <a:r>
-              <a:rPr lang="en-US" dirty="0"/>
-              <a:t>Has anyone in this room made a Twine game before? If so, share your </a:t>
-            </a:r>
-            <a:r>
-              <a:rPr lang="en-US" b="1" dirty="0"/>
-              <a:t>programmer experience </a:t>
-            </a:r>
-            <a:r>
-              <a:rPr lang="en-US" dirty="0"/>
-              <a:t>making that game</a:t>
-            </a:r>
-          </a:p>
-          <a:p>
-            <a:r>
-              <a:rPr lang="en-US" b="1" dirty="0"/>
-              <a:t>3. </a:t>
-            </a:r>
-            <a:r>
-              <a:rPr lang="en-US" dirty="0"/>
-              <a:t>We’re going to develop the theory of Twine as a way of reviewing our core theory skills. </a:t>
-            </a:r>
-            <a:r>
-              <a:rPr lang="en-US" b="1" dirty="0"/>
-              <a:t>Brainstorm </a:t>
-            </a:r>
-            <a:r>
-              <a:rPr lang="en-US" dirty="0"/>
-              <a:t>how we might represent the (abstract) syntax, semantics, or even type system of Twine</a:t>
-            </a:r>
-            <a:endParaRPr lang="en-US" b="1" dirty="0"/>
+            <a:fld id="{9BF27F29-4B64-4A24-936A-FF41C34C242B}" type="slidenum">
+              <a:rPr lang="en-US" smtClean="0"/>
+              <a:t>7</a:t>
+            </a:fld>
+            <a:endParaRPr lang="en-US"/>
           </a:p>
         </p:txBody>
       </p:sp>
     </p:spTree>
     <p:extLst>
       <p:ext uri="{BB962C8B-B14F-4D97-AF65-F5344CB8AC3E}">
-        <p14:creationId xmlns:p14="http://schemas.microsoft.com/office/powerpoint/2010/main" val="1417421790"/>
+        <p14:creationId xmlns:p14="http://schemas.microsoft.com/office/powerpoint/2010/main" val="802888347"/>
       </p:ext>
     </p:extLst>
   </p:cSld>
@@ -13413,7 +16405,7 @@
           <p:cNvPr id="2" name="Title 1">
             <a:extLst>
               <a:ext uri="{FF2B5EF4-FFF2-40B4-BE49-F238E27FC236}">
-                <a16:creationId xmlns:a16="http://schemas.microsoft.com/office/drawing/2014/main" id="{4381B3E5-7E38-5179-B87C-24CB29CDDA93}"/>
+                <a16:creationId xmlns:a16="http://schemas.microsoft.com/office/drawing/2014/main" id="{E4B899DD-9F23-0455-97FD-AFB947B62C58}"/>
               </a:ext>
             </a:extLst>
           </p:cNvPr>
@@ -13430,8 +16422,8 @@
           <a:lstStyle/>
           <a:p>
             <a:r>
-              <a:rPr lang="en-US" dirty="0"/>
-              <a:t>Outline of Twine Theory</a:t>
+              <a:rPr lang="en-US" b="1" dirty="0"/>
+              <a:t>Discuss Twine (~5 minutes)</a:t>
             </a:r>
           </a:p>
         </p:txBody>
@@ -13441,7 +16433,7 @@
           <p:cNvPr id="3" name="Content Placeholder 2">
             <a:extLst>
               <a:ext uri="{FF2B5EF4-FFF2-40B4-BE49-F238E27FC236}">
-                <a16:creationId xmlns:a16="http://schemas.microsoft.com/office/drawing/2014/main" id="{87ECD945-9353-2339-2D1E-6FB55E120B08}"/>
+                <a16:creationId xmlns:a16="http://schemas.microsoft.com/office/drawing/2014/main" id="{F8618FAE-8D3E-D9BA-6292-F6C96C3CEC18}"/>
               </a:ext>
             </a:extLst>
           </p:cNvPr>
@@ -13459,55 +16451,53 @@
           <a:p>
             <a:r>
               <a:rPr lang="en-US" dirty="0"/>
-              <a:t>What we will / won’t explore</a:t>
-            </a:r>
-          </a:p>
-          <a:p>
-            <a:pPr lvl="1"/>
-            <a:r>
-              <a:rPr lang="en-US" dirty="0"/>
-              <a:t>Concrete syntax?</a:t>
-            </a:r>
-          </a:p>
-          <a:p>
-            <a:pPr lvl="1"/>
-            <a:r>
-              <a:rPr lang="en-US" dirty="0"/>
-              <a:t>Abstract syntax?</a:t>
-            </a:r>
-          </a:p>
-          <a:p>
-            <a:pPr lvl="1"/>
-            <a:r>
-              <a:rPr lang="en-US" dirty="0"/>
-              <a:t>Operational semantics?</a:t>
-            </a:r>
-          </a:p>
-          <a:p>
-            <a:pPr lvl="1"/>
-            <a:r>
-              <a:rPr lang="en-US" dirty="0"/>
-              <a:t>Type system?</a:t>
-            </a:r>
-          </a:p>
-          <a:p>
-            <a:pPr lvl="1"/>
-            <a:r>
-              <a:rPr lang="en-US" dirty="0"/>
-              <a:t>State some theorems?</a:t>
-            </a:r>
-          </a:p>
-          <a:p>
-            <a:pPr marL="201168" lvl="1" indent="0">
-              <a:buNone/>
-            </a:pPr>
+              <a:t>In Social Science, getting people to share their experiences is an important research technique</a:t>
+            </a:r>
+          </a:p>
+          <a:p>
             <a:r>
               <a:rPr lang="en-US" b="1" dirty="0"/>
-              <a:t>Something special:</a:t>
-            </a:r>
-            <a:r>
-              <a:rPr lang="en-US" dirty="0"/>
-              <a:t> The Twine developers never developed its theory. The theory of Twine was developed specially for this course. It is evidence that we can languages which already exist and analyze them in new ways</a:t>
+              <a:t>1. Share</a:t>
+            </a:r>
+            <a:r>
+              <a:rPr lang="en-US" dirty="0"/>
+              <a:t> your experiences playing Twine games. Funny? Weird?</a:t>
+            </a:r>
+          </a:p>
+          <a:p>
+            <a:r>
+              <a:rPr lang="en-US" b="1" dirty="0"/>
+              <a:t>2. </a:t>
+            </a:r>
+            <a:r>
+              <a:rPr lang="en-US" dirty="0"/>
+              <a:t>Has anyone in this room made a Twine game before? If so, share your </a:t>
+            </a:r>
+            <a:r>
+              <a:rPr lang="en-US" b="1" dirty="0"/>
+              <a:t>programmer experience </a:t>
+            </a:r>
+            <a:r>
+              <a:rPr lang="en-US" dirty="0"/>
+              <a:t>making that game</a:t>
+            </a:r>
+          </a:p>
+          <a:p>
+            <a:r>
+              <a:rPr lang="en-US" b="1" dirty="0"/>
+              <a:t>3. </a:t>
+            </a:r>
+            <a:r>
+              <a:rPr lang="en-US" dirty="0"/>
+              <a:t>We’re going to develop the theory of Twine as a way of reviewing our core theory skills. </a:t>
+            </a:r>
+            <a:r>
+              <a:rPr lang="en-US" b="1" dirty="0"/>
+              <a:t>Brainstorm </a:t>
+            </a:r>
+            <a:r>
+              <a:rPr lang="en-US" dirty="0"/>
+              <a:t>how we might represent the (abstract) syntax, semantics, or even type system of Twine</a:t>
             </a:r>
             <a:endParaRPr lang="en-US" b="1" dirty="0"/>
           </a:p>
@@ -13515,313 +16505,37 @@
       </p:sp>
       <p:sp>
         <p:nvSpPr>
-          <p:cNvPr id="5" name="TextBox 4">
+          <p:cNvPr id="4" name="Slide Number Placeholder 3">
             <a:extLst>
               <a:ext uri="{FF2B5EF4-FFF2-40B4-BE49-F238E27FC236}">
-                <a16:creationId xmlns:a16="http://schemas.microsoft.com/office/drawing/2014/main" id="{1AEBEBB3-7461-A3E7-8BB7-FF696B47119F}"/>
+                <a16:creationId xmlns:a16="http://schemas.microsoft.com/office/drawing/2014/main" id="{21982919-C947-9BF2-3732-B934A87F85AE}"/>
               </a:ext>
             </a:extLst>
           </p:cNvPr>
-          <p:cNvSpPr txBox="1"/>
-          <p:nvPr/>
-        </p:nvSpPr>
-        <p:spPr>
-          <a:xfrm>
-            <a:off x="1412508" y="6481449"/>
-            <a:ext cx="8655518" cy="369332"/>
-          </a:xfrm>
-          <a:prstGeom prst="rect">
-            <a:avLst/>
-          </a:prstGeom>
-          <a:noFill/>
-        </p:spPr>
-        <p:txBody>
-          <a:bodyPr wrap="square">
-            <a:spAutoFit/>
-          </a:bodyPr>
-          <a:lstStyle/>
-          <a:p>
-            <a:r>
-              <a:rPr lang="en-US" dirty="0"/>
-              <a:t>https://pixabay.com/vectors/check-mark-tick-mark-check-correct-1292787/</a:t>
-            </a:r>
-          </a:p>
-        </p:txBody>
-      </p:sp>
-      <p:pic>
-        <p:nvPicPr>
-          <p:cNvPr id="1028" name="Picture 4" descr="Free check mark tick mark check vector">
-            <a:extLst>
-              <a:ext uri="{FF2B5EF4-FFF2-40B4-BE49-F238E27FC236}">
-                <a16:creationId xmlns:a16="http://schemas.microsoft.com/office/drawing/2014/main" id="{25F456E6-3810-C29C-AB26-9ECC32287CF8}"/>
-              </a:ext>
-            </a:extLst>
-          </p:cNvPr>
-          <p:cNvPicPr>
-            <a:picLocks noChangeAspect="1" noChangeArrowheads="1"/>
-          </p:cNvPicPr>
-          <p:nvPr/>
-        </p:nvPicPr>
-        <p:blipFill>
-          <a:blip r:embed="rId2">
-            <a:extLst>
-              <a:ext uri="{28A0092B-C50C-407E-A947-70E740481C1C}">
-                <a14:useLocalDpi xmlns:a14="http://schemas.microsoft.com/office/drawing/2010/main" val="0"/>
-              </a:ext>
-            </a:extLst>
-          </a:blip>
-          <a:srcRect/>
-          <a:stretch>
-            <a:fillRect/>
-          </a:stretch>
-        </p:blipFill>
-        <p:spPr bwMode="auto">
-          <a:xfrm>
-            <a:off x="920874" y="2750820"/>
-            <a:ext cx="291852" cy="286350"/>
-          </a:xfrm>
-          <a:prstGeom prst="rect">
-            <a:avLst/>
-          </a:prstGeom>
-          <a:noFill/>
-          <a:extLst>
-            <a:ext uri="{909E8E84-426E-40DD-AFC4-6F175D3DCCD1}">
-              <a14:hiddenFill xmlns:a14="http://schemas.microsoft.com/office/drawing/2010/main">
-                <a:solidFill>
-                  <a:srgbClr val="FFFFFF"/>
-                </a:solidFill>
-              </a14:hiddenFill>
-            </a:ext>
-          </a:extLst>
-        </p:spPr>
-      </p:pic>
-      <p:pic>
-        <p:nvPicPr>
-          <p:cNvPr id="6" name="Picture 4" descr="Free check mark tick mark check vector">
-            <a:extLst>
-              <a:ext uri="{FF2B5EF4-FFF2-40B4-BE49-F238E27FC236}">
-                <a16:creationId xmlns:a16="http://schemas.microsoft.com/office/drawing/2014/main" id="{B9F1E908-D120-A4DD-66BE-A1BC50A7086C}"/>
-              </a:ext>
-            </a:extLst>
-          </p:cNvPr>
-          <p:cNvPicPr>
-            <a:picLocks noChangeAspect="1" noChangeArrowheads="1"/>
-          </p:cNvPicPr>
-          <p:nvPr/>
-        </p:nvPicPr>
-        <p:blipFill>
-          <a:blip r:embed="rId2">
-            <a:extLst>
-              <a:ext uri="{28A0092B-C50C-407E-A947-70E740481C1C}">
-                <a14:useLocalDpi xmlns:a14="http://schemas.microsoft.com/office/drawing/2010/main" val="0"/>
-              </a:ext>
-            </a:extLst>
-          </a:blip>
-          <a:srcRect/>
-          <a:stretch>
-            <a:fillRect/>
-          </a:stretch>
-        </p:blipFill>
-        <p:spPr bwMode="auto">
-          <a:xfrm>
-            <a:off x="920874" y="3145544"/>
-            <a:ext cx="291852" cy="286350"/>
-          </a:xfrm>
-          <a:prstGeom prst="rect">
-            <a:avLst/>
-          </a:prstGeom>
-          <a:noFill/>
-          <a:extLst>
-            <a:ext uri="{909E8E84-426E-40DD-AFC4-6F175D3DCCD1}">
-              <a14:hiddenFill xmlns:a14="http://schemas.microsoft.com/office/drawing/2010/main">
-                <a:solidFill>
-                  <a:srgbClr val="FFFFFF"/>
-                </a:solidFill>
-              </a14:hiddenFill>
-            </a:ext>
-          </a:extLst>
-        </p:spPr>
-      </p:pic>
-      <p:pic>
-        <p:nvPicPr>
-          <p:cNvPr id="7" name="Picture 4" descr="Free check mark tick mark check vector">
-            <a:extLst>
-              <a:ext uri="{FF2B5EF4-FFF2-40B4-BE49-F238E27FC236}">
-                <a16:creationId xmlns:a16="http://schemas.microsoft.com/office/drawing/2014/main" id="{86CB8F38-545C-D0A1-D2E2-6D55D0D60C9D}"/>
-              </a:ext>
-            </a:extLst>
-          </p:cNvPr>
-          <p:cNvPicPr>
-            <a:picLocks noChangeAspect="1" noChangeArrowheads="1"/>
-          </p:cNvPicPr>
-          <p:nvPr/>
-        </p:nvPicPr>
-        <p:blipFill>
-          <a:blip r:embed="rId2">
-            <a:extLst>
-              <a:ext uri="{28A0092B-C50C-407E-A947-70E740481C1C}">
-                <a14:useLocalDpi xmlns:a14="http://schemas.microsoft.com/office/drawing/2010/main" val="0"/>
-              </a:ext>
-            </a:extLst>
-          </a:blip>
-          <a:srcRect/>
-          <a:stretch>
-            <a:fillRect/>
-          </a:stretch>
-        </p:blipFill>
-        <p:spPr bwMode="auto">
-          <a:xfrm>
-            <a:off x="920874" y="3942256"/>
-            <a:ext cx="291852" cy="286350"/>
-          </a:xfrm>
-          <a:prstGeom prst="rect">
-            <a:avLst/>
-          </a:prstGeom>
-          <a:noFill/>
-          <a:extLst>
-            <a:ext uri="{909E8E84-426E-40DD-AFC4-6F175D3DCCD1}">
-              <a14:hiddenFill xmlns:a14="http://schemas.microsoft.com/office/drawing/2010/main">
-                <a:solidFill>
-                  <a:srgbClr val="FFFFFF"/>
-                </a:solidFill>
-              </a14:hiddenFill>
-            </a:ext>
-          </a:extLst>
-        </p:spPr>
-      </p:pic>
-      <p:pic>
-        <p:nvPicPr>
-          <p:cNvPr id="1030" name="Picture 6" descr="Free Cross Delete vector and picture">
-            <a:extLst>
-              <a:ext uri="{FF2B5EF4-FFF2-40B4-BE49-F238E27FC236}">
-                <a16:creationId xmlns:a16="http://schemas.microsoft.com/office/drawing/2014/main" id="{221F1129-6FBC-D830-0695-2028126FC9D9}"/>
-              </a:ext>
-            </a:extLst>
-          </p:cNvPr>
-          <p:cNvPicPr>
-            <a:picLocks noChangeAspect="1" noChangeArrowheads="1"/>
-          </p:cNvPicPr>
-          <p:nvPr/>
-        </p:nvPicPr>
-        <p:blipFill>
-          <a:blip r:embed="rId3">
-            <a:extLst>
-              <a:ext uri="{28A0092B-C50C-407E-A947-70E740481C1C}">
-                <a14:useLocalDpi xmlns:a14="http://schemas.microsoft.com/office/drawing/2010/main" val="0"/>
-              </a:ext>
-            </a:extLst>
-          </a:blip>
-          <a:srcRect/>
-          <a:stretch>
-            <a:fillRect/>
-          </a:stretch>
-        </p:blipFill>
-        <p:spPr bwMode="auto">
-          <a:xfrm>
-            <a:off x="929115" y="2376593"/>
-            <a:ext cx="336330" cy="228600"/>
-          </a:xfrm>
-          <a:prstGeom prst="rect">
-            <a:avLst/>
-          </a:prstGeom>
-          <a:noFill/>
-          <a:extLst>
-            <a:ext uri="{909E8E84-426E-40DD-AFC4-6F175D3DCCD1}">
-              <a14:hiddenFill xmlns:a14="http://schemas.microsoft.com/office/drawing/2010/main">
-                <a:solidFill>
-                  <a:srgbClr val="FFFFFF"/>
-                </a:solidFill>
-              </a14:hiddenFill>
-            </a:ext>
-          </a:extLst>
-        </p:spPr>
-      </p:pic>
-      <p:sp>
-        <p:nvSpPr>
-          <p:cNvPr id="9" name="TextBox 8">
-            <a:extLst>
-              <a:ext uri="{FF2B5EF4-FFF2-40B4-BE49-F238E27FC236}">
-                <a16:creationId xmlns:a16="http://schemas.microsoft.com/office/drawing/2014/main" id="{76973321-78F3-C4C7-6329-51C5FDC24A0F}"/>
-              </a:ext>
-            </a:extLst>
-          </p:cNvPr>
-          <p:cNvSpPr txBox="1"/>
-          <p:nvPr/>
-        </p:nvSpPr>
-        <p:spPr>
-          <a:xfrm>
-            <a:off x="1539240" y="6296783"/>
-            <a:ext cx="7020026" cy="369332"/>
-          </a:xfrm>
-          <a:prstGeom prst="rect">
-            <a:avLst/>
-          </a:prstGeom>
-          <a:noFill/>
-        </p:spPr>
-        <p:txBody>
-          <a:bodyPr wrap="square">
-            <a:spAutoFit/>
-          </a:bodyPr>
-          <a:lstStyle/>
-          <a:p>
-            <a:r>
-              <a:rPr lang="en-US" dirty="0"/>
-              <a:t>https://pixabay.com/vectors/cross-delete-remove-cancel-abort-296507/</a:t>
-            </a:r>
-          </a:p>
-        </p:txBody>
-      </p:sp>
-      <p:pic>
-        <p:nvPicPr>
-          <p:cNvPr id="10" name="Picture 6" descr="Free Cross Delete vector and picture">
-            <a:extLst>
-              <a:ext uri="{FF2B5EF4-FFF2-40B4-BE49-F238E27FC236}">
-                <a16:creationId xmlns:a16="http://schemas.microsoft.com/office/drawing/2014/main" id="{9C46A4C3-225D-080F-A089-1D574F110850}"/>
-              </a:ext>
-            </a:extLst>
-          </p:cNvPr>
-          <p:cNvPicPr>
-            <a:picLocks noChangeAspect="1" noChangeArrowheads="1"/>
-          </p:cNvPicPr>
-          <p:nvPr/>
-        </p:nvPicPr>
-        <p:blipFill>
-          <a:blip r:embed="rId3">
-            <a:extLst>
-              <a:ext uri="{28A0092B-C50C-407E-A947-70E740481C1C}">
-                <a14:useLocalDpi xmlns:a14="http://schemas.microsoft.com/office/drawing/2010/main" val="0"/>
-              </a:ext>
-            </a:extLst>
-          </a:blip>
-          <a:srcRect/>
-          <a:stretch>
-            <a:fillRect/>
-          </a:stretch>
-        </p:blipFill>
-        <p:spPr bwMode="auto">
-          <a:xfrm>
-            <a:off x="937260" y="3571081"/>
-            <a:ext cx="336330" cy="228600"/>
-          </a:xfrm>
-          <a:prstGeom prst="rect">
-            <a:avLst/>
-          </a:prstGeom>
-          <a:noFill/>
-          <a:extLst>
-            <a:ext uri="{909E8E84-426E-40DD-AFC4-6F175D3DCCD1}">
-              <a14:hiddenFill xmlns:a14="http://schemas.microsoft.com/office/drawing/2010/main">
-                <a:solidFill>
-                  <a:srgbClr val="FFFFFF"/>
-                </a:solidFill>
-              </a14:hiddenFill>
-            </a:ext>
-          </a:extLst>
-        </p:spPr>
-      </p:pic>
+          <p:cNvSpPr>
+            <a:spLocks noGrp="1"/>
+          </p:cNvSpPr>
+          <p:nvPr>
+            <p:ph type="sldNum" sz="quarter" idx="12"/>
+          </p:nvPr>
+        </p:nvSpPr>
+        <p:spPr/>
+        <p:txBody>
+          <a:bodyPr/>
+          <a:lstStyle/>
+          <a:p>
+            <a:fld id="{9BF27F29-4B64-4A24-936A-FF41C34C242B}" type="slidenum">
+              <a:rPr lang="en-US" smtClean="0"/>
+              <a:t>8</a:t>
+            </a:fld>
+            <a:endParaRPr lang="en-US"/>
+          </a:p>
+        </p:txBody>
+      </p:sp>
     </p:spTree>
     <p:extLst>
       <p:ext uri="{BB962C8B-B14F-4D97-AF65-F5344CB8AC3E}">
-        <p14:creationId xmlns:p14="http://schemas.microsoft.com/office/powerpoint/2010/main" val="935358856"/>
+        <p14:creationId xmlns:p14="http://schemas.microsoft.com/office/powerpoint/2010/main" val="1417421790"/>
       </p:ext>
     </p:extLst>
   </p:cSld>
@@ -13853,7 +16567,7 @@
           <p:cNvPr id="2" name="Title 1">
             <a:extLst>
               <a:ext uri="{FF2B5EF4-FFF2-40B4-BE49-F238E27FC236}">
-                <a16:creationId xmlns:a16="http://schemas.microsoft.com/office/drawing/2014/main" id="{6F338B65-F577-FA2A-2899-8247AB2F5677}"/>
+                <a16:creationId xmlns:a16="http://schemas.microsoft.com/office/drawing/2014/main" id="{E4B899DD-9F23-0455-97FD-AFB947B62C58}"/>
               </a:ext>
             </a:extLst>
           </p:cNvPr>
@@ -13870,8 +16584,8 @@
           <a:lstStyle/>
           <a:p>
             <a:r>
-              <a:rPr lang="en-US" dirty="0"/>
-              <a:t>Concrete Syntax? No</a:t>
+              <a:rPr lang="en-US" b="1" dirty="0"/>
+              <a:t>Demo of Twine Editor</a:t>
             </a:r>
           </a:p>
         </p:txBody>
@@ -13881,7 +16595,7 @@
           <p:cNvPr id="3" name="Content Placeholder 2">
             <a:extLst>
               <a:ext uri="{FF2B5EF4-FFF2-40B4-BE49-F238E27FC236}">
-                <a16:creationId xmlns:a16="http://schemas.microsoft.com/office/drawing/2014/main" id="{EEA0C14C-D9D5-DDD7-A7C6-DA0D1643F98E}"/>
+                <a16:creationId xmlns:a16="http://schemas.microsoft.com/office/drawing/2014/main" id="{F8618FAE-8D3E-D9BA-6292-F6C96C3CEC18}"/>
               </a:ext>
             </a:extLst>
           </p:cNvPr>
@@ -13898,105 +16612,51 @@
           <a:lstStyle/>
           <a:p>
             <a:r>
-              <a:rPr lang="en-US" dirty="0"/>
-              <a:t>The </a:t>
-            </a:r>
-            <a:r>
-              <a:rPr lang="en-US" b="1" dirty="0"/>
-              <a:t>concrete syntax</a:t>
-            </a:r>
-            <a:r>
-              <a:rPr lang="en-US" dirty="0"/>
-              <a:t> of a programming language means the </a:t>
-            </a:r>
-            <a:r>
-              <a:rPr lang="en-US" b="1" dirty="0"/>
-              <a:t>exact way</a:t>
-            </a:r>
-            <a:r>
-              <a:rPr lang="en-US" dirty="0"/>
-              <a:t> a program is written down in source code</a:t>
-            </a:r>
-          </a:p>
-          <a:p>
-            <a:r>
-              <a:rPr lang="en-US" dirty="0"/>
-              <a:t>In most programming languages, source code = text file</a:t>
-            </a:r>
-          </a:p>
-          <a:p>
-            <a:r>
-              <a:rPr lang="en-US" dirty="0"/>
-              <a:t>Twine’s story is more complicated:</a:t>
-            </a:r>
-          </a:p>
-          <a:p>
-            <a:pPr lvl="1"/>
-            <a:r>
-              <a:rPr lang="en-US" dirty="0"/>
-              <a:t>It lets you code in full PLs</a:t>
-            </a:r>
-          </a:p>
-          <a:p>
-            <a:pPr lvl="1"/>
-            <a:r>
-              <a:rPr lang="en-US" dirty="0"/>
-              <a:t>Or use graphical editor</a:t>
-            </a:r>
-          </a:p>
-          <a:p>
-            <a:r>
-              <a:rPr lang="en-US" dirty="0"/>
-              <a:t>Both would be complicated to</a:t>
-            </a:r>
-            <a:br>
-              <a:rPr lang="en-US" dirty="0"/>
-            </a:br>
-            <a:r>
-              <a:rPr lang="en-US" dirty="0"/>
-              <a:t>define concrete syntax</a:t>
-            </a:r>
-          </a:p>
-          <a:p>
-            <a:pPr lvl="1"/>
+              <a:rPr lang="en-US" dirty="0">
+                <a:hlinkClick r:id="rId2"/>
+              </a:rPr>
+              <a:t>https://twinery.org/2/#/</a:t>
+            </a:r>
             <a:endParaRPr lang="en-US" dirty="0"/>
           </a:p>
-        </p:txBody>
-      </p:sp>
-      <p:pic>
-        <p:nvPicPr>
-          <p:cNvPr id="5" name="Picture 4">
+          <a:p>
+            <a:endParaRPr lang="en-US" b="1" dirty="0"/>
+          </a:p>
+        </p:txBody>
+      </p:sp>
+      <p:sp>
+        <p:nvSpPr>
+          <p:cNvPr id="4" name="Slide Number Placeholder 3">
             <a:extLst>
               <a:ext uri="{FF2B5EF4-FFF2-40B4-BE49-F238E27FC236}">
-                <a16:creationId xmlns:a16="http://schemas.microsoft.com/office/drawing/2014/main" id="{726DF87E-66BD-5010-87E4-6C42319ABAD7}"/>
+                <a16:creationId xmlns:a16="http://schemas.microsoft.com/office/drawing/2014/main" id="{21982919-C947-9BF2-3732-B934A87F85AE}"/>
               </a:ext>
             </a:extLst>
           </p:cNvPr>
-          <p:cNvPicPr>
-            <a:picLocks noChangeAspect="1"/>
-          </p:cNvPicPr>
-          <p:nvPr/>
-        </p:nvPicPr>
-        <p:blipFill>
-          <a:blip r:embed="rId2"/>
-          <a:stretch>
-            <a:fillRect/>
-          </a:stretch>
-        </p:blipFill>
-        <p:spPr>
-          <a:xfrm>
-            <a:off x="6222295" y="3676649"/>
-            <a:ext cx="4014610" cy="2419352"/>
-          </a:xfrm>
-          <a:prstGeom prst="rect">
-            <a:avLst/>
-          </a:prstGeom>
-        </p:spPr>
-      </p:pic>
+          <p:cNvSpPr>
+            <a:spLocks noGrp="1"/>
+          </p:cNvSpPr>
+          <p:nvPr>
+            <p:ph type="sldNum" sz="quarter" idx="12"/>
+          </p:nvPr>
+        </p:nvSpPr>
+        <p:spPr/>
+        <p:txBody>
+          <a:bodyPr/>
+          <a:lstStyle/>
+          <a:p>
+            <a:fld id="{9BF27F29-4B64-4A24-936A-FF41C34C242B}" type="slidenum">
+              <a:rPr lang="en-US" smtClean="0"/>
+              <a:t>9</a:t>
+            </a:fld>
+            <a:endParaRPr lang="en-US"/>
+          </a:p>
+        </p:txBody>
+      </p:sp>
     </p:spTree>
     <p:extLst>
       <p:ext uri="{BB962C8B-B14F-4D97-AF65-F5344CB8AC3E}">
-        <p14:creationId xmlns:p14="http://schemas.microsoft.com/office/powerpoint/2010/main" val="2168182464"/>
+        <p14:creationId xmlns:p14="http://schemas.microsoft.com/office/powerpoint/2010/main" val="2775605573"/>
       </p:ext>
     </p:extLst>
   </p:cSld>

--- a/LectureSlides/12Play.pptx
+++ b/LectureSlides/12Play.pptx
@@ -236,7 +236,7 @@
           <a:p>
             <a:fld id="{E1E7BBD2-A5D0-4B1D-B889-8F7B657ECBD9}" type="datetimeFigureOut">
               <a:rPr lang="en-US" smtClean="0"/>
-              <a:t>10/6/2023</a:t>
+              <a:t>11/27/2023</a:t>
             </a:fld>
             <a:endParaRPr lang="en-US"/>
           </a:p>
@@ -946,7 +946,7 @@
           <a:p>
             <a:fld id="{3E9D31C7-122C-435B-90FC-50DD85BE55EF}" type="datetime1">
               <a:rPr lang="en-US" smtClean="0"/>
-              <a:t>10/6/2023</a:t>
+              <a:t>11/27/2023</a:t>
             </a:fld>
             <a:endParaRPr lang="en-US"/>
           </a:p>
@@ -1154,7 +1154,7 @@
           <a:p>
             <a:fld id="{488473BF-09A1-466B-A7A6-38549FBFE505}" type="datetime1">
               <a:rPr lang="en-US" smtClean="0"/>
-              <a:t>10/6/2023</a:t>
+              <a:t>11/27/2023</a:t>
             </a:fld>
             <a:endParaRPr lang="en-US"/>
           </a:p>
@@ -1410,7 +1410,7 @@
           <a:p>
             <a:fld id="{345DF39D-FED1-40D8-98C2-FC0D8062D561}" type="datetime1">
               <a:rPr lang="en-US" smtClean="0"/>
-              <a:t>10/6/2023</a:t>
+              <a:t>11/27/2023</a:t>
             </a:fld>
             <a:endParaRPr lang="en-US"/>
           </a:p>
@@ -1595,7 +1595,7 @@
           <a:p>
             <a:fld id="{F0DC1F15-99DD-4F85-8805-031BFB1FDFEE}" type="datetime1">
               <a:rPr lang="en-US" smtClean="0"/>
-              <a:t>10/6/2023</a:t>
+              <a:t>11/27/2023</a:t>
             </a:fld>
             <a:endParaRPr lang="en-US"/>
           </a:p>
@@ -1938,7 +1938,7 @@
           <a:p>
             <a:fld id="{4FD3917C-92C1-4DE0-A525-FEFA93C4EDC5}" type="datetime1">
               <a:rPr lang="en-US" smtClean="0"/>
-              <a:t>10/6/2023</a:t>
+              <a:t>11/27/2023</a:t>
             </a:fld>
             <a:endParaRPr lang="en-US"/>
           </a:p>
@@ -2243,7 +2243,7 @@
           <a:p>
             <a:fld id="{05EFFDC0-6A7B-4C54-A9E3-0FCB2465AC07}" type="datetime1">
               <a:rPr lang="en-US" smtClean="0"/>
-              <a:t>10/6/2023</a:t>
+              <a:t>11/27/2023</a:t>
             </a:fld>
             <a:endParaRPr lang="en-US"/>
           </a:p>
@@ -2652,7 +2652,7 @@
           <a:p>
             <a:fld id="{BE267F27-CC70-4E8F-B3BE-7482DC477BC3}" type="datetime1">
               <a:rPr lang="en-US" smtClean="0"/>
-              <a:t>10/6/2023</a:t>
+              <a:t>11/27/2023</a:t>
             </a:fld>
             <a:endParaRPr lang="en-US"/>
           </a:p>
@@ -2770,7 +2770,7 @@
           <a:p>
             <a:fld id="{4A31A163-0ACA-4EF8-B5B6-641081AA3A91}" type="datetime1">
               <a:rPr lang="en-US" smtClean="0"/>
-              <a:t>10/6/2023</a:t>
+              <a:t>11/27/2023</a:t>
             </a:fld>
             <a:endParaRPr lang="en-US"/>
           </a:p>
@@ -2941,7 +2941,7 @@
           <a:p>
             <a:fld id="{0FCE04C8-5974-4997-84BF-E0937591C150}" type="datetime1">
               <a:rPr lang="en-US" smtClean="0"/>
-              <a:t>10/6/2023</a:t>
+              <a:t>11/27/2023</a:t>
             </a:fld>
             <a:endParaRPr lang="en-US"/>
           </a:p>
@@ -3310,7 +3310,7 @@
           <a:p>
             <a:fld id="{4ADB9E84-6A1C-445D-8C23-28CE4227726B}" type="datetime1">
               <a:rPr lang="en-US" smtClean="0"/>
-              <a:t>10/6/2023</a:t>
+              <a:t>11/27/2023</a:t>
             </a:fld>
             <a:endParaRPr lang="en-US"/>
           </a:p>
@@ -3687,7 +3687,7 @@
           <a:p>
             <a:fld id="{2B662A3C-15B9-4151-99B4-C52196AB44FF}" type="datetime1">
               <a:rPr lang="en-US" smtClean="0"/>
-              <a:t>10/6/2023</a:t>
+              <a:t>11/27/2023</a:t>
             </a:fld>
             <a:endParaRPr lang="en-US"/>
           </a:p>
@@ -3974,7 +3974,7 @@
           <a:p>
             <a:fld id="{B9F4A52E-49FE-4853-B299-1ACC78E1A660}" type="datetime1">
               <a:rPr lang="en-US" smtClean="0"/>
-              <a:t>10/6/2023</a:t>
+              <a:t>11/27/2023</a:t>
             </a:fld>
             <a:endParaRPr lang="en-US"/>
           </a:p>
@@ -6439,8 +6439,8 @@
           </a:p>
         </p:txBody>
       </p:sp>
-      <mc:AlternateContent xmlns:mc="http://schemas.openxmlformats.org/markup-compatibility/2006">
-        <mc:Choice xmlns:a14="http://schemas.microsoft.com/office/drawing/2010/main" Requires="a14">
+      <mc:AlternateContent xmlns:mc="http://schemas.openxmlformats.org/markup-compatibility/2006" xmlns:a14="http://schemas.microsoft.com/office/drawing/2010/main">
+        <mc:Choice Requires="a14">
           <p:sp>
             <p:nvSpPr>
               <p:cNvPr id="3" name="Content Placeholder 2">
@@ -6886,7 +6886,7 @@
             </p:txBody>
           </p:sp>
         </mc:Choice>
-        <mc:Fallback>
+        <mc:Fallback xmlns="">
           <p:sp>
             <p:nvSpPr>
               <p:cNvPr id="3" name="Content Placeholder 2">
@@ -7013,8 +7013,8 @@
           </a:p>
         </p:txBody>
       </p:sp>
-      <mc:AlternateContent xmlns:mc="http://schemas.openxmlformats.org/markup-compatibility/2006">
-        <mc:Choice xmlns:a14="http://schemas.microsoft.com/office/drawing/2010/main" Requires="a14">
+      <mc:AlternateContent xmlns:mc="http://schemas.openxmlformats.org/markup-compatibility/2006" xmlns:a14="http://schemas.microsoft.com/office/drawing/2010/main">
+        <mc:Choice Requires="a14">
           <p:sp>
             <p:nvSpPr>
               <p:cNvPr id="3" name="Content Placeholder 2">
@@ -7134,7 +7134,7 @@
             </p:txBody>
           </p:sp>
         </mc:Choice>
-        <mc:Fallback>
+        <mc:Fallback xmlns="">
           <p:sp>
             <p:nvSpPr>
               <p:cNvPr id="3" name="Content Placeholder 2">
@@ -8159,8 +8159,8 @@
             <a:chExt cx="2580198" cy="2129918"/>
           </a:xfrm>
         </p:grpSpPr>
-        <mc:AlternateContent xmlns:mc="http://schemas.openxmlformats.org/markup-compatibility/2006">
-          <mc:Choice xmlns:a14="http://schemas.microsoft.com/office/drawing/2010/main" Requires="a14">
+        <mc:AlternateContent xmlns:mc="http://schemas.openxmlformats.org/markup-compatibility/2006" xmlns:a14="http://schemas.microsoft.com/office/drawing/2010/main">
+          <mc:Choice Requires="a14">
             <p:sp>
               <p:nvSpPr>
                 <p:cNvPr id="4" name="Content Placeholder 2">
@@ -8684,7 +8684,7 @@
               </p:txBody>
             </p:sp>
           </mc:Choice>
-          <mc:Fallback>
+          <mc:Fallback xmlns="">
             <p:sp>
               <p:nvSpPr>
                 <p:cNvPr id="4" name="Content Placeholder 2">
@@ -8793,8 +8793,8 @@
             <a:chExt cx="2643941" cy="2129918"/>
           </a:xfrm>
         </p:grpSpPr>
-        <mc:AlternateContent xmlns:mc="http://schemas.openxmlformats.org/markup-compatibility/2006">
-          <mc:Choice xmlns:a14="http://schemas.microsoft.com/office/drawing/2010/main" Requires="a14">
+        <mc:AlternateContent xmlns:mc="http://schemas.openxmlformats.org/markup-compatibility/2006" xmlns:a14="http://schemas.microsoft.com/office/drawing/2010/main">
+          <mc:Choice Requires="a14">
             <p:sp>
               <p:nvSpPr>
                 <p:cNvPr id="5" name="Content Placeholder 2">
@@ -9218,7 +9218,7 @@
               </p:txBody>
             </p:sp>
           </mc:Choice>
-          <mc:Fallback>
+          <mc:Fallback xmlns="">
             <p:sp>
               <p:nvSpPr>
                 <p:cNvPr id="5" name="Content Placeholder 2">
@@ -15314,41 +15314,62 @@
         <p:spPr/>
         <p:txBody>
           <a:bodyPr>
-            <a:normAutofit lnSpcReduction="10000"/>
+            <a:normAutofit/>
           </a:bodyPr>
           <a:lstStyle/>
           <a:p>
             <a:r>
-              <a:rPr lang="en-US" dirty="0"/>
+              <a:rPr lang="en-US" dirty="0">
+                <a:solidFill>
+                  <a:schemeClr val="bg1"/>
+                </a:solidFill>
+              </a:rPr>
               <a:t>Through </a:t>
             </a:r>
             <a:r>
-              <a:rPr lang="en-US" b="1" dirty="0"/>
+              <a:rPr lang="en-US" b="1" dirty="0">
+                <a:solidFill>
+                  <a:schemeClr val="bg1"/>
+                </a:solidFill>
+              </a:rPr>
               <a:t>Twine,</a:t>
             </a:r>
             <a:r>
-              <a:rPr lang="en-US" dirty="0"/>
+              <a:rPr lang="en-US" dirty="0">
+                <a:solidFill>
+                  <a:schemeClr val="bg1"/>
+                </a:solidFill>
+              </a:rPr>
               <a:t> we reviewed:</a:t>
             </a:r>
           </a:p>
           <a:p>
-            <a:pPr lvl="1"/>
-            <a:r>
-              <a:rPr lang="en-US" dirty="0"/>
+            <a:r>
+              <a:rPr lang="en-US" dirty="0">
+                <a:solidFill>
+                  <a:schemeClr val="bg1"/>
+                </a:solidFill>
+              </a:rPr>
               <a:t>The concepts of abstract syntax and semantics</a:t>
             </a:r>
           </a:p>
           <a:p>
-            <a:pPr lvl="1"/>
-            <a:r>
-              <a:rPr lang="en-US" dirty="0"/>
+            <a:r>
+              <a:rPr lang="en-US" dirty="0">
+                <a:solidFill>
+                  <a:schemeClr val="bg1"/>
+                </a:solidFill>
+              </a:rPr>
               <a:t>Core notation for operational semantics</a:t>
             </a:r>
           </a:p>
           <a:p>
-            <a:pPr lvl="1"/>
-            <a:r>
-              <a:rPr lang="en-US" dirty="0"/>
+            <a:r>
+              <a:rPr lang="en-US" dirty="0">
+                <a:solidFill>
+                  <a:schemeClr val="bg1"/>
+                </a:solidFill>
+              </a:rPr>
               <a:t>The use of theory to predict program behavior</a:t>
             </a:r>
           </a:p>
@@ -15385,16 +15406,6 @@
             <a:r>
               <a:rPr lang="en-US" dirty="0"/>
               <a:t>The relationship between PL design and Programmer Experience</a:t>
-            </a:r>
-          </a:p>
-          <a:p>
-            <a:r>
-              <a:rPr lang="en-US" b="1" dirty="0"/>
-              <a:t>Not on exam: </a:t>
-            </a:r>
-            <a:r>
-              <a:rPr lang="en-US" dirty="0"/>
-              <a:t>deterministic finite automata</a:t>
             </a:r>
           </a:p>
           <a:p>
@@ -15834,12 +15845,6 @@
             <a:r>
               <a:rPr lang="en-US" dirty="0"/>
               <a:t>Final exam during class time in classroom, last day</a:t>
-            </a:r>
-          </a:p>
-          <a:p>
-            <a:r>
-              <a:rPr lang="en-US" dirty="0"/>
-              <a:t>For CS4536: Prof. Bohrer is absent the last week of A term due to a research conference. The review session and exam will be run by our teaching assistant</a:t>
             </a:r>
           </a:p>
           <a:p>

--- a/LectureSlides/12Play.pptx
+++ b/LectureSlides/12Play.pptx
@@ -236,7 +236,7 @@
           <a:p>
             <a:fld id="{E1E7BBD2-A5D0-4B1D-B889-8F7B657ECBD9}" type="datetimeFigureOut">
               <a:rPr lang="en-US" smtClean="0"/>
-              <a:t>11/27/2023</a:t>
+              <a:t>12/6/2023</a:t>
             </a:fld>
             <a:endParaRPr lang="en-US"/>
           </a:p>
@@ -946,7 +946,7 @@
           <a:p>
             <a:fld id="{3E9D31C7-122C-435B-90FC-50DD85BE55EF}" type="datetime1">
               <a:rPr lang="en-US" smtClean="0"/>
-              <a:t>11/27/2023</a:t>
+              <a:t>12/6/2023</a:t>
             </a:fld>
             <a:endParaRPr lang="en-US"/>
           </a:p>
@@ -1154,7 +1154,7 @@
           <a:p>
             <a:fld id="{488473BF-09A1-466B-A7A6-38549FBFE505}" type="datetime1">
               <a:rPr lang="en-US" smtClean="0"/>
-              <a:t>11/27/2023</a:t>
+              <a:t>12/6/2023</a:t>
             </a:fld>
             <a:endParaRPr lang="en-US"/>
           </a:p>
@@ -1410,7 +1410,7 @@
           <a:p>
             <a:fld id="{345DF39D-FED1-40D8-98C2-FC0D8062D561}" type="datetime1">
               <a:rPr lang="en-US" smtClean="0"/>
-              <a:t>11/27/2023</a:t>
+              <a:t>12/6/2023</a:t>
             </a:fld>
             <a:endParaRPr lang="en-US"/>
           </a:p>
@@ -1595,7 +1595,7 @@
           <a:p>
             <a:fld id="{F0DC1F15-99DD-4F85-8805-031BFB1FDFEE}" type="datetime1">
               <a:rPr lang="en-US" smtClean="0"/>
-              <a:t>11/27/2023</a:t>
+              <a:t>12/6/2023</a:t>
             </a:fld>
             <a:endParaRPr lang="en-US"/>
           </a:p>
@@ -1938,7 +1938,7 @@
           <a:p>
             <a:fld id="{4FD3917C-92C1-4DE0-A525-FEFA93C4EDC5}" type="datetime1">
               <a:rPr lang="en-US" smtClean="0"/>
-              <a:t>11/27/2023</a:t>
+              <a:t>12/6/2023</a:t>
             </a:fld>
             <a:endParaRPr lang="en-US"/>
           </a:p>
@@ -2243,7 +2243,7 @@
           <a:p>
             <a:fld id="{05EFFDC0-6A7B-4C54-A9E3-0FCB2465AC07}" type="datetime1">
               <a:rPr lang="en-US" smtClean="0"/>
-              <a:t>11/27/2023</a:t>
+              <a:t>12/6/2023</a:t>
             </a:fld>
             <a:endParaRPr lang="en-US"/>
           </a:p>
@@ -2652,7 +2652,7 @@
           <a:p>
             <a:fld id="{BE267F27-CC70-4E8F-B3BE-7482DC477BC3}" type="datetime1">
               <a:rPr lang="en-US" smtClean="0"/>
-              <a:t>11/27/2023</a:t>
+              <a:t>12/6/2023</a:t>
             </a:fld>
             <a:endParaRPr lang="en-US"/>
           </a:p>
@@ -2770,7 +2770,7 @@
           <a:p>
             <a:fld id="{4A31A163-0ACA-4EF8-B5B6-641081AA3A91}" type="datetime1">
               <a:rPr lang="en-US" smtClean="0"/>
-              <a:t>11/27/2023</a:t>
+              <a:t>12/6/2023</a:t>
             </a:fld>
             <a:endParaRPr lang="en-US"/>
           </a:p>
@@ -2941,7 +2941,7 @@
           <a:p>
             <a:fld id="{0FCE04C8-5974-4997-84BF-E0937591C150}" type="datetime1">
               <a:rPr lang="en-US" smtClean="0"/>
-              <a:t>11/27/2023</a:t>
+              <a:t>12/6/2023</a:t>
             </a:fld>
             <a:endParaRPr lang="en-US"/>
           </a:p>
@@ -3310,7 +3310,7 @@
           <a:p>
             <a:fld id="{4ADB9E84-6A1C-445D-8C23-28CE4227726B}" type="datetime1">
               <a:rPr lang="en-US" smtClean="0"/>
-              <a:t>11/27/2023</a:t>
+              <a:t>12/6/2023</a:t>
             </a:fld>
             <a:endParaRPr lang="en-US"/>
           </a:p>
@@ -3687,7 +3687,7 @@
           <a:p>
             <a:fld id="{2B662A3C-15B9-4151-99B4-C52196AB44FF}" type="datetime1">
               <a:rPr lang="en-US" smtClean="0"/>
-              <a:t>11/27/2023</a:t>
+              <a:t>12/6/2023</a:t>
             </a:fld>
             <a:endParaRPr lang="en-US"/>
           </a:p>
@@ -3974,7 +3974,7 @@
           <a:p>
             <a:fld id="{B9F4A52E-49FE-4853-B299-1ACC78E1A660}" type="datetime1">
               <a:rPr lang="en-US" smtClean="0"/>
-              <a:t>11/27/2023</a:t>
+              <a:t>12/6/2023</a:t>
             </a:fld>
             <a:endParaRPr lang="en-US"/>
           </a:p>
@@ -6301,15 +6301,16 @@
                   <a:srgbClr val="000000"/>
                 </a:solidFill>
               </a:rPr>
-              <a:t>Every (</a:t>
-            </a:r>
-            <a:r>
-              <a:rPr lang="en-US" dirty="0" err="1">
+              <a:t>Every (u,</a:t>
+            </a:r>
+            <a:r>
+              <a:rPr lang="en-US" b="0" i="0" dirty="0">
                 <a:solidFill>
                   <a:srgbClr val="000000"/>
                 </a:solidFill>
+                <a:effectLst/>
               </a:rPr>
-              <a:t>u,v</a:t>
+              <a:t> ℓ</a:t>
             </a:r>
             <a:r>
               <a:rPr lang="en-US" dirty="0">
@@ -15693,17 +15694,6 @@
               <a:t>While still learning some things</a:t>
             </a:r>
           </a:p>
-          <a:p>
-            <a:r>
-              <a:rPr lang="en-US" b="1" dirty="0"/>
-              <a:t>HW5 Note:</a:t>
-            </a:r>
-            <a:r>
-              <a:rPr lang="en-US" dirty="0"/>
-              <a:t> HW5 coding is intended to be easier than the others, leave time for studying</a:t>
-            </a:r>
-            <a:endParaRPr lang="en-US" b="1" dirty="0"/>
-          </a:p>
         </p:txBody>
       </p:sp>
       <p:sp>

--- a/LectureSlides/12Play.pptx
+++ b/LectureSlides/12Play.pptx
@@ -236,7 +236,7 @@
           <a:p>
             <a:fld id="{E1E7BBD2-A5D0-4B1D-B889-8F7B657ECBD9}" type="datetimeFigureOut">
               <a:rPr lang="en-US" smtClean="0"/>
-              <a:t>12/6/2023</a:t>
+              <a:t>10/14/2024</a:t>
             </a:fld>
             <a:endParaRPr lang="en-US"/>
           </a:p>
@@ -946,7 +946,7 @@
           <a:p>
             <a:fld id="{3E9D31C7-122C-435B-90FC-50DD85BE55EF}" type="datetime1">
               <a:rPr lang="en-US" smtClean="0"/>
-              <a:t>12/6/2023</a:t>
+              <a:t>10/14/2024</a:t>
             </a:fld>
             <a:endParaRPr lang="en-US"/>
           </a:p>
@@ -1154,7 +1154,7 @@
           <a:p>
             <a:fld id="{488473BF-09A1-466B-A7A6-38549FBFE505}" type="datetime1">
               <a:rPr lang="en-US" smtClean="0"/>
-              <a:t>12/6/2023</a:t>
+              <a:t>10/14/2024</a:t>
             </a:fld>
             <a:endParaRPr lang="en-US"/>
           </a:p>
@@ -1410,7 +1410,7 @@
           <a:p>
             <a:fld id="{345DF39D-FED1-40D8-98C2-FC0D8062D561}" type="datetime1">
               <a:rPr lang="en-US" smtClean="0"/>
-              <a:t>12/6/2023</a:t>
+              <a:t>10/14/2024</a:t>
             </a:fld>
             <a:endParaRPr lang="en-US"/>
           </a:p>
@@ -1595,7 +1595,7 @@
           <a:p>
             <a:fld id="{F0DC1F15-99DD-4F85-8805-031BFB1FDFEE}" type="datetime1">
               <a:rPr lang="en-US" smtClean="0"/>
-              <a:t>12/6/2023</a:t>
+              <a:t>10/14/2024</a:t>
             </a:fld>
             <a:endParaRPr lang="en-US"/>
           </a:p>
@@ -1938,7 +1938,7 @@
           <a:p>
             <a:fld id="{4FD3917C-92C1-4DE0-A525-FEFA93C4EDC5}" type="datetime1">
               <a:rPr lang="en-US" smtClean="0"/>
-              <a:t>12/6/2023</a:t>
+              <a:t>10/14/2024</a:t>
             </a:fld>
             <a:endParaRPr lang="en-US"/>
           </a:p>
@@ -2243,7 +2243,7 @@
           <a:p>
             <a:fld id="{05EFFDC0-6A7B-4C54-A9E3-0FCB2465AC07}" type="datetime1">
               <a:rPr lang="en-US" smtClean="0"/>
-              <a:t>12/6/2023</a:t>
+              <a:t>10/14/2024</a:t>
             </a:fld>
             <a:endParaRPr lang="en-US"/>
           </a:p>
@@ -2652,7 +2652,7 @@
           <a:p>
             <a:fld id="{BE267F27-CC70-4E8F-B3BE-7482DC477BC3}" type="datetime1">
               <a:rPr lang="en-US" smtClean="0"/>
-              <a:t>12/6/2023</a:t>
+              <a:t>10/14/2024</a:t>
             </a:fld>
             <a:endParaRPr lang="en-US"/>
           </a:p>
@@ -2770,7 +2770,7 @@
           <a:p>
             <a:fld id="{4A31A163-0ACA-4EF8-B5B6-641081AA3A91}" type="datetime1">
               <a:rPr lang="en-US" smtClean="0"/>
-              <a:t>12/6/2023</a:t>
+              <a:t>10/14/2024</a:t>
             </a:fld>
             <a:endParaRPr lang="en-US"/>
           </a:p>
@@ -2941,7 +2941,7 @@
           <a:p>
             <a:fld id="{0FCE04C8-5974-4997-84BF-E0937591C150}" type="datetime1">
               <a:rPr lang="en-US" smtClean="0"/>
-              <a:t>12/6/2023</a:t>
+              <a:t>10/14/2024</a:t>
             </a:fld>
             <a:endParaRPr lang="en-US"/>
           </a:p>
@@ -3310,7 +3310,7 @@
           <a:p>
             <a:fld id="{4ADB9E84-6A1C-445D-8C23-28CE4227726B}" type="datetime1">
               <a:rPr lang="en-US" smtClean="0"/>
-              <a:t>12/6/2023</a:t>
+              <a:t>10/14/2024</a:t>
             </a:fld>
             <a:endParaRPr lang="en-US"/>
           </a:p>
@@ -3687,7 +3687,7 @@
           <a:p>
             <a:fld id="{2B662A3C-15B9-4151-99B4-C52196AB44FF}" type="datetime1">
               <a:rPr lang="en-US" smtClean="0"/>
-              <a:t>12/6/2023</a:t>
+              <a:t>10/14/2024</a:t>
             </a:fld>
             <a:endParaRPr lang="en-US"/>
           </a:p>
@@ -3974,7 +3974,7 @@
           <a:p>
             <a:fld id="{B9F4A52E-49FE-4853-B299-1ACC78E1A660}" type="datetime1">
               <a:rPr lang="en-US" smtClean="0"/>
-              <a:t>12/6/2023</a:t>
+              <a:t>10/14/2024</a:t>
             </a:fld>
             <a:endParaRPr lang="en-US"/>
           </a:p>
@@ -4550,15 +4550,23 @@
           <a:p>
             <a:r>
               <a:rPr lang="en-US" dirty="0"/>
-              <a:t>Slides  ©2023 Rose </a:t>
+              <a:t>Slides  </a:t>
+            </a:r>
+            <a:r>
+              <a:rPr lang="en-US"/>
+              <a:t>©2024 </a:t>
+            </a:r>
+            <a:r>
+              <a:rPr lang="en-US" dirty="0"/>
+              <a:t>Rose </a:t>
             </a:r>
             <a:r>
               <a:rPr lang="en-US" dirty="0" err="1"/>
-              <a:t>bohrer</a:t>
-            </a:r>
-            <a:r>
-              <a:rPr lang="en-US" dirty="0"/>
-              <a:t>, used for cs 4536/536 at </a:t>
+              <a:t>bohrer,</a:t>
+            </a:r>
+            <a:r>
+              <a:rPr lang="en-US" dirty="0"/>
+              <a:t> used for cs 4536/536 at </a:t>
             </a:r>
             <a:r>
               <a:rPr lang="en-US" dirty="0" err="1"/>

--- a/LectureSlides/12Play.pptx
+++ b/LectureSlides/12Play.pptx
@@ -236,7 +236,7 @@
           <a:p>
             <a:fld id="{E1E7BBD2-A5D0-4B1D-B889-8F7B657ECBD9}" type="datetimeFigureOut">
               <a:rPr lang="en-US" smtClean="0"/>
-              <a:t>10/14/2024</a:t>
+              <a:t>12/6/2024</a:t>
             </a:fld>
             <a:endParaRPr lang="en-US"/>
           </a:p>
@@ -946,7 +946,7 @@
           <a:p>
             <a:fld id="{3E9D31C7-122C-435B-90FC-50DD85BE55EF}" type="datetime1">
               <a:rPr lang="en-US" smtClean="0"/>
-              <a:t>10/14/2024</a:t>
+              <a:t>12/6/2024</a:t>
             </a:fld>
             <a:endParaRPr lang="en-US"/>
           </a:p>
@@ -1154,7 +1154,7 @@
           <a:p>
             <a:fld id="{488473BF-09A1-466B-A7A6-38549FBFE505}" type="datetime1">
               <a:rPr lang="en-US" smtClean="0"/>
-              <a:t>10/14/2024</a:t>
+              <a:t>12/6/2024</a:t>
             </a:fld>
             <a:endParaRPr lang="en-US"/>
           </a:p>
@@ -1410,7 +1410,7 @@
           <a:p>
             <a:fld id="{345DF39D-FED1-40D8-98C2-FC0D8062D561}" type="datetime1">
               <a:rPr lang="en-US" smtClean="0"/>
-              <a:t>10/14/2024</a:t>
+              <a:t>12/6/2024</a:t>
             </a:fld>
             <a:endParaRPr lang="en-US"/>
           </a:p>
@@ -1595,7 +1595,7 @@
           <a:p>
             <a:fld id="{F0DC1F15-99DD-4F85-8805-031BFB1FDFEE}" type="datetime1">
               <a:rPr lang="en-US" smtClean="0"/>
-              <a:t>10/14/2024</a:t>
+              <a:t>12/6/2024</a:t>
             </a:fld>
             <a:endParaRPr lang="en-US"/>
           </a:p>
@@ -1938,7 +1938,7 @@
           <a:p>
             <a:fld id="{4FD3917C-92C1-4DE0-A525-FEFA93C4EDC5}" type="datetime1">
               <a:rPr lang="en-US" smtClean="0"/>
-              <a:t>10/14/2024</a:t>
+              <a:t>12/6/2024</a:t>
             </a:fld>
             <a:endParaRPr lang="en-US"/>
           </a:p>
@@ -2243,7 +2243,7 @@
           <a:p>
             <a:fld id="{05EFFDC0-6A7B-4C54-A9E3-0FCB2465AC07}" type="datetime1">
               <a:rPr lang="en-US" smtClean="0"/>
-              <a:t>10/14/2024</a:t>
+              <a:t>12/6/2024</a:t>
             </a:fld>
             <a:endParaRPr lang="en-US"/>
           </a:p>
@@ -2652,7 +2652,7 @@
           <a:p>
             <a:fld id="{BE267F27-CC70-4E8F-B3BE-7482DC477BC3}" type="datetime1">
               <a:rPr lang="en-US" smtClean="0"/>
-              <a:t>10/14/2024</a:t>
+              <a:t>12/6/2024</a:t>
             </a:fld>
             <a:endParaRPr lang="en-US"/>
           </a:p>
@@ -2770,7 +2770,7 @@
           <a:p>
             <a:fld id="{4A31A163-0ACA-4EF8-B5B6-641081AA3A91}" type="datetime1">
               <a:rPr lang="en-US" smtClean="0"/>
-              <a:t>10/14/2024</a:t>
+              <a:t>12/6/2024</a:t>
             </a:fld>
             <a:endParaRPr lang="en-US"/>
           </a:p>
@@ -2941,7 +2941,7 @@
           <a:p>
             <a:fld id="{0FCE04C8-5974-4997-84BF-E0937591C150}" type="datetime1">
               <a:rPr lang="en-US" smtClean="0"/>
-              <a:t>10/14/2024</a:t>
+              <a:t>12/6/2024</a:t>
             </a:fld>
             <a:endParaRPr lang="en-US"/>
           </a:p>
@@ -3310,7 +3310,7 @@
           <a:p>
             <a:fld id="{4ADB9E84-6A1C-445D-8C23-28CE4227726B}" type="datetime1">
               <a:rPr lang="en-US" smtClean="0"/>
-              <a:t>10/14/2024</a:t>
+              <a:t>12/6/2024</a:t>
             </a:fld>
             <a:endParaRPr lang="en-US"/>
           </a:p>
@@ -3687,7 +3687,7 @@
           <a:p>
             <a:fld id="{2B662A3C-15B9-4151-99B4-C52196AB44FF}" type="datetime1">
               <a:rPr lang="en-US" smtClean="0"/>
-              <a:t>10/14/2024</a:t>
+              <a:t>12/6/2024</a:t>
             </a:fld>
             <a:endParaRPr lang="en-US"/>
           </a:p>
@@ -3974,7 +3974,7 @@
           <a:p>
             <a:fld id="{B9F4A52E-49FE-4853-B299-1ACC78E1A660}" type="datetime1">
               <a:rPr lang="en-US" smtClean="0"/>
-              <a:t>10/14/2024</a:t>
+              <a:t>12/6/2024</a:t>
             </a:fld>
             <a:endParaRPr lang="en-US"/>
           </a:p>
@@ -15541,7 +15541,15 @@
           <a:p>
             <a:r>
               <a:rPr lang="en-US" dirty="0"/>
-              <a:t>Approach: I release a set of practice problems on Canvas. The exam problems are a subset of the practice problems</a:t>
+              <a:t>Approach: I release a set of practice problems on Canvas. Most </a:t>
+            </a:r>
+            <a:r>
+              <a:rPr lang="en-US"/>
+              <a:t>of the exam </a:t>
+            </a:r>
+            <a:r>
+              <a:rPr lang="en-US" dirty="0"/>
+              <a:t>problems are a subset of the practice problems</a:t>
             </a:r>
           </a:p>
           <a:p>
